--- a/fraud_detection_lecture.pptx
+++ b/fraud_detection_lecture.pptx
@@ -5,35 +5,35 @@
     <p:sldMasterId id="2147483648" r:id="rId4"/>
   </p:sldMasterIdLst>
   <p:notesMasterIdLst>
-    <p:notesMasterId r:id="rId42"/>
+    <p:notesMasterId r:id="rId43"/>
   </p:notesMasterIdLst>
   <p:handoutMasterIdLst>
-    <p:handoutMasterId r:id="rId43"/>
+    <p:handoutMasterId r:id="rId44"/>
   </p:handoutMasterIdLst>
   <p:sldIdLst>
     <p:sldId id="334" r:id="rId5"/>
     <p:sldId id="342" r:id="rId6"/>
-    <p:sldId id="351" r:id="rId7"/>
-    <p:sldId id="343" r:id="rId8"/>
-    <p:sldId id="344" r:id="rId9"/>
-    <p:sldId id="345" r:id="rId10"/>
-    <p:sldId id="346" r:id="rId11"/>
-    <p:sldId id="347" r:id="rId12"/>
-    <p:sldId id="348" r:id="rId13"/>
-    <p:sldId id="349" r:id="rId14"/>
-    <p:sldId id="357" r:id="rId15"/>
-    <p:sldId id="352" r:id="rId16"/>
-    <p:sldId id="353" r:id="rId17"/>
-    <p:sldId id="356" r:id="rId18"/>
-    <p:sldId id="359" r:id="rId19"/>
-    <p:sldId id="358" r:id="rId20"/>
-    <p:sldId id="361" r:id="rId21"/>
-    <p:sldId id="362" r:id="rId22"/>
-    <p:sldId id="364" r:id="rId23"/>
-    <p:sldId id="360" r:id="rId24"/>
-    <p:sldId id="365" r:id="rId25"/>
-    <p:sldId id="363" r:id="rId26"/>
-    <p:sldId id="366" r:id="rId27"/>
+    <p:sldId id="343" r:id="rId7"/>
+    <p:sldId id="344" r:id="rId8"/>
+    <p:sldId id="345" r:id="rId9"/>
+    <p:sldId id="346" r:id="rId10"/>
+    <p:sldId id="347" r:id="rId11"/>
+    <p:sldId id="348" r:id="rId12"/>
+    <p:sldId id="349" r:id="rId13"/>
+    <p:sldId id="357" r:id="rId14"/>
+    <p:sldId id="352" r:id="rId15"/>
+    <p:sldId id="353" r:id="rId16"/>
+    <p:sldId id="356" r:id="rId17"/>
+    <p:sldId id="359" r:id="rId18"/>
+    <p:sldId id="358" r:id="rId19"/>
+    <p:sldId id="361" r:id="rId20"/>
+    <p:sldId id="362" r:id="rId21"/>
+    <p:sldId id="364" r:id="rId22"/>
+    <p:sldId id="360" r:id="rId23"/>
+    <p:sldId id="365" r:id="rId24"/>
+    <p:sldId id="363" r:id="rId25"/>
+    <p:sldId id="366" r:id="rId26"/>
+    <p:sldId id="379" r:id="rId27"/>
     <p:sldId id="367" r:id="rId28"/>
     <p:sldId id="368" r:id="rId29"/>
     <p:sldId id="369" r:id="rId30"/>
@@ -45,14 +45,15 @@
     <p:sldId id="375" r:id="rId36"/>
     <p:sldId id="376" r:id="rId37"/>
     <p:sldId id="377" r:id="rId38"/>
-    <p:sldId id="378" r:id="rId39"/>
-    <p:sldId id="316" r:id="rId40"/>
-    <p:sldId id="317" r:id="rId41"/>
+    <p:sldId id="380" r:id="rId39"/>
+    <p:sldId id="378" r:id="rId40"/>
+    <p:sldId id="316" r:id="rId41"/>
+    <p:sldId id="317" r:id="rId42"/>
   </p:sldIdLst>
   <p:sldSz cx="12192000" cy="6858000"/>
   <p:notesSz cx="6858000" cy="9144000"/>
   <p:custDataLst>
-    <p:tags r:id="rId44"/>
+    <p:tags r:id="rId45"/>
   </p:custDataLst>
   <p:defaultTextStyle>
     <a:defPPr>
@@ -156,7 +157,6 @@
           <p14:sldIdLst>
             <p14:sldId id="334"/>
             <p14:sldId id="342"/>
-            <p14:sldId id="351"/>
             <p14:sldId id="343"/>
             <p14:sldId id="344"/>
             <p14:sldId id="345"/>
@@ -177,6 +177,7 @@
             <p14:sldId id="365"/>
             <p14:sldId id="363"/>
             <p14:sldId id="366"/>
+            <p14:sldId id="379"/>
             <p14:sldId id="367"/>
             <p14:sldId id="368"/>
             <p14:sldId id="369"/>
@@ -188,6 +189,7 @@
             <p14:sldId id="375"/>
             <p14:sldId id="376"/>
             <p14:sldId id="377"/>
+            <p14:sldId id="380"/>
             <p14:sldId id="378"/>
           </p14:sldIdLst>
         </p14:section>
@@ -303,7 +305,7 @@
           <a:p>
             <a:fld id="{7C51B798-6D2C-417B-AF46-ECB70983C150}" type="datetimeFigureOut">
               <a:rPr lang="en-US" smtClean="0"/>
-              <a:t>10/30/2022</a:t>
+              <a:t>11/2/2022</a:t>
             </a:fld>
             <a:endParaRPr lang="en-US"/>
           </a:p>
@@ -480,7 +482,7 @@
           <a:p>
             <a:fld id="{0D00A665-AB63-487C-A689-A96D5AA0C864}" type="datetimeFigureOut">
               <a:rPr lang="en-US" smtClean="0"/>
-              <a:t>10/30/2022</a:t>
+              <a:t>11/2/2022</a:t>
             </a:fld>
             <a:endParaRPr lang="en-US"/>
           </a:p>
@@ -816,7 +818,7 @@
           <a:graphicData uri="http://schemas.openxmlformats.org/presentationml/2006/ole">
             <mc:AlternateContent xmlns:mc="http://schemas.openxmlformats.org/markup-compatibility/2006">
               <mc:Choice xmlns:v="urn:schemas-microsoft-com:vml" Requires="v">
-                <p:oleObj spid="_x0000_s4099" name="think-cell Folie" r:id="rId4" imgW="344" imgH="345" progId="TCLayout.ActiveDocument.1">
+                <p:oleObj spid="_x0000_s4115" name="think-cell Folie" r:id="rId4" imgW="344" imgH="345" progId="TCLayout.ActiveDocument.1">
                   <p:embed/>
                 </p:oleObj>
               </mc:Choice>
@@ -1067,7 +1069,7 @@
           <a:graphicData uri="http://schemas.openxmlformats.org/presentationml/2006/ole">
             <mc:AlternateContent xmlns:mc="http://schemas.openxmlformats.org/markup-compatibility/2006">
               <mc:Choice xmlns:v="urn:schemas-microsoft-com:vml" Requires="v">
-                <p:oleObj spid="_x0000_s13315" name="think-cell Folie" r:id="rId4" imgW="344" imgH="345" progId="TCLayout.ActiveDocument.1">
+                <p:oleObj spid="_x0000_s13331" name="think-cell Folie" r:id="rId4" imgW="344" imgH="345" progId="TCLayout.ActiveDocument.1">
                   <p:embed/>
                 </p:oleObj>
               </mc:Choice>
@@ -1496,7 +1498,7 @@
           <a:p>
             <a:fld id="{1967F1D7-8586-4719-919F-FADAE5E82D95}" type="datetime1">
               <a:rPr lang="de-DE" noProof="0" smtClean="0"/>
-              <a:t>30.10.2022</a:t>
+              <a:t>02.11.2022</a:t>
             </a:fld>
             <a:endParaRPr lang="de-DE" noProof="0" dirty="0"/>
           </a:p>
@@ -1657,7 +1659,7 @@
           <a:graphicData uri="http://schemas.openxmlformats.org/presentationml/2006/ole">
             <mc:AlternateContent xmlns:mc="http://schemas.openxmlformats.org/markup-compatibility/2006">
               <mc:Choice xmlns:v="urn:schemas-microsoft-com:vml" Requires="v">
-                <p:oleObj spid="_x0000_s14339" name="think-cell Folie" r:id="rId4" imgW="344" imgH="345" progId="TCLayout.ActiveDocument.1">
+                <p:oleObj spid="_x0000_s14355" name="think-cell Folie" r:id="rId4" imgW="344" imgH="345" progId="TCLayout.ActiveDocument.1">
                   <p:embed/>
                 </p:oleObj>
               </mc:Choice>
@@ -2083,7 +2085,7 @@
           <a:p>
             <a:fld id="{9A6E5D76-6500-4B86-92C2-61A8E8733027}" type="datetime1">
               <a:rPr lang="de-DE" noProof="0" smtClean="0"/>
-              <a:t>30.10.2022</a:t>
+              <a:t>02.11.2022</a:t>
             </a:fld>
             <a:endParaRPr lang="de-DE" noProof="0" dirty="0"/>
           </a:p>
@@ -2228,7 +2230,7 @@
           <a:graphicData uri="http://schemas.openxmlformats.org/presentationml/2006/ole">
             <mc:AlternateContent xmlns:mc="http://schemas.openxmlformats.org/markup-compatibility/2006">
               <mc:Choice xmlns:v="urn:schemas-microsoft-com:vml" Requires="v">
-                <p:oleObj spid="_x0000_s15363" name="think-cell Folie" r:id="rId4" imgW="344" imgH="345" progId="TCLayout.ActiveDocument.1">
+                <p:oleObj spid="_x0000_s15379" name="think-cell Folie" r:id="rId4" imgW="344" imgH="345" progId="TCLayout.ActiveDocument.1">
                   <p:embed/>
                 </p:oleObj>
               </mc:Choice>
@@ -2500,7 +2502,7 @@
           <a:graphicData uri="http://schemas.openxmlformats.org/presentationml/2006/ole">
             <mc:AlternateContent xmlns:mc="http://schemas.openxmlformats.org/markup-compatibility/2006">
               <mc:Choice xmlns:v="urn:schemas-microsoft-com:vml" Requires="v">
-                <p:oleObj spid="_x0000_s16387" name="think-cell Folie" r:id="rId4" imgW="344" imgH="345" progId="TCLayout.ActiveDocument.1">
+                <p:oleObj spid="_x0000_s16403" name="think-cell Folie" r:id="rId4" imgW="344" imgH="345" progId="TCLayout.ActiveDocument.1">
                   <p:embed/>
                 </p:oleObj>
               </mc:Choice>
@@ -2712,7 +2714,7 @@
           <a:graphicData uri="http://schemas.openxmlformats.org/presentationml/2006/ole">
             <mc:AlternateContent xmlns:mc="http://schemas.openxmlformats.org/markup-compatibility/2006">
               <mc:Choice xmlns:v="urn:schemas-microsoft-com:vml" Requires="v">
-                <p:oleObj spid="_x0000_s5123" name="think-cell Folie" r:id="rId4" imgW="344" imgH="345" progId="TCLayout.ActiveDocument.1">
+                <p:oleObj spid="_x0000_s5139" name="think-cell Folie" r:id="rId4" imgW="344" imgH="345" progId="TCLayout.ActiveDocument.1">
                   <p:embed/>
                 </p:oleObj>
               </mc:Choice>
@@ -2963,7 +2965,7 @@
           <a:graphicData uri="http://schemas.openxmlformats.org/presentationml/2006/ole">
             <mc:AlternateContent xmlns:mc="http://schemas.openxmlformats.org/markup-compatibility/2006">
               <mc:Choice xmlns:v="urn:schemas-microsoft-com:vml" Requires="v">
-                <p:oleObj spid="_x0000_s6147" name="think-cell Folie" r:id="rId4" imgW="344" imgH="345" progId="TCLayout.ActiveDocument.1">
+                <p:oleObj spid="_x0000_s6163" name="think-cell Folie" r:id="rId4" imgW="344" imgH="345" progId="TCLayout.ActiveDocument.1">
                   <p:embed/>
                 </p:oleObj>
               </mc:Choice>
@@ -3172,7 +3174,7 @@
           <a:p>
             <a:fld id="{4BDB264A-4676-45A5-B387-60439B46227D}" type="datetime1">
               <a:rPr lang="de-DE" noProof="0" smtClean="0"/>
-              <a:t>30.10.2022</a:t>
+              <a:t>02.11.2022</a:t>
             </a:fld>
             <a:endParaRPr lang="de-DE" noProof="0" dirty="0"/>
           </a:p>
@@ -3317,7 +3319,7 @@
           <a:graphicData uri="http://schemas.openxmlformats.org/presentationml/2006/ole">
             <mc:AlternateContent xmlns:mc="http://schemas.openxmlformats.org/markup-compatibility/2006">
               <mc:Choice xmlns:v="urn:schemas-microsoft-com:vml" Requires="v">
-                <p:oleObj spid="_x0000_s7171" name="think-cell Folie" r:id="rId4" imgW="344" imgH="345" progId="TCLayout.ActiveDocument.1">
+                <p:oleObj spid="_x0000_s7187" name="think-cell Folie" r:id="rId4" imgW="344" imgH="345" progId="TCLayout.ActiveDocument.1">
                   <p:embed/>
                 </p:oleObj>
               </mc:Choice>
@@ -3699,7 +3701,7 @@
           <a:p>
             <a:fld id="{3FF77DFC-33DC-4457-974A-3F8ABA01093A}" type="datetime1">
               <a:rPr lang="de-DE" noProof="0" smtClean="0"/>
-              <a:t>30.10.2022</a:t>
+              <a:t>02.11.2022</a:t>
             </a:fld>
             <a:endParaRPr lang="de-DE" noProof="0" dirty="0"/>
           </a:p>
@@ -3860,7 +3862,7 @@
           <a:graphicData uri="http://schemas.openxmlformats.org/presentationml/2006/ole">
             <mc:AlternateContent xmlns:mc="http://schemas.openxmlformats.org/markup-compatibility/2006">
               <mc:Choice xmlns:v="urn:schemas-microsoft-com:vml" Requires="v">
-                <p:oleObj spid="_x0000_s8195" name="think-cell Folie" r:id="rId4" imgW="344" imgH="345" progId="TCLayout.ActiveDocument.1">
+                <p:oleObj spid="_x0000_s8211" name="think-cell Folie" r:id="rId4" imgW="344" imgH="345" progId="TCLayout.ActiveDocument.1">
                   <p:embed/>
                 </p:oleObj>
               </mc:Choice>
@@ -4227,7 +4229,7 @@
           <a:p>
             <a:fld id="{F9967109-B16C-44BE-AAA6-3FD25DAD3A1B}" type="datetime1">
               <a:rPr lang="de-DE" noProof="0" smtClean="0"/>
-              <a:t>30.10.2022</a:t>
+              <a:t>02.11.2022</a:t>
             </a:fld>
             <a:endParaRPr lang="de-DE" noProof="0" dirty="0"/>
           </a:p>
@@ -4388,7 +4390,7 @@
           <a:graphicData uri="http://schemas.openxmlformats.org/presentationml/2006/ole">
             <mc:AlternateContent xmlns:mc="http://schemas.openxmlformats.org/markup-compatibility/2006">
               <mc:Choice xmlns:v="urn:schemas-microsoft-com:vml" Requires="v">
-                <p:oleObj spid="_x0000_s9219" name="think-cell Folie" r:id="rId4" imgW="344" imgH="345" progId="TCLayout.ActiveDocument.1">
+                <p:oleObj spid="_x0000_s9235" name="think-cell Folie" r:id="rId4" imgW="344" imgH="345" progId="TCLayout.ActiveDocument.1">
                   <p:embed/>
                 </p:oleObj>
               </mc:Choice>
@@ -4841,7 +4843,7 @@
           <a:p>
             <a:fld id="{0184A957-F85E-41D7-BEC2-B0F38CF80586}" type="datetime1">
               <a:rPr lang="de-DE" noProof="0" smtClean="0"/>
-              <a:t>30.10.2022</a:t>
+              <a:t>02.11.2022</a:t>
             </a:fld>
             <a:endParaRPr lang="de-DE" noProof="0" dirty="0"/>
           </a:p>
@@ -5012,7 +5014,7 @@
           <a:graphicData uri="http://schemas.openxmlformats.org/presentationml/2006/ole">
             <mc:AlternateContent xmlns:mc="http://schemas.openxmlformats.org/markup-compatibility/2006">
               <mc:Choice xmlns:v="urn:schemas-microsoft-com:vml" Requires="v">
-                <p:oleObj spid="_x0000_s10243" name="think-cell Folie" r:id="rId4" imgW="344" imgH="345" progId="TCLayout.ActiveDocument.1">
+                <p:oleObj spid="_x0000_s10259" name="think-cell Folie" r:id="rId4" imgW="344" imgH="345" progId="TCLayout.ActiveDocument.1">
                   <p:embed/>
                 </p:oleObj>
               </mc:Choice>
@@ -5292,7 +5294,7 @@
           <a:p>
             <a:fld id="{0003327A-A7EC-4F6E-B615-7A4BBD6748C1}" type="datetime1">
               <a:rPr lang="de-DE" noProof="0" smtClean="0"/>
-              <a:t>30.10.2022</a:t>
+              <a:t>02.11.2022</a:t>
             </a:fld>
             <a:endParaRPr lang="de-DE" noProof="0" dirty="0"/>
           </a:p>
@@ -5442,7 +5444,7 @@
           <a:graphicData uri="http://schemas.openxmlformats.org/presentationml/2006/ole">
             <mc:AlternateContent xmlns:mc="http://schemas.openxmlformats.org/markup-compatibility/2006">
               <mc:Choice xmlns:v="urn:schemas-microsoft-com:vml" Requires="v">
-                <p:oleObj spid="_x0000_s11267" name="think-cell Folie" r:id="rId4" imgW="344" imgH="345" progId="TCLayout.ActiveDocument.1">
+                <p:oleObj spid="_x0000_s11283" name="think-cell Folie" r:id="rId4" imgW="344" imgH="345" progId="TCLayout.ActiveDocument.1">
                   <p:embed/>
                 </p:oleObj>
               </mc:Choice>
@@ -5748,7 +5750,7 @@
           <a:p>
             <a:fld id="{1073A26E-932E-4601-A170-DA47842DA445}" type="datetime1">
               <a:rPr lang="de-DE" noProof="0" smtClean="0"/>
-              <a:t>30.10.2022</a:t>
+              <a:t>02.11.2022</a:t>
             </a:fld>
             <a:endParaRPr lang="de-DE" noProof="0" dirty="0"/>
           </a:p>
@@ -5898,7 +5900,7 @@
           <a:graphicData uri="http://schemas.openxmlformats.org/presentationml/2006/ole">
             <mc:AlternateContent xmlns:mc="http://schemas.openxmlformats.org/markup-compatibility/2006">
               <mc:Choice xmlns:v="urn:schemas-microsoft-com:vml" Requires="v">
-                <p:oleObj spid="_x0000_s12291" name="think-cell Folie" r:id="rId4" imgW="344" imgH="345" progId="TCLayout.ActiveDocument.1">
+                <p:oleObj spid="_x0000_s12307" name="think-cell Folie" r:id="rId4" imgW="344" imgH="345" progId="TCLayout.ActiveDocument.1">
                   <p:embed/>
                 </p:oleObj>
               </mc:Choice>
@@ -6255,7 +6257,7 @@
           <a:p>
             <a:fld id="{9DA7E581-D5A0-4DFE-A955-DF88D01DC1F0}" type="datetime1">
               <a:rPr lang="de-DE" noProof="0" smtClean="0"/>
-              <a:t>30.10.2022</a:t>
+              <a:t>02.11.2022</a:t>
             </a:fld>
             <a:endParaRPr lang="de-DE" noProof="0" dirty="0"/>
           </a:p>
@@ -6421,7 +6423,7 @@
           <a:graphicData uri="http://schemas.openxmlformats.org/presentationml/2006/ole">
             <mc:AlternateContent xmlns:mc="http://schemas.openxmlformats.org/markup-compatibility/2006">
               <mc:Choice xmlns:v="urn:schemas-microsoft-com:vml" Requires="v">
-                <p:oleObj spid="_x0000_s3075" name="think-cell Folie" r:id="rId17" imgW="344" imgH="345" progId="TCLayout.ActiveDocument.1">
+                <p:oleObj spid="_x0000_s3091" name="think-cell Folie" r:id="rId17" imgW="344" imgH="345" progId="TCLayout.ActiveDocument.1">
                   <p:embed/>
                 </p:oleObj>
               </mc:Choice>
@@ -6666,7 +6668,7 @@
           <a:p>
             <a:fld id="{D6B40046-1EBF-4FFD-A9E9-142F0C0291C5}" type="datetime1">
               <a:rPr lang="de-DE" noProof="0" smtClean="0"/>
-              <a:t>30.10.2022</a:t>
+              <a:t>02.11.2022</a:t>
             </a:fld>
             <a:endParaRPr lang="de-DE" noProof="0" dirty="0"/>
           </a:p>
@@ -7326,7 +7328,7 @@
           <p:cNvPr id="2" name="Titel 1">
             <a:extLst>
               <a:ext uri="{FF2B5EF4-FFF2-40B4-BE49-F238E27FC236}">
-                <a16:creationId xmlns:a16="http://schemas.microsoft.com/office/drawing/2014/main" id="{7B9A77DC-45D5-43D2-AF53-CCE0CF8135BD}"/>
+                <a16:creationId xmlns:a16="http://schemas.microsoft.com/office/drawing/2014/main" id="{C0140E31-65AA-471A-AFEB-A9EA829AAD5B}"/>
               </a:ext>
             </a:extLst>
           </p:cNvPr>
@@ -7343,9 +7345,20 @@
           <a:lstStyle/>
           <a:p>
             <a:r>
+              <a:rPr lang="en-US" dirty="0"/>
+              <a:t>Corona </a:t>
+            </a:r>
+            <a:r>
               <a:rPr lang="en-US" dirty="0" err="1"/>
-              <a:t>Datenlage</a:t>
-            </a:r>
+              <a:t>Schnelltest</a:t>
+            </a:r>
+            <a:r>
+              <a:rPr lang="en-US" dirty="0"/>
+              <a:t>-Center</a:t>
+            </a:r>
+            <a:br>
+              <a:rPr lang="en-US" dirty="0"/>
+            </a:br>
             <a:endParaRPr lang="en-US" dirty="0"/>
           </a:p>
         </p:txBody>
@@ -7355,7 +7368,7 @@
           <p:cNvPr id="3" name="Textplatzhalter 2">
             <a:extLst>
               <a:ext uri="{FF2B5EF4-FFF2-40B4-BE49-F238E27FC236}">
-                <a16:creationId xmlns:a16="http://schemas.microsoft.com/office/drawing/2014/main" id="{909EFDF7-9B01-4F84-AB6C-434EEB7BB869}"/>
+                <a16:creationId xmlns:a16="http://schemas.microsoft.com/office/drawing/2014/main" id="{42EA8265-4AC2-40EB-BA78-4A653CE5F8ED}"/>
               </a:ext>
             </a:extLst>
           </p:cNvPr>
@@ -7372,19 +7385,19 @@
           <a:lstStyle/>
           <a:p>
             <a:r>
-              <a:rPr lang="en-US" dirty="0" err="1"/>
-              <a:t>Zeitreihen</a:t>
-            </a:r>
-            <a:endParaRPr lang="en-US" dirty="0"/>
+              <a:rPr lang="de-DE" dirty="0" err="1"/>
+              <a:t>Betrugstrategien</a:t>
+            </a:r>
+            <a:endParaRPr lang="de-DE" dirty="0"/>
           </a:p>
         </p:txBody>
       </p:sp>
       <p:sp>
         <p:nvSpPr>
-          <p:cNvPr id="4" name="Textplatzhalter 3">
-            <a:extLst>
-              <a:ext uri="{FF2B5EF4-FFF2-40B4-BE49-F238E27FC236}">
-                <a16:creationId xmlns:a16="http://schemas.microsoft.com/office/drawing/2014/main" id="{40018D4A-0E31-406C-9FD6-77E65AA21784}"/>
+          <p:cNvPr id="24" name="Textplatzhalter 23">
+            <a:extLst>
+              <a:ext uri="{FF2B5EF4-FFF2-40B4-BE49-F238E27FC236}">
+                <a16:creationId xmlns:a16="http://schemas.microsoft.com/office/drawing/2014/main" id="{B210299A-82B9-436D-B67A-41F26D0D026B}"/>
               </a:ext>
             </a:extLst>
           </p:cNvPr>
@@ -7398,338 +7411,635 @@
         <p:spPr>
           <a:xfrm>
             <a:off x="478199" y="1703388"/>
-            <a:ext cx="5381625" cy="4425507"/>
+            <a:ext cx="5437188" cy="2681119"/>
           </a:xfrm>
         </p:spPr>
         <p:txBody>
           <a:bodyPr/>
           <a:lstStyle/>
           <a:p>
+            <a:r>
+              <a:rPr lang="en-US" dirty="0"/>
+              <a:t>1. Der naïve </a:t>
+            </a:r>
+            <a:r>
+              <a:rPr lang="en-US" dirty="0" err="1"/>
+              <a:t>Betrüger</a:t>
+            </a:r>
+            <a:endParaRPr lang="en-US" dirty="0"/>
+          </a:p>
+          <a:p>
             <a:pPr lvl="1"/>
             <a:r>
-              <a:rPr lang="de-DE" dirty="0"/>
-              <a:t>Aufsummierte Ergebnisse der Bernoulli Zufallsexperimente innerhalb eines Bernoulli-Prozesses (</a:t>
-            </a:r>
-            <a:r>
-              <a:rPr lang="de-DE" dirty="0" err="1"/>
-              <a:t>random</a:t>
-            </a:r>
-            <a:r>
-              <a:rPr lang="de-DE" dirty="0"/>
+              <a:rPr lang="en-US" dirty="0"/>
+              <a:t>Die </a:t>
+            </a:r>
+            <a:r>
+              <a:rPr lang="en-US" dirty="0" err="1"/>
+              <a:t>Auftrittswahrscheinlichkeit</a:t>
+            </a:r>
+            <a:r>
+              <a:rPr lang="en-US" dirty="0"/>
+              <a:t> von 0.0099 </a:t>
+            </a:r>
+            <a:r>
+              <a:rPr lang="en-US" dirty="0" err="1"/>
+              <a:t>ist</a:t>
+            </a:r>
+            <a:r>
+              <a:rPr lang="en-US" dirty="0"/>
               <a:t> </a:t>
             </a:r>
             <a:r>
-              <a:rPr lang="de-DE" dirty="0" err="1"/>
-              <a:t>walk</a:t>
-            </a:r>
-            <a:r>
-              <a:rPr lang="de-DE" dirty="0"/>
-              <a:t>)</a:t>
-            </a:r>
-            <a:r>
-              <a:rPr lang="de-DE" dirty="0">
-                <a:latin typeface="Cambria Math" panose="02040503050406030204" pitchFamily="18" charset="0"/>
+              <a:rPr lang="en-US" dirty="0" err="1"/>
+              <a:t>sehr</a:t>
+            </a:r>
+            <a:r>
+              <a:rPr lang="en-US" dirty="0"/>
+              <a:t> </a:t>
+            </a:r>
+            <a:r>
+              <a:rPr lang="en-US" dirty="0" err="1"/>
+              <a:t>niedrig</a:t>
+            </a:r>
+            <a:r>
+              <a:rPr lang="en-US" dirty="0"/>
+              <a:t>. Ich teste </a:t>
+            </a:r>
+            <a:r>
+              <a:rPr lang="en-US" dirty="0" err="1"/>
+              <a:t>nicht</a:t>
+            </a:r>
+            <a:r>
+              <a:rPr lang="en-US" dirty="0"/>
+              <a:t> </a:t>
+            </a:r>
+            <a:r>
+              <a:rPr lang="en-US" dirty="0" err="1"/>
+              <a:t>wirklich</a:t>
+            </a:r>
+            <a:r>
+              <a:rPr lang="en-US" dirty="0"/>
+              <a:t> und </a:t>
+            </a:r>
+            <a:r>
+              <a:rPr lang="en-US" dirty="0" err="1"/>
+              <a:t>gebe</a:t>
+            </a:r>
+            <a:r>
+              <a:rPr lang="en-US" dirty="0"/>
+              <a:t> </a:t>
+            </a:r>
+            <a:r>
+              <a:rPr lang="en-US" b="1" dirty="0"/>
+              <a:t>alle </a:t>
+            </a:r>
+            <a:r>
+              <a:rPr lang="en-US" b="1" dirty="0" err="1"/>
+              <a:t>Ergebnisse</a:t>
+            </a:r>
+            <a:r>
+              <a:rPr lang="en-US" b="1" dirty="0"/>
+              <a:t> </a:t>
+            </a:r>
+            <a:r>
+              <a:rPr lang="en-US" b="1" dirty="0" err="1"/>
+              <a:t>als</a:t>
+            </a:r>
+            <a:r>
+              <a:rPr lang="en-US" b="1" dirty="0"/>
+              <a:t> negative </a:t>
+            </a:r>
+            <a:r>
+              <a:rPr lang="en-US" dirty="0"/>
+              <a:t>an. Das </a:t>
+            </a:r>
+            <a:r>
+              <a:rPr lang="en-US" dirty="0" err="1"/>
+              <a:t>merkt</a:t>
+            </a:r>
+            <a:r>
+              <a:rPr lang="en-US" dirty="0"/>
+              <a:t> </a:t>
+            </a:r>
+            <a:r>
+              <a:rPr lang="en-US" dirty="0" err="1"/>
+              <a:t>doch</a:t>
+            </a:r>
+            <a:r>
+              <a:rPr lang="en-US" dirty="0"/>
+              <a:t> </a:t>
+            </a:r>
+            <a:r>
+              <a:rPr lang="en-US" dirty="0" err="1"/>
+              <a:t>keiner</a:t>
+            </a:r>
+            <a:r>
+              <a:rPr lang="en-US" dirty="0"/>
+              <a:t>.</a:t>
+            </a:r>
+          </a:p>
+          <a:p>
+            <a:pPr lvl="1"/>
+            <a:r>
+              <a:rPr lang="en-US" sz="1600" dirty="0">
+                <a:latin typeface="+mj-lt"/>
               </a:rPr>
-              <a:t>:</a:t>
-            </a:r>
-          </a:p>
-          <a:p>
-            <a:pPr lvl="1"/>
-            <a:r>
-              <a:rPr lang="en-US" sz="1000" b="1" dirty="0">
-                <a:latin typeface="Consolas" panose="020B0609020204030204" pitchFamily="49" charset="0"/>
+              <a:t>2. Der </a:t>
+            </a:r>
+            <a:r>
+              <a:rPr lang="en-US" sz="1600" dirty="0" err="1">
+                <a:latin typeface="+mj-lt"/>
               </a:rPr>
-              <a:t>from</a:t>
-            </a:r>
-            <a:r>
-              <a:rPr lang="en-US" sz="1000" dirty="0">
-                <a:latin typeface="Consolas" panose="020B0609020204030204" pitchFamily="49" charset="0"/>
+              <a:t>etwas</a:t>
+            </a:r>
+            <a:r>
+              <a:rPr lang="en-US" sz="1600" dirty="0">
+                <a:latin typeface="+mj-lt"/>
               </a:rPr>
               <a:t> </a:t>
             </a:r>
             <a:r>
-              <a:rPr lang="en-US" sz="1000" dirty="0" err="1">
-                <a:latin typeface="Consolas" panose="020B0609020204030204" pitchFamily="49" charset="0"/>
+              <a:rPr lang="en-US" sz="1600" dirty="0" err="1">
+                <a:latin typeface="+mj-lt"/>
               </a:rPr>
-              <a:t>scipy.stats</a:t>
-            </a:r>
-            <a:r>
-              <a:rPr lang="en-US" sz="1000" dirty="0">
-                <a:latin typeface="Consolas" panose="020B0609020204030204" pitchFamily="49" charset="0"/>
+              <a:t>klügere</a:t>
+            </a:r>
+            <a:r>
+              <a:rPr lang="en-US" sz="1600" dirty="0">
+                <a:latin typeface="+mj-lt"/>
               </a:rPr>
               <a:t> </a:t>
             </a:r>
             <a:r>
-              <a:rPr lang="en-US" sz="1000" b="1" dirty="0">
-                <a:latin typeface="Consolas" panose="020B0609020204030204" pitchFamily="49" charset="0"/>
+              <a:rPr lang="en-US" sz="1600" dirty="0" err="1">
+                <a:latin typeface="+mj-lt"/>
               </a:rPr>
-              <a:t>import</a:t>
-            </a:r>
-            <a:r>
-              <a:rPr lang="en-US" sz="1000" dirty="0">
-                <a:latin typeface="Consolas" panose="020B0609020204030204" pitchFamily="49" charset="0"/>
+              <a:t>Betrüger</a:t>
+            </a:r>
+            <a:endParaRPr lang="en-US" sz="1600" dirty="0">
+              <a:latin typeface="+mj-lt"/>
+            </a:endParaRPr>
+          </a:p>
+          <a:p>
+            <a:pPr lvl="1"/>
+            <a:r>
+              <a:rPr lang="en-US" dirty="0" err="1"/>
+              <a:t>Wenn</a:t>
+            </a:r>
+            <a:r>
+              <a:rPr lang="en-US" dirty="0"/>
+              <a:t> </a:t>
+            </a:r>
+            <a:r>
+              <a:rPr lang="en-US" dirty="0" err="1"/>
+              <a:t>geprüft</a:t>
+            </a:r>
+            <a:r>
+              <a:rPr lang="en-US" dirty="0"/>
+              <a:t> </a:t>
+            </a:r>
+            <a:r>
+              <a:rPr lang="en-US" dirty="0" err="1"/>
+              <a:t>wird</a:t>
+            </a:r>
+            <a:r>
+              <a:rPr lang="en-US" dirty="0"/>
+              <a:t>, </a:t>
+            </a:r>
+            <a:r>
+              <a:rPr lang="en-US" dirty="0" err="1"/>
+              <a:t>dann</a:t>
+            </a:r>
+            <a:r>
+              <a:rPr lang="en-US" dirty="0"/>
+              <a:t> </a:t>
+            </a:r>
+            <a:r>
+              <a:rPr lang="en-US" dirty="0" err="1"/>
+              <a:t>bestimmt</a:t>
+            </a:r>
+            <a:r>
+              <a:rPr lang="en-US" dirty="0"/>
+              <a:t> </a:t>
+            </a:r>
+            <a:r>
+              <a:rPr lang="en-US" dirty="0" err="1"/>
+              <a:t>nur</a:t>
+            </a:r>
+            <a:r>
+              <a:rPr lang="en-US" dirty="0"/>
+              <a:t> der </a:t>
+            </a:r>
+            <a:r>
+              <a:rPr lang="en-US" b="1" dirty="0" err="1"/>
+              <a:t>Mittelwert</a:t>
+            </a:r>
+            <a:r>
+              <a:rPr lang="en-US" dirty="0"/>
+              <a:t>, </a:t>
+            </a:r>
+            <a:r>
+              <a:rPr lang="en-US" dirty="0" err="1"/>
+              <a:t>deshalb</a:t>
+            </a:r>
+            <a:r>
+              <a:rPr lang="en-US" dirty="0"/>
+              <a:t> </a:t>
+            </a:r>
+            <a:r>
+              <a:rPr lang="en-US" dirty="0" err="1"/>
+              <a:t>besorge</a:t>
+            </a:r>
+            <a:r>
+              <a:rPr lang="en-US" dirty="0"/>
+              <a:t> ich mir positive </a:t>
+            </a:r>
+            <a:r>
+              <a:rPr lang="en-US" dirty="0" err="1"/>
+              <a:t>Ergebnisse</a:t>
+            </a:r>
+            <a:r>
+              <a:rPr lang="en-US" dirty="0"/>
+              <a:t> und </a:t>
+            </a:r>
+            <a:r>
+              <a:rPr lang="en-US" dirty="0" err="1"/>
+              <a:t>gebe</a:t>
+            </a:r>
+            <a:r>
+              <a:rPr lang="en-US" dirty="0"/>
+              <a:t> </a:t>
+            </a:r>
+            <a:r>
+              <a:rPr lang="en-US" dirty="0" err="1"/>
+              <a:t>sie</a:t>
+            </a:r>
+            <a:r>
+              <a:rPr lang="en-US" dirty="0"/>
+              <a:t> </a:t>
+            </a:r>
+            <a:r>
+              <a:rPr lang="en-US" dirty="0" err="1"/>
+              <a:t>nach</a:t>
+            </a:r>
+            <a:r>
+              <a:rPr lang="en-US" dirty="0"/>
+              <a:t> </a:t>
+            </a:r>
+            <a:r>
+              <a:rPr lang="en-US" dirty="0" err="1"/>
+              <a:t>jedem</a:t>
+            </a:r>
+            <a:r>
+              <a:rPr lang="en-US" dirty="0"/>
+              <a:t> </a:t>
+            </a:r>
+            <a:br>
+              <a:rPr lang="en-US" dirty="0"/>
+            </a:br>
+            <a:r>
+              <a:rPr lang="en-US" dirty="0"/>
+              <a:t>1/0.0099 = 101 Mal an.</a:t>
+            </a:r>
+          </a:p>
+        </p:txBody>
+      </p:sp>
+      <p:sp>
+        <p:nvSpPr>
+          <p:cNvPr id="25" name="Textplatzhalter 24">
+            <a:extLst>
+              <a:ext uri="{FF2B5EF4-FFF2-40B4-BE49-F238E27FC236}">
+                <a16:creationId xmlns:a16="http://schemas.microsoft.com/office/drawing/2014/main" id="{3CCD75F1-2066-4053-B14C-F7337E6DCE4D}"/>
+              </a:ext>
+            </a:extLst>
+          </p:cNvPr>
+          <p:cNvSpPr>
+            <a:spLocks noGrp="1"/>
+          </p:cNvSpPr>
+          <p:nvPr>
+            <p:ph type="body" sz="quarter" idx="15"/>
+          </p:nvPr>
+        </p:nvSpPr>
+        <p:spPr>
+          <a:xfrm>
+            <a:off x="6275388" y="1703388"/>
+            <a:ext cx="5437187" cy="2681119"/>
+          </a:xfrm>
+        </p:spPr>
+        <p:txBody>
+          <a:bodyPr/>
+          <a:lstStyle/>
+          <a:p>
+            <a:r>
+              <a:rPr lang="en-US" dirty="0"/>
+              <a:t>3. Der </a:t>
+            </a:r>
+            <a:r>
+              <a:rPr lang="en-US" dirty="0" err="1"/>
+              <a:t>smarte</a:t>
+            </a:r>
+            <a:r>
+              <a:rPr lang="en-US" dirty="0"/>
+              <a:t> </a:t>
+            </a:r>
+            <a:r>
+              <a:rPr lang="en-US" dirty="0" err="1"/>
+              <a:t>Betrüger</a:t>
+            </a:r>
+            <a:endParaRPr lang="en-US" dirty="0"/>
+          </a:p>
+          <a:p>
+            <a:pPr lvl="1"/>
+            <a:r>
+              <a:rPr lang="en-US" dirty="0"/>
+              <a:t>Ich </a:t>
+            </a:r>
+            <a:r>
+              <a:rPr lang="en-US" dirty="0" err="1"/>
+              <a:t>habe</a:t>
+            </a:r>
+            <a:r>
+              <a:rPr lang="en-US" dirty="0"/>
+              <a:t> </a:t>
+            </a:r>
+            <a:r>
+              <a:rPr lang="en-US" dirty="0" err="1"/>
+              <a:t>eine</a:t>
+            </a:r>
+            <a:r>
+              <a:rPr lang="en-US" dirty="0"/>
+              <a:t> </a:t>
+            </a:r>
+            <a:r>
+              <a:rPr lang="en-US" dirty="0" err="1"/>
+              <a:t>laufende</a:t>
+            </a:r>
+            <a:r>
+              <a:rPr lang="en-US" dirty="0"/>
+              <a:t> </a:t>
+            </a:r>
+            <a:r>
+              <a:rPr lang="en-US" dirty="0" err="1"/>
+              <a:t>Teststation</a:t>
+            </a:r>
+            <a:r>
+              <a:rPr lang="en-US" dirty="0"/>
+              <a:t> in </a:t>
+            </a:r>
+            <a:r>
+              <a:rPr lang="en-US" dirty="0" err="1"/>
+              <a:t>einer</a:t>
+            </a:r>
+            <a:r>
+              <a:rPr lang="en-US" dirty="0"/>
+              <a:t> </a:t>
+            </a:r>
+            <a:r>
+              <a:rPr lang="en-US" dirty="0" err="1"/>
+              <a:t>anderen</a:t>
+            </a:r>
+            <a:r>
+              <a:rPr lang="en-US" dirty="0"/>
+              <a:t> Stadt mit </a:t>
+            </a:r>
+            <a:r>
+              <a:rPr lang="en-US" dirty="0" err="1"/>
+              <a:t>einer</a:t>
+            </a:r>
+            <a:r>
+              <a:rPr lang="en-US" dirty="0"/>
+              <a:t> </a:t>
+            </a:r>
+            <a:r>
+              <a:rPr lang="en-US" dirty="0" err="1"/>
+              <a:t>Inzidenz</a:t>
+            </a:r>
+            <a:r>
+              <a:rPr lang="en-US" dirty="0"/>
+              <a:t> von 800. Ich </a:t>
+            </a:r>
+            <a:r>
+              <a:rPr lang="en-US" dirty="0" err="1"/>
+              <a:t>nehme</a:t>
+            </a:r>
+            <a:r>
+              <a:rPr lang="en-US" dirty="0"/>
+              <a:t> </a:t>
+            </a:r>
+            <a:r>
+              <a:rPr lang="en-US" dirty="0" err="1"/>
+              <a:t>diese</a:t>
+            </a:r>
+            <a:r>
+              <a:rPr lang="en-US" dirty="0"/>
+              <a:t> </a:t>
+            </a:r>
+            <a:r>
+              <a:rPr lang="en-US" dirty="0" err="1"/>
+              <a:t>Daten</a:t>
+            </a:r>
+            <a:r>
+              <a:rPr lang="en-US" dirty="0"/>
+              <a:t> </a:t>
+            </a:r>
+            <a:r>
+              <a:rPr lang="en-US" dirty="0" err="1"/>
+              <a:t>einfach</a:t>
+            </a:r>
+            <a:r>
+              <a:rPr lang="en-US" dirty="0"/>
+              <a:t> und </a:t>
+            </a:r>
+            <a:r>
+              <a:rPr lang="en-US" dirty="0" err="1"/>
+              <a:t>reiche</a:t>
+            </a:r>
+            <a:r>
+              <a:rPr lang="en-US" dirty="0"/>
+              <a:t> die </a:t>
+            </a:r>
+            <a:r>
+              <a:rPr lang="en-US" dirty="0" err="1"/>
+              <a:t>Ergebnisse</a:t>
+            </a:r>
+            <a:r>
+              <a:rPr lang="en-US" dirty="0"/>
+              <a:t> </a:t>
+            </a:r>
+            <a:r>
+              <a:rPr lang="en-US" dirty="0" err="1"/>
+              <a:t>hier</a:t>
+            </a:r>
+            <a:r>
+              <a:rPr lang="en-US" dirty="0"/>
+              <a:t> </a:t>
+            </a:r>
+            <a:r>
+              <a:rPr lang="en-US" b="1" dirty="0" err="1"/>
+              <a:t>nochmal</a:t>
+            </a:r>
+            <a:r>
+              <a:rPr lang="en-US" b="1" dirty="0"/>
+              <a:t> </a:t>
+            </a:r>
+            <a:r>
+              <a:rPr lang="en-US" b="1" dirty="0" err="1"/>
+              <a:t>zur</a:t>
+            </a:r>
+            <a:r>
+              <a:rPr lang="en-US" b="1" dirty="0"/>
+              <a:t> </a:t>
+            </a:r>
+            <a:r>
+              <a:rPr lang="en-US" b="1" dirty="0" err="1"/>
+              <a:t>Abrechnung</a:t>
+            </a:r>
+            <a:r>
+              <a:rPr lang="en-US" b="1" dirty="0"/>
+              <a:t> </a:t>
+            </a:r>
+            <a:r>
+              <a:rPr lang="en-US" dirty="0" err="1"/>
+              <a:t>ein</a:t>
+            </a:r>
+            <a:r>
+              <a:rPr lang="en-US" dirty="0"/>
+              <a:t>.</a:t>
+            </a:r>
+          </a:p>
+          <a:p>
+            <a:pPr lvl="1"/>
+            <a:r>
+              <a:rPr lang="en-US" sz="1600" dirty="0">
+                <a:latin typeface="+mj-lt"/>
+              </a:rPr>
+              <a:t>4. Der </a:t>
+            </a:r>
+            <a:r>
+              <a:rPr lang="en-US" sz="1600" dirty="0" err="1">
+                <a:latin typeface="+mj-lt"/>
+              </a:rPr>
+              <a:t>sehr</a:t>
+            </a:r>
+            <a:r>
+              <a:rPr lang="en-US" sz="1600" dirty="0">
+                <a:latin typeface="+mj-lt"/>
               </a:rPr>
               <a:t> </a:t>
             </a:r>
             <a:r>
-              <a:rPr lang="en-US" sz="1000" dirty="0" err="1">
-                <a:latin typeface="Consolas" panose="020B0609020204030204" pitchFamily="49" charset="0"/>
+              <a:rPr lang="en-US" sz="1600" dirty="0" err="1">
+                <a:latin typeface="+mj-lt"/>
               </a:rPr>
-              <a:t>binom</a:t>
-            </a:r>
-            <a:br>
-              <a:rPr lang="en-US" sz="1000" dirty="0">
-                <a:latin typeface="Consolas" panose="020B0609020204030204" pitchFamily="49" charset="0"/>
-              </a:rPr>
-            </a:br>
-            <a:br>
-              <a:rPr lang="en-US" sz="1000" dirty="0">
-                <a:latin typeface="Consolas" panose="020B0609020204030204" pitchFamily="49" charset="0"/>
-              </a:rPr>
-            </a:br>
-            <a:r>
-              <a:rPr lang="en-US" sz="1000" dirty="0" err="1">
-                <a:latin typeface="Consolas" panose="020B0609020204030204" pitchFamily="49" charset="0"/>
-              </a:rPr>
-              <a:t>p_i</a:t>
-            </a:r>
-            <a:r>
-              <a:rPr lang="en-US" sz="1000" dirty="0">
-                <a:latin typeface="Consolas" panose="020B0609020204030204" pitchFamily="49" charset="0"/>
-              </a:rPr>
-              <a:t>=0.0099</a:t>
-            </a:r>
-            <a:br>
-              <a:rPr lang="en-US" sz="1000" dirty="0">
-                <a:latin typeface="Consolas" panose="020B0609020204030204" pitchFamily="49" charset="0"/>
-              </a:rPr>
-            </a:br>
-            <a:r>
-              <a:rPr lang="en-US" sz="1000" dirty="0" err="1">
-                <a:latin typeface="Consolas" panose="020B0609020204030204" pitchFamily="49" charset="0"/>
-              </a:rPr>
-              <a:t>number_tests</a:t>
-            </a:r>
-            <a:r>
-              <a:rPr lang="en-US" sz="1000" dirty="0">
-                <a:latin typeface="Consolas" panose="020B0609020204030204" pitchFamily="49" charset="0"/>
-              </a:rPr>
-              <a:t>=10000</a:t>
-            </a:r>
-            <a:br>
-              <a:rPr lang="en-US" sz="1000" dirty="0">
-                <a:latin typeface="Consolas" panose="020B0609020204030204" pitchFamily="49" charset="0"/>
-              </a:rPr>
-            </a:br>
-            <a:r>
-              <a:rPr lang="en-US" sz="1000" dirty="0" err="1">
-                <a:latin typeface="Consolas" panose="020B0609020204030204" pitchFamily="49" charset="0"/>
-              </a:rPr>
-              <a:t>good_stations</a:t>
-            </a:r>
-            <a:r>
-              <a:rPr lang="en-US" sz="1000" dirty="0">
-                <a:latin typeface="Consolas" panose="020B0609020204030204" pitchFamily="49" charset="0"/>
-              </a:rPr>
-              <a:t> = 20</a:t>
-            </a:r>
-            <a:br>
-              <a:rPr lang="de-DE" sz="1000" dirty="0">
-                <a:latin typeface="Consolas" panose="020B0609020204030204" pitchFamily="49" charset="0"/>
-              </a:rPr>
-            </a:br>
-            <a:r>
-              <a:rPr lang="en-US" sz="1000" dirty="0" err="1">
-                <a:latin typeface="Consolas" panose="020B0609020204030204" pitchFamily="49" charset="0"/>
-              </a:rPr>
-              <a:t>positive_counts_good_station</a:t>
-            </a:r>
-            <a:r>
-              <a:rPr lang="en-US" sz="1000" dirty="0">
-                <a:latin typeface="Consolas" panose="020B0609020204030204" pitchFamily="49" charset="0"/>
-              </a:rPr>
-              <a:t> = </a:t>
-            </a:r>
-            <a:r>
-              <a:rPr lang="en-US" sz="1000" dirty="0" err="1">
-                <a:latin typeface="Consolas" panose="020B0609020204030204" pitchFamily="49" charset="0"/>
-              </a:rPr>
-              <a:t>np.array</a:t>
-            </a:r>
-            <a:r>
-              <a:rPr lang="en-US" sz="1000" dirty="0">
-                <a:latin typeface="Consolas" panose="020B0609020204030204" pitchFamily="49" charset="0"/>
-              </a:rPr>
-              <a:t>([0 for </a:t>
-            </a:r>
-            <a:r>
-              <a:rPr lang="en-US" sz="1000" dirty="0" err="1">
-                <a:latin typeface="Consolas" panose="020B0609020204030204" pitchFamily="49" charset="0"/>
-              </a:rPr>
-              <a:t>good_station</a:t>
-            </a:r>
-            <a:r>
-              <a:rPr lang="en-US" sz="1000" dirty="0">
-                <a:latin typeface="Consolas" panose="020B0609020204030204" pitchFamily="49" charset="0"/>
-              </a:rPr>
-              <a:t> in range(</a:t>
-            </a:r>
-            <a:r>
-              <a:rPr lang="en-US" sz="1000" dirty="0" err="1">
-                <a:latin typeface="Consolas" panose="020B0609020204030204" pitchFamily="49" charset="0"/>
-              </a:rPr>
-              <a:t>good_stations</a:t>
-            </a:r>
-            <a:r>
-              <a:rPr lang="en-US" sz="1000" dirty="0">
-                <a:latin typeface="Consolas" panose="020B0609020204030204" pitchFamily="49" charset="0"/>
-              </a:rPr>
-              <a:t>)])</a:t>
-            </a:r>
-            <a:endParaRPr lang="de-DE" sz="1000" dirty="0">
-              <a:latin typeface="Consolas" panose="020B0609020204030204" pitchFamily="49" charset="0"/>
-            </a:endParaRPr>
-          </a:p>
-          <a:p>
-            <a:pPr lvl="1"/>
-            <a:r>
-              <a:rPr lang="en-US" sz="1000" b="1" dirty="0">
-                <a:latin typeface="Consolas" panose="020B0609020204030204" pitchFamily="49" charset="0"/>
-              </a:rPr>
-              <a:t>for</a:t>
-            </a:r>
-            <a:r>
-              <a:rPr lang="en-US" sz="1000" dirty="0">
-                <a:latin typeface="Consolas" panose="020B0609020204030204" pitchFamily="49" charset="0"/>
-              </a:rPr>
-              <a:t> i </a:t>
-            </a:r>
-            <a:r>
-              <a:rPr lang="en-US" sz="1000" b="1" dirty="0">
-                <a:latin typeface="Consolas" panose="020B0609020204030204" pitchFamily="49" charset="0"/>
-              </a:rPr>
-              <a:t>in</a:t>
-            </a:r>
-            <a:r>
-              <a:rPr lang="en-US" sz="1000" dirty="0">
-                <a:latin typeface="Consolas" panose="020B0609020204030204" pitchFamily="49" charset="0"/>
+              <a:t>smarte</a:t>
+            </a:r>
+            <a:r>
+              <a:rPr lang="en-US" sz="1600" dirty="0">
+                <a:latin typeface="+mj-lt"/>
               </a:rPr>
               <a:t> </a:t>
             </a:r>
             <a:r>
-              <a:rPr lang="en-US" sz="1000" b="1" dirty="0">
-                <a:latin typeface="Consolas" panose="020B0609020204030204" pitchFamily="49" charset="0"/>
+              <a:rPr lang="en-US" sz="1600" dirty="0" err="1">
+                <a:latin typeface="+mj-lt"/>
               </a:rPr>
-              <a:t>range</a:t>
-            </a:r>
-            <a:r>
-              <a:rPr lang="en-US" sz="1000" dirty="0">
-                <a:latin typeface="Consolas" panose="020B0609020204030204" pitchFamily="49" charset="0"/>
-              </a:rPr>
-              <a:t>(1, number_tests+1):</a:t>
-            </a:r>
-            <a:br>
-              <a:rPr lang="en-US" sz="1000" dirty="0">
-                <a:latin typeface="Consolas" panose="020B0609020204030204" pitchFamily="49" charset="0"/>
-              </a:rPr>
-            </a:br>
-            <a:r>
-              <a:rPr lang="en-US" sz="1000" dirty="0">
-                <a:latin typeface="Consolas" panose="020B0609020204030204" pitchFamily="49" charset="0"/>
-              </a:rPr>
-              <a:t>   </a:t>
-            </a:r>
-            <a:r>
-              <a:rPr lang="en-US" sz="1000" dirty="0" err="1">
-                <a:latin typeface="Consolas" panose="020B0609020204030204" pitchFamily="49" charset="0"/>
-              </a:rPr>
-              <a:t>positive_counts_good_station</a:t>
-            </a:r>
-            <a:r>
-              <a:rPr lang="en-US" sz="1000" dirty="0">
-                <a:latin typeface="Consolas" panose="020B0609020204030204" pitchFamily="49" charset="0"/>
-              </a:rPr>
-              <a:t> += </a:t>
-            </a:r>
-            <a:r>
-              <a:rPr lang="en-US" sz="1000" dirty="0" err="1">
-                <a:latin typeface="Consolas" panose="020B0609020204030204" pitchFamily="49" charset="0"/>
-              </a:rPr>
-              <a:t>binom.rvs</a:t>
-            </a:r>
-            <a:r>
-              <a:rPr lang="en-US" sz="1000" dirty="0">
-                <a:latin typeface="Consolas" panose="020B0609020204030204" pitchFamily="49" charset="0"/>
-              </a:rPr>
-              <a:t>(1, </a:t>
-            </a:r>
-            <a:r>
-              <a:rPr lang="en-US" sz="1000" dirty="0" err="1">
-                <a:latin typeface="Consolas" panose="020B0609020204030204" pitchFamily="49" charset="0"/>
-              </a:rPr>
-              <a:t>p_i</a:t>
-            </a:r>
-            <a:r>
-              <a:rPr lang="en-US" sz="1000" dirty="0">
-                <a:latin typeface="Consolas" panose="020B0609020204030204" pitchFamily="49" charset="0"/>
-              </a:rPr>
-              <a:t>, size=</a:t>
-            </a:r>
-            <a:r>
-              <a:rPr lang="en-US" sz="1000" dirty="0" err="1">
-                <a:latin typeface="Consolas" panose="020B0609020204030204" pitchFamily="49" charset="0"/>
-              </a:rPr>
-              <a:t>good_stations</a:t>
-            </a:r>
-            <a:r>
-              <a:rPr lang="en-US" sz="1000" dirty="0">
-                <a:latin typeface="Consolas" panose="020B0609020204030204" pitchFamily="49" charset="0"/>
-              </a:rPr>
-              <a:t>)</a:t>
-            </a:r>
+              <a:t>Betrüger</a:t>
+            </a:r>
+            <a:endParaRPr lang="en-US" sz="1600" dirty="0">
+              <a:latin typeface="+mj-lt"/>
+            </a:endParaRPr>
           </a:p>
           <a:p>
             <a:pPr lvl="1"/>
             <a:r>
-              <a:rPr lang="en-US" sz="1000" dirty="0" err="1">
-                <a:latin typeface="Consolas" panose="020B0609020204030204" pitchFamily="49" charset="0"/>
-              </a:rPr>
-              <a:t>cases_sum.append</a:t>
-            </a:r>
-            <a:r>
-              <a:rPr lang="en-US" sz="1000" dirty="0">
-                <a:latin typeface="Consolas" panose="020B0609020204030204" pitchFamily="49" charset="0"/>
-              </a:rPr>
-              <a:t>([i] + </a:t>
-            </a:r>
-            <a:r>
-              <a:rPr lang="en-US" sz="1000" dirty="0" err="1">
-                <a:latin typeface="Consolas" panose="020B0609020204030204" pitchFamily="49" charset="0"/>
-              </a:rPr>
-              <a:t>positive_counts_good_station.tolist</a:t>
-            </a:r>
-            <a:r>
-              <a:rPr lang="en-US" sz="1000" dirty="0">
-                <a:latin typeface="Consolas" panose="020B0609020204030204" pitchFamily="49" charset="0"/>
-              </a:rPr>
-              <a:t>())</a:t>
-            </a:r>
-            <a:endParaRPr lang="de-DE" sz="1000" dirty="0">
-              <a:latin typeface="Consolas" panose="020B0609020204030204" pitchFamily="49" charset="0"/>
-            </a:endParaRPr>
-          </a:p>
-          <a:p>
-            <a:pPr lvl="1"/>
-            <a:endParaRPr lang="de-DE" dirty="0">
-              <a:latin typeface="Cambria Math" panose="02040503050406030204" pitchFamily="18" charset="0"/>
-            </a:endParaRPr>
-          </a:p>
-          <a:p>
-            <a:pPr lvl="1"/>
-            <a:endParaRPr lang="de-DE" dirty="0"/>
-          </a:p>
-          <a:p>
-            <a:endParaRPr lang="en-US" dirty="0"/>
+              <a:rPr lang="en-US" dirty="0"/>
+              <a:t>Ich teste </a:t>
+            </a:r>
+            <a:r>
+              <a:rPr lang="en-US" dirty="0" err="1"/>
+              <a:t>wirklich</a:t>
+            </a:r>
+            <a:r>
+              <a:rPr lang="en-US" dirty="0"/>
+              <a:t>. Aber </a:t>
+            </a:r>
+            <a:r>
+              <a:rPr lang="en-US" dirty="0" err="1"/>
+              <a:t>nach</a:t>
+            </a:r>
+            <a:r>
+              <a:rPr lang="en-US" dirty="0"/>
+              <a:t> 1000 Tests </a:t>
+            </a:r>
+            <a:r>
+              <a:rPr lang="en-US" dirty="0" err="1"/>
+              <a:t>gebe</a:t>
+            </a:r>
+            <a:r>
+              <a:rPr lang="en-US" dirty="0"/>
+              <a:t> ich 200 Tests mit </a:t>
+            </a:r>
+            <a:r>
+              <a:rPr lang="en-US" dirty="0" err="1"/>
+              <a:t>negativen</a:t>
+            </a:r>
+            <a:r>
+              <a:rPr lang="en-US" dirty="0"/>
+              <a:t> </a:t>
+            </a:r>
+            <a:r>
+              <a:rPr lang="en-US" b="1" dirty="0" err="1"/>
+              <a:t>Ergebnissen</a:t>
+            </a:r>
+            <a:r>
+              <a:rPr lang="en-US" b="1" dirty="0"/>
+              <a:t> </a:t>
+            </a:r>
+            <a:r>
+              <a:rPr lang="en-US" b="1" dirty="0" err="1"/>
+              <a:t>dazu</a:t>
+            </a:r>
+            <a:r>
+              <a:rPr lang="en-US" b="1" dirty="0"/>
+              <a:t> </a:t>
+            </a:r>
+            <a:r>
+              <a:rPr lang="en-US" dirty="0"/>
+              <a:t>und teste </a:t>
+            </a:r>
+            <a:r>
+              <a:rPr lang="en-US" dirty="0" err="1"/>
+              <a:t>dann</a:t>
+            </a:r>
+            <a:r>
+              <a:rPr lang="en-US" dirty="0"/>
+              <a:t> </a:t>
+            </a:r>
+            <a:r>
+              <a:rPr lang="en-US" dirty="0" err="1"/>
+              <a:t>wieder</a:t>
+            </a:r>
+            <a:r>
+              <a:rPr lang="en-US" dirty="0"/>
+              <a:t> 800 </a:t>
+            </a:r>
+            <a:r>
+              <a:rPr lang="en-US" dirty="0" err="1"/>
+              <a:t>Personen</a:t>
+            </a:r>
+            <a:r>
+              <a:rPr lang="en-US" dirty="0"/>
+              <a:t> </a:t>
+            </a:r>
+            <a:r>
+              <a:rPr lang="en-US" dirty="0" err="1"/>
+              <a:t>richtig</a:t>
+            </a:r>
+            <a:r>
+              <a:rPr lang="en-US" dirty="0"/>
+              <a:t>.</a:t>
+            </a:r>
           </a:p>
         </p:txBody>
       </p:sp>
@@ -7738,7 +8048,7 @@
           <p:cNvPr id="6" name="Datumsplatzhalter 5">
             <a:extLst>
               <a:ext uri="{FF2B5EF4-FFF2-40B4-BE49-F238E27FC236}">
-                <a16:creationId xmlns:a16="http://schemas.microsoft.com/office/drawing/2014/main" id="{45F434EA-DFE7-4443-B77A-BAF91E96E895}"/>
+                <a16:creationId xmlns:a16="http://schemas.microsoft.com/office/drawing/2014/main" id="{DE773494-22AE-43E2-B2FC-9893A3B601C7}"/>
               </a:ext>
             </a:extLst>
           </p:cNvPr>
@@ -7756,7 +8066,8 @@
           <a:p>
             <a:fld id="{3FF77DFC-33DC-4457-974A-3F8ABA01093A}" type="datetime1">
               <a:rPr lang="de-DE" noProof="0" smtClean="0"/>
-              <a:t>30.10.2022</a:t>
+              <a:pPr/>
+              <a:t>02.11.2022</a:t>
             </a:fld>
             <a:endParaRPr lang="de-DE" noProof="0" dirty="0"/>
           </a:p>
@@ -7767,7 +8078,7 @@
           <p:cNvPr id="7" name="Foliennummernplatzhalter 6">
             <a:extLst>
               <a:ext uri="{FF2B5EF4-FFF2-40B4-BE49-F238E27FC236}">
-                <a16:creationId xmlns:a16="http://schemas.microsoft.com/office/drawing/2014/main" id="{8ED3B0B2-34E4-4E8B-96EC-E0869F18C784}"/>
+                <a16:creationId xmlns:a16="http://schemas.microsoft.com/office/drawing/2014/main" id="{159812CB-144F-41CF-8198-22BE84BA54F1}"/>
               </a:ext>
             </a:extLst>
           </p:cNvPr>
@@ -7792,40 +8103,10 @@
           </a:p>
         </p:txBody>
       </p:sp>
-      <p:pic>
-        <p:nvPicPr>
-          <p:cNvPr id="10" name="Grafik 9">
-            <a:extLst>
-              <a:ext uri="{FF2B5EF4-FFF2-40B4-BE49-F238E27FC236}">
-                <a16:creationId xmlns:a16="http://schemas.microsoft.com/office/drawing/2014/main" id="{49D2C640-4B2D-4733-9C3B-AC92307A62AD}"/>
-              </a:ext>
-            </a:extLst>
-          </p:cNvPr>
-          <p:cNvPicPr>
-            <a:picLocks noChangeAspect="1"/>
-          </p:cNvPicPr>
-          <p:nvPr/>
-        </p:nvPicPr>
-        <p:blipFill>
-          <a:blip r:embed="rId2"/>
-          <a:stretch>
-            <a:fillRect/>
-          </a:stretch>
-        </p:blipFill>
-        <p:spPr>
-          <a:xfrm>
-            <a:off x="6006147" y="395588"/>
-            <a:ext cx="5381625" cy="5343525"/>
-          </a:xfrm>
-          <a:prstGeom prst="rect">
-            <a:avLst/>
-          </a:prstGeom>
-        </p:spPr>
-      </p:pic>
     </p:spTree>
     <p:extLst>
       <p:ext uri="{BB962C8B-B14F-4D97-AF65-F5344CB8AC3E}">
-        <p14:creationId xmlns:p14="http://schemas.microsoft.com/office/powerpoint/2010/main" val="1733499469"/>
+        <p14:creationId xmlns:p14="http://schemas.microsoft.com/office/powerpoint/2010/main" val="360634490"/>
       </p:ext>
     </p:extLst>
   </p:cSld>
@@ -7854,10 +8135,10 @@
       </p:grpSpPr>
       <p:sp>
         <p:nvSpPr>
-          <p:cNvPr id="2" name="Titel 1">
-            <a:extLst>
-              <a:ext uri="{FF2B5EF4-FFF2-40B4-BE49-F238E27FC236}">
-                <a16:creationId xmlns:a16="http://schemas.microsoft.com/office/drawing/2014/main" id="{C0140E31-65AA-471A-AFEB-A9EA829AAD5B}"/>
+          <p:cNvPr id="9" name="Textplatzhalter 8">
+            <a:extLst>
+              <a:ext uri="{FF2B5EF4-FFF2-40B4-BE49-F238E27FC236}">
+                <a16:creationId xmlns:a16="http://schemas.microsoft.com/office/drawing/2014/main" id="{BE4341DE-213A-4BD4-865C-F2EC55F75294}"/>
               </a:ext>
             </a:extLst>
           </p:cNvPr>
@@ -7865,7 +8146,91 @@
             <a:spLocks noGrp="1"/>
           </p:cNvSpPr>
           <p:nvPr>
-            <p:ph type="title"/>
+            <p:ph type="body" sz="quarter" idx="11"/>
+          </p:nvPr>
+        </p:nvSpPr>
+        <p:spPr>
+          <a:xfrm>
+            <a:off x="478198" y="1999174"/>
+            <a:ext cx="7346583" cy="2837252"/>
+          </a:xfrm>
+        </p:spPr>
+        <p:txBody>
+          <a:bodyPr/>
+          <a:lstStyle/>
+          <a:p>
+            <a:r>
+              <a:rPr lang="en-US" sz="2800" dirty="0" err="1"/>
+              <a:t>Algorithmen</a:t>
+            </a:r>
+            <a:r>
+              <a:rPr lang="en-US" sz="2800" dirty="0"/>
+              <a:t> und </a:t>
+            </a:r>
+            <a:r>
+              <a:rPr lang="en-US" sz="2800" dirty="0" err="1"/>
+              <a:t>Technologien</a:t>
+            </a:r>
+            <a:endParaRPr lang="en-US" sz="2800" dirty="0"/>
+          </a:p>
+          <a:p>
+            <a:endParaRPr lang="en-US" sz="2800" dirty="0"/>
+          </a:p>
+          <a:p>
+            <a:endParaRPr lang="en-US" sz="2800" dirty="0"/>
+          </a:p>
+          <a:p>
+            <a:pPr lvl="1"/>
+            <a:r>
+              <a:rPr lang="en-US" dirty="0" err="1"/>
+              <a:t>Deskriptive</a:t>
+            </a:r>
+            <a:r>
+              <a:rPr lang="en-US" dirty="0"/>
+              <a:t> </a:t>
+            </a:r>
+            <a:r>
+              <a:rPr lang="en-US" dirty="0" err="1"/>
+              <a:t>Analytik</a:t>
+            </a:r>
+            <a:endParaRPr lang="en-US" dirty="0"/>
+          </a:p>
+          <a:p>
+            <a:pPr lvl="1"/>
+            <a:endParaRPr lang="en-US" dirty="0"/>
+          </a:p>
+          <a:p>
+            <a:pPr lvl="1"/>
+            <a:r>
+              <a:rPr lang="en-US" dirty="0" err="1"/>
+              <a:t>Prädiktive</a:t>
+            </a:r>
+            <a:r>
+              <a:rPr lang="en-US" dirty="0"/>
+              <a:t> </a:t>
+            </a:r>
+            <a:r>
+              <a:rPr lang="en-US" dirty="0" err="1"/>
+              <a:t>Analytik</a:t>
+            </a:r>
+            <a:endParaRPr lang="en-US" dirty="0"/>
+          </a:p>
+        </p:txBody>
+      </p:sp>
+      <p:sp>
+        <p:nvSpPr>
+          <p:cNvPr id="6" name="Datumsplatzhalter 5">
+            <a:extLst>
+              <a:ext uri="{FF2B5EF4-FFF2-40B4-BE49-F238E27FC236}">
+                <a16:creationId xmlns:a16="http://schemas.microsoft.com/office/drawing/2014/main" id="{F7E24753-8C37-4753-A820-8A3F28173B47}"/>
+              </a:ext>
+            </a:extLst>
+          </p:cNvPr>
+          <p:cNvSpPr>
+            <a:spLocks noGrp="1"/>
+          </p:cNvSpPr>
+          <p:nvPr>
+            <p:ph type="dt" sz="half" idx="12"/>
           </p:nvPr>
         </p:nvSpPr>
         <p:spPr/>
@@ -7873,718 +8238,9 @@
           <a:bodyPr/>
           <a:lstStyle/>
           <a:p>
-            <a:r>
-              <a:rPr lang="en-US" dirty="0"/>
-              <a:t>Corona </a:t>
-            </a:r>
-            <a:r>
-              <a:rPr lang="en-US" dirty="0" err="1"/>
-              <a:t>Schnelltest</a:t>
-            </a:r>
-            <a:r>
-              <a:rPr lang="en-US" dirty="0"/>
-              <a:t>-Center</a:t>
-            </a:r>
-            <a:br>
-              <a:rPr lang="en-US" dirty="0"/>
-            </a:br>
-            <a:endParaRPr lang="en-US" dirty="0"/>
-          </a:p>
-        </p:txBody>
-      </p:sp>
-      <p:sp>
-        <p:nvSpPr>
-          <p:cNvPr id="3" name="Textplatzhalter 2">
-            <a:extLst>
-              <a:ext uri="{FF2B5EF4-FFF2-40B4-BE49-F238E27FC236}">
-                <a16:creationId xmlns:a16="http://schemas.microsoft.com/office/drawing/2014/main" id="{42EA8265-4AC2-40EB-BA78-4A653CE5F8ED}"/>
-              </a:ext>
-            </a:extLst>
-          </p:cNvPr>
-          <p:cNvSpPr>
-            <a:spLocks noGrp="1"/>
-          </p:cNvSpPr>
-          <p:nvPr>
-            <p:ph type="body" sz="quarter" idx="13"/>
-          </p:nvPr>
-        </p:nvSpPr>
-        <p:spPr/>
-        <p:txBody>
-          <a:bodyPr/>
-          <a:lstStyle/>
-          <a:p>
-            <a:r>
-              <a:rPr lang="de-DE" dirty="0" err="1"/>
-              <a:t>Betrugstrategien</a:t>
-            </a:r>
-            <a:endParaRPr lang="de-DE" dirty="0"/>
-          </a:p>
-        </p:txBody>
-      </p:sp>
-      <p:sp>
-        <p:nvSpPr>
-          <p:cNvPr id="24" name="Textplatzhalter 23">
-            <a:extLst>
-              <a:ext uri="{FF2B5EF4-FFF2-40B4-BE49-F238E27FC236}">
-                <a16:creationId xmlns:a16="http://schemas.microsoft.com/office/drawing/2014/main" id="{B210299A-82B9-436D-B67A-41F26D0D026B}"/>
-              </a:ext>
-            </a:extLst>
-          </p:cNvPr>
-          <p:cNvSpPr>
-            <a:spLocks noGrp="1"/>
-          </p:cNvSpPr>
-          <p:nvPr>
-            <p:ph type="body" sz="quarter" idx="14"/>
-          </p:nvPr>
-        </p:nvSpPr>
-        <p:spPr>
-          <a:xfrm>
-            <a:off x="478199" y="1703388"/>
-            <a:ext cx="5437188" cy="2681119"/>
-          </a:xfrm>
-        </p:spPr>
-        <p:txBody>
-          <a:bodyPr/>
-          <a:lstStyle/>
-          <a:p>
-            <a:r>
-              <a:rPr lang="en-US" dirty="0"/>
-              <a:t>1. Der naïve </a:t>
-            </a:r>
-            <a:r>
-              <a:rPr lang="en-US" dirty="0" err="1"/>
-              <a:t>Betrüger</a:t>
-            </a:r>
-            <a:endParaRPr lang="en-US" dirty="0"/>
-          </a:p>
-          <a:p>
-            <a:pPr lvl="1"/>
-            <a:r>
-              <a:rPr lang="en-US" dirty="0"/>
-              <a:t>Die </a:t>
-            </a:r>
-            <a:r>
-              <a:rPr lang="en-US" dirty="0" err="1"/>
-              <a:t>Auftrittswahrscheinlichkeit</a:t>
-            </a:r>
-            <a:r>
-              <a:rPr lang="en-US" dirty="0"/>
-              <a:t> von 0.0099 </a:t>
-            </a:r>
-            <a:r>
-              <a:rPr lang="en-US" dirty="0" err="1"/>
-              <a:t>ist</a:t>
-            </a:r>
-            <a:r>
-              <a:rPr lang="en-US" dirty="0"/>
-              <a:t> </a:t>
-            </a:r>
-            <a:r>
-              <a:rPr lang="en-US" dirty="0" err="1"/>
-              <a:t>sehr</a:t>
-            </a:r>
-            <a:r>
-              <a:rPr lang="en-US" dirty="0"/>
-              <a:t> </a:t>
-            </a:r>
-            <a:r>
-              <a:rPr lang="en-US" dirty="0" err="1"/>
-              <a:t>niedrig</a:t>
-            </a:r>
-            <a:r>
-              <a:rPr lang="en-US" dirty="0"/>
-              <a:t>. Ich teste </a:t>
-            </a:r>
-            <a:r>
-              <a:rPr lang="en-US" dirty="0" err="1"/>
-              <a:t>nicht</a:t>
-            </a:r>
-            <a:r>
-              <a:rPr lang="en-US" dirty="0"/>
-              <a:t> </a:t>
-            </a:r>
-            <a:r>
-              <a:rPr lang="en-US" dirty="0" err="1"/>
-              <a:t>wirklich</a:t>
-            </a:r>
-            <a:r>
-              <a:rPr lang="en-US" dirty="0"/>
-              <a:t> und </a:t>
-            </a:r>
-            <a:r>
-              <a:rPr lang="en-US" dirty="0" err="1"/>
-              <a:t>gebe</a:t>
-            </a:r>
-            <a:r>
-              <a:rPr lang="en-US" dirty="0"/>
-              <a:t> alle </a:t>
-            </a:r>
-            <a:r>
-              <a:rPr lang="en-US" dirty="0" err="1"/>
-              <a:t>Ergebnisse</a:t>
-            </a:r>
-            <a:r>
-              <a:rPr lang="en-US" dirty="0"/>
-              <a:t> </a:t>
-            </a:r>
-            <a:r>
-              <a:rPr lang="en-US" dirty="0" err="1"/>
-              <a:t>als</a:t>
-            </a:r>
-            <a:r>
-              <a:rPr lang="en-US" dirty="0"/>
-              <a:t> negative an. Das </a:t>
-            </a:r>
-            <a:r>
-              <a:rPr lang="en-US" dirty="0" err="1"/>
-              <a:t>merkt</a:t>
-            </a:r>
-            <a:r>
-              <a:rPr lang="en-US" dirty="0"/>
-              <a:t> </a:t>
-            </a:r>
-            <a:r>
-              <a:rPr lang="en-US" dirty="0" err="1"/>
-              <a:t>doch</a:t>
-            </a:r>
-            <a:r>
-              <a:rPr lang="en-US" dirty="0"/>
-              <a:t> </a:t>
-            </a:r>
-            <a:r>
-              <a:rPr lang="en-US" dirty="0" err="1"/>
-              <a:t>keiner</a:t>
-            </a:r>
-            <a:r>
-              <a:rPr lang="en-US" dirty="0"/>
-              <a:t>.</a:t>
-            </a:r>
-          </a:p>
-          <a:p>
-            <a:pPr lvl="1"/>
-            <a:r>
-              <a:rPr lang="en-US" sz="1600" dirty="0">
-                <a:latin typeface="+mj-lt"/>
-              </a:rPr>
-              <a:t>2. Der </a:t>
-            </a:r>
-            <a:r>
-              <a:rPr lang="en-US" sz="1600" dirty="0" err="1">
-                <a:latin typeface="+mj-lt"/>
-              </a:rPr>
-              <a:t>etwas</a:t>
-            </a:r>
-            <a:r>
-              <a:rPr lang="en-US" sz="1600" dirty="0">
-                <a:latin typeface="+mj-lt"/>
-              </a:rPr>
-              <a:t> </a:t>
-            </a:r>
-            <a:r>
-              <a:rPr lang="en-US" sz="1600" dirty="0" err="1">
-                <a:latin typeface="+mj-lt"/>
-              </a:rPr>
-              <a:t>klügere</a:t>
-            </a:r>
-            <a:r>
-              <a:rPr lang="en-US" sz="1600" dirty="0">
-                <a:latin typeface="+mj-lt"/>
-              </a:rPr>
-              <a:t> </a:t>
-            </a:r>
-            <a:r>
-              <a:rPr lang="en-US" sz="1600" dirty="0" err="1">
-                <a:latin typeface="+mj-lt"/>
-              </a:rPr>
-              <a:t>Betrüger</a:t>
-            </a:r>
-            <a:endParaRPr lang="en-US" sz="1600" dirty="0">
-              <a:latin typeface="+mj-lt"/>
-            </a:endParaRPr>
-          </a:p>
-          <a:p>
-            <a:pPr lvl="1"/>
-            <a:r>
-              <a:rPr lang="en-US" dirty="0" err="1"/>
-              <a:t>Wenn</a:t>
-            </a:r>
-            <a:r>
-              <a:rPr lang="en-US" dirty="0"/>
-              <a:t> </a:t>
-            </a:r>
-            <a:r>
-              <a:rPr lang="en-US" dirty="0" err="1"/>
-              <a:t>geprüft</a:t>
-            </a:r>
-            <a:r>
-              <a:rPr lang="en-US" dirty="0"/>
-              <a:t> </a:t>
-            </a:r>
-            <a:r>
-              <a:rPr lang="en-US" dirty="0" err="1"/>
-              <a:t>wird</a:t>
-            </a:r>
-            <a:r>
-              <a:rPr lang="en-US" dirty="0"/>
-              <a:t>, </a:t>
-            </a:r>
-            <a:r>
-              <a:rPr lang="en-US" dirty="0" err="1"/>
-              <a:t>dann</a:t>
-            </a:r>
-            <a:r>
-              <a:rPr lang="en-US" dirty="0"/>
-              <a:t> </a:t>
-            </a:r>
-            <a:r>
-              <a:rPr lang="en-US" dirty="0" err="1"/>
-              <a:t>bestimmt</a:t>
-            </a:r>
-            <a:r>
-              <a:rPr lang="en-US" dirty="0"/>
-              <a:t> </a:t>
-            </a:r>
-            <a:r>
-              <a:rPr lang="en-US" dirty="0" err="1"/>
-              <a:t>nur</a:t>
-            </a:r>
-            <a:r>
-              <a:rPr lang="en-US" dirty="0"/>
-              <a:t> der </a:t>
-            </a:r>
-            <a:r>
-              <a:rPr lang="en-US" dirty="0" err="1"/>
-              <a:t>Mittelwert</a:t>
-            </a:r>
-            <a:r>
-              <a:rPr lang="en-US" dirty="0"/>
-              <a:t>, </a:t>
-            </a:r>
-            <a:r>
-              <a:rPr lang="en-US" dirty="0" err="1"/>
-              <a:t>deshalb</a:t>
-            </a:r>
-            <a:r>
-              <a:rPr lang="en-US" dirty="0"/>
-              <a:t> </a:t>
-            </a:r>
-            <a:r>
-              <a:rPr lang="en-US" dirty="0" err="1"/>
-              <a:t>besorge</a:t>
-            </a:r>
-            <a:r>
-              <a:rPr lang="en-US" dirty="0"/>
-              <a:t> ich mir positive </a:t>
-            </a:r>
-            <a:r>
-              <a:rPr lang="en-US" dirty="0" err="1"/>
-              <a:t>Ergebnisse</a:t>
-            </a:r>
-            <a:r>
-              <a:rPr lang="en-US" dirty="0"/>
-              <a:t> und </a:t>
-            </a:r>
-            <a:r>
-              <a:rPr lang="en-US" dirty="0" err="1"/>
-              <a:t>gebe</a:t>
-            </a:r>
-            <a:r>
-              <a:rPr lang="en-US" dirty="0"/>
-              <a:t> </a:t>
-            </a:r>
-            <a:r>
-              <a:rPr lang="en-US" dirty="0" err="1"/>
-              <a:t>sie</a:t>
-            </a:r>
-            <a:r>
-              <a:rPr lang="en-US" dirty="0"/>
-              <a:t> </a:t>
-            </a:r>
-            <a:r>
-              <a:rPr lang="en-US" dirty="0" err="1"/>
-              <a:t>nach</a:t>
-            </a:r>
-            <a:r>
-              <a:rPr lang="en-US" dirty="0"/>
-              <a:t> </a:t>
-            </a:r>
-            <a:r>
-              <a:rPr lang="en-US" dirty="0" err="1"/>
-              <a:t>jedem</a:t>
-            </a:r>
-            <a:r>
-              <a:rPr lang="en-US" dirty="0"/>
-              <a:t> </a:t>
-            </a:r>
-            <a:br>
-              <a:rPr lang="en-US" dirty="0"/>
-            </a:br>
-            <a:r>
-              <a:rPr lang="en-US" dirty="0"/>
-              <a:t>1/0.0099 = 101 Mal an.</a:t>
-            </a:r>
-          </a:p>
-        </p:txBody>
-      </p:sp>
-      <p:sp>
-        <p:nvSpPr>
-          <p:cNvPr id="25" name="Textplatzhalter 24">
-            <a:extLst>
-              <a:ext uri="{FF2B5EF4-FFF2-40B4-BE49-F238E27FC236}">
-                <a16:creationId xmlns:a16="http://schemas.microsoft.com/office/drawing/2014/main" id="{3CCD75F1-2066-4053-B14C-F7337E6DCE4D}"/>
-              </a:ext>
-            </a:extLst>
-          </p:cNvPr>
-          <p:cNvSpPr>
-            <a:spLocks noGrp="1"/>
-          </p:cNvSpPr>
-          <p:nvPr>
-            <p:ph type="body" sz="quarter" idx="15"/>
-          </p:nvPr>
-        </p:nvSpPr>
-        <p:spPr>
-          <a:xfrm>
-            <a:off x="6275388" y="1703388"/>
-            <a:ext cx="5437187" cy="2681119"/>
-          </a:xfrm>
-        </p:spPr>
-        <p:txBody>
-          <a:bodyPr/>
-          <a:lstStyle/>
-          <a:p>
-            <a:r>
-              <a:rPr lang="en-US" dirty="0"/>
-              <a:t>3. Der </a:t>
-            </a:r>
-            <a:r>
-              <a:rPr lang="en-US" dirty="0" err="1"/>
-              <a:t>smarte</a:t>
-            </a:r>
-            <a:r>
-              <a:rPr lang="en-US" dirty="0"/>
-              <a:t> </a:t>
-            </a:r>
-            <a:r>
-              <a:rPr lang="en-US" dirty="0" err="1"/>
-              <a:t>Betrüger</a:t>
-            </a:r>
-            <a:endParaRPr lang="en-US" dirty="0"/>
-          </a:p>
-          <a:p>
-            <a:pPr lvl="1"/>
-            <a:r>
-              <a:rPr lang="en-US" dirty="0"/>
-              <a:t>Ich </a:t>
-            </a:r>
-            <a:r>
-              <a:rPr lang="en-US" dirty="0" err="1"/>
-              <a:t>habe</a:t>
-            </a:r>
-            <a:r>
-              <a:rPr lang="en-US" dirty="0"/>
-              <a:t> </a:t>
-            </a:r>
-            <a:r>
-              <a:rPr lang="en-US" dirty="0" err="1"/>
-              <a:t>eine</a:t>
-            </a:r>
-            <a:r>
-              <a:rPr lang="en-US" dirty="0"/>
-              <a:t> </a:t>
-            </a:r>
-            <a:r>
-              <a:rPr lang="en-US" dirty="0" err="1"/>
-              <a:t>laufende</a:t>
-            </a:r>
-            <a:r>
-              <a:rPr lang="en-US" dirty="0"/>
-              <a:t> </a:t>
-            </a:r>
-            <a:r>
-              <a:rPr lang="en-US" dirty="0" err="1"/>
-              <a:t>Teststation</a:t>
-            </a:r>
-            <a:r>
-              <a:rPr lang="en-US" dirty="0"/>
-              <a:t> in </a:t>
-            </a:r>
-            <a:r>
-              <a:rPr lang="en-US" dirty="0" err="1"/>
-              <a:t>einer</a:t>
-            </a:r>
-            <a:r>
-              <a:rPr lang="en-US" dirty="0"/>
-              <a:t> </a:t>
-            </a:r>
-            <a:r>
-              <a:rPr lang="en-US" dirty="0" err="1"/>
-              <a:t>anderen</a:t>
-            </a:r>
-            <a:r>
-              <a:rPr lang="en-US" dirty="0"/>
-              <a:t> Stadt mit </a:t>
-            </a:r>
-            <a:r>
-              <a:rPr lang="en-US" dirty="0" err="1"/>
-              <a:t>einer</a:t>
-            </a:r>
-            <a:r>
-              <a:rPr lang="en-US" dirty="0"/>
-              <a:t> </a:t>
-            </a:r>
-            <a:r>
-              <a:rPr lang="en-US" dirty="0" err="1"/>
-              <a:t>Inzidenz</a:t>
-            </a:r>
-            <a:r>
-              <a:rPr lang="en-US" dirty="0"/>
-              <a:t> von 800. Ich </a:t>
-            </a:r>
-            <a:r>
-              <a:rPr lang="en-US" dirty="0" err="1"/>
-              <a:t>nehme</a:t>
-            </a:r>
-            <a:r>
-              <a:rPr lang="en-US" dirty="0"/>
-              <a:t> </a:t>
-            </a:r>
-            <a:r>
-              <a:rPr lang="en-US" dirty="0" err="1"/>
-              <a:t>diese</a:t>
-            </a:r>
-            <a:r>
-              <a:rPr lang="en-US" dirty="0"/>
-              <a:t> </a:t>
-            </a:r>
-            <a:r>
-              <a:rPr lang="en-US" dirty="0" err="1"/>
-              <a:t>Daten</a:t>
-            </a:r>
-            <a:r>
-              <a:rPr lang="en-US" dirty="0"/>
-              <a:t> </a:t>
-            </a:r>
-            <a:r>
-              <a:rPr lang="en-US" dirty="0" err="1"/>
-              <a:t>einfach</a:t>
-            </a:r>
-            <a:r>
-              <a:rPr lang="en-US" dirty="0"/>
-              <a:t> und </a:t>
-            </a:r>
-            <a:r>
-              <a:rPr lang="en-US" dirty="0" err="1"/>
-              <a:t>reiche</a:t>
-            </a:r>
-            <a:r>
-              <a:rPr lang="en-US" dirty="0"/>
-              <a:t> die </a:t>
-            </a:r>
-            <a:r>
-              <a:rPr lang="en-US" dirty="0" err="1"/>
-              <a:t>Ergebnisse</a:t>
-            </a:r>
-            <a:r>
-              <a:rPr lang="en-US" dirty="0"/>
-              <a:t> </a:t>
-            </a:r>
-            <a:r>
-              <a:rPr lang="en-US" dirty="0" err="1"/>
-              <a:t>hier</a:t>
-            </a:r>
-            <a:r>
-              <a:rPr lang="en-US" dirty="0"/>
-              <a:t> </a:t>
-            </a:r>
-            <a:r>
-              <a:rPr lang="en-US" dirty="0" err="1"/>
-              <a:t>nochmal</a:t>
-            </a:r>
-            <a:r>
-              <a:rPr lang="en-US" dirty="0"/>
-              <a:t> </a:t>
-            </a:r>
-            <a:r>
-              <a:rPr lang="en-US" dirty="0" err="1"/>
-              <a:t>zur</a:t>
-            </a:r>
-            <a:r>
-              <a:rPr lang="en-US" dirty="0"/>
-              <a:t> </a:t>
-            </a:r>
-            <a:r>
-              <a:rPr lang="en-US" dirty="0" err="1"/>
-              <a:t>Abrechnung</a:t>
-            </a:r>
-            <a:r>
-              <a:rPr lang="en-US" dirty="0"/>
-              <a:t> </a:t>
-            </a:r>
-            <a:r>
-              <a:rPr lang="en-US" dirty="0" err="1"/>
-              <a:t>ein</a:t>
-            </a:r>
-            <a:r>
-              <a:rPr lang="en-US" dirty="0"/>
-              <a:t>.</a:t>
-            </a:r>
-          </a:p>
-          <a:p>
-            <a:pPr lvl="1"/>
-            <a:r>
-              <a:rPr lang="en-US" sz="1600" dirty="0">
-                <a:latin typeface="+mj-lt"/>
-              </a:rPr>
-              <a:t>4. Der </a:t>
-            </a:r>
-            <a:r>
-              <a:rPr lang="en-US" sz="1600" dirty="0" err="1">
-                <a:latin typeface="+mj-lt"/>
-              </a:rPr>
-              <a:t>sehr</a:t>
-            </a:r>
-            <a:r>
-              <a:rPr lang="en-US" sz="1600" dirty="0">
-                <a:latin typeface="+mj-lt"/>
-              </a:rPr>
-              <a:t> </a:t>
-            </a:r>
-            <a:r>
-              <a:rPr lang="en-US" sz="1600" dirty="0" err="1">
-                <a:latin typeface="+mj-lt"/>
-              </a:rPr>
-              <a:t>smarte</a:t>
-            </a:r>
-            <a:r>
-              <a:rPr lang="en-US" sz="1600" dirty="0">
-                <a:latin typeface="+mj-lt"/>
-              </a:rPr>
-              <a:t> </a:t>
-            </a:r>
-            <a:r>
-              <a:rPr lang="en-US" sz="1600" dirty="0" err="1">
-                <a:latin typeface="+mj-lt"/>
-              </a:rPr>
-              <a:t>Betrüger</a:t>
-            </a:r>
-            <a:endParaRPr lang="en-US" sz="1600" dirty="0">
-              <a:latin typeface="+mj-lt"/>
-            </a:endParaRPr>
-          </a:p>
-          <a:p>
-            <a:pPr lvl="1"/>
-            <a:r>
-              <a:rPr lang="en-US" dirty="0"/>
-              <a:t>Ich teste </a:t>
-            </a:r>
-            <a:r>
-              <a:rPr lang="en-US" dirty="0" err="1"/>
-              <a:t>wirklich</a:t>
-            </a:r>
-            <a:r>
-              <a:rPr lang="en-US" dirty="0"/>
-              <a:t>. Aber </a:t>
-            </a:r>
-            <a:r>
-              <a:rPr lang="en-US" dirty="0" err="1"/>
-              <a:t>nach</a:t>
-            </a:r>
-            <a:r>
-              <a:rPr lang="en-US" dirty="0"/>
-              <a:t> 1000 Tests </a:t>
-            </a:r>
-            <a:r>
-              <a:rPr lang="en-US" dirty="0" err="1"/>
-              <a:t>gebe</a:t>
-            </a:r>
-            <a:r>
-              <a:rPr lang="en-US" dirty="0"/>
-              <a:t> ich 200 Tests mit </a:t>
-            </a:r>
-            <a:r>
-              <a:rPr lang="en-US" dirty="0" err="1"/>
-              <a:t>negativen</a:t>
-            </a:r>
-            <a:r>
-              <a:rPr lang="en-US" dirty="0"/>
-              <a:t> </a:t>
-            </a:r>
-            <a:r>
-              <a:rPr lang="en-US" dirty="0" err="1"/>
-              <a:t>Ergebnissen</a:t>
-            </a:r>
-            <a:r>
-              <a:rPr lang="en-US" dirty="0"/>
-              <a:t> </a:t>
-            </a:r>
-            <a:r>
-              <a:rPr lang="en-US" dirty="0" err="1"/>
-              <a:t>dazu</a:t>
-            </a:r>
-            <a:r>
-              <a:rPr lang="en-US" dirty="0"/>
-              <a:t> und teste </a:t>
-            </a:r>
-            <a:r>
-              <a:rPr lang="en-US" dirty="0" err="1"/>
-              <a:t>dann</a:t>
-            </a:r>
-            <a:r>
-              <a:rPr lang="en-US" dirty="0"/>
-              <a:t> </a:t>
-            </a:r>
-            <a:r>
-              <a:rPr lang="en-US" dirty="0" err="1"/>
-              <a:t>wieder</a:t>
-            </a:r>
-            <a:r>
-              <a:rPr lang="en-US" dirty="0"/>
-              <a:t> 800 </a:t>
-            </a:r>
-            <a:r>
-              <a:rPr lang="en-US" dirty="0" err="1"/>
-              <a:t>Personen</a:t>
-            </a:r>
-            <a:r>
-              <a:rPr lang="en-US" dirty="0"/>
-              <a:t> </a:t>
-            </a:r>
-            <a:r>
-              <a:rPr lang="en-US" dirty="0" err="1"/>
-              <a:t>richtig</a:t>
-            </a:r>
-            <a:r>
-              <a:rPr lang="en-US" dirty="0"/>
-              <a:t>.</a:t>
-            </a:r>
-          </a:p>
-        </p:txBody>
-      </p:sp>
-      <p:sp>
-        <p:nvSpPr>
-          <p:cNvPr id="6" name="Datumsplatzhalter 5">
-            <a:extLst>
-              <a:ext uri="{FF2B5EF4-FFF2-40B4-BE49-F238E27FC236}">
-                <a16:creationId xmlns:a16="http://schemas.microsoft.com/office/drawing/2014/main" id="{DE773494-22AE-43E2-B2FC-9893A3B601C7}"/>
-              </a:ext>
-            </a:extLst>
-          </p:cNvPr>
-          <p:cNvSpPr>
-            <a:spLocks noGrp="1"/>
-          </p:cNvSpPr>
-          <p:nvPr>
-            <p:ph type="dt" sz="half" idx="16"/>
-          </p:nvPr>
-        </p:nvSpPr>
-        <p:spPr/>
-        <p:txBody>
-          <a:bodyPr/>
-          <a:lstStyle/>
-          <a:p>
             <a:fld id="{3FF77DFC-33DC-4457-974A-3F8ABA01093A}" type="datetime1">
               <a:rPr lang="de-DE" noProof="0" smtClean="0"/>
-              <a:pPr/>
-              <a:t>30.10.2022</a:t>
+              <a:t>02.11.2022</a:t>
             </a:fld>
             <a:endParaRPr lang="de-DE" noProof="0" dirty="0"/>
           </a:p>
@@ -8595,7 +8251,7 @@
           <p:cNvPr id="7" name="Foliennummernplatzhalter 6">
             <a:extLst>
               <a:ext uri="{FF2B5EF4-FFF2-40B4-BE49-F238E27FC236}">
-                <a16:creationId xmlns:a16="http://schemas.microsoft.com/office/drawing/2014/main" id="{159812CB-144F-41CF-8198-22BE84BA54F1}"/>
+                <a16:creationId xmlns:a16="http://schemas.microsoft.com/office/drawing/2014/main" id="{59D4D867-B21E-4805-9EAD-F77DFCCB15D3}"/>
               </a:ext>
             </a:extLst>
           </p:cNvPr>
@@ -8603,7 +8259,7 @@
             <a:spLocks noGrp="1"/>
           </p:cNvSpPr>
           <p:nvPr>
-            <p:ph type="sldNum" sz="quarter" idx="18"/>
+            <p:ph type="sldNum" sz="quarter" idx="14"/>
           </p:nvPr>
         </p:nvSpPr>
         <p:spPr/>
@@ -8623,7 +8279,7 @@
     </p:spTree>
     <p:extLst>
       <p:ext uri="{BB962C8B-B14F-4D97-AF65-F5344CB8AC3E}">
-        <p14:creationId xmlns:p14="http://schemas.microsoft.com/office/powerpoint/2010/main" val="360634490"/>
+        <p14:creationId xmlns:p14="http://schemas.microsoft.com/office/powerpoint/2010/main" val="4243273921"/>
       </p:ext>
     </p:extLst>
   </p:cSld>
@@ -8652,10 +8308,10 @@
       </p:grpSpPr>
       <p:sp>
         <p:nvSpPr>
-          <p:cNvPr id="9" name="Textplatzhalter 8">
-            <a:extLst>
-              <a:ext uri="{FF2B5EF4-FFF2-40B4-BE49-F238E27FC236}">
-                <a16:creationId xmlns:a16="http://schemas.microsoft.com/office/drawing/2014/main" id="{BE4341DE-213A-4BD4-865C-F2EC55F75294}"/>
+          <p:cNvPr id="6" name="Titel 5">
+            <a:extLst>
+              <a:ext uri="{FF2B5EF4-FFF2-40B4-BE49-F238E27FC236}">
+                <a16:creationId xmlns:a16="http://schemas.microsoft.com/office/drawing/2014/main" id="{59DE14AD-FCB4-4DFF-BD7A-98901404D6B1}"/>
               </a:ext>
             </a:extLst>
           </p:cNvPr>
@@ -8663,13 +8319,82 @@
             <a:spLocks noGrp="1"/>
           </p:cNvSpPr>
           <p:nvPr>
-            <p:ph type="body" sz="quarter" idx="11"/>
+            <p:ph type="title"/>
+          </p:nvPr>
+        </p:nvSpPr>
+        <p:spPr/>
+        <p:txBody>
+          <a:bodyPr/>
+          <a:lstStyle/>
+          <a:p>
+            <a:r>
+              <a:rPr lang="en-US" dirty="0" err="1"/>
+              <a:t>Deskriptive</a:t>
+            </a:r>
+            <a:r>
+              <a:rPr lang="en-US" dirty="0"/>
+              <a:t> </a:t>
+            </a:r>
+            <a:r>
+              <a:rPr lang="en-US" dirty="0" err="1"/>
+              <a:t>Analytik</a:t>
+            </a:r>
+            <a:br>
+              <a:rPr lang="en-US" dirty="0"/>
+            </a:br>
+            <a:endParaRPr lang="en-US" dirty="0"/>
+          </a:p>
+        </p:txBody>
+      </p:sp>
+      <p:sp>
+        <p:nvSpPr>
+          <p:cNvPr id="7" name="Textplatzhalter 6">
+            <a:extLst>
+              <a:ext uri="{FF2B5EF4-FFF2-40B4-BE49-F238E27FC236}">
+                <a16:creationId xmlns:a16="http://schemas.microsoft.com/office/drawing/2014/main" id="{5F82FDFD-5DD0-4CE4-A56C-B7ACB6027251}"/>
+              </a:ext>
+            </a:extLst>
+          </p:cNvPr>
+          <p:cNvSpPr>
+            <a:spLocks noGrp="1"/>
+          </p:cNvSpPr>
+          <p:nvPr>
+            <p:ph type="body" sz="quarter" idx="13"/>
+          </p:nvPr>
+        </p:nvSpPr>
+        <p:spPr/>
+        <p:txBody>
+          <a:bodyPr/>
+          <a:lstStyle/>
+          <a:p>
+            <a:r>
+              <a:rPr lang="en-US" dirty="0" err="1"/>
+              <a:t>Betrugserkennung</a:t>
+            </a:r>
+            <a:endParaRPr lang="en-US" dirty="0"/>
+          </a:p>
+        </p:txBody>
+      </p:sp>
+      <p:sp>
+        <p:nvSpPr>
+          <p:cNvPr id="8" name="Textplatzhalter 7">
+            <a:extLst>
+              <a:ext uri="{FF2B5EF4-FFF2-40B4-BE49-F238E27FC236}">
+                <a16:creationId xmlns:a16="http://schemas.microsoft.com/office/drawing/2014/main" id="{3D4002A2-7E0E-4D1D-8FB5-646B389FABC0}"/>
+              </a:ext>
+            </a:extLst>
+          </p:cNvPr>
+          <p:cNvSpPr>
+            <a:spLocks noGrp="1"/>
+          </p:cNvSpPr>
+          <p:nvPr>
+            <p:ph type="body" sz="quarter" idx="14"/>
           </p:nvPr>
         </p:nvSpPr>
         <p:spPr>
           <a:xfrm>
-            <a:off x="478198" y="1999174"/>
-            <a:ext cx="7346583" cy="2837252"/>
+            <a:off x="478199" y="1703388"/>
+            <a:ext cx="5437188" cy="4062522"/>
           </a:xfrm>
         </p:spPr>
         <p:txBody>
@@ -8677,69 +8402,88 @@
           <a:lstStyle/>
           <a:p>
             <a:r>
-              <a:rPr lang="en-US" sz="2800" dirty="0" err="1"/>
-              <a:t>Algorithmen</a:t>
-            </a:r>
-            <a:r>
-              <a:rPr lang="en-US" sz="2800" dirty="0"/>
-              <a:t> und </a:t>
-            </a:r>
-            <a:r>
-              <a:rPr lang="en-US" sz="2800" dirty="0" err="1"/>
-              <a:t>Technologien</a:t>
-            </a:r>
-            <a:endParaRPr lang="en-US" sz="2800" dirty="0"/>
-          </a:p>
-          <a:p>
-            <a:endParaRPr lang="en-US" sz="2800" dirty="0"/>
-          </a:p>
-          <a:p>
-            <a:endParaRPr lang="en-US" sz="2800" dirty="0"/>
+              <a:rPr lang="de-DE" dirty="0"/>
+              <a:t>Deskriptive Analytik</a:t>
+            </a:r>
           </a:p>
           <a:p>
             <a:pPr lvl="1"/>
             <a:r>
-              <a:rPr lang="en-US" dirty="0" err="1"/>
-              <a:t>Deskriptive</a:t>
-            </a:r>
-            <a:r>
-              <a:rPr lang="en-US" dirty="0"/>
-              <a:t> </a:t>
-            </a:r>
-            <a:r>
-              <a:rPr lang="en-US" dirty="0" err="1"/>
-              <a:t>Analytik</a:t>
-            </a:r>
-            <a:endParaRPr lang="en-US" dirty="0"/>
-          </a:p>
-          <a:p>
-            <a:pPr lvl="1"/>
-            <a:endParaRPr lang="en-US" dirty="0"/>
-          </a:p>
-          <a:p>
-            <a:pPr lvl="1"/>
-            <a:r>
-              <a:rPr lang="en-US" dirty="0" err="1"/>
-              <a:t>Prädiktive</a:t>
-            </a:r>
-            <a:r>
-              <a:rPr lang="en-US" dirty="0"/>
-              <a:t> </a:t>
-            </a:r>
-            <a:r>
-              <a:rPr lang="en-US" dirty="0" err="1"/>
-              <a:t>Analytik</a:t>
-            </a:r>
-            <a:endParaRPr lang="en-US" dirty="0"/>
+              <a:rPr lang="de-DE" dirty="0"/>
+              <a:t>Findet anormale Verhaltensweisen in Beobachtungen , die vom normalen Verhalten der Grundgesamtheit abweichen.</a:t>
+            </a:r>
+          </a:p>
+          <a:p>
+            <a:pPr lvl="3"/>
+            <a:r>
+              <a:rPr lang="de-DE" dirty="0"/>
+              <a:t>Erkennt bislang unbekannte Verdachtsmomente</a:t>
+            </a:r>
+          </a:p>
+          <a:p>
+            <a:pPr lvl="3"/>
+            <a:r>
+              <a:rPr lang="de-DE" dirty="0"/>
+              <a:t>Anfällig für Täuschung</a:t>
+            </a:r>
+          </a:p>
+          <a:p>
+            <a:pPr lvl="3"/>
+            <a:endParaRPr lang="de-DE" dirty="0"/>
+          </a:p>
+          <a:p>
+            <a:pPr marL="0" lvl="3" indent="0">
+              <a:buNone/>
+            </a:pPr>
+            <a:r>
+              <a:rPr lang="de-DE" b="1" dirty="0" err="1"/>
+              <a:t>Anomalieerkennung</a:t>
+            </a:r>
+            <a:r>
+              <a:rPr lang="de-DE" dirty="0"/>
+              <a:t>:</a:t>
+            </a:r>
+          </a:p>
+          <a:p>
+            <a:pPr lvl="3"/>
+            <a:r>
+              <a:rPr lang="de-DE" u="sng" dirty="0"/>
+              <a:t>Erkennung von statistischen Ausreißern</a:t>
+            </a:r>
+          </a:p>
+          <a:p>
+            <a:pPr marL="180000" lvl="4" indent="0">
+              <a:buNone/>
+            </a:pPr>
+            <a:r>
+              <a:rPr lang="de-DE" dirty="0"/>
+              <a:t>Eine „außen liegende“ Beobachtung oder Ausreißer ist eine, die deutlich von anderen Mitgliedern der Stichprobe abzuweichen scheint, in der sie auftritt.</a:t>
+            </a:r>
+          </a:p>
+          <a:p>
+            <a:pPr lvl="3"/>
+            <a:r>
+              <a:rPr lang="de-DE" u="sng" dirty="0"/>
+              <a:t>Erkennung von Strukturbrüchen</a:t>
+            </a:r>
+          </a:p>
+          <a:p>
+            <a:pPr marL="180000" lvl="4" indent="0">
+              <a:buNone/>
+            </a:pPr>
+            <a:r>
+              <a:rPr lang="de-DE" dirty="0"/>
+              <a:t>Strukturbrüche in Zeitreihen sind dadurch gekennzeichnet, dass sich das stationäre Verhalten über die Zeit durch eine Veränderung der Varianz oder des Mittelwertes ändert.</a:t>
+            </a:r>
           </a:p>
         </p:txBody>
       </p:sp>
       <p:sp>
         <p:nvSpPr>
-          <p:cNvPr id="6" name="Datumsplatzhalter 5">
-            <a:extLst>
-              <a:ext uri="{FF2B5EF4-FFF2-40B4-BE49-F238E27FC236}">
-                <a16:creationId xmlns:a16="http://schemas.microsoft.com/office/drawing/2014/main" id="{F7E24753-8C37-4753-A820-8A3F28173B47}"/>
+          <p:cNvPr id="9" name="Textplatzhalter 8">
+            <a:extLst>
+              <a:ext uri="{FF2B5EF4-FFF2-40B4-BE49-F238E27FC236}">
+                <a16:creationId xmlns:a16="http://schemas.microsoft.com/office/drawing/2014/main" id="{A26B5670-8AEF-4316-B454-132673B82936}"/>
               </a:ext>
             </a:extLst>
           </p:cNvPr>
@@ -8747,7 +8491,199 @@
             <a:spLocks noGrp="1"/>
           </p:cNvSpPr>
           <p:nvPr>
-            <p:ph type="dt" sz="half" idx="12"/>
+            <p:ph type="body" sz="quarter" idx="15"/>
+          </p:nvPr>
+        </p:nvSpPr>
+        <p:spPr>
+          <a:xfrm>
+            <a:off x="6275388" y="1703388"/>
+            <a:ext cx="5437187" cy="3134833"/>
+          </a:xfrm>
+        </p:spPr>
+        <p:txBody>
+          <a:bodyPr/>
+          <a:lstStyle/>
+          <a:p>
+            <a:pPr marL="0" lvl="3" indent="0">
+              <a:buNone/>
+            </a:pPr>
+            <a:r>
+              <a:rPr lang="en-US" sz="1600" dirty="0" err="1">
+                <a:latin typeface="+mj-lt"/>
+              </a:rPr>
+              <a:t>Vorgestellte</a:t>
+            </a:r>
+            <a:r>
+              <a:rPr lang="en-US" sz="1600" dirty="0">
+                <a:latin typeface="+mj-lt"/>
+              </a:rPr>
+              <a:t> </a:t>
+            </a:r>
+            <a:r>
+              <a:rPr lang="en-US" sz="1600" dirty="0" err="1">
+                <a:latin typeface="+mj-lt"/>
+              </a:rPr>
+              <a:t>Methoden</a:t>
+            </a:r>
+            <a:r>
+              <a:rPr lang="en-US" sz="1600" dirty="0">
+                <a:latin typeface="+mj-lt"/>
+              </a:rPr>
+              <a:t>:</a:t>
+            </a:r>
+          </a:p>
+          <a:p>
+            <a:pPr marL="0" lvl="3" indent="0">
+              <a:buNone/>
+            </a:pPr>
+            <a:endParaRPr lang="en-US" sz="1600" dirty="0">
+              <a:latin typeface="+mj-lt"/>
+            </a:endParaRPr>
+          </a:p>
+          <a:p>
+            <a:pPr marL="342900" lvl="3" indent="-342900">
+              <a:buFont typeface="+mj-lt"/>
+              <a:buAutoNum type="arabicPeriod"/>
+            </a:pPr>
+            <a:r>
+              <a:rPr lang="en-US" dirty="0"/>
+              <a:t>Z-Score</a:t>
+            </a:r>
+          </a:p>
+          <a:p>
+            <a:pPr marL="342900" lvl="3" indent="-342900">
+              <a:buFont typeface="+mj-lt"/>
+              <a:buAutoNum type="arabicPeriod"/>
+            </a:pPr>
+            <a:r>
+              <a:rPr lang="en-US" dirty="0" err="1"/>
+              <a:t>Statistische</a:t>
+            </a:r>
+            <a:r>
+              <a:rPr lang="en-US" dirty="0"/>
+              <a:t> Tests</a:t>
+            </a:r>
+          </a:p>
+          <a:p>
+            <a:pPr marL="342900" lvl="3" indent="-342900">
+              <a:buFont typeface="+mj-lt"/>
+              <a:buAutoNum type="arabicPeriod"/>
+            </a:pPr>
+            <a:r>
+              <a:rPr lang="de-DE" dirty="0" err="1"/>
+              <a:t>Binomial</a:t>
+            </a:r>
+            <a:r>
+              <a:rPr lang="de-DE" dirty="0"/>
+              <a:t> Proportion Tests</a:t>
+            </a:r>
+          </a:p>
+          <a:p>
+            <a:pPr marL="342900" lvl="3" indent="-342900">
+              <a:buFont typeface="+mj-lt"/>
+              <a:buAutoNum type="arabicPeriod"/>
+            </a:pPr>
+            <a:r>
+              <a:rPr lang="en-US" dirty="0" err="1"/>
+              <a:t>Strukturbruch-Analysen</a:t>
+            </a:r>
+            <a:endParaRPr lang="en-US" dirty="0"/>
+          </a:p>
+          <a:p>
+            <a:pPr marL="342900" lvl="3" indent="-342900">
+              <a:buFont typeface="+mj-lt"/>
+              <a:buAutoNum type="arabicPeriod"/>
+            </a:pPr>
+            <a:r>
+              <a:rPr lang="en-US" dirty="0"/>
+              <a:t>Red Flags</a:t>
+            </a:r>
+          </a:p>
+          <a:p>
+            <a:pPr marL="342900" lvl="3" indent="-342900">
+              <a:buFont typeface="+mj-lt"/>
+              <a:buAutoNum type="arabicPeriod"/>
+            </a:pPr>
+            <a:endParaRPr lang="en-US" dirty="0"/>
+          </a:p>
+          <a:p>
+            <a:pPr marL="0" lvl="3" indent="0">
+              <a:buNone/>
+            </a:pPr>
+            <a:r>
+              <a:rPr lang="en-US" b="1" dirty="0" err="1"/>
+              <a:t>Weitere</a:t>
+            </a:r>
+            <a:r>
+              <a:rPr lang="en-US" b="1" dirty="0"/>
+              <a:t> </a:t>
+            </a:r>
+            <a:r>
+              <a:rPr lang="en-US" b="1" dirty="0" err="1"/>
+              <a:t>Methoden</a:t>
+            </a:r>
+            <a:r>
+              <a:rPr lang="en-US" b="1" dirty="0"/>
+              <a:t>:</a:t>
+            </a:r>
+          </a:p>
+          <a:p>
+            <a:pPr marL="0" lvl="3" indent="0">
+              <a:buNone/>
+            </a:pPr>
+            <a:endParaRPr lang="en-US" b="1" dirty="0"/>
+          </a:p>
+          <a:p>
+            <a:pPr marL="342900" lvl="3" indent="-342900">
+              <a:buFont typeface="+mj-lt"/>
+              <a:buAutoNum type="arabicPeriod"/>
+            </a:pPr>
+            <a:r>
+              <a:rPr lang="en-US" dirty="0"/>
+              <a:t>Cluster-</a:t>
+            </a:r>
+            <a:r>
+              <a:rPr lang="en-US" dirty="0" err="1"/>
+              <a:t>Analysen</a:t>
+            </a:r>
+            <a:endParaRPr lang="en-US" dirty="0"/>
+          </a:p>
+          <a:p>
+            <a:pPr marL="342900" lvl="3" indent="-342900">
+              <a:buFont typeface="+mj-lt"/>
+              <a:buAutoNum type="arabicPeriod"/>
+            </a:pPr>
+            <a:r>
+              <a:rPr lang="en-US" dirty="0" err="1"/>
+              <a:t>Benfords</a:t>
+            </a:r>
+            <a:r>
+              <a:rPr lang="en-US" dirty="0"/>
+              <a:t> Law</a:t>
+            </a:r>
+          </a:p>
+          <a:p>
+            <a:pPr marL="0" lvl="3" indent="0">
+              <a:buNone/>
+            </a:pPr>
+            <a:endParaRPr lang="en-US" b="1" dirty="0"/>
+          </a:p>
+        </p:txBody>
+      </p:sp>
+      <p:sp>
+        <p:nvSpPr>
+          <p:cNvPr id="3" name="Datumsplatzhalter 2">
+            <a:extLst>
+              <a:ext uri="{FF2B5EF4-FFF2-40B4-BE49-F238E27FC236}">
+                <a16:creationId xmlns:a16="http://schemas.microsoft.com/office/drawing/2014/main" id="{3ED98866-83C2-4201-9AE9-05B894EC6A30}"/>
+              </a:ext>
+            </a:extLst>
+          </p:cNvPr>
+          <p:cNvSpPr>
+            <a:spLocks noGrp="1"/>
+          </p:cNvSpPr>
+          <p:nvPr>
+            <p:ph type="dt" sz="half" idx="16"/>
           </p:nvPr>
         </p:nvSpPr>
         <p:spPr/>
@@ -8755,9 +8691,9 @@
           <a:bodyPr/>
           <a:lstStyle/>
           <a:p>
-            <a:fld id="{3FF77DFC-33DC-4457-974A-3F8ABA01093A}" type="datetime1">
+            <a:fld id="{4BDB264A-4676-45A5-B387-60439B46227D}" type="datetime1">
               <a:rPr lang="de-DE" noProof="0" smtClean="0"/>
-              <a:t>30.10.2022</a:t>
+              <a:t>02.11.2022</a:t>
             </a:fld>
             <a:endParaRPr lang="de-DE" noProof="0" dirty="0"/>
           </a:p>
@@ -8765,10 +8701,10 @@
       </p:sp>
       <p:sp>
         <p:nvSpPr>
-          <p:cNvPr id="7" name="Foliennummernplatzhalter 6">
-            <a:extLst>
-              <a:ext uri="{FF2B5EF4-FFF2-40B4-BE49-F238E27FC236}">
-                <a16:creationId xmlns:a16="http://schemas.microsoft.com/office/drawing/2014/main" id="{59D4D867-B21E-4805-9EAD-F77DFCCB15D3}"/>
+          <p:cNvPr id="4" name="Foliennummernplatzhalter 3">
+            <a:extLst>
+              <a:ext uri="{FF2B5EF4-FFF2-40B4-BE49-F238E27FC236}">
+                <a16:creationId xmlns:a16="http://schemas.microsoft.com/office/drawing/2014/main" id="{1719DB42-6477-42E5-A32A-2D13C6E5EB87}"/>
               </a:ext>
             </a:extLst>
           </p:cNvPr>
@@ -8776,7 +8712,7 @@
             <a:spLocks noGrp="1"/>
           </p:cNvSpPr>
           <p:nvPr>
-            <p:ph type="sldNum" sz="quarter" idx="14"/>
+            <p:ph type="sldNum" sz="quarter" idx="18"/>
           </p:nvPr>
         </p:nvSpPr>
         <p:spPr/>
@@ -8796,7 +8732,7 @@
     </p:spTree>
     <p:extLst>
       <p:ext uri="{BB962C8B-B14F-4D97-AF65-F5344CB8AC3E}">
-        <p14:creationId xmlns:p14="http://schemas.microsoft.com/office/powerpoint/2010/main" val="4243273921"/>
+        <p14:creationId xmlns:p14="http://schemas.microsoft.com/office/powerpoint/2010/main" val="1317174636"/>
       </p:ext>
     </p:extLst>
   </p:cSld>
@@ -8823,464 +8759,6 @@
           <a:chExt cx="0" cy="0"/>
         </a:xfrm>
       </p:grpSpPr>
-      <p:sp>
-        <p:nvSpPr>
-          <p:cNvPr id="6" name="Titel 5">
-            <a:extLst>
-              <a:ext uri="{FF2B5EF4-FFF2-40B4-BE49-F238E27FC236}">
-                <a16:creationId xmlns:a16="http://schemas.microsoft.com/office/drawing/2014/main" id="{59DE14AD-FCB4-4DFF-BD7A-98901404D6B1}"/>
-              </a:ext>
-            </a:extLst>
-          </p:cNvPr>
-          <p:cNvSpPr>
-            <a:spLocks noGrp="1"/>
-          </p:cNvSpPr>
-          <p:nvPr>
-            <p:ph type="title"/>
-          </p:nvPr>
-        </p:nvSpPr>
-        <p:spPr/>
-        <p:txBody>
-          <a:bodyPr/>
-          <a:lstStyle/>
-          <a:p>
-            <a:r>
-              <a:rPr lang="en-US" dirty="0" err="1"/>
-              <a:t>Deskriptive</a:t>
-            </a:r>
-            <a:r>
-              <a:rPr lang="en-US" dirty="0"/>
-              <a:t> </a:t>
-            </a:r>
-            <a:r>
-              <a:rPr lang="en-US" dirty="0" err="1"/>
-              <a:t>Analytik</a:t>
-            </a:r>
-            <a:br>
-              <a:rPr lang="en-US" dirty="0"/>
-            </a:br>
-            <a:endParaRPr lang="en-US" dirty="0"/>
-          </a:p>
-        </p:txBody>
-      </p:sp>
-      <p:sp>
-        <p:nvSpPr>
-          <p:cNvPr id="7" name="Textplatzhalter 6">
-            <a:extLst>
-              <a:ext uri="{FF2B5EF4-FFF2-40B4-BE49-F238E27FC236}">
-                <a16:creationId xmlns:a16="http://schemas.microsoft.com/office/drawing/2014/main" id="{5F82FDFD-5DD0-4CE4-A56C-B7ACB6027251}"/>
-              </a:ext>
-            </a:extLst>
-          </p:cNvPr>
-          <p:cNvSpPr>
-            <a:spLocks noGrp="1"/>
-          </p:cNvSpPr>
-          <p:nvPr>
-            <p:ph type="body" sz="quarter" idx="13"/>
-          </p:nvPr>
-        </p:nvSpPr>
-        <p:spPr/>
-        <p:txBody>
-          <a:bodyPr/>
-          <a:lstStyle/>
-          <a:p>
-            <a:r>
-              <a:rPr lang="en-US" dirty="0" err="1"/>
-              <a:t>Betrugserkennung</a:t>
-            </a:r>
-            <a:endParaRPr lang="en-US" dirty="0"/>
-          </a:p>
-        </p:txBody>
-      </p:sp>
-      <p:sp>
-        <p:nvSpPr>
-          <p:cNvPr id="8" name="Textplatzhalter 7">
-            <a:extLst>
-              <a:ext uri="{FF2B5EF4-FFF2-40B4-BE49-F238E27FC236}">
-                <a16:creationId xmlns:a16="http://schemas.microsoft.com/office/drawing/2014/main" id="{3D4002A2-7E0E-4D1D-8FB5-646B389FABC0}"/>
-              </a:ext>
-            </a:extLst>
-          </p:cNvPr>
-          <p:cNvSpPr>
-            <a:spLocks noGrp="1"/>
-          </p:cNvSpPr>
-          <p:nvPr>
-            <p:ph type="body" sz="quarter" idx="14"/>
-          </p:nvPr>
-        </p:nvSpPr>
-        <p:spPr>
-          <a:xfrm>
-            <a:off x="478199" y="1703388"/>
-            <a:ext cx="5437188" cy="4062522"/>
-          </a:xfrm>
-        </p:spPr>
-        <p:txBody>
-          <a:bodyPr/>
-          <a:lstStyle/>
-          <a:p>
-            <a:r>
-              <a:rPr lang="de-DE" dirty="0"/>
-              <a:t>Deskriptive Analytik</a:t>
-            </a:r>
-          </a:p>
-          <a:p>
-            <a:pPr lvl="1"/>
-            <a:r>
-              <a:rPr lang="de-DE" dirty="0"/>
-              <a:t>Findet anormale Verhaltensweisen in Beobachtungen , die vom normalen Verhalten der Grundgesamtheit abweichen.</a:t>
-            </a:r>
-          </a:p>
-          <a:p>
-            <a:pPr lvl="3"/>
-            <a:r>
-              <a:rPr lang="de-DE" dirty="0"/>
-              <a:t>Erkennt bislang unbekannte Verdachtsmomente</a:t>
-            </a:r>
-          </a:p>
-          <a:p>
-            <a:pPr lvl="3"/>
-            <a:r>
-              <a:rPr lang="de-DE" dirty="0"/>
-              <a:t>Anfällig für Täuschung</a:t>
-            </a:r>
-          </a:p>
-          <a:p>
-            <a:pPr lvl="3"/>
-            <a:endParaRPr lang="de-DE" dirty="0"/>
-          </a:p>
-          <a:p>
-            <a:pPr marL="0" lvl="3" indent="0">
-              <a:buNone/>
-            </a:pPr>
-            <a:r>
-              <a:rPr lang="de-DE" b="1" dirty="0" err="1"/>
-              <a:t>Anomalieerkennung</a:t>
-            </a:r>
-            <a:r>
-              <a:rPr lang="de-DE" dirty="0"/>
-              <a:t>:</a:t>
-            </a:r>
-          </a:p>
-          <a:p>
-            <a:pPr lvl="3"/>
-            <a:r>
-              <a:rPr lang="de-DE" u="sng" dirty="0"/>
-              <a:t>Erkennung von statistischen </a:t>
-            </a:r>
-            <a:r>
-              <a:rPr lang="de-DE" u="sng" dirty="0" err="1"/>
-              <a:t>Ausreissern</a:t>
-            </a:r>
-            <a:endParaRPr lang="de-DE" u="sng" dirty="0"/>
-          </a:p>
-          <a:p>
-            <a:pPr marL="180000" lvl="4" indent="0">
-              <a:buNone/>
-            </a:pPr>
-            <a:r>
-              <a:rPr lang="de-DE" dirty="0"/>
-              <a:t>Eine „außen liegende“ Beobachtung oder Ausreißer ist eine, die deutlich von anderen Mitgliedern der Stichprobe abzuweichen scheint, in der sie auftritt.</a:t>
-            </a:r>
-          </a:p>
-          <a:p>
-            <a:pPr lvl="3"/>
-            <a:r>
-              <a:rPr lang="de-DE" u="sng" dirty="0"/>
-              <a:t>Erkennung von Strukturbrüchen</a:t>
-            </a:r>
-          </a:p>
-          <a:p>
-            <a:pPr marL="180000" lvl="4" indent="0">
-              <a:buNone/>
-            </a:pPr>
-            <a:r>
-              <a:rPr lang="de-DE" dirty="0"/>
-              <a:t>Strukturbrüche in Zeitreihen sind dadurch gekennzeichnet, dass sich das stationäre Verhalten über die Zeit durch eine Veränderung der Varianz oder des Mittelwertes ändert.</a:t>
-            </a:r>
-          </a:p>
-        </p:txBody>
-      </p:sp>
-      <p:sp>
-        <p:nvSpPr>
-          <p:cNvPr id="9" name="Textplatzhalter 8">
-            <a:extLst>
-              <a:ext uri="{FF2B5EF4-FFF2-40B4-BE49-F238E27FC236}">
-                <a16:creationId xmlns:a16="http://schemas.microsoft.com/office/drawing/2014/main" id="{A26B5670-8AEF-4316-B454-132673B82936}"/>
-              </a:ext>
-            </a:extLst>
-          </p:cNvPr>
-          <p:cNvSpPr>
-            <a:spLocks noGrp="1"/>
-          </p:cNvSpPr>
-          <p:nvPr>
-            <p:ph type="body" sz="quarter" idx="15"/>
-          </p:nvPr>
-        </p:nvSpPr>
-        <p:spPr>
-          <a:xfrm>
-            <a:off x="6275388" y="1703388"/>
-            <a:ext cx="5437187" cy="3134833"/>
-          </a:xfrm>
-        </p:spPr>
-        <p:txBody>
-          <a:bodyPr/>
-          <a:lstStyle/>
-          <a:p>
-            <a:pPr marL="0" lvl="3" indent="0">
-              <a:buNone/>
-            </a:pPr>
-            <a:r>
-              <a:rPr lang="en-US" sz="1600" dirty="0" err="1">
-                <a:latin typeface="+mj-lt"/>
-              </a:rPr>
-              <a:t>Vorgestellte</a:t>
-            </a:r>
-            <a:r>
-              <a:rPr lang="en-US" sz="1600" dirty="0">
-                <a:latin typeface="+mj-lt"/>
-              </a:rPr>
-              <a:t> </a:t>
-            </a:r>
-            <a:r>
-              <a:rPr lang="en-US" sz="1600" dirty="0" err="1">
-                <a:latin typeface="+mj-lt"/>
-              </a:rPr>
-              <a:t>Methoden</a:t>
-            </a:r>
-            <a:r>
-              <a:rPr lang="en-US" sz="1600" dirty="0">
-                <a:latin typeface="+mj-lt"/>
-              </a:rPr>
-              <a:t>:</a:t>
-            </a:r>
-          </a:p>
-          <a:p>
-            <a:pPr marL="0" lvl="3" indent="0">
-              <a:buNone/>
-            </a:pPr>
-            <a:endParaRPr lang="en-US" sz="1600" dirty="0">
-              <a:latin typeface="+mj-lt"/>
-            </a:endParaRPr>
-          </a:p>
-          <a:p>
-            <a:pPr marL="342900" lvl="3" indent="-342900">
-              <a:buFont typeface="+mj-lt"/>
-              <a:buAutoNum type="arabicPeriod"/>
-            </a:pPr>
-            <a:r>
-              <a:rPr lang="en-US" dirty="0"/>
-              <a:t>Z-Score</a:t>
-            </a:r>
-          </a:p>
-          <a:p>
-            <a:pPr marL="342900" lvl="3" indent="-342900">
-              <a:buFont typeface="+mj-lt"/>
-              <a:buAutoNum type="arabicPeriod"/>
-            </a:pPr>
-            <a:r>
-              <a:rPr lang="en-US" dirty="0" err="1"/>
-              <a:t>Statistische</a:t>
-            </a:r>
-            <a:r>
-              <a:rPr lang="en-US" dirty="0"/>
-              <a:t> Tests</a:t>
-            </a:r>
-          </a:p>
-          <a:p>
-            <a:pPr marL="342900" lvl="3" indent="-342900">
-              <a:buFont typeface="+mj-lt"/>
-              <a:buAutoNum type="arabicPeriod"/>
-            </a:pPr>
-            <a:r>
-              <a:rPr lang="de-DE" dirty="0" err="1"/>
-              <a:t>Binomial</a:t>
-            </a:r>
-            <a:r>
-              <a:rPr lang="de-DE" dirty="0"/>
-              <a:t> Proportion Tests</a:t>
-            </a:r>
-          </a:p>
-          <a:p>
-            <a:pPr marL="342900" lvl="3" indent="-342900">
-              <a:buFont typeface="+mj-lt"/>
-              <a:buAutoNum type="arabicPeriod"/>
-            </a:pPr>
-            <a:r>
-              <a:rPr lang="en-US" dirty="0" err="1"/>
-              <a:t>Strukturbruch-Analysen</a:t>
-            </a:r>
-            <a:endParaRPr lang="en-US" dirty="0"/>
-          </a:p>
-          <a:p>
-            <a:pPr marL="342900" lvl="3" indent="-342900">
-              <a:buFont typeface="+mj-lt"/>
-              <a:buAutoNum type="arabicPeriod"/>
-            </a:pPr>
-            <a:r>
-              <a:rPr lang="en-US" dirty="0"/>
-              <a:t>Red Flags</a:t>
-            </a:r>
-          </a:p>
-          <a:p>
-            <a:pPr marL="342900" lvl="3" indent="-342900">
-              <a:buFont typeface="+mj-lt"/>
-              <a:buAutoNum type="arabicPeriod"/>
-            </a:pPr>
-            <a:endParaRPr lang="en-US" dirty="0"/>
-          </a:p>
-          <a:p>
-            <a:pPr marL="0" lvl="3" indent="0">
-              <a:buNone/>
-            </a:pPr>
-            <a:r>
-              <a:rPr lang="en-US" b="1" dirty="0" err="1"/>
-              <a:t>Weitere</a:t>
-            </a:r>
-            <a:r>
-              <a:rPr lang="en-US" b="1" dirty="0"/>
-              <a:t> </a:t>
-            </a:r>
-            <a:r>
-              <a:rPr lang="en-US" b="1" dirty="0" err="1"/>
-              <a:t>Methoden</a:t>
-            </a:r>
-            <a:r>
-              <a:rPr lang="en-US" b="1" dirty="0"/>
-              <a:t>:</a:t>
-            </a:r>
-          </a:p>
-          <a:p>
-            <a:pPr marL="0" lvl="3" indent="0">
-              <a:buNone/>
-            </a:pPr>
-            <a:endParaRPr lang="en-US" b="1" dirty="0"/>
-          </a:p>
-          <a:p>
-            <a:pPr marL="342900" lvl="3" indent="-342900">
-              <a:buFont typeface="+mj-lt"/>
-              <a:buAutoNum type="arabicPeriod"/>
-            </a:pPr>
-            <a:r>
-              <a:rPr lang="en-US" dirty="0"/>
-              <a:t>Cluster-</a:t>
-            </a:r>
-            <a:r>
-              <a:rPr lang="en-US" dirty="0" err="1"/>
-              <a:t>Analysen</a:t>
-            </a:r>
-            <a:endParaRPr lang="en-US" dirty="0"/>
-          </a:p>
-          <a:p>
-            <a:pPr marL="342900" lvl="3" indent="-342900">
-              <a:buFont typeface="+mj-lt"/>
-              <a:buAutoNum type="arabicPeriod"/>
-            </a:pPr>
-            <a:r>
-              <a:rPr lang="en-US" dirty="0" err="1"/>
-              <a:t>Benfords</a:t>
-            </a:r>
-            <a:r>
-              <a:rPr lang="en-US" dirty="0"/>
-              <a:t> Law</a:t>
-            </a:r>
-          </a:p>
-          <a:p>
-            <a:pPr marL="0" lvl="3" indent="0">
-              <a:buNone/>
-            </a:pPr>
-            <a:endParaRPr lang="en-US" b="1" dirty="0"/>
-          </a:p>
-        </p:txBody>
-      </p:sp>
-      <p:sp>
-        <p:nvSpPr>
-          <p:cNvPr id="3" name="Datumsplatzhalter 2">
-            <a:extLst>
-              <a:ext uri="{FF2B5EF4-FFF2-40B4-BE49-F238E27FC236}">
-                <a16:creationId xmlns:a16="http://schemas.microsoft.com/office/drawing/2014/main" id="{3ED98866-83C2-4201-9AE9-05B894EC6A30}"/>
-              </a:ext>
-            </a:extLst>
-          </p:cNvPr>
-          <p:cNvSpPr>
-            <a:spLocks noGrp="1"/>
-          </p:cNvSpPr>
-          <p:nvPr>
-            <p:ph type="dt" sz="half" idx="16"/>
-          </p:nvPr>
-        </p:nvSpPr>
-        <p:spPr/>
-        <p:txBody>
-          <a:bodyPr/>
-          <a:lstStyle/>
-          <a:p>
-            <a:fld id="{4BDB264A-4676-45A5-B387-60439B46227D}" type="datetime1">
-              <a:rPr lang="de-DE" noProof="0" smtClean="0"/>
-              <a:t>30.10.2022</a:t>
-            </a:fld>
-            <a:endParaRPr lang="de-DE" noProof="0" dirty="0"/>
-          </a:p>
-        </p:txBody>
-      </p:sp>
-      <p:sp>
-        <p:nvSpPr>
-          <p:cNvPr id="4" name="Foliennummernplatzhalter 3">
-            <a:extLst>
-              <a:ext uri="{FF2B5EF4-FFF2-40B4-BE49-F238E27FC236}">
-                <a16:creationId xmlns:a16="http://schemas.microsoft.com/office/drawing/2014/main" id="{1719DB42-6477-42E5-A32A-2D13C6E5EB87}"/>
-              </a:ext>
-            </a:extLst>
-          </p:cNvPr>
-          <p:cNvSpPr>
-            <a:spLocks noGrp="1"/>
-          </p:cNvSpPr>
-          <p:nvPr>
-            <p:ph type="sldNum" sz="quarter" idx="18"/>
-          </p:nvPr>
-        </p:nvSpPr>
-        <p:spPr/>
-        <p:txBody>
-          <a:bodyPr/>
-          <a:lstStyle/>
-          <a:p>
-            <a:fld id="{3D81EE41-304C-41C3-8185-350F2275D756}" type="slidenum">
-              <a:rPr lang="de-DE" smtClean="0"/>
-              <a:pPr/>
-              <a:t>13</a:t>
-            </a:fld>
-            <a:endParaRPr lang="de-DE"/>
-          </a:p>
-        </p:txBody>
-      </p:sp>
-    </p:spTree>
-    <p:extLst>
-      <p:ext uri="{BB962C8B-B14F-4D97-AF65-F5344CB8AC3E}">
-        <p14:creationId xmlns:p14="http://schemas.microsoft.com/office/powerpoint/2010/main" val="1317174636"/>
-      </p:ext>
-    </p:extLst>
-  </p:cSld>
-  <p:clrMapOvr>
-    <a:masterClrMapping/>
-  </p:clrMapOvr>
-</p:sld>
-</file>
-
-<file path=ppt/slides/slide14.xml><?xml version="1.0" encoding="utf-8"?>
-<p:sld xmlns:a="http://schemas.openxmlformats.org/drawingml/2006/main" xmlns:r="http://schemas.openxmlformats.org/officeDocument/2006/relationships" xmlns:p="http://schemas.openxmlformats.org/presentationml/2006/main">
-  <p:cSld>
-    <p:spTree>
-      <p:nvGrpSpPr>
-        <p:cNvPr id="1" name=""/>
-        <p:cNvGrpSpPr/>
-        <p:nvPr/>
-      </p:nvGrpSpPr>
-      <p:grpSpPr>
-        <a:xfrm>
-          <a:off x="0" y="0"/>
-          <a:ext cx="0" cy="0"/>
-          <a:chOff x="0" y="0"/>
-          <a:chExt cx="0" cy="0"/>
-        </a:xfrm>
-      </p:grpSpPr>
       <p:pic>
         <p:nvPicPr>
           <p:cNvPr id="31" name="Grafik 30">
@@ -9477,7 +8955,7 @@
           <a:p>
             <a:fld id="{4BDB264A-4676-45A5-B387-60439B46227D}" type="datetime1">
               <a:rPr lang="de-DE" noProof="0" smtClean="0"/>
-              <a:t>30.10.2022</a:t>
+              <a:t>02.11.2022</a:t>
             </a:fld>
             <a:endParaRPr lang="de-DE" noProof="0" dirty="0"/>
           </a:p>
@@ -9507,7 +8985,7 @@
             <a:fld id="{3D81EE41-304C-41C3-8185-350F2275D756}" type="slidenum">
               <a:rPr lang="de-DE" smtClean="0"/>
               <a:pPr/>
-              <a:t>14</a:t>
+              <a:t>13</a:t>
             </a:fld>
             <a:endParaRPr lang="de-DE"/>
           </a:p>
@@ -9541,7 +9019,7 @@
           <a:graphicData uri="http://schemas.openxmlformats.org/presentationml/2006/ole">
             <mc:AlternateContent xmlns:mc="http://schemas.openxmlformats.org/markup-compatibility/2006">
               <mc:Choice xmlns:v="urn:schemas-microsoft-com:vml" Requires="v">
-                <p:oleObj spid="_x0000_s20493" name="Equation" r:id="rId4" imgW="685800" imgH="393480" progId="Equation.DSMT4">
+                <p:oleObj spid="_x0000_s20669" name="Equation" r:id="rId4" imgW="685800" imgH="393480" progId="Equation.DSMT4">
                   <p:embed/>
                 </p:oleObj>
               </mc:Choice>
@@ -9610,7 +9088,7 @@
           <a:graphicData uri="http://schemas.openxmlformats.org/presentationml/2006/ole">
             <mc:AlternateContent xmlns:mc="http://schemas.openxmlformats.org/markup-compatibility/2006">
               <mc:Choice xmlns:v="urn:schemas-microsoft-com:vml" Requires="v">
-                <p:oleObj spid="_x0000_s20494" name="Equation" r:id="rId6" imgW="203040" imgH="177480" progId="Equation.DSMT4">
+                <p:oleObj spid="_x0000_s20670" name="Equation" r:id="rId6" imgW="203040" imgH="177480" progId="Equation.DSMT4">
                   <p:embed/>
                 </p:oleObj>
               </mc:Choice>
@@ -9679,7 +9157,7 @@
           <a:graphicData uri="http://schemas.openxmlformats.org/presentationml/2006/ole">
             <mc:AlternateContent xmlns:mc="http://schemas.openxmlformats.org/markup-compatibility/2006">
               <mc:Choice xmlns:v="urn:schemas-microsoft-com:vml" Requires="v">
-                <p:oleObj spid="_x0000_s20495" name="Equation" r:id="rId8" imgW="228600" imgH="177480" progId="Equation.DSMT4">
+                <p:oleObj spid="_x0000_s20671" name="Equation" r:id="rId8" imgW="228600" imgH="177480" progId="Equation.DSMT4">
                   <p:embed/>
                 </p:oleObj>
               </mc:Choice>
@@ -9748,7 +9226,7 @@
           <a:graphicData uri="http://schemas.openxmlformats.org/presentationml/2006/ole">
             <mc:AlternateContent xmlns:mc="http://schemas.openxmlformats.org/markup-compatibility/2006">
               <mc:Choice xmlns:v="urn:schemas-microsoft-com:vml" Requires="v">
-                <p:oleObj spid="_x0000_s20496" name="Equation" r:id="rId10" imgW="215640" imgH="177480" progId="Equation.DSMT4">
+                <p:oleObj spid="_x0000_s20672" name="Equation" r:id="rId10" imgW="215640" imgH="177480" progId="Equation.DSMT4">
                   <p:embed/>
                 </p:oleObj>
               </mc:Choice>
@@ -9946,7 +9424,7 @@
           <a:graphicData uri="http://schemas.openxmlformats.org/presentationml/2006/ole">
             <mc:AlternateContent xmlns:mc="http://schemas.openxmlformats.org/markup-compatibility/2006">
               <mc:Choice xmlns:v="urn:schemas-microsoft-com:vml" Requires="v">
-                <p:oleObj spid="_x0000_s20497" name="Equation" r:id="rId12" imgW="152315" imgH="171385" progId="Equation.DSMT4">
+                <p:oleObj spid="_x0000_s20673" name="Equation" r:id="rId12" imgW="152315" imgH="171385" progId="Equation.DSMT4">
                   <p:embed/>
                 </p:oleObj>
               </mc:Choice>
@@ -10060,7 +9538,7 @@
           <a:graphicData uri="http://schemas.openxmlformats.org/presentationml/2006/ole">
             <mc:AlternateContent xmlns:mc="http://schemas.openxmlformats.org/markup-compatibility/2006">
               <mc:Choice xmlns:v="urn:schemas-microsoft-com:vml" Requires="v">
-                <p:oleObj spid="_x0000_s20498" name="Equation" r:id="rId14" imgW="152334" imgH="228501" progId="Equation.DSMT4">
+                <p:oleObj spid="_x0000_s20674" name="Equation" r:id="rId14" imgW="152334" imgH="228501" progId="Equation.DSMT4">
                   <p:embed/>
                 </p:oleObj>
               </mc:Choice>
@@ -10139,7 +9617,7 @@
           <a:graphicData uri="http://schemas.openxmlformats.org/presentationml/2006/ole">
             <mc:AlternateContent xmlns:mc="http://schemas.openxmlformats.org/markup-compatibility/2006">
               <mc:Choice xmlns:v="urn:schemas-microsoft-com:vml" Requires="v">
-                <p:oleObj spid="_x0000_s20499" name="Equation" r:id="rId16" imgW="139700" imgH="228600" progId="Equation.DSMT4">
+                <p:oleObj spid="_x0000_s20675" name="Equation" r:id="rId16" imgW="139700" imgH="228600" progId="Equation.DSMT4">
                   <p:embed/>
                 </p:oleObj>
               </mc:Choice>
@@ -10227,7 +9705,7 @@
           <a:graphicData uri="http://schemas.openxmlformats.org/presentationml/2006/ole">
             <mc:AlternateContent xmlns:mc="http://schemas.openxmlformats.org/markup-compatibility/2006">
               <mc:Choice xmlns:v="urn:schemas-microsoft-com:vml" Requires="v">
-                <p:oleObj spid="_x0000_s20500" name="Equation" r:id="rId18" imgW="139700" imgH="228600" progId="Equation.DSMT4">
+                <p:oleObj spid="_x0000_s20676" name="Equation" r:id="rId18" imgW="139700" imgH="228600" progId="Equation.DSMT4">
                   <p:embed/>
                 </p:oleObj>
               </mc:Choice>
@@ -10306,7 +9784,7 @@
           <a:graphicData uri="http://schemas.openxmlformats.org/presentationml/2006/ole">
             <mc:AlternateContent xmlns:mc="http://schemas.openxmlformats.org/markup-compatibility/2006">
               <mc:Choice xmlns:v="urn:schemas-microsoft-com:vml" Requires="v">
-                <p:oleObj spid="_x0000_s20501" name="Equation" r:id="rId20" imgW="152334" imgH="139639" progId="Equation.DSMT4">
+                <p:oleObj spid="_x0000_s20677" name="Equation" r:id="rId20" imgW="152334" imgH="139639" progId="Equation.DSMT4">
                   <p:embed/>
                 </p:oleObj>
               </mc:Choice>
@@ -10394,7 +9872,7 @@
           <a:graphicData uri="http://schemas.openxmlformats.org/presentationml/2006/ole">
             <mc:AlternateContent xmlns:mc="http://schemas.openxmlformats.org/markup-compatibility/2006">
               <mc:Choice xmlns:v="urn:schemas-microsoft-com:vml" Requires="v">
-                <p:oleObj spid="_x0000_s20502" name="Equation" r:id="rId22" imgW="152268" imgH="164957" progId="Equation.DSMT4">
+                <p:oleObj spid="_x0000_s20678" name="Equation" r:id="rId22" imgW="152268" imgH="164957" progId="Equation.DSMT4">
                   <p:embed/>
                 </p:oleObj>
               </mc:Choice>
@@ -10728,7 +10206,7 @@
           <a:graphicData uri="http://schemas.openxmlformats.org/presentationml/2006/ole">
             <mc:AlternateContent xmlns:mc="http://schemas.openxmlformats.org/markup-compatibility/2006">
               <mc:Choice xmlns:v="urn:schemas-microsoft-com:vml" Requires="v">
-                <p:oleObj spid="_x0000_s20503" name="Equation" r:id="rId24" imgW="137170" imgH="228608" progId="Equation.DSMT4">
+                <p:oleObj spid="_x0000_s20679" name="Equation" r:id="rId24" imgW="137170" imgH="228608" progId="Equation.DSMT4">
                   <p:embed/>
                 </p:oleObj>
               </mc:Choice>
@@ -10782,7 +10260,7 @@
 </p:sld>
 </file>
 
-<file path=ppt/slides/slide15.xml><?xml version="1.0" encoding="utf-8"?>
+<file path=ppt/slides/slide14.xml><?xml version="1.0" encoding="utf-8"?>
 <p:sld xmlns:a="http://schemas.openxmlformats.org/drawingml/2006/main" xmlns:r="http://schemas.openxmlformats.org/officeDocument/2006/relationships" xmlns:p="http://schemas.openxmlformats.org/presentationml/2006/main">
   <p:cSld>
     <p:spTree>
@@ -10987,7 +10465,7 @@
           <a:p>
             <a:fld id="{4BDB264A-4676-45A5-B387-60439B46227D}" type="datetime1">
               <a:rPr lang="de-DE" noProof="0" smtClean="0"/>
-              <a:t>30.10.2022</a:t>
+              <a:t>02.11.2022</a:t>
             </a:fld>
             <a:endParaRPr lang="de-DE" noProof="0" dirty="0"/>
           </a:p>
@@ -11017,7 +10495,7 @@
             <a:fld id="{3D81EE41-304C-41C3-8185-350F2275D756}" type="slidenum">
               <a:rPr lang="de-DE" smtClean="0"/>
               <a:pPr/>
-              <a:t>15</a:t>
+              <a:t>14</a:t>
             </a:fld>
             <a:endParaRPr lang="de-DE"/>
           </a:p>
@@ -11045,7 +10523,7 @@
           <a:graphicData uri="http://schemas.openxmlformats.org/presentationml/2006/ole">
             <mc:AlternateContent xmlns:mc="http://schemas.openxmlformats.org/markup-compatibility/2006">
               <mc:Choice xmlns:v="urn:schemas-microsoft-com:vml" Requires="v">
-                <p:oleObj spid="_x0000_s21517" name="Equation" r:id="rId4" imgW="685800" imgH="393480" progId="Equation.DSMT4">
+                <p:oleObj spid="_x0000_s21693" name="Equation" r:id="rId4" imgW="685800" imgH="393480" progId="Equation.DSMT4">
                   <p:embed/>
                 </p:oleObj>
               </mc:Choice>
@@ -11108,7 +10586,7 @@
           <a:graphicData uri="http://schemas.openxmlformats.org/presentationml/2006/ole">
             <mc:AlternateContent xmlns:mc="http://schemas.openxmlformats.org/markup-compatibility/2006">
               <mc:Choice xmlns:v="urn:schemas-microsoft-com:vml" Requires="v">
-                <p:oleObj spid="_x0000_s21518" name="Equation" r:id="rId6" imgW="203040" imgH="177480" progId="Equation.DSMT4">
+                <p:oleObj spid="_x0000_s21694" name="Equation" r:id="rId6" imgW="203040" imgH="177480" progId="Equation.DSMT4">
                   <p:embed/>
                 </p:oleObj>
               </mc:Choice>
@@ -11171,7 +10649,7 @@
           <a:graphicData uri="http://schemas.openxmlformats.org/presentationml/2006/ole">
             <mc:AlternateContent xmlns:mc="http://schemas.openxmlformats.org/markup-compatibility/2006">
               <mc:Choice xmlns:v="urn:schemas-microsoft-com:vml" Requires="v">
-                <p:oleObj spid="_x0000_s21519" name="Equation" r:id="rId8" imgW="228600" imgH="177480" progId="Equation.DSMT4">
+                <p:oleObj spid="_x0000_s21695" name="Equation" r:id="rId8" imgW="228600" imgH="177480" progId="Equation.DSMT4">
                   <p:embed/>
                 </p:oleObj>
               </mc:Choice>
@@ -11234,7 +10712,7 @@
           <a:graphicData uri="http://schemas.openxmlformats.org/presentationml/2006/ole">
             <mc:AlternateContent xmlns:mc="http://schemas.openxmlformats.org/markup-compatibility/2006">
               <mc:Choice xmlns:v="urn:schemas-microsoft-com:vml" Requires="v">
-                <p:oleObj spid="_x0000_s21520" name="Equation" r:id="rId10" imgW="215640" imgH="177480" progId="Equation.DSMT4">
+                <p:oleObj spid="_x0000_s21696" name="Equation" r:id="rId10" imgW="215640" imgH="177480" progId="Equation.DSMT4">
                   <p:embed/>
                 </p:oleObj>
               </mc:Choice>
@@ -11426,7 +10904,7 @@
           <a:graphicData uri="http://schemas.openxmlformats.org/presentationml/2006/ole">
             <mc:AlternateContent xmlns:mc="http://schemas.openxmlformats.org/markup-compatibility/2006">
               <mc:Choice xmlns:v="urn:schemas-microsoft-com:vml" Requires="v">
-                <p:oleObj spid="_x0000_s21521" name="Equation" r:id="rId12" imgW="152315" imgH="171385" progId="Equation.DSMT4">
+                <p:oleObj spid="_x0000_s21697" name="Equation" r:id="rId12" imgW="152315" imgH="171385" progId="Equation.DSMT4">
                   <p:embed/>
                 </p:oleObj>
               </mc:Choice>
@@ -11534,7 +11012,7 @@
           <a:graphicData uri="http://schemas.openxmlformats.org/presentationml/2006/ole">
             <mc:AlternateContent xmlns:mc="http://schemas.openxmlformats.org/markup-compatibility/2006">
               <mc:Choice xmlns:v="urn:schemas-microsoft-com:vml" Requires="v">
-                <p:oleObj spid="_x0000_s21522" name="Equation" r:id="rId14" imgW="152334" imgH="228501" progId="Equation.DSMT4">
+                <p:oleObj spid="_x0000_s21698" name="Equation" r:id="rId14" imgW="152334" imgH="228501" progId="Equation.DSMT4">
                   <p:embed/>
                 </p:oleObj>
               </mc:Choice>
@@ -11607,7 +11085,7 @@
           <a:graphicData uri="http://schemas.openxmlformats.org/presentationml/2006/ole">
             <mc:AlternateContent xmlns:mc="http://schemas.openxmlformats.org/markup-compatibility/2006">
               <mc:Choice xmlns:v="urn:schemas-microsoft-com:vml" Requires="v">
-                <p:oleObj spid="_x0000_s21523" name="Equation" r:id="rId16" imgW="139700" imgH="228600" progId="Equation.DSMT4">
+                <p:oleObj spid="_x0000_s21699" name="Equation" r:id="rId16" imgW="139700" imgH="228600" progId="Equation.DSMT4">
                   <p:embed/>
                 </p:oleObj>
               </mc:Choice>
@@ -11689,7 +11167,7 @@
           <a:graphicData uri="http://schemas.openxmlformats.org/presentationml/2006/ole">
             <mc:AlternateContent xmlns:mc="http://schemas.openxmlformats.org/markup-compatibility/2006">
               <mc:Choice xmlns:v="urn:schemas-microsoft-com:vml" Requires="v">
-                <p:oleObj spid="_x0000_s21524" name="Equation" r:id="rId18" imgW="139700" imgH="228600" progId="Equation.DSMT4">
+                <p:oleObj spid="_x0000_s21700" name="Equation" r:id="rId18" imgW="139700" imgH="228600" progId="Equation.DSMT4">
                   <p:embed/>
                 </p:oleObj>
               </mc:Choice>
@@ -11762,7 +11240,7 @@
           <a:graphicData uri="http://schemas.openxmlformats.org/presentationml/2006/ole">
             <mc:AlternateContent xmlns:mc="http://schemas.openxmlformats.org/markup-compatibility/2006">
               <mc:Choice xmlns:v="urn:schemas-microsoft-com:vml" Requires="v">
-                <p:oleObj spid="_x0000_s21525" name="Equation" r:id="rId20" imgW="152334" imgH="139639" progId="Equation.DSMT4">
+                <p:oleObj spid="_x0000_s21701" name="Equation" r:id="rId20" imgW="152334" imgH="139639" progId="Equation.DSMT4">
                   <p:embed/>
                 </p:oleObj>
               </mc:Choice>
@@ -11844,7 +11322,7 @@
           <a:graphicData uri="http://schemas.openxmlformats.org/presentationml/2006/ole">
             <mc:AlternateContent xmlns:mc="http://schemas.openxmlformats.org/markup-compatibility/2006">
               <mc:Choice xmlns:v="urn:schemas-microsoft-com:vml" Requires="v">
-                <p:oleObj spid="_x0000_s21526" name="Equation" r:id="rId22" imgW="152268" imgH="164957" progId="Equation.DSMT4">
+                <p:oleObj spid="_x0000_s21702" name="Equation" r:id="rId22" imgW="152268" imgH="164957" progId="Equation.DSMT4">
                   <p:embed/>
                 </p:oleObj>
               </mc:Choice>
@@ -12172,7 +11650,7 @@
           <a:graphicData uri="http://schemas.openxmlformats.org/presentationml/2006/ole">
             <mc:AlternateContent xmlns:mc="http://schemas.openxmlformats.org/markup-compatibility/2006">
               <mc:Choice xmlns:v="urn:schemas-microsoft-com:vml" Requires="v">
-                <p:oleObj spid="_x0000_s21527" name="Equation" r:id="rId24" imgW="137170" imgH="228608" progId="Equation.DSMT4">
+                <p:oleObj spid="_x0000_s21703" name="Equation" r:id="rId24" imgW="137170" imgH="228608" progId="Equation.DSMT4">
                   <p:embed/>
                 </p:oleObj>
               </mc:Choice>
@@ -12226,7 +11704,7 @@
 </p:sld>
 </file>
 
-<file path=ppt/slides/slide16.xml><?xml version="1.0" encoding="utf-8"?>
+<file path=ppt/slides/slide15.xml><?xml version="1.0" encoding="utf-8"?>
 <p:sld xmlns:a="http://schemas.openxmlformats.org/drawingml/2006/main" xmlns:r="http://schemas.openxmlformats.org/officeDocument/2006/relationships" xmlns:p="http://schemas.openxmlformats.org/presentationml/2006/main">
   <p:cSld>
     <p:spTree>
@@ -12430,7 +11908,7 @@
           <a:p>
             <a:fld id="{3FF77DFC-33DC-4457-974A-3F8ABA01093A}" type="datetime1">
               <a:rPr lang="de-DE" noProof="0" smtClean="0"/>
-              <a:t>30.10.2022</a:t>
+              <a:t>02.11.2022</a:t>
             </a:fld>
             <a:endParaRPr lang="de-DE" noProof="0" dirty="0"/>
           </a:p>
@@ -12460,7 +11938,7 @@
             <a:fld id="{3D81EE41-304C-41C3-8185-350F2275D756}" type="slidenum">
               <a:rPr lang="de-DE" smtClean="0"/>
               <a:pPr/>
-              <a:t>16</a:t>
+              <a:t>15</a:t>
             </a:fld>
             <a:endParaRPr lang="de-DE"/>
           </a:p>
@@ -12494,7 +11972,7 @@
           <a:graphicData uri="http://schemas.openxmlformats.org/presentationml/2006/ole">
             <mc:AlternateContent xmlns:mc="http://schemas.openxmlformats.org/markup-compatibility/2006">
               <mc:Choice xmlns:v="urn:schemas-microsoft-com:vml" Requires="v">
-                <p:oleObj spid="_x0000_s22532" name="Equation" r:id="rId4" imgW="1930320" imgH="457200" progId="Equation.DSMT4">
+                <p:oleObj spid="_x0000_s22564" name="Equation" r:id="rId4" imgW="1930320" imgH="457200" progId="Equation.DSMT4">
                   <p:embed/>
                 </p:oleObj>
               </mc:Choice>
@@ -12563,7 +12041,7 @@
           <a:graphicData uri="http://schemas.openxmlformats.org/presentationml/2006/ole">
             <mc:AlternateContent xmlns:mc="http://schemas.openxmlformats.org/markup-compatibility/2006">
               <mc:Choice xmlns:v="urn:schemas-microsoft-com:vml" Requires="v">
-                <p:oleObj spid="_x0000_s22533" name="Equation" r:id="rId6" imgW="812520" imgH="203040" progId="Equation.DSMT4">
+                <p:oleObj spid="_x0000_s22565" name="Equation" r:id="rId6" imgW="812520" imgH="203040" progId="Equation.DSMT4">
                   <p:embed/>
                 </p:oleObj>
               </mc:Choice>
@@ -12617,7 +12095,7 @@
 </p:sld>
 </file>
 
-<file path=ppt/slides/slide17.xml><?xml version="1.0" encoding="utf-8"?>
+<file path=ppt/slides/slide16.xml><?xml version="1.0" encoding="utf-8"?>
 <p:sld xmlns:a="http://schemas.openxmlformats.org/drawingml/2006/main" xmlns:r="http://schemas.openxmlformats.org/officeDocument/2006/relationships" xmlns:p="http://schemas.openxmlformats.org/presentationml/2006/main">
   <p:cSld>
     <p:spTree>
@@ -12795,7 +12273,7 @@
           <a:p>
             <a:fld id="{3FF77DFC-33DC-4457-974A-3F8ABA01093A}" type="datetime1">
               <a:rPr lang="de-DE" noProof="0" smtClean="0"/>
-              <a:t>30.10.2022</a:t>
+              <a:t>02.11.2022</a:t>
             </a:fld>
             <a:endParaRPr lang="de-DE" noProof="0" dirty="0"/>
           </a:p>
@@ -12825,7 +12303,7 @@
             <a:fld id="{3D81EE41-304C-41C3-8185-350F2275D756}" type="slidenum">
               <a:rPr lang="de-DE" smtClean="0"/>
               <a:pPr/>
-              <a:t>17</a:t>
+              <a:t>16</a:t>
             </a:fld>
             <a:endParaRPr lang="de-DE"/>
           </a:p>
@@ -12889,7 +12367,7 @@
           <a:graphicData uri="http://schemas.openxmlformats.org/presentationml/2006/ole">
             <mc:AlternateContent xmlns:mc="http://schemas.openxmlformats.org/markup-compatibility/2006">
               <mc:Choice xmlns:v="urn:schemas-microsoft-com:vml" Requires="v">
-                <p:oleObj spid="_x0000_s23555" name="Equation" r:id="rId4" imgW="2590560" imgH="393480" progId="Equation.DSMT4">
+                <p:oleObj spid="_x0000_s23571" name="Equation" r:id="rId4" imgW="2590560" imgH="393480" progId="Equation.DSMT4">
                   <p:embed/>
                 </p:oleObj>
               </mc:Choice>
@@ -12943,7 +12421,7 @@
 </p:sld>
 </file>
 
-<file path=ppt/slides/slide18.xml><?xml version="1.0" encoding="utf-8"?>
+<file path=ppt/slides/slide17.xml><?xml version="1.0" encoding="utf-8"?>
 <p:sld xmlns:a="http://schemas.openxmlformats.org/drawingml/2006/main" xmlns:r="http://schemas.openxmlformats.org/officeDocument/2006/relationships" xmlns:p="http://schemas.openxmlformats.org/presentationml/2006/main">
   <p:cSld>
     <p:spTree>
@@ -13165,7 +12643,7 @@
           <a:p>
             <a:fld id="{3FF77DFC-33DC-4457-974A-3F8ABA01093A}" type="datetime1">
               <a:rPr lang="de-DE" noProof="0" smtClean="0"/>
-              <a:t>30.10.2022</a:t>
+              <a:t>02.11.2022</a:t>
             </a:fld>
             <a:endParaRPr lang="de-DE" noProof="0" dirty="0"/>
           </a:p>
@@ -13195,7 +12673,7 @@
             <a:fld id="{3D81EE41-304C-41C3-8185-350F2275D756}" type="slidenum">
               <a:rPr lang="de-DE" smtClean="0"/>
               <a:pPr/>
-              <a:t>18</a:t>
+              <a:t>17</a:t>
             </a:fld>
             <a:endParaRPr lang="de-DE"/>
           </a:p>
@@ -13259,7 +12737,7 @@
           <a:graphicData uri="http://schemas.openxmlformats.org/presentationml/2006/ole">
             <mc:AlternateContent xmlns:mc="http://schemas.openxmlformats.org/markup-compatibility/2006">
               <mc:Choice xmlns:v="urn:schemas-microsoft-com:vml" Requires="v">
-                <p:oleObj spid="_x0000_s24579" name="Equation" r:id="rId4" imgW="1333745" imgH="200189" progId="Equation.DSMT4">
+                <p:oleObj spid="_x0000_s24595" name="Equation" r:id="rId4" imgW="1333745" imgH="200189" progId="Equation.DSMT4">
                   <p:embed/>
                 </p:oleObj>
               </mc:Choice>
@@ -13313,7 +12791,7 @@
 </p:sld>
 </file>
 
-<file path=ppt/slides/slide19.xml><?xml version="1.0" encoding="utf-8"?>
+<file path=ppt/slides/slide18.xml><?xml version="1.0" encoding="utf-8"?>
 <p:sld xmlns:a="http://schemas.openxmlformats.org/drawingml/2006/main" xmlns:r="http://schemas.openxmlformats.org/officeDocument/2006/relationships" xmlns:p="http://schemas.openxmlformats.org/presentationml/2006/main">
   <p:cSld>
     <p:spTree>
@@ -13537,7 +13015,7 @@
           <a:p>
             <a:fld id="{3FF77DFC-33DC-4457-974A-3F8ABA01093A}" type="datetime1">
               <a:rPr lang="de-DE" noProof="0" smtClean="0"/>
-              <a:t>30.10.2022</a:t>
+              <a:t>02.11.2022</a:t>
             </a:fld>
             <a:endParaRPr lang="de-DE" noProof="0" dirty="0"/>
           </a:p>
@@ -13567,7 +13045,7 @@
             <a:fld id="{3D81EE41-304C-41C3-8185-350F2275D756}" type="slidenum">
               <a:rPr lang="de-DE" smtClean="0"/>
               <a:pPr/>
-              <a:t>19</a:t>
+              <a:t>18</a:t>
             </a:fld>
             <a:endParaRPr lang="de-DE"/>
           </a:p>
@@ -13661,7 +13139,7 @@
           <a:graphicData uri="http://schemas.openxmlformats.org/presentationml/2006/ole">
             <mc:AlternateContent xmlns:mc="http://schemas.openxmlformats.org/markup-compatibility/2006">
               <mc:Choice xmlns:v="urn:schemas-microsoft-com:vml" Requires="v">
-                <p:oleObj spid="_x0000_s25603" name="Equation" r:id="rId5" imgW="2429476" imgH="666815" progId="Equation.DSMT4">
+                <p:oleObj spid="_x0000_s25619" name="Equation" r:id="rId5" imgW="2429476" imgH="666815" progId="Equation.DSMT4">
                   <p:embed/>
                 </p:oleObj>
               </mc:Choice>
@@ -13715,269 +13193,7 @@
 </p:sld>
 </file>
 
-<file path=ppt/slides/slide2.xml><?xml version="1.0" encoding="utf-8"?>
-<p:sld xmlns:a="http://schemas.openxmlformats.org/drawingml/2006/main" xmlns:r="http://schemas.openxmlformats.org/officeDocument/2006/relationships" xmlns:p="http://schemas.openxmlformats.org/presentationml/2006/main">
-  <p:cSld>
-    <p:spTree>
-      <p:nvGrpSpPr>
-        <p:cNvPr id="1" name=""/>
-        <p:cNvGrpSpPr/>
-        <p:nvPr/>
-      </p:nvGrpSpPr>
-      <p:grpSpPr>
-        <a:xfrm>
-          <a:off x="0" y="0"/>
-          <a:ext cx="0" cy="0"/>
-          <a:chOff x="0" y="0"/>
-          <a:chExt cx="0" cy="0"/>
-        </a:xfrm>
-      </p:grpSpPr>
-      <p:sp>
-        <p:nvSpPr>
-          <p:cNvPr id="7" name="Titel 6">
-            <a:extLst>
-              <a:ext uri="{FF2B5EF4-FFF2-40B4-BE49-F238E27FC236}">
-                <a16:creationId xmlns:a16="http://schemas.microsoft.com/office/drawing/2014/main" id="{1019CED2-9140-4920-A8F7-3A6455083A8F}"/>
-              </a:ext>
-            </a:extLst>
-          </p:cNvPr>
-          <p:cNvSpPr>
-            <a:spLocks noGrp="1"/>
-          </p:cNvSpPr>
-          <p:nvPr>
-            <p:ph type="title"/>
-          </p:nvPr>
-        </p:nvSpPr>
-        <p:spPr/>
-        <p:txBody>
-          <a:bodyPr/>
-          <a:lstStyle/>
-          <a:p>
-            <a:r>
-              <a:rPr lang="en-US" dirty="0" err="1"/>
-              <a:t>Gliederung</a:t>
-            </a:r>
-            <a:endParaRPr lang="en-US" dirty="0"/>
-          </a:p>
-        </p:txBody>
-      </p:sp>
-      <p:sp>
-        <p:nvSpPr>
-          <p:cNvPr id="9" name="Textplatzhalter 8">
-            <a:extLst>
-              <a:ext uri="{FF2B5EF4-FFF2-40B4-BE49-F238E27FC236}">
-                <a16:creationId xmlns:a16="http://schemas.microsoft.com/office/drawing/2014/main" id="{334DF856-F3D0-43E9-BBAA-803224F17AAB}"/>
-              </a:ext>
-            </a:extLst>
-          </p:cNvPr>
-          <p:cNvSpPr>
-            <a:spLocks noGrp="1"/>
-          </p:cNvSpPr>
-          <p:nvPr>
-            <p:ph type="body" sz="quarter" idx="17"/>
-          </p:nvPr>
-        </p:nvSpPr>
-        <p:spPr>
-          <a:xfrm>
-            <a:off x="479425" y="778321"/>
-            <a:ext cx="5437188" cy="901529"/>
-          </a:xfrm>
-        </p:spPr>
-        <p:txBody>
-          <a:bodyPr/>
-          <a:lstStyle/>
-          <a:p>
-            <a:r>
-              <a:rPr lang="de-DE" dirty="0"/>
-              <a:t>Betrugserkennung</a:t>
-            </a:r>
-          </a:p>
-          <a:p>
-            <a:endParaRPr lang="en-US" dirty="0"/>
-          </a:p>
-        </p:txBody>
-      </p:sp>
-      <p:sp>
-        <p:nvSpPr>
-          <p:cNvPr id="5" name="Textplatzhalter 4">
-            <a:extLst>
-              <a:ext uri="{FF2B5EF4-FFF2-40B4-BE49-F238E27FC236}">
-                <a16:creationId xmlns:a16="http://schemas.microsoft.com/office/drawing/2014/main" id="{DD8F983F-A2EC-4E72-ADA8-BF15CE0554EA}"/>
-              </a:ext>
-            </a:extLst>
-          </p:cNvPr>
-          <p:cNvSpPr>
-            <a:spLocks noGrp="1"/>
-          </p:cNvSpPr>
-          <p:nvPr>
-            <p:ph type="body" sz="quarter" idx="18"/>
-          </p:nvPr>
-        </p:nvSpPr>
-        <p:spPr>
-          <a:xfrm>
-            <a:off x="478199" y="1703388"/>
-            <a:ext cx="5437188" cy="3498073"/>
-          </a:xfrm>
-        </p:spPr>
-        <p:txBody>
-          <a:bodyPr/>
-          <a:lstStyle/>
-          <a:p>
-            <a:r>
-              <a:rPr lang="en-US" dirty="0" err="1"/>
-              <a:t>Problemstellung</a:t>
-            </a:r>
-            <a:endParaRPr lang="en-US" dirty="0"/>
-          </a:p>
-          <a:p>
-            <a:pPr lvl="3"/>
-            <a:r>
-              <a:rPr lang="de-DE" dirty="0"/>
-              <a:t>Was zeichnet Betrug aus?</a:t>
-            </a:r>
-          </a:p>
-          <a:p>
-            <a:pPr lvl="3"/>
-            <a:r>
-              <a:rPr lang="de-DE" dirty="0"/>
-              <a:t>Beispiel</a:t>
-            </a:r>
-          </a:p>
-          <a:p>
-            <a:pPr lvl="3"/>
-            <a:r>
-              <a:rPr lang="de-DE" dirty="0"/>
-              <a:t>Wie erkennt man Betrug?</a:t>
-            </a:r>
-          </a:p>
-          <a:p>
-            <a:endParaRPr lang="en-US" dirty="0"/>
-          </a:p>
-          <a:p>
-            <a:r>
-              <a:rPr lang="de-DE" dirty="0"/>
-              <a:t>Algorithmen und Technologien</a:t>
-            </a:r>
-            <a:endParaRPr lang="en-US" dirty="0"/>
-          </a:p>
-          <a:p>
-            <a:pPr lvl="3"/>
-            <a:r>
-              <a:rPr lang="en-US" dirty="0"/>
-              <a:t>Descriptive Analytics</a:t>
-            </a:r>
-          </a:p>
-          <a:p>
-            <a:pPr lvl="3"/>
-            <a:r>
-              <a:rPr lang="en-US" dirty="0"/>
-              <a:t>Predictive Analytics</a:t>
-            </a:r>
-          </a:p>
-          <a:p>
-            <a:endParaRPr lang="en-US" dirty="0"/>
-          </a:p>
-          <a:p>
-            <a:endParaRPr lang="en-US" dirty="0"/>
-          </a:p>
-        </p:txBody>
-      </p:sp>
-      <p:pic>
-        <p:nvPicPr>
-          <p:cNvPr id="13" name="Picture 2" descr="alt text">
-            <a:extLst>
-              <a:ext uri="{FF2B5EF4-FFF2-40B4-BE49-F238E27FC236}">
-                <a16:creationId xmlns:a16="http://schemas.microsoft.com/office/drawing/2014/main" id="{31293111-67A8-48D8-AB5A-D14C0D4509B0}"/>
-              </a:ext>
-            </a:extLst>
-          </p:cNvPr>
-          <p:cNvPicPr>
-            <a:picLocks noChangeAspect="1" noChangeArrowheads="1"/>
-          </p:cNvPicPr>
-          <p:nvPr/>
-        </p:nvPicPr>
-        <p:blipFill>
-          <a:blip r:embed="rId2">
-            <a:extLst>
-              <a:ext uri="{28A0092B-C50C-407E-A947-70E740481C1C}">
-                <a14:useLocalDpi xmlns:a14="http://schemas.microsoft.com/office/drawing/2010/main" val="0"/>
-              </a:ext>
-            </a:extLst>
-          </a:blip>
-          <a:srcRect/>
-          <a:stretch>
-            <a:fillRect/>
-          </a:stretch>
-        </p:blipFill>
-        <p:spPr bwMode="auto">
-          <a:xfrm>
-            <a:off x="5539740" y="586954"/>
-            <a:ext cx="5895975" cy="3667125"/>
-          </a:xfrm>
-          <a:prstGeom prst="rect">
-            <a:avLst/>
-          </a:prstGeom>
-          <a:noFill/>
-          <a:extLst>
-            <a:ext uri="{909E8E84-426E-40DD-AFC4-6F175D3DCCD1}">
-              <a14:hiddenFill xmlns:a14="http://schemas.microsoft.com/office/drawing/2010/main">
-                <a:solidFill>
-                  <a:srgbClr val="FFFFFF"/>
-                </a:solidFill>
-              </a14:hiddenFill>
-            </a:ext>
-          </a:extLst>
-        </p:spPr>
-      </p:pic>
-      <p:sp>
-        <p:nvSpPr>
-          <p:cNvPr id="15" name="Textfeld 14">
-            <a:extLst>
-              <a:ext uri="{FF2B5EF4-FFF2-40B4-BE49-F238E27FC236}">
-                <a16:creationId xmlns:a16="http://schemas.microsoft.com/office/drawing/2014/main" id="{C80128F6-FD00-4CCE-8DEF-FFDA7F29AF63}"/>
-              </a:ext>
-            </a:extLst>
-          </p:cNvPr>
-          <p:cNvSpPr txBox="1"/>
-          <p:nvPr/>
-        </p:nvSpPr>
-        <p:spPr>
-          <a:xfrm>
-            <a:off x="5974082" y="4445445"/>
-            <a:ext cx="6101080" cy="430887"/>
-          </a:xfrm>
-          <a:prstGeom prst="rect">
-            <a:avLst/>
-          </a:prstGeom>
-          <a:noFill/>
-        </p:spPr>
-        <p:txBody>
-          <a:bodyPr wrap="square">
-            <a:spAutoFit/>
-          </a:bodyPr>
-          <a:lstStyle/>
-          <a:p>
-            <a:r>
-              <a:rPr lang="en-US" sz="1050" dirty="0"/>
-              <a:t>https://fraud-detection-handbook.github.io/fraud-detection-handbook/Chapter_2_Background/MachineLearningForFraudDetection.html</a:t>
-            </a:r>
-          </a:p>
-        </p:txBody>
-      </p:sp>
-    </p:spTree>
-    <p:extLst>
-      <p:ext uri="{BB962C8B-B14F-4D97-AF65-F5344CB8AC3E}">
-        <p14:creationId xmlns:p14="http://schemas.microsoft.com/office/powerpoint/2010/main" val="1480219980"/>
-      </p:ext>
-    </p:extLst>
-  </p:cSld>
-  <p:clrMapOvr>
-    <a:masterClrMapping/>
-  </p:clrMapOvr>
-</p:sld>
-</file>
-
-<file path=ppt/slides/slide20.xml><?xml version="1.0" encoding="utf-8"?>
+<file path=ppt/slides/slide19.xml><?xml version="1.0" encoding="utf-8"?>
 <p:sld xmlns:a="http://schemas.openxmlformats.org/drawingml/2006/main" xmlns:r="http://schemas.openxmlformats.org/officeDocument/2006/relationships" xmlns:p="http://schemas.openxmlformats.org/presentationml/2006/main">
   <p:cSld>
     <p:spTree>
@@ -14321,7 +13537,7 @@
           <a:p>
             <a:fld id="{3FF77DFC-33DC-4457-974A-3F8ABA01093A}" type="datetime1">
               <a:rPr lang="de-DE" noProof="0" smtClean="0"/>
-              <a:t>30.10.2022</a:t>
+              <a:t>02.11.2022</a:t>
             </a:fld>
             <a:endParaRPr lang="de-DE" noProof="0" dirty="0"/>
           </a:p>
@@ -14351,7 +13567,7 @@
             <a:fld id="{3D81EE41-304C-41C3-8185-350F2275D756}" type="slidenum">
               <a:rPr lang="de-DE" smtClean="0"/>
               <a:pPr/>
-              <a:t>20</a:t>
+              <a:t>19</a:t>
             </a:fld>
             <a:endParaRPr lang="de-DE"/>
           </a:p>
@@ -14417,7 +13633,415 @@
 </p:sld>
 </file>
 
-<file path=ppt/slides/slide21.xml><?xml version="1.0" encoding="utf-8"?>
+<file path=ppt/slides/slide2.xml><?xml version="1.0" encoding="utf-8"?>
+<p:sld xmlns:a="http://schemas.openxmlformats.org/drawingml/2006/main" xmlns:r="http://schemas.openxmlformats.org/officeDocument/2006/relationships" xmlns:p="http://schemas.openxmlformats.org/presentationml/2006/main">
+  <p:cSld>
+    <p:spTree>
+      <p:nvGrpSpPr>
+        <p:cNvPr id="1" name=""/>
+        <p:cNvGrpSpPr/>
+        <p:nvPr/>
+      </p:nvGrpSpPr>
+      <p:grpSpPr>
+        <a:xfrm>
+          <a:off x="0" y="0"/>
+          <a:ext cx="0" cy="0"/>
+          <a:chOff x="0" y="0"/>
+          <a:chExt cx="0" cy="0"/>
+        </a:xfrm>
+      </p:grpSpPr>
+      <p:sp>
+        <p:nvSpPr>
+          <p:cNvPr id="7" name="Titel 6">
+            <a:extLst>
+              <a:ext uri="{FF2B5EF4-FFF2-40B4-BE49-F238E27FC236}">
+                <a16:creationId xmlns:a16="http://schemas.microsoft.com/office/drawing/2014/main" id="{1019CED2-9140-4920-A8F7-3A6455083A8F}"/>
+              </a:ext>
+            </a:extLst>
+          </p:cNvPr>
+          <p:cNvSpPr>
+            <a:spLocks noGrp="1"/>
+          </p:cNvSpPr>
+          <p:nvPr>
+            <p:ph type="title"/>
+          </p:nvPr>
+        </p:nvSpPr>
+        <p:spPr/>
+        <p:txBody>
+          <a:bodyPr/>
+          <a:lstStyle/>
+          <a:p>
+            <a:r>
+              <a:rPr lang="de-DE" dirty="0"/>
+              <a:t>Betrugserkennung</a:t>
+            </a:r>
+            <a:endParaRPr lang="en-US" dirty="0"/>
+          </a:p>
+        </p:txBody>
+      </p:sp>
+      <p:sp>
+        <p:nvSpPr>
+          <p:cNvPr id="9" name="Textplatzhalter 8">
+            <a:extLst>
+              <a:ext uri="{FF2B5EF4-FFF2-40B4-BE49-F238E27FC236}">
+                <a16:creationId xmlns:a16="http://schemas.microsoft.com/office/drawing/2014/main" id="{334DF856-F3D0-43E9-BBAA-803224F17AAB}"/>
+              </a:ext>
+            </a:extLst>
+          </p:cNvPr>
+          <p:cNvSpPr>
+            <a:spLocks noGrp="1"/>
+          </p:cNvSpPr>
+          <p:nvPr>
+            <p:ph type="body" sz="quarter" idx="17"/>
+          </p:nvPr>
+        </p:nvSpPr>
+        <p:spPr>
+          <a:xfrm>
+            <a:off x="479425" y="778321"/>
+            <a:ext cx="5437188" cy="319318"/>
+          </a:xfrm>
+        </p:spPr>
+        <p:txBody>
+          <a:bodyPr/>
+          <a:lstStyle/>
+          <a:p>
+            <a:r>
+              <a:rPr lang="en-US" dirty="0" err="1"/>
+              <a:t>Gliederung</a:t>
+            </a:r>
+            <a:endParaRPr lang="de-DE" dirty="0"/>
+          </a:p>
+        </p:txBody>
+      </p:sp>
+      <p:sp>
+        <p:nvSpPr>
+          <p:cNvPr id="5" name="Textplatzhalter 4">
+            <a:extLst>
+              <a:ext uri="{FF2B5EF4-FFF2-40B4-BE49-F238E27FC236}">
+                <a16:creationId xmlns:a16="http://schemas.microsoft.com/office/drawing/2014/main" id="{DD8F983F-A2EC-4E72-ADA8-BF15CE0554EA}"/>
+              </a:ext>
+            </a:extLst>
+          </p:cNvPr>
+          <p:cNvSpPr>
+            <a:spLocks noGrp="1"/>
+          </p:cNvSpPr>
+          <p:nvPr>
+            <p:ph type="body" sz="quarter" idx="18"/>
+          </p:nvPr>
+        </p:nvSpPr>
+        <p:spPr>
+          <a:xfrm>
+            <a:off x="463427" y="1703388"/>
+            <a:ext cx="5437188" cy="2943050"/>
+          </a:xfrm>
+        </p:spPr>
+        <p:txBody>
+          <a:bodyPr/>
+          <a:lstStyle/>
+          <a:p>
+            <a:pPr lvl="3"/>
+            <a:r>
+              <a:rPr lang="de-DE" dirty="0"/>
+              <a:t>Was zeichnet Betrug aus?</a:t>
+            </a:r>
+          </a:p>
+          <a:p>
+            <a:pPr lvl="4"/>
+            <a:r>
+              <a:rPr lang="de-DE" dirty="0"/>
+              <a:t>Problemstellung</a:t>
+            </a:r>
+          </a:p>
+          <a:p>
+            <a:pPr lvl="4"/>
+            <a:r>
+              <a:rPr lang="de-DE" dirty="0"/>
+              <a:t>Generelles Vorgehen</a:t>
+            </a:r>
+          </a:p>
+          <a:p>
+            <a:pPr lvl="3"/>
+            <a:r>
+              <a:rPr lang="de-DE" dirty="0"/>
+              <a:t>Beispiel</a:t>
+            </a:r>
+          </a:p>
+          <a:p>
+            <a:pPr lvl="3"/>
+            <a:r>
+              <a:rPr lang="de-DE" dirty="0"/>
+              <a:t>Wie erkennt man Betrug?</a:t>
+            </a:r>
+          </a:p>
+          <a:p>
+            <a:pPr lvl="4"/>
+            <a:r>
+              <a:rPr lang="de-DE" dirty="0"/>
+              <a:t>Fraud </a:t>
+            </a:r>
+            <a:r>
+              <a:rPr lang="de-DE" dirty="0" err="1"/>
+              <a:t>Detection</a:t>
+            </a:r>
+            <a:endParaRPr lang="de-DE" dirty="0"/>
+          </a:p>
+          <a:p>
+            <a:pPr lvl="4"/>
+            <a:r>
+              <a:rPr lang="de-DE" dirty="0"/>
+              <a:t>Fraud </a:t>
+            </a:r>
+            <a:r>
+              <a:rPr lang="de-DE" dirty="0" err="1"/>
+              <a:t>Prediction</a:t>
+            </a:r>
+            <a:endParaRPr lang="de-DE" dirty="0"/>
+          </a:p>
+          <a:p>
+            <a:endParaRPr lang="en-US" dirty="0"/>
+          </a:p>
+          <a:p>
+            <a:endParaRPr lang="en-US" dirty="0"/>
+          </a:p>
+          <a:p>
+            <a:endParaRPr lang="en-US" dirty="0"/>
+          </a:p>
+        </p:txBody>
+      </p:sp>
+      <p:pic>
+        <p:nvPicPr>
+          <p:cNvPr id="13" name="Picture 2" descr="alt text">
+            <a:extLst>
+              <a:ext uri="{FF2B5EF4-FFF2-40B4-BE49-F238E27FC236}">
+                <a16:creationId xmlns:a16="http://schemas.microsoft.com/office/drawing/2014/main" id="{31293111-67A8-48D8-AB5A-D14C0D4509B0}"/>
+              </a:ext>
+            </a:extLst>
+          </p:cNvPr>
+          <p:cNvPicPr>
+            <a:picLocks noChangeAspect="1" noChangeArrowheads="1"/>
+          </p:cNvPicPr>
+          <p:nvPr/>
+        </p:nvPicPr>
+        <p:blipFill>
+          <a:blip r:embed="rId2">
+            <a:extLst>
+              <a:ext uri="{28A0092B-C50C-407E-A947-70E740481C1C}">
+                <a14:useLocalDpi xmlns:a14="http://schemas.microsoft.com/office/drawing/2010/main" val="0"/>
+              </a:ext>
+            </a:extLst>
+          </a:blip>
+          <a:srcRect/>
+          <a:stretch>
+            <a:fillRect/>
+          </a:stretch>
+        </p:blipFill>
+        <p:spPr bwMode="auto">
+          <a:xfrm>
+            <a:off x="6803025" y="193137"/>
+            <a:ext cx="3953940" cy="2459236"/>
+          </a:xfrm>
+          <a:prstGeom prst="rect">
+            <a:avLst/>
+          </a:prstGeom>
+          <a:noFill/>
+          <a:extLst>
+            <a:ext uri="{909E8E84-426E-40DD-AFC4-6F175D3DCCD1}">
+              <a14:hiddenFill xmlns:a14="http://schemas.microsoft.com/office/drawing/2010/main">
+                <a:solidFill>
+                  <a:srgbClr val="FFFFFF"/>
+                </a:solidFill>
+              </a14:hiddenFill>
+            </a:ext>
+          </a:extLst>
+        </p:spPr>
+      </p:pic>
+      <p:sp>
+        <p:nvSpPr>
+          <p:cNvPr id="15" name="Textfeld 14">
+            <a:extLst>
+              <a:ext uri="{FF2B5EF4-FFF2-40B4-BE49-F238E27FC236}">
+                <a16:creationId xmlns:a16="http://schemas.microsoft.com/office/drawing/2014/main" id="{C80128F6-FD00-4CCE-8DEF-FFDA7F29AF63}"/>
+              </a:ext>
+            </a:extLst>
+          </p:cNvPr>
+          <p:cNvSpPr txBox="1"/>
+          <p:nvPr/>
+        </p:nvSpPr>
+        <p:spPr>
+          <a:xfrm>
+            <a:off x="6530159" y="2649096"/>
+            <a:ext cx="4870580" cy="430887"/>
+          </a:xfrm>
+          <a:prstGeom prst="rect">
+            <a:avLst/>
+          </a:prstGeom>
+          <a:noFill/>
+        </p:spPr>
+        <p:txBody>
+          <a:bodyPr wrap="square">
+            <a:spAutoFit/>
+          </a:bodyPr>
+          <a:lstStyle/>
+          <a:p>
+            <a:pPr algn="ctr"/>
+            <a:r>
+              <a:rPr lang="en-US" sz="1050" dirty="0"/>
+              <a:t>https://fraud-detection-handbook.github.io/fraud-detection-handbook/Chapter_2_Background/MachineLearningForFraudDetection.html</a:t>
+            </a:r>
+          </a:p>
+        </p:txBody>
+      </p:sp>
+      <p:pic>
+        <p:nvPicPr>
+          <p:cNvPr id="8" name="Picture 2" descr="alt text">
+            <a:extLst>
+              <a:ext uri="{FF2B5EF4-FFF2-40B4-BE49-F238E27FC236}">
+                <a16:creationId xmlns:a16="http://schemas.microsoft.com/office/drawing/2014/main" id="{BCCB1649-D604-48E5-B610-846C7F511FE2}"/>
+              </a:ext>
+            </a:extLst>
+          </p:cNvPr>
+          <p:cNvPicPr>
+            <a:picLocks noChangeAspect="1" noChangeArrowheads="1"/>
+          </p:cNvPicPr>
+          <p:nvPr/>
+        </p:nvPicPr>
+        <p:blipFill>
+          <a:blip r:embed="rId3">
+            <a:extLst>
+              <a:ext uri="{28A0092B-C50C-407E-A947-70E740481C1C}">
+                <a14:useLocalDpi xmlns:a14="http://schemas.microsoft.com/office/drawing/2010/main" val="0"/>
+              </a:ext>
+            </a:extLst>
+          </a:blip>
+          <a:srcRect/>
+          <a:stretch>
+            <a:fillRect/>
+          </a:stretch>
+        </p:blipFill>
+        <p:spPr bwMode="auto">
+          <a:xfrm>
+            <a:off x="6803025" y="3239656"/>
+            <a:ext cx="3953940" cy="2498172"/>
+          </a:xfrm>
+          <a:prstGeom prst="rect">
+            <a:avLst/>
+          </a:prstGeom>
+          <a:noFill/>
+          <a:extLst>
+            <a:ext uri="{909E8E84-426E-40DD-AFC4-6F175D3DCCD1}">
+              <a14:hiddenFill xmlns:a14="http://schemas.microsoft.com/office/drawing/2010/main">
+                <a:solidFill>
+                  <a:srgbClr val="FFFFFF"/>
+                </a:solidFill>
+              </a14:hiddenFill>
+            </a:ext>
+          </a:extLst>
+        </p:spPr>
+      </p:pic>
+      <p:sp>
+        <p:nvSpPr>
+          <p:cNvPr id="10" name="Textfeld 9">
+            <a:extLst>
+              <a:ext uri="{FF2B5EF4-FFF2-40B4-BE49-F238E27FC236}">
+                <a16:creationId xmlns:a16="http://schemas.microsoft.com/office/drawing/2014/main" id="{85BCB128-567C-4FB8-9C20-77010248ED23}"/>
+              </a:ext>
+            </a:extLst>
+          </p:cNvPr>
+          <p:cNvSpPr txBox="1"/>
+          <p:nvPr/>
+        </p:nvSpPr>
+        <p:spPr>
+          <a:xfrm>
+            <a:off x="6783354" y="5715365"/>
+            <a:ext cx="6101080" cy="461665"/>
+          </a:xfrm>
+          <a:prstGeom prst="rect">
+            <a:avLst/>
+          </a:prstGeom>
+          <a:noFill/>
+        </p:spPr>
+        <p:txBody>
+          <a:bodyPr wrap="square">
+            <a:spAutoFit/>
+          </a:bodyPr>
+          <a:lstStyle/>
+          <a:p>
+            <a:r>
+              <a:rPr lang="en-US" sz="1200" dirty="0"/>
+              <a:t>https://fraud-detection-handbook.github.io/fraud-detection-handbook/Chapter_2_Background/CreditCardFraud.html</a:t>
+            </a:r>
+          </a:p>
+        </p:txBody>
+      </p:sp>
+      <p:sp>
+        <p:nvSpPr>
+          <p:cNvPr id="11" name="Textfeld 10">
+            <a:extLst>
+              <a:ext uri="{FF2B5EF4-FFF2-40B4-BE49-F238E27FC236}">
+                <a16:creationId xmlns:a16="http://schemas.microsoft.com/office/drawing/2014/main" id="{AB11475B-24F8-45AF-B351-9C706DDAC991}"/>
+              </a:ext>
+            </a:extLst>
+          </p:cNvPr>
+          <p:cNvSpPr txBox="1"/>
+          <p:nvPr/>
+        </p:nvSpPr>
+        <p:spPr>
+          <a:xfrm>
+            <a:off x="463427" y="3846146"/>
+            <a:ext cx="5263211" cy="984885"/>
+          </a:xfrm>
+          <a:prstGeom prst="rect">
+            <a:avLst/>
+          </a:prstGeom>
+          <a:noFill/>
+        </p:spPr>
+        <p:txBody>
+          <a:bodyPr wrap="square">
+            <a:spAutoFit/>
+          </a:bodyPr>
+          <a:lstStyle/>
+          <a:p>
+            <a:r>
+              <a:rPr lang="de-DE" sz="1600" dirty="0">
+                <a:latin typeface="+mj-lt"/>
+              </a:rPr>
+              <a:t>Fakten</a:t>
+            </a:r>
+          </a:p>
+          <a:p>
+            <a:r>
+              <a:rPr lang="de-DE" sz="1400" dirty="0"/>
+              <a:t>Durch Betrug verlieren durchschnittliche Firmen 5% ihres Ertrags.</a:t>
+            </a:r>
+          </a:p>
+          <a:p>
+            <a:r>
+              <a:rPr lang="de-DE" sz="1400" dirty="0"/>
+              <a:t>0.5% aller Kreditkartentransaktionen gelten als betrügerisch.</a:t>
+            </a:r>
+          </a:p>
+          <a:p>
+            <a:r>
+              <a:rPr lang="de-DE" sz="1400" dirty="0"/>
+              <a:t>Die US kostet Versicherungsbetrug 40 Mrd. $ pro Jahr</a:t>
+            </a:r>
+          </a:p>
+        </p:txBody>
+      </p:sp>
+    </p:spTree>
+    <p:extLst>
+      <p:ext uri="{BB962C8B-B14F-4D97-AF65-F5344CB8AC3E}">
+        <p14:creationId xmlns:p14="http://schemas.microsoft.com/office/powerpoint/2010/main" val="1480219980"/>
+      </p:ext>
+    </p:extLst>
+  </p:cSld>
+  <p:clrMapOvr>
+    <a:masterClrMapping/>
+  </p:clrMapOvr>
+</p:sld>
+</file>
+
+<file path=ppt/slides/slide20.xml><?xml version="1.0" encoding="utf-8"?>
 <p:sld xmlns:a="http://schemas.openxmlformats.org/drawingml/2006/main" xmlns:r="http://schemas.openxmlformats.org/officeDocument/2006/relationships" xmlns:p="http://schemas.openxmlformats.org/presentationml/2006/main">
   <p:cSld>
     <p:spTree>
@@ -14551,7 +14175,7 @@
           <a:p>
             <a:fld id="{3FF77DFC-33DC-4457-974A-3F8ABA01093A}" type="datetime1">
               <a:rPr lang="de-DE" noProof="0" smtClean="0"/>
-              <a:t>30.10.2022</a:t>
+              <a:t>02.11.2022</a:t>
             </a:fld>
             <a:endParaRPr lang="de-DE" noProof="0" dirty="0"/>
           </a:p>
@@ -14581,7 +14205,7 @@
             <a:fld id="{3D81EE41-304C-41C3-8185-350F2275D756}" type="slidenum">
               <a:rPr lang="de-DE" smtClean="0"/>
               <a:pPr/>
-              <a:t>21</a:t>
+              <a:t>20</a:t>
             </a:fld>
             <a:endParaRPr lang="de-DE"/>
           </a:p>
@@ -14796,7 +14420,7 @@
 </p:sld>
 </file>
 
-<file path=ppt/slides/slide22.xml><?xml version="1.0" encoding="utf-8"?>
+<file path=ppt/slides/slide21.xml><?xml version="1.0" encoding="utf-8"?>
 <p:sld xmlns:a="http://schemas.openxmlformats.org/drawingml/2006/main" xmlns:r="http://schemas.openxmlformats.org/officeDocument/2006/relationships" xmlns:p="http://schemas.openxmlformats.org/presentationml/2006/main">
   <p:cSld>
     <p:spTree>
@@ -15007,7 +14631,7 @@
           <a:p>
             <a:fld id="{3FF77DFC-33DC-4457-974A-3F8ABA01093A}" type="datetime1">
               <a:rPr lang="de-DE" noProof="0" smtClean="0"/>
-              <a:t>30.10.2022</a:t>
+              <a:t>02.11.2022</a:t>
             </a:fld>
             <a:endParaRPr lang="de-DE" noProof="0" dirty="0"/>
           </a:p>
@@ -15037,7 +14661,7 @@
             <a:fld id="{3D81EE41-304C-41C3-8185-350F2275D756}" type="slidenum">
               <a:rPr lang="de-DE" smtClean="0"/>
               <a:pPr/>
-              <a:t>22</a:t>
+              <a:t>21</a:t>
             </a:fld>
             <a:endParaRPr lang="de-DE"/>
           </a:p>
@@ -15252,7 +14876,7 @@
 </p:sld>
 </file>
 
-<file path=ppt/slides/slide23.xml><?xml version="1.0" encoding="utf-8"?>
+<file path=ppt/slides/slide22.xml><?xml version="1.0" encoding="utf-8"?>
 <p:sld xmlns:a="http://schemas.openxmlformats.org/drawingml/2006/main" xmlns:r="http://schemas.openxmlformats.org/officeDocument/2006/relationships" xmlns:p="http://schemas.openxmlformats.org/presentationml/2006/main">
   <p:cSld>
     <p:spTree>
@@ -15596,7 +15220,7 @@
           <a:p>
             <a:fld id="{3FF77DFC-33DC-4457-974A-3F8ABA01093A}" type="datetime1">
               <a:rPr lang="de-DE" noProof="0" smtClean="0"/>
-              <a:t>30.10.2022</a:t>
+              <a:t>02.11.2022</a:t>
             </a:fld>
             <a:endParaRPr lang="de-DE" noProof="0" dirty="0"/>
           </a:p>
@@ -15626,7 +15250,7 @@
             <a:fld id="{3D81EE41-304C-41C3-8185-350F2275D756}" type="slidenum">
               <a:rPr lang="de-DE" smtClean="0"/>
               <a:pPr/>
-              <a:t>23</a:t>
+              <a:t>22</a:t>
             </a:fld>
             <a:endParaRPr lang="de-DE"/>
           </a:p>
@@ -15660,7 +15284,7 @@
           <a:graphicData uri="http://schemas.openxmlformats.org/presentationml/2006/ole">
             <mc:AlternateContent xmlns:mc="http://schemas.openxmlformats.org/markup-compatibility/2006">
               <mc:Choice xmlns:v="urn:schemas-microsoft-com:vml" Requires="v">
-                <p:oleObj spid="_x0000_s26627" name="Equation" r:id="rId3" imgW="1206360" imgH="393480" progId="Equation.DSMT4">
+                <p:oleObj spid="_x0000_s26643" name="Equation" r:id="rId3" imgW="1206360" imgH="393480" progId="Equation.DSMT4">
                   <p:embed/>
                 </p:oleObj>
               </mc:Choice>
@@ -15748,6 +15372,459 @@
 </p:sld>
 </file>
 
+<file path=ppt/slides/slide23.xml><?xml version="1.0" encoding="utf-8"?>
+<p:sld xmlns:a="http://schemas.openxmlformats.org/drawingml/2006/main" xmlns:r="http://schemas.openxmlformats.org/officeDocument/2006/relationships" xmlns:p="http://schemas.openxmlformats.org/presentationml/2006/main">
+  <p:cSld>
+    <p:spTree>
+      <p:nvGrpSpPr>
+        <p:cNvPr id="1" name=""/>
+        <p:cNvGrpSpPr/>
+        <p:nvPr/>
+      </p:nvGrpSpPr>
+      <p:grpSpPr>
+        <a:xfrm>
+          <a:off x="0" y="0"/>
+          <a:ext cx="0" cy="0"/>
+          <a:chOff x="0" y="0"/>
+          <a:chExt cx="0" cy="0"/>
+        </a:xfrm>
+      </p:grpSpPr>
+      <p:sp>
+        <p:nvSpPr>
+          <p:cNvPr id="6" name="Titel 5">
+            <a:extLst>
+              <a:ext uri="{FF2B5EF4-FFF2-40B4-BE49-F238E27FC236}">
+                <a16:creationId xmlns:a16="http://schemas.microsoft.com/office/drawing/2014/main" id="{59DE14AD-FCB4-4DFF-BD7A-98901404D6B1}"/>
+              </a:ext>
+            </a:extLst>
+          </p:cNvPr>
+          <p:cNvSpPr>
+            <a:spLocks noGrp="1"/>
+          </p:cNvSpPr>
+          <p:nvPr>
+            <p:ph type="title"/>
+          </p:nvPr>
+        </p:nvSpPr>
+        <p:spPr/>
+        <p:txBody>
+          <a:bodyPr/>
+          <a:lstStyle/>
+          <a:p>
+            <a:r>
+              <a:rPr lang="en-US" dirty="0" err="1"/>
+              <a:t>Deskriptive</a:t>
+            </a:r>
+            <a:r>
+              <a:rPr lang="en-US" dirty="0"/>
+              <a:t> </a:t>
+            </a:r>
+            <a:r>
+              <a:rPr lang="en-US" dirty="0" err="1"/>
+              <a:t>Analytik</a:t>
+            </a:r>
+            <a:br>
+              <a:rPr lang="en-US" dirty="0"/>
+            </a:br>
+            <a:endParaRPr lang="en-US" dirty="0"/>
+          </a:p>
+        </p:txBody>
+      </p:sp>
+      <p:sp>
+        <p:nvSpPr>
+          <p:cNvPr id="7" name="Textplatzhalter 6">
+            <a:extLst>
+              <a:ext uri="{FF2B5EF4-FFF2-40B4-BE49-F238E27FC236}">
+                <a16:creationId xmlns:a16="http://schemas.microsoft.com/office/drawing/2014/main" id="{5F82FDFD-5DD0-4CE4-A56C-B7ACB6027251}"/>
+              </a:ext>
+            </a:extLst>
+          </p:cNvPr>
+          <p:cNvSpPr>
+            <a:spLocks noGrp="1"/>
+          </p:cNvSpPr>
+          <p:nvPr>
+            <p:ph type="body" sz="quarter" idx="13"/>
+          </p:nvPr>
+        </p:nvSpPr>
+        <p:spPr/>
+        <p:txBody>
+          <a:bodyPr/>
+          <a:lstStyle/>
+          <a:p>
+            <a:r>
+              <a:rPr lang="en-US" dirty="0" err="1"/>
+              <a:t>Betrugserkennung</a:t>
+            </a:r>
+            <a:endParaRPr lang="en-US" dirty="0"/>
+          </a:p>
+        </p:txBody>
+      </p:sp>
+      <p:sp>
+        <p:nvSpPr>
+          <p:cNvPr id="8" name="Textplatzhalter 7">
+            <a:extLst>
+              <a:ext uri="{FF2B5EF4-FFF2-40B4-BE49-F238E27FC236}">
+                <a16:creationId xmlns:a16="http://schemas.microsoft.com/office/drawing/2014/main" id="{3D4002A2-7E0E-4D1D-8FB5-646B389FABC0}"/>
+              </a:ext>
+            </a:extLst>
+          </p:cNvPr>
+          <p:cNvSpPr>
+            <a:spLocks noGrp="1"/>
+          </p:cNvSpPr>
+          <p:nvPr>
+            <p:ph type="body" sz="quarter" idx="14"/>
+          </p:nvPr>
+        </p:nvSpPr>
+        <p:spPr>
+          <a:xfrm>
+            <a:off x="478199" y="1703388"/>
+            <a:ext cx="5437188" cy="4062522"/>
+          </a:xfrm>
+        </p:spPr>
+        <p:txBody>
+          <a:bodyPr/>
+          <a:lstStyle/>
+          <a:p>
+            <a:r>
+              <a:rPr lang="de-DE" dirty="0"/>
+              <a:t>Deskriptive Analytik</a:t>
+            </a:r>
+          </a:p>
+          <a:p>
+            <a:pPr lvl="1"/>
+            <a:r>
+              <a:rPr lang="de-DE" dirty="0"/>
+              <a:t>Findet anormale Verhaltensweisen in Beobachtungen , die vom normalen Verhalten der Grundgesamtheit abweichen.</a:t>
+            </a:r>
+          </a:p>
+          <a:p>
+            <a:pPr lvl="3"/>
+            <a:r>
+              <a:rPr lang="de-DE" dirty="0"/>
+              <a:t>Erkennt bislang unbekannte Verdachtsmomente</a:t>
+            </a:r>
+          </a:p>
+          <a:p>
+            <a:pPr lvl="3"/>
+            <a:r>
+              <a:rPr lang="de-DE" dirty="0"/>
+              <a:t>Anfällig für Täuschung</a:t>
+            </a:r>
+          </a:p>
+          <a:p>
+            <a:pPr lvl="3"/>
+            <a:endParaRPr lang="de-DE" dirty="0"/>
+          </a:p>
+          <a:p>
+            <a:pPr marL="0" lvl="3" indent="0">
+              <a:buNone/>
+            </a:pPr>
+            <a:r>
+              <a:rPr lang="de-DE" b="1" dirty="0" err="1"/>
+              <a:t>Anomalieerkennung</a:t>
+            </a:r>
+            <a:r>
+              <a:rPr lang="de-DE" dirty="0"/>
+              <a:t>:</a:t>
+            </a:r>
+          </a:p>
+          <a:p>
+            <a:pPr lvl="3"/>
+            <a:r>
+              <a:rPr lang="de-DE" u="sng" dirty="0"/>
+              <a:t>Erkennung von statistischen Ausreißern</a:t>
+            </a:r>
+          </a:p>
+          <a:p>
+            <a:pPr marL="180000" lvl="4" indent="0">
+              <a:buNone/>
+            </a:pPr>
+            <a:r>
+              <a:rPr lang="de-DE" dirty="0"/>
+              <a:t>Eine „außen liegende“ Beobachtung oder Ausreißer ist eine, die deutlich von anderen Mitgliedern der Stichprobe abzuweichen scheint, in der sie auftritt.</a:t>
+            </a:r>
+          </a:p>
+          <a:p>
+            <a:pPr lvl="3"/>
+            <a:r>
+              <a:rPr lang="de-DE" u="sng" dirty="0"/>
+              <a:t>Erkennung von Strukturbrüchen</a:t>
+            </a:r>
+          </a:p>
+          <a:p>
+            <a:pPr marL="180000" lvl="4" indent="0">
+              <a:buNone/>
+            </a:pPr>
+            <a:r>
+              <a:rPr lang="de-DE" dirty="0"/>
+              <a:t>Strukturbrüche in Zeitreihen sind dadurch gekennzeichnet, dass sich das stationäre Verhalten über die Zeit durch eine Veränderung der Varianz oder des Mittelwertes ändert.</a:t>
+            </a:r>
+          </a:p>
+        </p:txBody>
+      </p:sp>
+      <p:sp>
+        <p:nvSpPr>
+          <p:cNvPr id="9" name="Textplatzhalter 8">
+            <a:extLst>
+              <a:ext uri="{FF2B5EF4-FFF2-40B4-BE49-F238E27FC236}">
+                <a16:creationId xmlns:a16="http://schemas.microsoft.com/office/drawing/2014/main" id="{A26B5670-8AEF-4316-B454-132673B82936}"/>
+              </a:ext>
+            </a:extLst>
+          </p:cNvPr>
+          <p:cNvSpPr>
+            <a:spLocks noGrp="1"/>
+          </p:cNvSpPr>
+          <p:nvPr>
+            <p:ph type="body" sz="quarter" idx="15"/>
+          </p:nvPr>
+        </p:nvSpPr>
+        <p:spPr>
+          <a:xfrm>
+            <a:off x="6275388" y="1703388"/>
+            <a:ext cx="5437187" cy="3134833"/>
+          </a:xfrm>
+        </p:spPr>
+        <p:txBody>
+          <a:bodyPr/>
+          <a:lstStyle/>
+          <a:p>
+            <a:pPr marL="0" lvl="3" indent="0">
+              <a:buNone/>
+            </a:pPr>
+            <a:r>
+              <a:rPr lang="en-US" sz="1600" dirty="0" err="1">
+                <a:latin typeface="+mj-lt"/>
+              </a:rPr>
+              <a:t>Vorgestellte</a:t>
+            </a:r>
+            <a:r>
+              <a:rPr lang="en-US" sz="1600" dirty="0">
+                <a:latin typeface="+mj-lt"/>
+              </a:rPr>
+              <a:t> </a:t>
+            </a:r>
+            <a:r>
+              <a:rPr lang="en-US" sz="1600" dirty="0" err="1">
+                <a:latin typeface="+mj-lt"/>
+              </a:rPr>
+              <a:t>Methoden</a:t>
+            </a:r>
+            <a:r>
+              <a:rPr lang="en-US" sz="1600" dirty="0">
+                <a:latin typeface="+mj-lt"/>
+              </a:rPr>
+              <a:t>:</a:t>
+            </a:r>
+          </a:p>
+          <a:p>
+            <a:pPr marL="0" lvl="3" indent="0">
+              <a:buNone/>
+            </a:pPr>
+            <a:endParaRPr lang="en-US" sz="1600" dirty="0">
+              <a:latin typeface="+mj-lt"/>
+            </a:endParaRPr>
+          </a:p>
+          <a:p>
+            <a:pPr marL="342900" lvl="3" indent="-342900">
+              <a:buFont typeface="+mj-lt"/>
+              <a:buAutoNum type="arabicPeriod"/>
+            </a:pPr>
+            <a:r>
+              <a:rPr lang="en-US" dirty="0"/>
+              <a:t>Z-Score</a:t>
+            </a:r>
+          </a:p>
+          <a:p>
+            <a:pPr marL="342900" lvl="3" indent="-342900">
+              <a:buFont typeface="+mj-lt"/>
+              <a:buAutoNum type="arabicPeriod"/>
+            </a:pPr>
+            <a:r>
+              <a:rPr lang="en-US" dirty="0" err="1"/>
+              <a:t>Statistische</a:t>
+            </a:r>
+            <a:r>
+              <a:rPr lang="en-US" dirty="0"/>
+              <a:t> Tests</a:t>
+            </a:r>
+          </a:p>
+          <a:p>
+            <a:pPr marL="342900" lvl="3" indent="-342900">
+              <a:buFont typeface="+mj-lt"/>
+              <a:buAutoNum type="arabicPeriod"/>
+            </a:pPr>
+            <a:r>
+              <a:rPr lang="de-DE" dirty="0" err="1"/>
+              <a:t>Binomial</a:t>
+            </a:r>
+            <a:r>
+              <a:rPr lang="de-DE" dirty="0"/>
+              <a:t> Proportion Tests</a:t>
+            </a:r>
+          </a:p>
+          <a:p>
+            <a:pPr marL="342900" lvl="3" indent="-342900">
+              <a:buFont typeface="+mj-lt"/>
+              <a:buAutoNum type="arabicPeriod"/>
+            </a:pPr>
+            <a:r>
+              <a:rPr lang="en-US" dirty="0" err="1"/>
+              <a:t>Strukturbruch-Analysen</a:t>
+            </a:r>
+            <a:endParaRPr lang="en-US" dirty="0"/>
+          </a:p>
+          <a:p>
+            <a:pPr marL="342900" lvl="3" indent="-342900">
+              <a:buFont typeface="+mj-lt"/>
+              <a:buAutoNum type="arabicPeriod"/>
+            </a:pPr>
+            <a:r>
+              <a:rPr lang="en-US" dirty="0"/>
+              <a:t>Red Flags</a:t>
+            </a:r>
+          </a:p>
+          <a:p>
+            <a:pPr marL="342900" lvl="3" indent="-342900">
+              <a:buFont typeface="+mj-lt"/>
+              <a:buAutoNum type="arabicPeriod"/>
+            </a:pPr>
+            <a:endParaRPr lang="en-US" dirty="0"/>
+          </a:p>
+          <a:p>
+            <a:pPr marL="0" lvl="3" indent="0">
+              <a:buNone/>
+            </a:pPr>
+            <a:r>
+              <a:rPr lang="en-US" b="1" dirty="0" err="1"/>
+              <a:t>Weitere</a:t>
+            </a:r>
+            <a:r>
+              <a:rPr lang="en-US" b="1" dirty="0"/>
+              <a:t> </a:t>
+            </a:r>
+            <a:r>
+              <a:rPr lang="en-US" b="1" dirty="0" err="1"/>
+              <a:t>Methoden</a:t>
+            </a:r>
+            <a:r>
+              <a:rPr lang="en-US" b="1" dirty="0"/>
+              <a:t>:</a:t>
+            </a:r>
+          </a:p>
+          <a:p>
+            <a:pPr marL="0" lvl="3" indent="0">
+              <a:buNone/>
+            </a:pPr>
+            <a:endParaRPr lang="en-US" b="1" dirty="0"/>
+          </a:p>
+          <a:p>
+            <a:pPr marL="342900" lvl="3" indent="-342900">
+              <a:buFont typeface="+mj-lt"/>
+              <a:buAutoNum type="arabicPeriod"/>
+            </a:pPr>
+            <a:r>
+              <a:rPr lang="en-US" dirty="0"/>
+              <a:t>Cluster-</a:t>
+            </a:r>
+            <a:r>
+              <a:rPr lang="en-US" dirty="0" err="1"/>
+              <a:t>Analysen</a:t>
+            </a:r>
+            <a:endParaRPr lang="en-US" dirty="0"/>
+          </a:p>
+          <a:p>
+            <a:pPr marL="342900" lvl="3" indent="-342900">
+              <a:buFont typeface="+mj-lt"/>
+              <a:buAutoNum type="arabicPeriod"/>
+            </a:pPr>
+            <a:r>
+              <a:rPr lang="en-US" dirty="0" err="1"/>
+              <a:t>Benfords</a:t>
+            </a:r>
+            <a:r>
+              <a:rPr lang="en-US" dirty="0"/>
+              <a:t> Law</a:t>
+            </a:r>
+          </a:p>
+          <a:p>
+            <a:pPr marL="0" lvl="3" indent="0">
+              <a:buNone/>
+            </a:pPr>
+            <a:endParaRPr lang="en-US" b="1" dirty="0"/>
+          </a:p>
+        </p:txBody>
+      </p:sp>
+      <p:sp>
+        <p:nvSpPr>
+          <p:cNvPr id="3" name="Datumsplatzhalter 2">
+            <a:extLst>
+              <a:ext uri="{FF2B5EF4-FFF2-40B4-BE49-F238E27FC236}">
+                <a16:creationId xmlns:a16="http://schemas.microsoft.com/office/drawing/2014/main" id="{3ED98866-83C2-4201-9AE9-05B894EC6A30}"/>
+              </a:ext>
+            </a:extLst>
+          </p:cNvPr>
+          <p:cNvSpPr>
+            <a:spLocks noGrp="1"/>
+          </p:cNvSpPr>
+          <p:nvPr>
+            <p:ph type="dt" sz="half" idx="16"/>
+          </p:nvPr>
+        </p:nvSpPr>
+        <p:spPr/>
+        <p:txBody>
+          <a:bodyPr/>
+          <a:lstStyle/>
+          <a:p>
+            <a:fld id="{4BDB264A-4676-45A5-B387-60439B46227D}" type="datetime1">
+              <a:rPr lang="de-DE" noProof="0" smtClean="0"/>
+              <a:t>02.11.2022</a:t>
+            </a:fld>
+            <a:endParaRPr lang="de-DE" noProof="0" dirty="0"/>
+          </a:p>
+        </p:txBody>
+      </p:sp>
+      <p:sp>
+        <p:nvSpPr>
+          <p:cNvPr id="4" name="Foliennummernplatzhalter 3">
+            <a:extLst>
+              <a:ext uri="{FF2B5EF4-FFF2-40B4-BE49-F238E27FC236}">
+                <a16:creationId xmlns:a16="http://schemas.microsoft.com/office/drawing/2014/main" id="{1719DB42-6477-42E5-A32A-2D13C6E5EB87}"/>
+              </a:ext>
+            </a:extLst>
+          </p:cNvPr>
+          <p:cNvSpPr>
+            <a:spLocks noGrp="1"/>
+          </p:cNvSpPr>
+          <p:nvPr>
+            <p:ph type="sldNum" sz="quarter" idx="18"/>
+          </p:nvPr>
+        </p:nvSpPr>
+        <p:spPr/>
+        <p:txBody>
+          <a:bodyPr/>
+          <a:lstStyle/>
+          <a:p>
+            <a:fld id="{3D81EE41-304C-41C3-8185-350F2275D756}" type="slidenum">
+              <a:rPr lang="de-DE" smtClean="0"/>
+              <a:pPr/>
+              <a:t>23</a:t>
+            </a:fld>
+            <a:endParaRPr lang="de-DE"/>
+          </a:p>
+        </p:txBody>
+      </p:sp>
+    </p:spTree>
+    <p:extLst>
+      <p:ext uri="{BB962C8B-B14F-4D97-AF65-F5344CB8AC3E}">
+        <p14:creationId xmlns:p14="http://schemas.microsoft.com/office/powerpoint/2010/main" val="197900804"/>
+      </p:ext>
+    </p:extLst>
+  </p:cSld>
+  <p:clrMapOvr>
+    <a:masterClrMapping/>
+  </p:clrMapOvr>
+</p:sld>
+</file>
+
 <file path=ppt/slides/slide24.xml><?xml version="1.0" encoding="utf-8"?>
 <p:sld xmlns:a="http://schemas.openxmlformats.org/drawingml/2006/main" xmlns:r="http://schemas.openxmlformats.org/officeDocument/2006/relationships" xmlns:p="http://schemas.openxmlformats.org/presentationml/2006/main">
   <p:cSld>
@@ -16053,7 +16130,7 @@
           <a:p>
             <a:fld id="{4BDB264A-4676-45A5-B387-60439B46227D}" type="datetime1">
               <a:rPr lang="de-DE" noProof="0" smtClean="0"/>
-              <a:t>30.10.2022</a:t>
+              <a:t>02.11.2022</a:t>
             </a:fld>
             <a:endParaRPr lang="de-DE" noProof="0" dirty="0"/>
           </a:p>
@@ -16301,8 +16378,15 @@
               <a:buNone/>
             </a:pPr>
             <a:r>
-              <a:rPr lang="de-DE" sz="1600" dirty="0"/>
-              <a:t>Nimmt die Zielvariable lediglich binäre Werte (0,1) an, spricht man von Klassifikation, sonst von Regression.</a:t>
+              <a:rPr lang="de-DE" dirty="0"/>
+              <a:t>Nimmt die Zielvariable lediglich binäre Werte (0,1) an,</a:t>
+            </a:r>
+            <a:br>
+              <a:rPr lang="de-DE" dirty="0"/>
+            </a:br>
+            <a:r>
+              <a:rPr lang="de-DE" dirty="0"/>
+              <a:t>spricht man von Klassifikation, sonst von Regression.</a:t>
             </a:r>
           </a:p>
         </p:txBody>
@@ -16330,7 +16414,7 @@
           <a:p>
             <a:fld id="{9DA7E581-D5A0-4DFE-A955-DF88D01DC1F0}" type="datetime1">
               <a:rPr lang="de-DE" noProof="0" smtClean="0"/>
-              <a:t>30.10.2022</a:t>
+              <a:t>02.11.2022</a:t>
             </a:fld>
             <a:endParaRPr lang="de-DE" noProof="0" dirty="0"/>
           </a:p>
@@ -16461,7 +16545,7 @@
           <p:nvPr>
             <p:extLst>
               <p:ext uri="{D42A27DB-BD31-4B8C-83A1-F6EECF244321}">
-                <p14:modId xmlns:p14="http://schemas.microsoft.com/office/powerpoint/2010/main" val="2890395649"/>
+                <p14:modId xmlns:p14="http://schemas.microsoft.com/office/powerpoint/2010/main" val="3968465340"/>
               </p:ext>
             </p:extLst>
           </p:nvPr>
@@ -16474,7 +16558,7 @@
           <a:graphicData uri="http://schemas.openxmlformats.org/presentationml/2006/ole">
             <mc:AlternateContent xmlns:mc="http://schemas.openxmlformats.org/markup-compatibility/2006">
               <mc:Choice xmlns:v="urn:schemas-microsoft-com:vml" Requires="v">
-                <p:oleObj spid="_x0000_s27651" name="Equation" r:id="rId4" imgW="981224" imgH="1133802" progId="Equation.DSMT4">
+                <p:oleObj spid="_x0000_s27667" name="Equation" r:id="rId4" imgW="981224" imgH="1133802" progId="Equation.DSMT4">
                   <p:embed/>
                 </p:oleObj>
               </mc:Choice>
@@ -16765,7 +16849,7 @@
           <a:p>
             <a:fld id="{9DA7E581-D5A0-4DFE-A955-DF88D01DC1F0}" type="datetime1">
               <a:rPr lang="de-DE" noProof="0" smtClean="0"/>
-              <a:t>30.10.2022</a:t>
+              <a:t>02.11.2022</a:t>
             </a:fld>
             <a:endParaRPr lang="de-DE" noProof="0" dirty="0"/>
           </a:p>
@@ -16898,7 +16982,7 @@
           <a:graphicData uri="http://schemas.openxmlformats.org/presentationml/2006/ole">
             <mc:AlternateContent xmlns:mc="http://schemas.openxmlformats.org/markup-compatibility/2006">
               <mc:Choice xmlns:v="urn:schemas-microsoft-com:vml" Requires="v">
-                <p:oleObj spid="_x0000_s28684" name="Equation" r:id="rId4" imgW="736560" imgH="228600" progId="Equation.DSMT4">
+                <p:oleObj spid="_x0000_s28844" name="Equation" r:id="rId4" imgW="736560" imgH="228600" progId="Equation.DSMT4">
                   <p:embed/>
                 </p:oleObj>
               </mc:Choice>
@@ -16971,7 +17055,7 @@
           <a:graphicData uri="http://schemas.openxmlformats.org/presentationml/2006/ole">
             <mc:AlternateContent xmlns:mc="http://schemas.openxmlformats.org/markup-compatibility/2006">
               <mc:Choice xmlns:v="urn:schemas-microsoft-com:vml" Requires="v">
-                <p:oleObj spid="_x0000_s28685" name="Equation" r:id="rId6" imgW="152280" imgH="228600" progId="Equation.DSMT4">
+                <p:oleObj spid="_x0000_s28845" name="Equation" r:id="rId6" imgW="152280" imgH="228600" progId="Equation.DSMT4">
                   <p:embed/>
                 </p:oleObj>
               </mc:Choice>
@@ -17040,7 +17124,7 @@
           <a:graphicData uri="http://schemas.openxmlformats.org/presentationml/2006/ole">
             <mc:AlternateContent xmlns:mc="http://schemas.openxmlformats.org/markup-compatibility/2006">
               <mc:Choice xmlns:v="urn:schemas-microsoft-com:vml" Requires="v">
-                <p:oleObj spid="_x0000_s28686" name="Equation" r:id="rId8" imgW="126720" imgH="139680" progId="Equation.DSMT4">
+                <p:oleObj spid="_x0000_s28846" name="Equation" r:id="rId8" imgW="126720" imgH="139680" progId="Equation.DSMT4">
                   <p:embed/>
                 </p:oleObj>
               </mc:Choice>
@@ -17109,7 +17193,7 @@
           <a:graphicData uri="http://schemas.openxmlformats.org/presentationml/2006/ole">
             <mc:AlternateContent xmlns:mc="http://schemas.openxmlformats.org/markup-compatibility/2006">
               <mc:Choice xmlns:v="urn:schemas-microsoft-com:vml" Requires="v">
-                <p:oleObj spid="_x0000_s28687" name="Equation" r:id="rId10" imgW="139680" imgH="228600" progId="Equation.DSMT4">
+                <p:oleObj spid="_x0000_s28847" name="Equation" r:id="rId10" imgW="139680" imgH="228600" progId="Equation.DSMT4">
                   <p:embed/>
                 </p:oleObj>
               </mc:Choice>
@@ -17178,7 +17262,7 @@
           <a:graphicData uri="http://schemas.openxmlformats.org/presentationml/2006/ole">
             <mc:AlternateContent xmlns:mc="http://schemas.openxmlformats.org/markup-compatibility/2006">
               <mc:Choice xmlns:v="urn:schemas-microsoft-com:vml" Requires="v">
-                <p:oleObj spid="_x0000_s28688" name="Equation" r:id="rId12" imgW="152280" imgH="228600" progId="Equation.DSMT4">
+                <p:oleObj spid="_x0000_s28848" name="Equation" r:id="rId12" imgW="152280" imgH="228600" progId="Equation.DSMT4">
                   <p:embed/>
                 </p:oleObj>
               </mc:Choice>
@@ -17247,7 +17331,7 @@
           <a:graphicData uri="http://schemas.openxmlformats.org/presentationml/2006/ole">
             <mc:AlternateContent xmlns:mc="http://schemas.openxmlformats.org/markup-compatibility/2006">
               <mc:Choice xmlns:v="urn:schemas-microsoft-com:vml" Requires="v">
-                <p:oleObj spid="_x0000_s28689" name="Equation" r:id="rId14" imgW="152280" imgH="228600" progId="Equation.DSMT4">
+                <p:oleObj spid="_x0000_s28849" name="Equation" r:id="rId14" imgW="152280" imgH="228600" progId="Equation.DSMT4">
                   <p:embed/>
                 </p:oleObj>
               </mc:Choice>
@@ -17316,7 +17400,7 @@
           <a:graphicData uri="http://schemas.openxmlformats.org/presentationml/2006/ole">
             <mc:AlternateContent xmlns:mc="http://schemas.openxmlformats.org/markup-compatibility/2006">
               <mc:Choice xmlns:v="urn:schemas-microsoft-com:vml" Requires="v">
-                <p:oleObj spid="_x0000_s28690" name="Equation" r:id="rId15" imgW="152280" imgH="228600" progId="Equation.DSMT4">
+                <p:oleObj spid="_x0000_s28850" name="Equation" r:id="rId15" imgW="152280" imgH="228600" progId="Equation.DSMT4">
                   <p:embed/>
                 </p:oleObj>
               </mc:Choice>
@@ -17385,7 +17469,7 @@
           <a:graphicData uri="http://schemas.openxmlformats.org/presentationml/2006/ole">
             <mc:AlternateContent xmlns:mc="http://schemas.openxmlformats.org/markup-compatibility/2006">
               <mc:Choice xmlns:v="urn:schemas-microsoft-com:vml" Requires="v">
-                <p:oleObj spid="_x0000_s28691" name="Equation" r:id="rId16" imgW="2515175" imgH="914531" progId="Equation.DSMT4">
+                <p:oleObj spid="_x0000_s28851" name="Equation" r:id="rId16" imgW="2515175" imgH="914531" progId="Equation.DSMT4">
                   <p:embed/>
                 </p:oleObj>
               </mc:Choice>
@@ -17505,7 +17589,7 @@
           <a:graphicData uri="http://schemas.openxmlformats.org/presentationml/2006/ole">
             <mc:AlternateContent xmlns:mc="http://schemas.openxmlformats.org/markup-compatibility/2006">
               <mc:Choice xmlns:v="urn:schemas-microsoft-com:vml" Requires="v">
-                <p:oleObj spid="_x0000_s28692" name="Equation" r:id="rId18" imgW="152280" imgH="139680" progId="Equation.DSMT4">
+                <p:oleObj spid="_x0000_s28852" name="Equation" r:id="rId18" imgW="152280" imgH="139680" progId="Equation.DSMT4">
                   <p:embed/>
                 </p:oleObj>
               </mc:Choice>
@@ -17574,7 +17658,7 @@
           <a:graphicData uri="http://schemas.openxmlformats.org/presentationml/2006/ole">
             <mc:AlternateContent xmlns:mc="http://schemas.openxmlformats.org/markup-compatibility/2006">
               <mc:Choice xmlns:v="urn:schemas-microsoft-com:vml" Requires="v">
-                <p:oleObj spid="_x0000_s28693" name="Equation" r:id="rId20" imgW="1371914" imgH="457265" progId="Equation.DSMT4">
+                <p:oleObj spid="_x0000_s28853" name="Equation" r:id="rId20" imgW="1371914" imgH="457265" progId="Equation.DSMT4">
                   <p:embed/>
                 </p:oleObj>
               </mc:Choice>
@@ -17819,7 +17903,7 @@
           <a:p>
             <a:fld id="{9DA7E581-D5A0-4DFE-A955-DF88D01DC1F0}" type="datetime1">
               <a:rPr lang="de-DE" noProof="0" smtClean="0"/>
-              <a:t>30.10.2022</a:t>
+              <a:t>02.11.2022</a:t>
             </a:fld>
             <a:endParaRPr lang="de-DE" noProof="0" dirty="0"/>
           </a:p>
@@ -17883,7 +17967,7 @@
           <a:graphicData uri="http://schemas.openxmlformats.org/presentationml/2006/ole">
             <mc:AlternateContent xmlns:mc="http://schemas.openxmlformats.org/markup-compatibility/2006">
               <mc:Choice xmlns:v="urn:schemas-microsoft-com:vml" Requires="v">
-                <p:oleObj spid="_x0000_s29704" name="Equation" r:id="rId3" imgW="1473120" imgH="253800" progId="Equation.DSMT4">
+                <p:oleObj spid="_x0000_s29800" name="Equation" r:id="rId3" imgW="1473120" imgH="253800" progId="Equation.DSMT4">
                   <p:embed/>
                 </p:oleObj>
               </mc:Choice>
@@ -17956,7 +18040,7 @@
           <a:graphicData uri="http://schemas.openxmlformats.org/presentationml/2006/ole">
             <mc:AlternateContent xmlns:mc="http://schemas.openxmlformats.org/markup-compatibility/2006">
               <mc:Choice xmlns:v="urn:schemas-microsoft-com:vml" Requires="v">
-                <p:oleObj spid="_x0000_s29705" name="Equation" r:id="rId5" imgW="152280" imgH="228600" progId="Equation.DSMT4">
+                <p:oleObj spid="_x0000_s29801" name="Equation" r:id="rId5" imgW="152280" imgH="228600" progId="Equation.DSMT4">
                   <p:embed/>
                 </p:oleObj>
               </mc:Choice>
@@ -18025,7 +18109,7 @@
           <a:graphicData uri="http://schemas.openxmlformats.org/presentationml/2006/ole">
             <mc:AlternateContent xmlns:mc="http://schemas.openxmlformats.org/markup-compatibility/2006">
               <mc:Choice xmlns:v="urn:schemas-microsoft-com:vml" Requires="v">
-                <p:oleObj spid="_x0000_s29706" name="Equation" r:id="rId7" imgW="152280" imgH="228600" progId="Equation.DSMT4">
+                <p:oleObj spid="_x0000_s29802" name="Equation" r:id="rId7" imgW="152280" imgH="228600" progId="Equation.DSMT4">
                   <p:embed/>
                 </p:oleObj>
               </mc:Choice>
@@ -18094,7 +18178,7 @@
           <a:graphicData uri="http://schemas.openxmlformats.org/presentationml/2006/ole">
             <mc:AlternateContent xmlns:mc="http://schemas.openxmlformats.org/markup-compatibility/2006">
               <mc:Choice xmlns:v="urn:schemas-microsoft-com:vml" Requires="v">
-                <p:oleObj spid="_x0000_s29707" name="Equation" r:id="rId9" imgW="126720" imgH="139680" progId="Equation.DSMT4">
+                <p:oleObj spid="_x0000_s29803" name="Equation" r:id="rId9" imgW="126720" imgH="139680" progId="Equation.DSMT4">
                   <p:embed/>
                 </p:oleObj>
               </mc:Choice>
@@ -18163,7 +18247,7 @@
           <a:graphicData uri="http://schemas.openxmlformats.org/presentationml/2006/ole">
             <mc:AlternateContent xmlns:mc="http://schemas.openxmlformats.org/markup-compatibility/2006">
               <mc:Choice xmlns:v="urn:schemas-microsoft-com:vml" Requires="v">
-                <p:oleObj spid="_x0000_s29708" name="Equation" r:id="rId11" imgW="139680" imgH="228600" progId="Equation.DSMT4">
+                <p:oleObj spid="_x0000_s29804" name="Equation" r:id="rId11" imgW="139680" imgH="228600" progId="Equation.DSMT4">
                   <p:embed/>
                 </p:oleObj>
               </mc:Choice>
@@ -18249,25 +18333,25 @@
           <p:nvPr>
             <p:extLst>
               <p:ext uri="{D42A27DB-BD31-4B8C-83A1-F6EECF244321}">
-                <p14:modId xmlns:p14="http://schemas.microsoft.com/office/powerpoint/2010/main" val="12613366"/>
+                <p14:modId xmlns:p14="http://schemas.microsoft.com/office/powerpoint/2010/main" val="2916907324"/>
               </p:ext>
             </p:extLst>
           </p:nvPr>
         </p:nvGraphicFramePr>
         <p:xfrm>
-          <a:off x="322263" y="5033963"/>
-          <a:ext cx="5157787" cy="379412"/>
+          <a:off x="555625" y="5043294"/>
+          <a:ext cx="5118100" cy="379412"/>
         </p:xfrm>
         <a:graphic>
           <a:graphicData uri="http://schemas.openxmlformats.org/presentationml/2006/ole">
             <mc:AlternateContent xmlns:mc="http://schemas.openxmlformats.org/markup-compatibility/2006">
               <mc:Choice xmlns:v="urn:schemas-microsoft-com:vml" Requires="v">
-                <p:oleObj spid="_x0000_s29709" name="Equation" r:id="rId14" imgW="3263760" imgH="241200" progId="Equation.DSMT4">
+                <p:oleObj spid="_x0000_s29805" name="Equation" r:id="rId14" imgW="3238200" imgH="241200" progId="Equation.DSMT4">
                   <p:embed/>
                 </p:oleObj>
               </mc:Choice>
               <mc:Fallback>
-                <p:oleObj name="Equation" r:id="rId14" imgW="3263760" imgH="241200" progId="Equation.DSMT4">
+                <p:oleObj name="Equation" r:id="rId14" imgW="3238200" imgH="241200" progId="Equation.DSMT4">
                   <p:embed/>
                   <p:pic>
                     <p:nvPicPr>
@@ -18289,8 +18373,8 @@
                     </p:blipFill>
                     <p:spPr>
                       <a:xfrm>
-                        <a:off x="322263" y="5033963"/>
-                        <a:ext cx="5157787" cy="379412"/>
+                        <a:off x="555625" y="5043294"/>
+                        <a:ext cx="5118100" cy="379412"/>
                       </a:xfrm>
                       <a:prstGeom prst="rect">
                         <a:avLst/>
@@ -18559,6 +18643,71 @@
       </p:grpSpPr>
       <p:sp>
         <p:nvSpPr>
+          <p:cNvPr id="8" name="Rechteck 7">
+            <a:extLst>
+              <a:ext uri="{FF2B5EF4-FFF2-40B4-BE49-F238E27FC236}">
+                <a16:creationId xmlns:a16="http://schemas.microsoft.com/office/drawing/2014/main" id="{0A02846C-C1DA-4851-B45B-FEA53FED79B0}"/>
+              </a:ext>
+            </a:extLst>
+          </p:cNvPr>
+          <p:cNvSpPr/>
+          <p:nvPr/>
+        </p:nvSpPr>
+        <p:spPr>
+          <a:xfrm>
+            <a:off x="1574800" y="3789680"/>
+            <a:ext cx="1513840" cy="548640"/>
+          </a:xfrm>
+          <a:prstGeom prst="rect">
+            <a:avLst/>
+          </a:prstGeom>
+          <a:noFill/>
+          <a:ln w="19050">
+            <a:solidFill>
+              <a:schemeClr val="tx2"/>
+            </a:solidFill>
+          </a:ln>
+        </p:spPr>
+        <p:style>
+          <a:lnRef idx="2">
+            <a:schemeClr val="accent1">
+              <a:shade val="50000"/>
+            </a:schemeClr>
+          </a:lnRef>
+          <a:fillRef idx="1">
+            <a:schemeClr val="accent1"/>
+          </a:fillRef>
+          <a:effectRef idx="0">
+            <a:schemeClr val="accent1"/>
+          </a:effectRef>
+          <a:fontRef idx="minor">
+            <a:schemeClr val="lt1"/>
+          </a:fontRef>
+        </p:style>
+        <p:txBody>
+          <a:bodyPr lIns="108000" tIns="108000" rIns="108000" bIns="108000" rtlCol="0" anchor="ctr"/>
+          <a:lstStyle/>
+          <a:p>
+            <a:pPr marL="180000" indent="-180000" algn="l">
+              <a:lnSpc>
+                <a:spcPts val="1960"/>
+              </a:lnSpc>
+              <a:buClr>
+                <a:schemeClr val="accent1"/>
+              </a:buClr>
+              <a:buFont typeface="Wingdings" panose="05000000000000000000" pitchFamily="2" charset="2"/>
+              <a:buChar char="§"/>
+            </a:pPr>
+            <a:endParaRPr lang="en-US" sz="1400" dirty="0">
+              <a:solidFill>
+                <a:schemeClr val="tx1"/>
+              </a:solidFill>
+            </a:endParaRPr>
+          </a:p>
+        </p:txBody>
+      </p:sp>
+      <p:sp>
+        <p:nvSpPr>
           <p:cNvPr id="2" name="Titel 1">
             <a:extLst>
               <a:ext uri="{FF2B5EF4-FFF2-40B4-BE49-F238E27FC236}">
@@ -18747,7 +18896,7 @@
           <a:p>
             <a:fld id="{9DA7E581-D5A0-4DFE-A955-DF88D01DC1F0}" type="datetime1">
               <a:rPr lang="de-DE" noProof="0" smtClean="0"/>
-              <a:t>30.10.2022</a:t>
+              <a:t>02.11.2022</a:t>
             </a:fld>
             <a:endParaRPr lang="de-DE" noProof="0" dirty="0"/>
           </a:p>
@@ -18811,7 +18960,7 @@
           <a:graphicData uri="http://schemas.openxmlformats.org/presentationml/2006/ole">
             <mc:AlternateContent xmlns:mc="http://schemas.openxmlformats.org/markup-compatibility/2006">
               <mc:Choice xmlns:v="urn:schemas-microsoft-com:vml" Requires="v">
-                <p:oleObj spid="_x0000_s30725" name="Equation" r:id="rId3" imgW="2298600" imgH="228600" progId="Equation.DSMT4">
+                <p:oleObj spid="_x0000_s30773" name="Equation" r:id="rId3" imgW="2298600" imgH="228600" progId="Equation.DSMT4">
                   <p:embed/>
                 </p:oleObj>
               </mc:Choice>
@@ -18880,7 +19029,7 @@
           <a:graphicData uri="http://schemas.openxmlformats.org/presentationml/2006/ole">
             <mc:AlternateContent xmlns:mc="http://schemas.openxmlformats.org/markup-compatibility/2006">
               <mc:Choice xmlns:v="urn:schemas-microsoft-com:vml" Requires="v">
-                <p:oleObj spid="_x0000_s30726" name="Equation" r:id="rId5" imgW="330120" imgH="203040" progId="Equation.DSMT4">
+                <p:oleObj spid="_x0000_s30774" name="Equation" r:id="rId5" imgW="330120" imgH="203040" progId="Equation.DSMT4">
                   <p:embed/>
                 </p:oleObj>
               </mc:Choice>
@@ -18949,7 +19098,7 @@
           <a:graphicData uri="http://schemas.openxmlformats.org/presentationml/2006/ole">
             <mc:AlternateContent xmlns:mc="http://schemas.openxmlformats.org/markup-compatibility/2006">
               <mc:Choice xmlns:v="urn:schemas-microsoft-com:vml" Requires="v">
-                <p:oleObj spid="_x0000_s30727" name="Equation" r:id="rId7" imgW="330120" imgH="203040" progId="Equation.DSMT4">
+                <p:oleObj spid="_x0000_s30775" name="Equation" r:id="rId7" imgW="330120" imgH="203040" progId="Equation.DSMT4">
                   <p:embed/>
                 </p:oleObj>
               </mc:Choice>
@@ -19060,6 +19209,201 @@
           </a:p>
         </p:txBody>
       </p:sp>
+      <p:sp>
+        <p:nvSpPr>
+          <p:cNvPr id="14" name="Rechteck 13">
+            <a:extLst>
+              <a:ext uri="{FF2B5EF4-FFF2-40B4-BE49-F238E27FC236}">
+                <a16:creationId xmlns:a16="http://schemas.microsoft.com/office/drawing/2014/main" id="{5127D264-4603-4F58-A9E6-8BE4D42BBCF1}"/>
+              </a:ext>
+            </a:extLst>
+          </p:cNvPr>
+          <p:cNvSpPr/>
+          <p:nvPr/>
+        </p:nvSpPr>
+        <p:spPr>
+          <a:xfrm>
+            <a:off x="3413760" y="3779520"/>
+            <a:ext cx="1513840" cy="548640"/>
+          </a:xfrm>
+          <a:prstGeom prst="rect">
+            <a:avLst/>
+          </a:prstGeom>
+          <a:noFill/>
+          <a:ln w="19050">
+            <a:solidFill>
+              <a:schemeClr val="accent4"/>
+            </a:solidFill>
+          </a:ln>
+        </p:spPr>
+        <p:style>
+          <a:lnRef idx="2">
+            <a:schemeClr val="accent1">
+              <a:shade val="50000"/>
+            </a:schemeClr>
+          </a:lnRef>
+          <a:fillRef idx="1">
+            <a:schemeClr val="accent1"/>
+          </a:fillRef>
+          <a:effectRef idx="0">
+            <a:schemeClr val="accent1"/>
+          </a:effectRef>
+          <a:fontRef idx="minor">
+            <a:schemeClr val="lt1"/>
+          </a:fontRef>
+        </p:style>
+        <p:txBody>
+          <a:bodyPr lIns="108000" tIns="108000" rIns="108000" bIns="108000" rtlCol="0" anchor="ctr"/>
+          <a:lstStyle/>
+          <a:p>
+            <a:pPr marL="180000" indent="-180000" algn="l">
+              <a:lnSpc>
+                <a:spcPts val="1960"/>
+              </a:lnSpc>
+              <a:buClr>
+                <a:schemeClr val="accent1"/>
+              </a:buClr>
+              <a:buFont typeface="Wingdings" panose="05000000000000000000" pitchFamily="2" charset="2"/>
+              <a:buChar char="§"/>
+            </a:pPr>
+            <a:endParaRPr lang="en-US" sz="1400" dirty="0">
+              <a:solidFill>
+                <a:schemeClr val="tx1"/>
+              </a:solidFill>
+            </a:endParaRPr>
+          </a:p>
+        </p:txBody>
+      </p:sp>
+      <p:sp>
+        <p:nvSpPr>
+          <p:cNvPr id="15" name="Rechteck 14">
+            <a:extLst>
+              <a:ext uri="{FF2B5EF4-FFF2-40B4-BE49-F238E27FC236}">
+                <a16:creationId xmlns:a16="http://schemas.microsoft.com/office/drawing/2014/main" id="{AF47B450-A34D-4744-9D82-64F5458AADAC}"/>
+              </a:ext>
+            </a:extLst>
+          </p:cNvPr>
+          <p:cNvSpPr/>
+          <p:nvPr/>
+        </p:nvSpPr>
+        <p:spPr>
+          <a:xfrm>
+            <a:off x="6406689" y="2436883"/>
+            <a:ext cx="4994157" cy="759814"/>
+          </a:xfrm>
+          <a:prstGeom prst="rect">
+            <a:avLst/>
+          </a:prstGeom>
+          <a:noFill/>
+          <a:ln w="19050">
+            <a:solidFill>
+              <a:schemeClr val="accent4"/>
+            </a:solidFill>
+          </a:ln>
+        </p:spPr>
+        <p:style>
+          <a:lnRef idx="2">
+            <a:schemeClr val="accent1">
+              <a:shade val="50000"/>
+            </a:schemeClr>
+          </a:lnRef>
+          <a:fillRef idx="1">
+            <a:schemeClr val="accent1"/>
+          </a:fillRef>
+          <a:effectRef idx="0">
+            <a:schemeClr val="accent1"/>
+          </a:effectRef>
+          <a:fontRef idx="minor">
+            <a:schemeClr val="lt1"/>
+          </a:fontRef>
+        </p:style>
+        <p:txBody>
+          <a:bodyPr lIns="108000" tIns="108000" rIns="108000" bIns="108000" rtlCol="0" anchor="ctr"/>
+          <a:lstStyle/>
+          <a:p>
+            <a:pPr marL="180000" indent="-180000" algn="l">
+              <a:lnSpc>
+                <a:spcPts val="1960"/>
+              </a:lnSpc>
+              <a:buClr>
+                <a:schemeClr val="accent1"/>
+              </a:buClr>
+              <a:buFont typeface="Wingdings" panose="05000000000000000000" pitchFamily="2" charset="2"/>
+              <a:buChar char="§"/>
+            </a:pPr>
+            <a:endParaRPr lang="en-US" sz="1400" dirty="0">
+              <a:solidFill>
+                <a:schemeClr val="tx1"/>
+              </a:solidFill>
+            </a:endParaRPr>
+          </a:p>
+        </p:txBody>
+      </p:sp>
+      <p:sp>
+        <p:nvSpPr>
+          <p:cNvPr id="16" name="Rechteck 15">
+            <a:extLst>
+              <a:ext uri="{FF2B5EF4-FFF2-40B4-BE49-F238E27FC236}">
+                <a16:creationId xmlns:a16="http://schemas.microsoft.com/office/drawing/2014/main" id="{D5DFCD66-16E7-4062-BB00-44921F18B9F4}"/>
+              </a:ext>
+            </a:extLst>
+          </p:cNvPr>
+          <p:cNvSpPr/>
+          <p:nvPr/>
+        </p:nvSpPr>
+        <p:spPr>
+          <a:xfrm>
+            <a:off x="6402216" y="3505199"/>
+            <a:ext cx="4994157" cy="688757"/>
+          </a:xfrm>
+          <a:prstGeom prst="rect">
+            <a:avLst/>
+          </a:prstGeom>
+          <a:noFill/>
+          <a:ln w="19050">
+            <a:solidFill>
+              <a:schemeClr val="tx2"/>
+            </a:solidFill>
+          </a:ln>
+        </p:spPr>
+        <p:style>
+          <a:lnRef idx="2">
+            <a:schemeClr val="accent1">
+              <a:shade val="50000"/>
+            </a:schemeClr>
+          </a:lnRef>
+          <a:fillRef idx="1">
+            <a:schemeClr val="accent1"/>
+          </a:fillRef>
+          <a:effectRef idx="0">
+            <a:schemeClr val="accent1"/>
+          </a:effectRef>
+          <a:fontRef idx="minor">
+            <a:schemeClr val="lt1"/>
+          </a:fontRef>
+        </p:style>
+        <p:txBody>
+          <a:bodyPr lIns="108000" tIns="108000" rIns="108000" bIns="108000" rtlCol="0" anchor="ctr"/>
+          <a:lstStyle/>
+          <a:p>
+            <a:pPr marL="180000" indent="-180000" algn="l">
+              <a:lnSpc>
+                <a:spcPts val="1960"/>
+              </a:lnSpc>
+              <a:buClr>
+                <a:schemeClr val="accent1"/>
+              </a:buClr>
+              <a:buFont typeface="Wingdings" panose="05000000000000000000" pitchFamily="2" charset="2"/>
+              <a:buChar char="§"/>
+            </a:pPr>
+            <a:endParaRPr lang="en-US" sz="1400" dirty="0">
+              <a:solidFill>
+                <a:schemeClr val="tx1"/>
+              </a:solidFill>
+            </a:endParaRPr>
+          </a:p>
+        </p:txBody>
+      </p:sp>
     </p:spTree>
     <p:extLst>
       <p:ext uri="{BB962C8B-B14F-4D97-AF65-F5344CB8AC3E}">
@@ -19224,15 +19568,7 @@
             <a:pPr lvl="1"/>
             <a:r>
               <a:rPr lang="de-DE" dirty="0"/>
-              <a:t>Nach 1000 Tests werden 210-300 erfundene Tests mit negativen Ergebnissen dazu gemischt, danach </a:t>
-            </a:r>
-            <a:r>
-              <a:rPr lang="de-DE" dirty="0" err="1"/>
-              <a:t>werdenwieder</a:t>
-            </a:r>
-            <a:r>
-              <a:rPr lang="de-DE" dirty="0"/>
-              <a:t> 700-790 Personen richtig getestet.</a:t>
+              <a:t>Nach 1000 Tests werden 210-300 erfundene Tests mit negativen Ergebnissen dazu gemischt, danach werden wieder 700-790 Personen richtig getestet.</a:t>
             </a:r>
           </a:p>
           <a:p>
@@ -19274,7 +19610,7 @@
           <a:p>
             <a:fld id="{9DA7E581-D5A0-4DFE-A955-DF88D01DC1F0}" type="datetime1">
               <a:rPr lang="de-DE" noProof="0" smtClean="0"/>
-              <a:t>30.10.2022</a:t>
+              <a:t>02.11.2022</a:t>
             </a:fld>
             <a:endParaRPr lang="de-DE" noProof="0" dirty="0"/>
           </a:p>
@@ -19372,10 +19708,10 @@
       </p:grpSpPr>
       <p:sp>
         <p:nvSpPr>
-          <p:cNvPr id="9" name="Textplatzhalter 8">
-            <a:extLst>
-              <a:ext uri="{FF2B5EF4-FFF2-40B4-BE49-F238E27FC236}">
-                <a16:creationId xmlns:a16="http://schemas.microsoft.com/office/drawing/2014/main" id="{BE4341DE-213A-4BD4-865C-F2EC55F75294}"/>
+          <p:cNvPr id="9" name="Titel 8">
+            <a:extLst>
+              <a:ext uri="{FF2B5EF4-FFF2-40B4-BE49-F238E27FC236}">
+                <a16:creationId xmlns:a16="http://schemas.microsoft.com/office/drawing/2014/main" id="{2A1A7EC8-5C82-41DD-A039-4C70FBACFB47}"/>
               </a:ext>
             </a:extLst>
           </p:cNvPr>
@@ -19383,13 +19719,70 @@
             <a:spLocks noGrp="1"/>
           </p:cNvSpPr>
           <p:nvPr>
-            <p:ph type="body" sz="quarter" idx="11"/>
+            <p:ph type="title"/>
+          </p:nvPr>
+        </p:nvSpPr>
+        <p:spPr/>
+        <p:txBody>
+          <a:bodyPr/>
+          <a:lstStyle/>
+          <a:p>
+            <a:r>
+              <a:rPr lang="de-DE" dirty="0"/>
+              <a:t>Was zeichnet Betrug und Betrüger aus?</a:t>
+            </a:r>
+            <a:endParaRPr lang="en-US" dirty="0"/>
+          </a:p>
+        </p:txBody>
+      </p:sp>
+      <p:sp>
+        <p:nvSpPr>
+          <p:cNvPr id="10" name="Textplatzhalter 9">
+            <a:extLst>
+              <a:ext uri="{FF2B5EF4-FFF2-40B4-BE49-F238E27FC236}">
+                <a16:creationId xmlns:a16="http://schemas.microsoft.com/office/drawing/2014/main" id="{80B952C5-D9B6-4456-A584-C1DD639DC6C1}"/>
+              </a:ext>
+            </a:extLst>
+          </p:cNvPr>
+          <p:cNvSpPr>
+            <a:spLocks noGrp="1"/>
+          </p:cNvSpPr>
+          <p:nvPr>
+            <p:ph type="body" sz="quarter" idx="13"/>
+          </p:nvPr>
+        </p:nvSpPr>
+        <p:spPr/>
+        <p:txBody>
+          <a:bodyPr/>
+          <a:lstStyle/>
+          <a:p>
+            <a:r>
+              <a:rPr lang="en-US" dirty="0"/>
+              <a:t>Definition</a:t>
+            </a:r>
+          </a:p>
+        </p:txBody>
+      </p:sp>
+      <p:sp>
+        <p:nvSpPr>
+          <p:cNvPr id="11" name="Textplatzhalter 10">
+            <a:extLst>
+              <a:ext uri="{FF2B5EF4-FFF2-40B4-BE49-F238E27FC236}">
+                <a16:creationId xmlns:a16="http://schemas.microsoft.com/office/drawing/2014/main" id="{58563BC4-08AF-41ED-BBA3-EB81A2C2EAC2}"/>
+              </a:ext>
+            </a:extLst>
+          </p:cNvPr>
+          <p:cNvSpPr>
+            <a:spLocks noGrp="1"/>
+          </p:cNvSpPr>
+          <p:nvPr>
+            <p:ph type="body" sz="quarter" idx="14"/>
           </p:nvPr>
         </p:nvSpPr>
         <p:spPr>
           <a:xfrm>
-            <a:off x="478198" y="1999174"/>
-            <a:ext cx="7346583" cy="446532"/>
+            <a:off x="478199" y="1703388"/>
+            <a:ext cx="5437188" cy="4046429"/>
           </a:xfrm>
         </p:spPr>
         <p:txBody>
@@ -19397,9 +19790,226 @@
           <a:lstStyle/>
           <a:p>
             <a:r>
-              <a:rPr lang="en-US" sz="2800" dirty="0" err="1"/>
-              <a:t>Problemstellung</a:t>
-            </a:r>
+              <a:rPr lang="de-DE" dirty="0"/>
+              <a:t>Betrug</a:t>
+            </a:r>
+          </a:p>
+          <a:p>
+            <a:pPr lvl="1"/>
+            <a:r>
+              <a:rPr lang="de-DE" dirty="0"/>
+              <a:t>Betrug ist ein ungewöhnliches, gut durchdachtes, unmerklich verborgenes, sich mit der Zeit entwickelndes und oft sorgfältig organisiertes Verbrechen, das in den unterschiedlichsten Formen auftritt.</a:t>
+            </a:r>
+          </a:p>
+          <a:p>
+            <a:r>
+              <a:rPr lang="de-DE" dirty="0"/>
+              <a:t>Betrüger</a:t>
+            </a:r>
+          </a:p>
+          <a:p>
+            <a:pPr lvl="1"/>
+            <a:r>
+              <a:rPr lang="de-DE" dirty="0"/>
+              <a:t>… lernen bestehende Unternehmensregeln, z.B. über Trial &amp; Error. </a:t>
+            </a:r>
+          </a:p>
+          <a:p>
+            <a:pPr lvl="1"/>
+            <a:r>
+              <a:rPr lang="de-DE" dirty="0"/>
+              <a:t>… teilen ihr Wissen über erfolgreiche betrügerische Handlungen</a:t>
+            </a:r>
+          </a:p>
+          <a:p>
+            <a:pPr lvl="3"/>
+            <a:r>
+              <a:rPr lang="de-DE" sz="1000" dirty="0" err="1"/>
+              <a:t>Baesens</a:t>
+            </a:r>
+            <a:r>
+              <a:rPr lang="de-DE" sz="1000" dirty="0"/>
+              <a:t>, B., Van </a:t>
+            </a:r>
+            <a:r>
+              <a:rPr lang="de-DE" sz="1000" dirty="0" err="1"/>
+              <a:t>Vlasselaer</a:t>
+            </a:r>
+            <a:r>
+              <a:rPr lang="de-DE" sz="1000" dirty="0"/>
+              <a:t>, V., </a:t>
+            </a:r>
+            <a:r>
+              <a:rPr lang="de-DE" sz="1000" dirty="0" err="1"/>
+              <a:t>Verbeke</a:t>
+            </a:r>
+            <a:r>
+              <a:rPr lang="de-DE" sz="1000" dirty="0"/>
+              <a:t>, W. (2015). Fraud Analytics </a:t>
+            </a:r>
+            <a:r>
+              <a:rPr lang="de-DE" sz="1000" dirty="0" err="1"/>
+              <a:t>Using</a:t>
+            </a:r>
+            <a:r>
+              <a:rPr lang="de-DE" sz="1000" dirty="0"/>
+              <a:t> </a:t>
+            </a:r>
+            <a:r>
+              <a:rPr lang="de-DE" sz="1000" dirty="0" err="1"/>
+              <a:t>Descriptive</a:t>
+            </a:r>
+            <a:r>
+              <a:rPr lang="de-DE" sz="1000" dirty="0"/>
+              <a:t>, </a:t>
+            </a:r>
+            <a:r>
+              <a:rPr lang="de-DE" sz="1000" dirty="0" err="1"/>
+              <a:t>Predictive</a:t>
+            </a:r>
+            <a:r>
+              <a:rPr lang="de-DE" sz="1000" dirty="0"/>
+              <a:t>, and </a:t>
+            </a:r>
+            <a:r>
+              <a:rPr lang="de-DE" sz="1000" dirty="0" err="1"/>
+              <a:t>Social</a:t>
+            </a:r>
+            <a:r>
+              <a:rPr lang="de-DE" sz="1000" dirty="0"/>
+              <a:t> Network </a:t>
+            </a:r>
+            <a:r>
+              <a:rPr lang="de-DE" sz="1000" dirty="0" err="1"/>
+              <a:t>Techniques</a:t>
+            </a:r>
+            <a:r>
+              <a:rPr lang="de-DE" sz="1000" dirty="0"/>
+              <a:t>: A Guide </a:t>
+            </a:r>
+            <a:r>
+              <a:rPr lang="de-DE" sz="1000" dirty="0" err="1"/>
+              <a:t>to</a:t>
+            </a:r>
+            <a:r>
+              <a:rPr lang="de-DE" sz="1000" dirty="0"/>
+              <a:t> Data Science </a:t>
+            </a:r>
+            <a:r>
+              <a:rPr lang="de-DE" sz="1000" dirty="0" err="1"/>
+              <a:t>for</a:t>
+            </a:r>
+            <a:r>
+              <a:rPr lang="de-DE" sz="1000" dirty="0"/>
+              <a:t> Fraud </a:t>
+            </a:r>
+            <a:r>
+              <a:rPr lang="de-DE" sz="1000" dirty="0" err="1"/>
+              <a:t>Detection</a:t>
+            </a:r>
+            <a:r>
+              <a:rPr lang="de-DE" sz="1000" dirty="0"/>
+              <a:t>. Vereinigtes Königreich: Wiley.</a:t>
+            </a:r>
+          </a:p>
+          <a:p>
+            <a:endParaRPr lang="de-DE" dirty="0"/>
+          </a:p>
+        </p:txBody>
+      </p:sp>
+      <p:sp>
+        <p:nvSpPr>
+          <p:cNvPr id="12" name="Textplatzhalter 11">
+            <a:extLst>
+              <a:ext uri="{FF2B5EF4-FFF2-40B4-BE49-F238E27FC236}">
+                <a16:creationId xmlns:a16="http://schemas.microsoft.com/office/drawing/2014/main" id="{CB4EC74B-75EC-4B99-860A-B3A522EC8B9F}"/>
+              </a:ext>
+            </a:extLst>
+          </p:cNvPr>
+          <p:cNvSpPr>
+            <a:spLocks noGrp="1"/>
+          </p:cNvSpPr>
+          <p:nvPr>
+            <p:ph type="body" sz="quarter" idx="15"/>
+          </p:nvPr>
+        </p:nvSpPr>
+        <p:spPr>
+          <a:xfrm>
+            <a:off x="6275388" y="1703388"/>
+            <a:ext cx="5437187" cy="2496261"/>
+          </a:xfrm>
+        </p:spPr>
+        <p:txBody>
+          <a:bodyPr/>
+          <a:lstStyle/>
+          <a:p>
+            <a:pPr marL="0" lvl="3" indent="0">
+              <a:buNone/>
+            </a:pPr>
+            <a:r>
+              <a:rPr lang="de-DE" sz="1600" dirty="0">
+                <a:latin typeface="+mj-lt"/>
+              </a:rPr>
+              <a:t>Einige Betrugskategorien</a:t>
+            </a:r>
+          </a:p>
+          <a:p>
+            <a:pPr marL="0" lvl="3" indent="0">
+              <a:buNone/>
+            </a:pPr>
+            <a:endParaRPr lang="de-DE" sz="1600" dirty="0">
+              <a:latin typeface="+mj-lt"/>
+            </a:endParaRPr>
+          </a:p>
+          <a:p>
+            <a:pPr lvl="3"/>
+            <a:r>
+              <a:rPr lang="de-DE" sz="1400" dirty="0">
+                <a:latin typeface="+mn-lt"/>
+              </a:rPr>
+              <a:t>Kreditkartenbetrug:		z.B. Identitätsdiebstahl</a:t>
+            </a:r>
+          </a:p>
+          <a:p>
+            <a:pPr lvl="3"/>
+            <a:r>
+              <a:rPr lang="de-DE" sz="1400" dirty="0">
+                <a:latin typeface="+mn-lt"/>
+              </a:rPr>
+              <a:t>Versicherungsbetrug:		z.B. gefälschte Rezepte</a:t>
+            </a:r>
+          </a:p>
+          <a:p>
+            <a:pPr lvl="3"/>
+            <a:r>
+              <a:rPr lang="de-DE" sz="1400" dirty="0">
+                <a:latin typeface="+mn-lt"/>
+              </a:rPr>
+              <a:t>Steuerhinterziehung:		z.B. Cum-Ex</a:t>
+            </a:r>
+          </a:p>
+          <a:p>
+            <a:pPr lvl="3"/>
+            <a:r>
+              <a:rPr lang="de-DE" sz="1400" dirty="0">
+                <a:latin typeface="+mn-lt"/>
+              </a:rPr>
+              <a:t>Geldwäsche:		z.B. gefälschte Abrechnungen </a:t>
+            </a:r>
+          </a:p>
+          <a:p>
+            <a:pPr lvl="3"/>
+            <a:r>
+              <a:rPr lang="de-DE" sz="1400" dirty="0">
+                <a:latin typeface="+mn-lt"/>
+              </a:rPr>
+              <a:t>Bilanzfälschung:		z.B. Wirecard</a:t>
+            </a:r>
+          </a:p>
+          <a:p>
+            <a:endParaRPr lang="de-DE" dirty="0"/>
+          </a:p>
+          <a:p>
             <a:endParaRPr lang="en-US" dirty="0"/>
           </a:p>
         </p:txBody>
@@ -19409,7 +20019,7 @@
           <p:cNvPr id="6" name="Datumsplatzhalter 5">
             <a:extLst>
               <a:ext uri="{FF2B5EF4-FFF2-40B4-BE49-F238E27FC236}">
-                <a16:creationId xmlns:a16="http://schemas.microsoft.com/office/drawing/2014/main" id="{F7E24753-8C37-4753-A820-8A3F28173B47}"/>
+                <a16:creationId xmlns:a16="http://schemas.microsoft.com/office/drawing/2014/main" id="{AECFEE6E-C969-4DF0-8AC4-CEA9AD45FF76}"/>
               </a:ext>
             </a:extLst>
           </p:cNvPr>
@@ -19417,7 +20027,7 @@
             <a:spLocks noGrp="1"/>
           </p:cNvSpPr>
           <p:nvPr>
-            <p:ph type="dt" sz="half" idx="12"/>
+            <p:ph type="dt" sz="half" idx="16"/>
           </p:nvPr>
         </p:nvSpPr>
         <p:spPr/>
@@ -19425,9 +20035,9 @@
           <a:bodyPr/>
           <a:lstStyle/>
           <a:p>
-            <a:fld id="{3FF77DFC-33DC-4457-974A-3F8ABA01093A}" type="datetime1">
+            <a:fld id="{F9967109-B16C-44BE-AAA6-3FD25DAD3A1B}" type="datetime1">
               <a:rPr lang="de-DE" noProof="0" smtClean="0"/>
-              <a:t>30.10.2022</a:t>
+              <a:t>02.11.2022</a:t>
             </a:fld>
             <a:endParaRPr lang="de-DE" noProof="0" dirty="0"/>
           </a:p>
@@ -19438,7 +20048,7 @@
           <p:cNvPr id="7" name="Foliennummernplatzhalter 6">
             <a:extLst>
               <a:ext uri="{FF2B5EF4-FFF2-40B4-BE49-F238E27FC236}">
-                <a16:creationId xmlns:a16="http://schemas.microsoft.com/office/drawing/2014/main" id="{59D4D867-B21E-4805-9EAD-F77DFCCB15D3}"/>
+                <a16:creationId xmlns:a16="http://schemas.microsoft.com/office/drawing/2014/main" id="{34B5949D-E893-4E07-9843-D028E976772F}"/>
               </a:ext>
             </a:extLst>
           </p:cNvPr>
@@ -19446,7 +20056,7 @@
             <a:spLocks noGrp="1"/>
           </p:cNvSpPr>
           <p:nvPr>
-            <p:ph type="sldNum" sz="quarter" idx="14"/>
+            <p:ph type="sldNum" sz="quarter" idx="18"/>
           </p:nvPr>
         </p:nvSpPr>
         <p:spPr/>
@@ -19463,92 +20073,10 @@
           </a:p>
         </p:txBody>
       </p:sp>
-      <p:pic>
-        <p:nvPicPr>
-          <p:cNvPr id="118786" name="Picture 2" descr="alt text">
-            <a:extLst>
-              <a:ext uri="{FF2B5EF4-FFF2-40B4-BE49-F238E27FC236}">
-                <a16:creationId xmlns:a16="http://schemas.microsoft.com/office/drawing/2014/main" id="{BCAF1BA7-C4CC-4860-9E86-52FC25389B7A}"/>
-              </a:ext>
-            </a:extLst>
-          </p:cNvPr>
-          <p:cNvPicPr>
-            <a:picLocks noChangeAspect="1" noChangeArrowheads="1"/>
-          </p:cNvPicPr>
-          <p:nvPr/>
-        </p:nvPicPr>
-        <p:blipFill>
-          <a:blip r:embed="rId2">
-            <a:extLst>
-              <a:ext uri="{28A0092B-C50C-407E-A947-70E740481C1C}">
-                <a14:useLocalDpi xmlns:a14="http://schemas.microsoft.com/office/drawing/2010/main" val="0"/>
-              </a:ext>
-            </a:extLst>
-          </a:blip>
-          <a:srcRect/>
-          <a:stretch>
-            <a:fillRect/>
-          </a:stretch>
-        </p:blipFill>
-        <p:spPr bwMode="auto">
-          <a:xfrm>
-            <a:off x="5249897" y="968690"/>
-            <a:ext cx="6286500" cy="3971925"/>
-          </a:xfrm>
-          <a:prstGeom prst="rect">
-            <a:avLst/>
-          </a:prstGeom>
-          <a:noFill/>
-          <a:extLst>
-            <a:ext uri="{909E8E84-426E-40DD-AFC4-6F175D3DCCD1}">
-              <a14:hiddenFill xmlns:a14="http://schemas.microsoft.com/office/drawing/2010/main">
-                <a:solidFill>
-                  <a:srgbClr val="FFFFFF"/>
-                </a:solidFill>
-              </a14:hiddenFill>
-            </a:ext>
-          </a:extLst>
-        </p:spPr>
-      </p:pic>
-      <p:sp>
-        <p:nvSpPr>
-          <p:cNvPr id="10" name="Textfeld 9">
-            <a:extLst>
-              <a:ext uri="{FF2B5EF4-FFF2-40B4-BE49-F238E27FC236}">
-                <a16:creationId xmlns:a16="http://schemas.microsoft.com/office/drawing/2014/main" id="{8A4DF695-C3F9-4DA1-989E-76C633C4050F}"/>
-              </a:ext>
-            </a:extLst>
-          </p:cNvPr>
-          <p:cNvSpPr txBox="1"/>
-          <p:nvPr/>
-        </p:nvSpPr>
-        <p:spPr>
-          <a:xfrm>
-            <a:off x="5956300" y="5048600"/>
-            <a:ext cx="6101080" cy="461665"/>
-          </a:xfrm>
-          <a:prstGeom prst="rect">
-            <a:avLst/>
-          </a:prstGeom>
-          <a:noFill/>
-        </p:spPr>
-        <p:txBody>
-          <a:bodyPr wrap="square">
-            <a:spAutoFit/>
-          </a:bodyPr>
-          <a:lstStyle/>
-          <a:p>
-            <a:r>
-              <a:rPr lang="en-US" sz="1200" dirty="0"/>
-              <a:t>https://fraud-detection-handbook.github.io/fraud-detection-handbook/Chapter_2_Background/CreditCardFraud.html</a:t>
-            </a:r>
-          </a:p>
-        </p:txBody>
-      </p:sp>
     </p:spTree>
     <p:extLst>
       <p:ext uri="{BB962C8B-B14F-4D97-AF65-F5344CB8AC3E}">
-        <p14:creationId xmlns:p14="http://schemas.microsoft.com/office/powerpoint/2010/main" val="4039900653"/>
+        <p14:creationId xmlns:p14="http://schemas.microsoft.com/office/powerpoint/2010/main" val="2074511726"/>
       </p:ext>
     </p:extLst>
   </p:cSld>
@@ -19767,7 +20295,7 @@
           <a:p>
             <a:fld id="{9DA7E581-D5A0-4DFE-A955-DF88D01DC1F0}" type="datetime1">
               <a:rPr lang="de-DE" noProof="0" smtClean="0"/>
-              <a:t>30.10.2022</a:t>
+              <a:t>02.11.2022</a:t>
             </a:fld>
             <a:endParaRPr lang="de-DE" noProof="0" dirty="0"/>
           </a:p>
@@ -21052,323 +21580,84 @@
           <a:p>
             <a:pPr lvl="1"/>
             <a:r>
-              <a:rPr lang="en-US" dirty="0"/>
-              <a:t>Die </a:t>
-            </a:r>
-            <a:r>
-              <a:rPr lang="en-US" dirty="0" err="1"/>
-              <a:t>Konstruktion</a:t>
-            </a:r>
-            <a:r>
-              <a:rPr lang="en-US" dirty="0"/>
-              <a:t> der Red Flags </a:t>
-            </a:r>
-            <a:r>
-              <a:rPr lang="en-US" dirty="0" err="1"/>
-              <a:t>zeigte</a:t>
-            </a:r>
-            <a:r>
-              <a:rPr lang="en-US" dirty="0"/>
-              <a:t> </a:t>
-            </a:r>
-            <a:r>
-              <a:rPr lang="en-US" dirty="0" err="1"/>
-              <a:t>zwei</a:t>
-            </a:r>
-            <a:r>
-              <a:rPr lang="en-US" dirty="0"/>
-              <a:t> </a:t>
-            </a:r>
-            <a:r>
-              <a:rPr lang="en-US" dirty="0" err="1"/>
-              <a:t>Merkmale</a:t>
-            </a:r>
-            <a:r>
-              <a:rPr lang="en-US" dirty="0"/>
-              <a:t> mit </a:t>
-            </a:r>
-            <a:r>
-              <a:rPr lang="en-US" dirty="0" err="1"/>
-              <a:t>hinreichend</a:t>
-            </a:r>
-            <a:r>
-              <a:rPr lang="en-US" dirty="0"/>
-              <a:t> </a:t>
-            </a:r>
-            <a:r>
-              <a:rPr lang="en-US" dirty="0" err="1"/>
-              <a:t>guter</a:t>
-            </a:r>
-            <a:r>
-              <a:rPr lang="en-US" dirty="0"/>
-              <a:t> </a:t>
-            </a:r>
-            <a:r>
-              <a:rPr lang="en-US" dirty="0" err="1"/>
-              <a:t>Beschreibung</a:t>
-            </a:r>
-            <a:r>
-              <a:rPr lang="en-US" dirty="0"/>
-              <a:t> </a:t>
-            </a:r>
-            <a:r>
-              <a:rPr lang="en-US" dirty="0" err="1"/>
-              <a:t>Erkennung</a:t>
-            </a:r>
-            <a:r>
-              <a:rPr lang="en-US" dirty="0"/>
-              <a:t> von </a:t>
-            </a:r>
-            <a:r>
-              <a:rPr lang="en-US" dirty="0" err="1"/>
-              <a:t>Betrügern</a:t>
-            </a:r>
-            <a:r>
-              <a:rPr lang="en-US" dirty="0"/>
-              <a:t>.</a:t>
+              <a:rPr lang="de-DE" dirty="0"/>
+              <a:t>Die Konstruktion der </a:t>
+            </a:r>
+            <a:r>
+              <a:rPr lang="de-DE" dirty="0" err="1"/>
+              <a:t>Red</a:t>
+            </a:r>
+            <a:r>
+              <a:rPr lang="de-DE" dirty="0"/>
+              <a:t> Flags zeigte zwei Merkmale mit hinreichend guter Beschreibung Erkennung von Betrügern.</a:t>
             </a:r>
           </a:p>
           <a:p>
             <a:pPr lvl="3"/>
             <a:r>
-              <a:rPr lang="en-US" dirty="0" err="1"/>
-              <a:t>Anzahl</a:t>
-            </a:r>
-            <a:r>
-              <a:rPr lang="en-US" dirty="0"/>
-              <a:t> der </a:t>
-            </a:r>
-            <a:r>
-              <a:rPr lang="en-US" dirty="0" err="1"/>
-              <a:t>Serien</a:t>
-            </a:r>
-            <a:r>
-              <a:rPr lang="en-US" dirty="0"/>
-              <a:t> mit negative </a:t>
-            </a:r>
-            <a:r>
-              <a:rPr lang="en-US" dirty="0" err="1"/>
-              <a:t>Testergebnissen</a:t>
-            </a:r>
-            <a:endParaRPr lang="en-US" dirty="0"/>
+              <a:rPr lang="de-DE" b="1" dirty="0"/>
+              <a:t>Anzahl der Serien mit negative Testergebnissen</a:t>
+            </a:r>
           </a:p>
           <a:p>
             <a:pPr lvl="3"/>
             <a:r>
-              <a:rPr lang="en-US" dirty="0" err="1"/>
-              <a:t>Mittlere</a:t>
-            </a:r>
-            <a:r>
-              <a:rPr lang="en-US" dirty="0"/>
-              <a:t> </a:t>
-            </a:r>
-            <a:r>
-              <a:rPr lang="en-US" dirty="0" err="1"/>
-              <a:t>Länge</a:t>
-            </a:r>
-            <a:r>
-              <a:rPr lang="en-US" dirty="0"/>
-              <a:t> der negative </a:t>
-            </a:r>
-            <a:r>
-              <a:rPr lang="en-US" dirty="0" err="1"/>
-              <a:t>Serien</a:t>
-            </a:r>
-            <a:endParaRPr lang="en-US" dirty="0"/>
+              <a:rPr lang="de-DE" b="1" dirty="0"/>
+              <a:t>Mittlere Länge der negative Serien</a:t>
+            </a:r>
           </a:p>
           <a:p>
             <a:pPr lvl="3"/>
-            <a:endParaRPr lang="en-US" dirty="0"/>
+            <a:endParaRPr lang="de-DE" dirty="0"/>
           </a:p>
           <a:p>
             <a:pPr lvl="3"/>
-            <a:endParaRPr lang="en-US" dirty="0"/>
+            <a:endParaRPr lang="de-DE" dirty="0"/>
           </a:p>
           <a:p>
             <a:pPr lvl="1"/>
             <a:r>
-              <a:rPr lang="en-US" dirty="0" err="1"/>
-              <a:t>Modellierung</a:t>
-            </a:r>
-            <a:r>
-              <a:rPr lang="en-US" dirty="0"/>
-              <a:t> des </a:t>
-            </a:r>
-            <a:r>
-              <a:rPr lang="en-US" dirty="0" err="1"/>
-              <a:t>erwarteten</a:t>
-            </a:r>
-            <a:r>
-              <a:rPr lang="en-US" dirty="0"/>
-              <a:t> </a:t>
-            </a:r>
-            <a:r>
-              <a:rPr lang="en-US" dirty="0" err="1"/>
-              <a:t>Verlusts</a:t>
-            </a:r>
-            <a:r>
-              <a:rPr lang="en-US" dirty="0"/>
-              <a:t> </a:t>
-            </a:r>
-            <a:r>
-              <a:rPr lang="en-US" dirty="0" err="1"/>
-              <a:t>durch</a:t>
-            </a:r>
-            <a:r>
-              <a:rPr lang="en-US" dirty="0"/>
-              <a:t> </a:t>
-            </a:r>
-            <a:r>
-              <a:rPr lang="en-US" dirty="0" err="1"/>
-              <a:t>Betrugspotential</a:t>
-            </a:r>
-            <a:r>
-              <a:rPr lang="en-US" dirty="0"/>
-              <a:t>:</a:t>
+              <a:rPr lang="de-DE" dirty="0"/>
+              <a:t>Modellierung des erwarteten Verlusts durch Betrugspotential:</a:t>
             </a:r>
           </a:p>
           <a:p>
             <a:pPr lvl="1"/>
-            <a:endParaRPr lang="en-US" dirty="0"/>
+            <a:endParaRPr lang="de-DE" dirty="0"/>
           </a:p>
           <a:p>
             <a:pPr lvl="1"/>
             <a:r>
-              <a:rPr lang="en-US" dirty="0"/>
-              <a:t>L:	Regression der </a:t>
-            </a:r>
-            <a:r>
-              <a:rPr lang="en-US" dirty="0" err="1"/>
-              <a:t>Verlusthöhe</a:t>
-            </a:r>
-            <a:r>
-              <a:rPr lang="en-US" dirty="0"/>
-              <a:t> </a:t>
-            </a:r>
-            <a:r>
-              <a:rPr lang="en-US" dirty="0" err="1"/>
-              <a:t>durch</a:t>
-            </a:r>
-            <a:r>
-              <a:rPr lang="en-US" dirty="0"/>
-              <a:t> x </a:t>
-            </a:r>
-            <a:r>
-              <a:rPr lang="en-US" dirty="0" err="1"/>
-              <a:t>als</a:t>
-            </a:r>
-            <a:r>
-              <a:rPr lang="en-US" dirty="0"/>
-              <a:t> </a:t>
+              <a:rPr lang="de-DE" dirty="0"/>
+              <a:t>L:	Regression der Verlusthöhe durch x als </a:t>
             </a:r>
             <a:br>
-              <a:rPr lang="en-US" dirty="0"/>
+              <a:rPr lang="de-DE" dirty="0"/>
             </a:br>
             <a:r>
-              <a:rPr lang="en-US" dirty="0"/>
-              <a:t>	</a:t>
-            </a:r>
-            <a:r>
-              <a:rPr lang="en-US" dirty="0" err="1"/>
-              <a:t>Mittlere</a:t>
-            </a:r>
-            <a:r>
-              <a:rPr lang="en-US" dirty="0"/>
-              <a:t> </a:t>
-            </a:r>
-            <a:r>
-              <a:rPr lang="en-US" dirty="0" err="1"/>
-              <a:t>Länge</a:t>
-            </a:r>
-            <a:r>
-              <a:rPr lang="en-US" dirty="0"/>
-              <a:t> der negative </a:t>
-            </a:r>
-            <a:r>
-              <a:rPr lang="en-US" dirty="0" err="1"/>
-              <a:t>Serien</a:t>
-            </a:r>
-            <a:endParaRPr lang="en-US" dirty="0"/>
+              <a:rPr lang="de-DE" dirty="0"/>
+              <a:t>	Mittlere Länge der negative Serien</a:t>
+            </a:r>
           </a:p>
           <a:p>
             <a:pPr lvl="1"/>
             <a:r>
-              <a:rPr lang="en-US" dirty="0"/>
-              <a:t>P	</a:t>
-            </a:r>
-            <a:r>
-              <a:rPr lang="en-US" dirty="0" err="1"/>
-              <a:t>Klassifikation</a:t>
-            </a:r>
-            <a:r>
-              <a:rPr lang="en-US" dirty="0"/>
-              <a:t> </a:t>
-            </a:r>
-            <a:r>
-              <a:rPr lang="en-US" dirty="0" err="1"/>
-              <a:t>durch</a:t>
-            </a:r>
-            <a:r>
-              <a:rPr lang="en-US" dirty="0"/>
-              <a:t> </a:t>
+              <a:rPr lang="de-DE" dirty="0"/>
+              <a:t>P	Klassifikation durch </a:t>
             </a:r>
             <a:br>
-              <a:rPr lang="en-US" dirty="0"/>
+              <a:rPr lang="de-DE" dirty="0"/>
             </a:br>
             <a:r>
-              <a:rPr lang="en-US" dirty="0"/>
-              <a:t>	x1: </a:t>
-            </a:r>
-            <a:r>
-              <a:rPr lang="en-US" dirty="0" err="1"/>
-              <a:t>Mittlere</a:t>
-            </a:r>
-            <a:r>
-              <a:rPr lang="en-US" dirty="0"/>
-              <a:t> </a:t>
-            </a:r>
-            <a:r>
-              <a:rPr lang="en-US" dirty="0" err="1"/>
-              <a:t>Länge</a:t>
-            </a:r>
-            <a:r>
-              <a:rPr lang="en-US" dirty="0"/>
-              <a:t> der negative </a:t>
-            </a:r>
-            <a:r>
-              <a:rPr lang="en-US" dirty="0" err="1"/>
-              <a:t>Serien</a:t>
+              <a:rPr lang="de-DE" dirty="0"/>
+              <a:t>	x1: Mittlere Länge der negative Serien</a:t>
             </a:r>
             <a:br>
-              <a:rPr lang="en-US" dirty="0"/>
+              <a:rPr lang="de-DE" dirty="0"/>
             </a:br>
             <a:r>
-              <a:rPr lang="en-US" dirty="0"/>
-              <a:t>	x2: </a:t>
-            </a:r>
-            <a:r>
-              <a:rPr lang="en-US" dirty="0" err="1"/>
-              <a:t>Anzahl</a:t>
-            </a:r>
-            <a:r>
-              <a:rPr lang="en-US" dirty="0"/>
-              <a:t> der </a:t>
-            </a:r>
-            <a:r>
-              <a:rPr lang="en-US" dirty="0" err="1"/>
-              <a:t>Serien</a:t>
-            </a:r>
-            <a:r>
-              <a:rPr lang="en-US" dirty="0"/>
-              <a:t> mit negative </a:t>
-            </a:r>
-            <a:r>
-              <a:rPr lang="en-US" dirty="0" err="1"/>
-              <a:t>Testergebnissen</a:t>
-            </a:r>
-            <a:r>
-              <a:rPr lang="en-US" dirty="0"/>
-              <a:t> </a:t>
+              <a:rPr lang="de-DE" dirty="0"/>
+              <a:t>	x2: Anzahl der Serien mit negative Testergebnissen </a:t>
             </a:r>
           </a:p>
         </p:txBody>
@@ -21405,10 +21694,10 @@
       </p:pic>
       <p:sp>
         <p:nvSpPr>
-          <p:cNvPr id="5" name="Textplatzhalter 4">
-            <a:extLst>
-              <a:ext uri="{FF2B5EF4-FFF2-40B4-BE49-F238E27FC236}">
-                <a16:creationId xmlns:a16="http://schemas.microsoft.com/office/drawing/2014/main" id="{CC5CF68A-FCFC-49C8-9F40-B3EA20D806A6}"/>
+          <p:cNvPr id="6" name="Datumsplatzhalter 5">
+            <a:extLst>
+              <a:ext uri="{FF2B5EF4-FFF2-40B4-BE49-F238E27FC236}">
+                <a16:creationId xmlns:a16="http://schemas.microsoft.com/office/drawing/2014/main" id="{C7721882-82FB-44BA-8D75-194A1A8B78F3}"/>
               </a:ext>
             </a:extLst>
           </p:cNvPr>
@@ -21416,7 +21705,7 @@
             <a:spLocks noGrp="1"/>
           </p:cNvSpPr>
           <p:nvPr>
-            <p:ph type="body" sz="quarter" idx="15"/>
+            <p:ph type="dt" sz="half" idx="16"/>
           </p:nvPr>
         </p:nvSpPr>
         <p:spPr/>
@@ -21424,34 +21713,9 @@
           <a:bodyPr/>
           <a:lstStyle/>
           <a:p>
-            <a:endParaRPr lang="en-US" dirty="0"/>
-          </a:p>
-        </p:txBody>
-      </p:sp>
-      <p:sp>
-        <p:nvSpPr>
-          <p:cNvPr id="6" name="Datumsplatzhalter 5">
-            <a:extLst>
-              <a:ext uri="{FF2B5EF4-FFF2-40B4-BE49-F238E27FC236}">
-                <a16:creationId xmlns:a16="http://schemas.microsoft.com/office/drawing/2014/main" id="{C7721882-82FB-44BA-8D75-194A1A8B78F3}"/>
-              </a:ext>
-            </a:extLst>
-          </p:cNvPr>
-          <p:cNvSpPr>
-            <a:spLocks noGrp="1"/>
-          </p:cNvSpPr>
-          <p:nvPr>
-            <p:ph type="dt" sz="half" idx="16"/>
-          </p:nvPr>
-        </p:nvSpPr>
-        <p:spPr/>
-        <p:txBody>
-          <a:bodyPr/>
-          <a:lstStyle/>
-          <a:p>
             <a:fld id="{9DA7E581-D5A0-4DFE-A955-DF88D01DC1F0}" type="datetime1">
               <a:rPr lang="de-DE" noProof="0" smtClean="0"/>
-              <a:t>30.10.2022</a:t>
+              <a:t>02.11.2022</a:t>
             </a:fld>
             <a:endParaRPr lang="de-DE" noProof="0" dirty="0"/>
           </a:p>
@@ -21509,7 +21773,7 @@
           <a:graphicData uri="http://schemas.openxmlformats.org/presentationml/2006/ole">
             <mc:AlternateContent xmlns:mc="http://schemas.openxmlformats.org/markup-compatibility/2006">
               <mc:Choice xmlns:v="urn:schemas-microsoft-com:vml" Requires="v">
-                <p:oleObj spid="_x0000_s31747" name="Equation" r:id="rId4" imgW="4299441" imgH="428415" progId="Equation.DSMT4">
+                <p:oleObj spid="_x0000_s31763" name="Equation" r:id="rId4" imgW="4299441" imgH="428415" progId="Equation.DSMT4">
                   <p:embed/>
                 </p:oleObj>
               </mc:Choice>
@@ -21835,7 +22099,7 @@
           <a:p>
             <a:fld id="{9DA7E581-D5A0-4DFE-A955-DF88D01DC1F0}" type="datetime1">
               <a:rPr lang="de-DE" noProof="0" smtClean="0"/>
-              <a:t>31.10.2022</a:t>
+              <a:t>02.11.2022</a:t>
             </a:fld>
             <a:endParaRPr lang="de-DE" noProof="0" dirty="0"/>
           </a:p>
@@ -21899,7 +22163,7 @@
           <a:graphicData uri="http://schemas.openxmlformats.org/presentationml/2006/ole">
             <mc:AlternateContent xmlns:mc="http://schemas.openxmlformats.org/markup-compatibility/2006">
               <mc:Choice xmlns:v="urn:schemas-microsoft-com:vml" Requires="v">
-                <p:oleObj spid="_x0000_s2055" name="Equation" r:id="rId4" imgW="1244520" imgH="431640" progId="Equation.DSMT4">
+                <p:oleObj spid="_x0000_s2135" name="Equation" r:id="rId4" imgW="1244520" imgH="431640" progId="Equation.DSMT4">
                   <p:embed/>
                 </p:oleObj>
               </mc:Choice>
@@ -21968,7 +22232,7 @@
           <a:graphicData uri="http://schemas.openxmlformats.org/presentationml/2006/ole">
             <mc:AlternateContent xmlns:mc="http://schemas.openxmlformats.org/markup-compatibility/2006">
               <mc:Choice xmlns:v="urn:schemas-microsoft-com:vml" Requires="v">
-                <p:oleObj spid="_x0000_s2056" name="Equation" r:id="rId6" imgW="1854000" imgH="241200" progId="Equation.DSMT4">
+                <p:oleObj spid="_x0000_s2136" name="Equation" r:id="rId6" imgW="1854000" imgH="241200" progId="Equation.DSMT4">
                   <p:embed/>
                 </p:oleObj>
               </mc:Choice>
@@ -22169,7 +22433,7 @@
           <a:graphicData uri="http://schemas.openxmlformats.org/presentationml/2006/ole">
             <mc:AlternateContent xmlns:mc="http://schemas.openxmlformats.org/markup-compatibility/2006">
               <mc:Choice xmlns:v="urn:schemas-microsoft-com:vml" Requires="v">
-                <p:oleObj spid="_x0000_s2057" name="Equation" r:id="rId8" imgW="3124795" imgH="990862" progId="Equation.DSMT4">
+                <p:oleObj spid="_x0000_s2137" name="Equation" r:id="rId8" imgW="3124795" imgH="990862" progId="Equation.DSMT4">
                   <p:embed/>
                 </p:oleObj>
               </mc:Choice>
@@ -22232,7 +22496,7 @@
           <a:graphicData uri="http://schemas.openxmlformats.org/presentationml/2006/ole">
             <mc:AlternateContent xmlns:mc="http://schemas.openxmlformats.org/markup-compatibility/2006">
               <mc:Choice xmlns:v="urn:schemas-microsoft-com:vml" Requires="v">
-                <p:oleObj spid="_x0000_s2058" name="Equation" r:id="rId10" imgW="485751" imgH="228633" progId="Equation.DSMT4">
+                <p:oleObj spid="_x0000_s2138" name="Equation" r:id="rId10" imgW="485751" imgH="228633" progId="Equation.DSMT4">
                   <p:embed/>
                 </p:oleObj>
               </mc:Choice>
@@ -22295,7 +22559,7 @@
           <a:graphicData uri="http://schemas.openxmlformats.org/presentationml/2006/ole">
             <mc:AlternateContent xmlns:mc="http://schemas.openxmlformats.org/markup-compatibility/2006">
               <mc:Choice xmlns:v="urn:schemas-microsoft-com:vml" Requires="v">
-                <p:oleObj spid="_x0000_s2059" name="Equation" r:id="rId12" imgW="678291" imgH="320051" progId="Equation.DSMT4">
+                <p:oleObj spid="_x0000_s2139" name="Equation" r:id="rId12" imgW="678291" imgH="320051" progId="Equation.DSMT4">
                   <p:embed/>
                 </p:oleObj>
               </mc:Choice>
@@ -22507,7 +22771,7 @@
               <a:rPr lang="de-DE" sz="1600" dirty="0">
                 <a:latin typeface="+mn-lt"/>
               </a:rPr>
-              <a:t>.</a:t>
+              <a:t> Schätzung.</a:t>
             </a:r>
           </a:p>
           <a:p>
@@ -22622,7 +22886,7 @@
           <a:p>
             <a:fld id="{9DA7E581-D5A0-4DFE-A955-DF88D01DC1F0}" type="datetime1">
               <a:rPr lang="de-DE" noProof="0" smtClean="0"/>
-              <a:t>31.10.2022</a:t>
+              <a:t>02.11.2022</a:t>
             </a:fld>
             <a:endParaRPr lang="de-DE" noProof="0" dirty="0"/>
           </a:p>
@@ -22686,7 +22950,7 @@
           <a:graphicData uri="http://schemas.openxmlformats.org/presentationml/2006/ole">
             <mc:AlternateContent xmlns:mc="http://schemas.openxmlformats.org/markup-compatibility/2006">
               <mc:Choice xmlns:v="urn:schemas-microsoft-com:vml" Requires="v">
-                <p:oleObj spid="_x0000_s32772" name="Equation" r:id="rId3" imgW="1688760" imgH="253800" progId="Equation.DSMT4">
+                <p:oleObj spid="_x0000_s32804" name="Equation" r:id="rId3" imgW="1688760" imgH="253800" progId="Equation.DSMT4">
                   <p:embed/>
                 </p:oleObj>
               </mc:Choice>
@@ -22759,7 +23023,7 @@
           <a:graphicData uri="http://schemas.openxmlformats.org/presentationml/2006/ole">
             <mc:AlternateContent xmlns:mc="http://schemas.openxmlformats.org/markup-compatibility/2006">
               <mc:Choice xmlns:v="urn:schemas-microsoft-com:vml" Requires="v">
-                <p:oleObj spid="_x0000_s32773" name="Equation" r:id="rId5" imgW="1879560" imgH="672840" progId="Equation.DSMT4">
+                <p:oleObj spid="_x0000_s32805" name="Equation" r:id="rId5" imgW="1879560" imgH="672840" progId="Equation.DSMT4">
                   <p:embed/>
                 </p:oleObj>
               </mc:Choice>
@@ -23100,7 +23364,7 @@
           <a:p>
             <a:fld id="{9DA7E581-D5A0-4DFE-A955-DF88D01DC1F0}" type="datetime1">
               <a:rPr lang="de-DE" noProof="0" smtClean="0"/>
-              <a:t>30.10.2022</a:t>
+              <a:t>02.11.2022</a:t>
             </a:fld>
             <a:endParaRPr lang="de-DE" noProof="0" dirty="0"/>
           </a:p>
@@ -23164,7 +23428,7 @@
           <a:graphicData uri="http://schemas.openxmlformats.org/presentationml/2006/ole">
             <mc:AlternateContent xmlns:mc="http://schemas.openxmlformats.org/markup-compatibility/2006">
               <mc:Choice xmlns:v="urn:schemas-microsoft-com:vml" Requires="v">
-                <p:oleObj spid="_x0000_s33795" name="Equation" r:id="rId4" imgW="4299441" imgH="428415" progId="Equation.DSMT4">
+                <p:oleObj spid="_x0000_s33811" name="Equation" r:id="rId4" imgW="4299441" imgH="428415" progId="Equation.DSMT4">
                   <p:embed/>
                 </p:oleObj>
               </mc:Choice>
@@ -23278,10 +23542,10 @@
       </p:grpSpPr>
       <p:sp>
         <p:nvSpPr>
-          <p:cNvPr id="2" name="Titel 1">
-            <a:extLst>
-              <a:ext uri="{FF2B5EF4-FFF2-40B4-BE49-F238E27FC236}">
-                <a16:creationId xmlns:a16="http://schemas.microsoft.com/office/drawing/2014/main" id="{AE896530-4E2E-4F16-9A14-DB7C5F101D01}"/>
+          <p:cNvPr id="6" name="Titel 5">
+            <a:extLst>
+              <a:ext uri="{FF2B5EF4-FFF2-40B4-BE49-F238E27FC236}">
+                <a16:creationId xmlns:a16="http://schemas.microsoft.com/office/drawing/2014/main" id="{59DE14AD-FCB4-4DFF-BD7A-98901404D6B1}"/>
               </a:ext>
             </a:extLst>
           </p:cNvPr>
@@ -23304,6 +23568,360 @@
           <a:p>
             <a:r>
               <a:rPr lang="en-US" dirty="0" err="1"/>
+              <a:t>Prädiktive</a:t>
+            </a:r>
+            <a:r>
+              <a:rPr lang="en-US" dirty="0"/>
+              <a:t> </a:t>
+            </a:r>
+            <a:r>
+              <a:rPr lang="en-US" dirty="0" err="1"/>
+              <a:t>Analytik</a:t>
+            </a:r>
+            <a:br>
+              <a:rPr lang="en-US" dirty="0"/>
+            </a:br>
+            <a:endParaRPr lang="en-US" dirty="0"/>
+          </a:p>
+        </p:txBody>
+      </p:sp>
+      <p:sp>
+        <p:nvSpPr>
+          <p:cNvPr id="7" name="Textplatzhalter 6">
+            <a:extLst>
+              <a:ext uri="{FF2B5EF4-FFF2-40B4-BE49-F238E27FC236}">
+                <a16:creationId xmlns:a16="http://schemas.microsoft.com/office/drawing/2014/main" id="{5F82FDFD-5DD0-4CE4-A56C-B7ACB6027251}"/>
+              </a:ext>
+            </a:extLst>
+          </p:cNvPr>
+          <p:cNvSpPr>
+            <a:spLocks noGrp="1"/>
+          </p:cNvSpPr>
+          <p:nvPr>
+            <p:ph type="body" sz="quarter" idx="13"/>
+          </p:nvPr>
+        </p:nvSpPr>
+        <p:spPr/>
+        <p:txBody>
+          <a:bodyPr/>
+          <a:lstStyle/>
+          <a:p>
+            <a:r>
+              <a:rPr lang="en-US" dirty="0" err="1"/>
+              <a:t>Betrugserkennung</a:t>
+            </a:r>
+            <a:endParaRPr lang="en-US" dirty="0"/>
+          </a:p>
+        </p:txBody>
+      </p:sp>
+      <p:sp>
+        <p:nvSpPr>
+          <p:cNvPr id="8" name="Textplatzhalter 7">
+            <a:extLst>
+              <a:ext uri="{FF2B5EF4-FFF2-40B4-BE49-F238E27FC236}">
+                <a16:creationId xmlns:a16="http://schemas.microsoft.com/office/drawing/2014/main" id="{3D4002A2-7E0E-4D1D-8FB5-646B389FABC0}"/>
+              </a:ext>
+            </a:extLst>
+          </p:cNvPr>
+          <p:cNvSpPr>
+            <a:spLocks noGrp="1"/>
+          </p:cNvSpPr>
+          <p:nvPr>
+            <p:ph type="body" sz="quarter" idx="14"/>
+          </p:nvPr>
+        </p:nvSpPr>
+        <p:spPr>
+          <a:xfrm>
+            <a:off x="478199" y="1703388"/>
+            <a:ext cx="5437188" cy="2877583"/>
+          </a:xfrm>
+        </p:spPr>
+        <p:txBody>
+          <a:bodyPr/>
+          <a:lstStyle/>
+          <a:p>
+            <a:r>
+              <a:rPr lang="de-DE" dirty="0"/>
+              <a:t>Prädiktive Analytik</a:t>
+            </a:r>
+          </a:p>
+          <a:p>
+            <a:pPr lvl="1"/>
+            <a:r>
+              <a:rPr lang="de-DE" dirty="0"/>
+              <a:t>Lernt aus den Beobachtungen historischer Betrugsmuster prädiktive Modelle, um zwischen normalen und betrügerischen Verhaltensweisen zu unterscheiden.</a:t>
+            </a:r>
+          </a:p>
+          <a:p>
+            <a:pPr lvl="3"/>
+            <a:r>
+              <a:rPr lang="de-DE" dirty="0"/>
+              <a:t>Benötigt historische Beispiele</a:t>
+            </a:r>
+          </a:p>
+          <a:p>
+            <a:pPr lvl="3"/>
+            <a:r>
+              <a:rPr lang="de-DE" dirty="0"/>
+              <a:t>Erkennt lediglich bekannte Betrugsmuster</a:t>
+            </a:r>
+          </a:p>
+          <a:p>
+            <a:pPr lvl="3"/>
+            <a:r>
+              <a:rPr lang="de-DE" dirty="0"/>
+              <a:t>Robuster gegenüber Täuschung</a:t>
+            </a:r>
+          </a:p>
+          <a:p>
+            <a:pPr marL="0" lvl="3" indent="0">
+              <a:buNone/>
+            </a:pPr>
+            <a:endParaRPr lang="de-DE" dirty="0"/>
+          </a:p>
+          <a:p>
+            <a:pPr marL="0" lvl="3" indent="0">
+              <a:buNone/>
+            </a:pPr>
+            <a:endParaRPr lang="en-US" dirty="0"/>
+          </a:p>
+          <a:p>
+            <a:pPr marL="0" lvl="3" indent="0">
+              <a:buNone/>
+            </a:pPr>
+            <a:endParaRPr lang="de-DE" dirty="0"/>
+          </a:p>
+        </p:txBody>
+      </p:sp>
+      <p:sp>
+        <p:nvSpPr>
+          <p:cNvPr id="9" name="Textplatzhalter 8">
+            <a:extLst>
+              <a:ext uri="{FF2B5EF4-FFF2-40B4-BE49-F238E27FC236}">
+                <a16:creationId xmlns:a16="http://schemas.microsoft.com/office/drawing/2014/main" id="{A26B5670-8AEF-4316-B454-132673B82936}"/>
+              </a:ext>
+            </a:extLst>
+          </p:cNvPr>
+          <p:cNvSpPr>
+            <a:spLocks noGrp="1"/>
+          </p:cNvSpPr>
+          <p:nvPr>
+            <p:ph type="body" sz="quarter" idx="15"/>
+          </p:nvPr>
+        </p:nvSpPr>
+        <p:spPr>
+          <a:xfrm>
+            <a:off x="6275388" y="1703388"/>
+            <a:ext cx="5437187" cy="1712905"/>
+          </a:xfrm>
+        </p:spPr>
+        <p:txBody>
+          <a:bodyPr/>
+          <a:lstStyle/>
+          <a:p>
+            <a:pPr marL="0" lvl="3" indent="0">
+              <a:buNone/>
+            </a:pPr>
+            <a:r>
+              <a:rPr lang="en-US" sz="1600" dirty="0" err="1">
+                <a:latin typeface="+mj-lt"/>
+              </a:rPr>
+              <a:t>Vorgestellte</a:t>
+            </a:r>
+            <a:r>
+              <a:rPr lang="en-US" sz="1600" dirty="0">
+                <a:latin typeface="+mj-lt"/>
+              </a:rPr>
+              <a:t> </a:t>
+            </a:r>
+            <a:r>
+              <a:rPr lang="en-US" sz="1600" dirty="0" err="1">
+                <a:latin typeface="+mj-lt"/>
+              </a:rPr>
+              <a:t>Methoden</a:t>
+            </a:r>
+            <a:r>
+              <a:rPr lang="en-US" sz="1600" dirty="0">
+                <a:latin typeface="+mj-lt"/>
+              </a:rPr>
+              <a:t>:</a:t>
+            </a:r>
+          </a:p>
+          <a:p>
+            <a:pPr marL="0" lvl="3" indent="0">
+              <a:buNone/>
+            </a:pPr>
+            <a:endParaRPr lang="en-US" sz="1600" dirty="0">
+              <a:latin typeface="+mj-lt"/>
+            </a:endParaRPr>
+          </a:p>
+          <a:p>
+            <a:pPr marL="342900" lvl="3" indent="-342900">
+              <a:buFont typeface="+mj-lt"/>
+              <a:buAutoNum type="arabicPeriod"/>
+            </a:pPr>
+            <a:r>
+              <a:rPr lang="en-US" dirty="0" err="1"/>
+              <a:t>Modellansatz</a:t>
+            </a:r>
+            <a:endParaRPr lang="en-US" dirty="0"/>
+          </a:p>
+          <a:p>
+            <a:pPr marL="342900" lvl="3" indent="-342900">
+              <a:buFont typeface="+mj-lt"/>
+              <a:buAutoNum type="arabicPeriod"/>
+            </a:pPr>
+            <a:r>
+              <a:rPr lang="en-US" dirty="0" err="1"/>
+              <a:t>Lineare</a:t>
+            </a:r>
+            <a:r>
+              <a:rPr lang="en-US" dirty="0"/>
+              <a:t> Regression</a:t>
+            </a:r>
+          </a:p>
+          <a:p>
+            <a:pPr marL="342900" lvl="3" indent="-342900">
+              <a:buFont typeface="+mj-lt"/>
+              <a:buAutoNum type="arabicPeriod"/>
+            </a:pPr>
+            <a:r>
+              <a:rPr lang="de-DE" dirty="0"/>
+              <a:t>Log. Regression</a:t>
+            </a:r>
+          </a:p>
+          <a:p>
+            <a:pPr marL="342900" lvl="3" indent="-342900">
+              <a:buFont typeface="+mj-lt"/>
+              <a:buAutoNum type="arabicPeriod"/>
+            </a:pPr>
+            <a:endParaRPr lang="en-US" dirty="0"/>
+          </a:p>
+          <a:p>
+            <a:pPr marL="0" lvl="3" indent="0">
+              <a:buNone/>
+            </a:pPr>
+            <a:endParaRPr lang="en-US" b="1" dirty="0"/>
+          </a:p>
+        </p:txBody>
+      </p:sp>
+      <p:sp>
+        <p:nvSpPr>
+          <p:cNvPr id="3" name="Datumsplatzhalter 2">
+            <a:extLst>
+              <a:ext uri="{FF2B5EF4-FFF2-40B4-BE49-F238E27FC236}">
+                <a16:creationId xmlns:a16="http://schemas.microsoft.com/office/drawing/2014/main" id="{3ED98866-83C2-4201-9AE9-05B894EC6A30}"/>
+              </a:ext>
+            </a:extLst>
+          </p:cNvPr>
+          <p:cNvSpPr>
+            <a:spLocks noGrp="1"/>
+          </p:cNvSpPr>
+          <p:nvPr>
+            <p:ph type="dt" sz="half" idx="16"/>
+          </p:nvPr>
+        </p:nvSpPr>
+        <p:spPr/>
+        <p:txBody>
+          <a:bodyPr/>
+          <a:lstStyle/>
+          <a:p>
+            <a:fld id="{4BDB264A-4676-45A5-B387-60439B46227D}" type="datetime1">
+              <a:rPr lang="de-DE" noProof="0" smtClean="0"/>
+              <a:t>02.11.2022</a:t>
+            </a:fld>
+            <a:endParaRPr lang="de-DE" noProof="0" dirty="0"/>
+          </a:p>
+        </p:txBody>
+      </p:sp>
+      <p:sp>
+        <p:nvSpPr>
+          <p:cNvPr id="4" name="Foliennummernplatzhalter 3">
+            <a:extLst>
+              <a:ext uri="{FF2B5EF4-FFF2-40B4-BE49-F238E27FC236}">
+                <a16:creationId xmlns:a16="http://schemas.microsoft.com/office/drawing/2014/main" id="{1719DB42-6477-42E5-A32A-2D13C6E5EB87}"/>
+              </a:ext>
+            </a:extLst>
+          </p:cNvPr>
+          <p:cNvSpPr>
+            <a:spLocks noGrp="1"/>
+          </p:cNvSpPr>
+          <p:nvPr>
+            <p:ph type="sldNum" sz="quarter" idx="18"/>
+          </p:nvPr>
+        </p:nvSpPr>
+        <p:spPr/>
+        <p:txBody>
+          <a:bodyPr/>
+          <a:lstStyle/>
+          <a:p>
+            <a:fld id="{3D81EE41-304C-41C3-8185-350F2275D756}" type="slidenum">
+              <a:rPr lang="de-DE" smtClean="0"/>
+              <a:pPr/>
+              <a:t>35</a:t>
+            </a:fld>
+            <a:endParaRPr lang="de-DE"/>
+          </a:p>
+        </p:txBody>
+      </p:sp>
+    </p:spTree>
+    <p:extLst>
+      <p:ext uri="{BB962C8B-B14F-4D97-AF65-F5344CB8AC3E}">
+        <p14:creationId xmlns:p14="http://schemas.microsoft.com/office/powerpoint/2010/main" val="1565941229"/>
+      </p:ext>
+    </p:extLst>
+  </p:cSld>
+  <p:clrMapOvr>
+    <a:masterClrMapping/>
+  </p:clrMapOvr>
+</p:sld>
+</file>
+
+<file path=ppt/slides/slide36.xml><?xml version="1.0" encoding="utf-8"?>
+<p:sld xmlns:a="http://schemas.openxmlformats.org/drawingml/2006/main" xmlns:r="http://schemas.openxmlformats.org/officeDocument/2006/relationships" xmlns:p="http://schemas.openxmlformats.org/presentationml/2006/main">
+  <p:cSld>
+    <p:spTree>
+      <p:nvGrpSpPr>
+        <p:cNvPr id="1" name=""/>
+        <p:cNvGrpSpPr/>
+        <p:nvPr/>
+      </p:nvGrpSpPr>
+      <p:grpSpPr>
+        <a:xfrm>
+          <a:off x="0" y="0"/>
+          <a:ext cx="0" cy="0"/>
+          <a:chOff x="0" y="0"/>
+          <a:chExt cx="0" cy="0"/>
+        </a:xfrm>
+      </p:grpSpPr>
+      <p:sp>
+        <p:nvSpPr>
+          <p:cNvPr id="2" name="Titel 1">
+            <a:extLst>
+              <a:ext uri="{FF2B5EF4-FFF2-40B4-BE49-F238E27FC236}">
+                <a16:creationId xmlns:a16="http://schemas.microsoft.com/office/drawing/2014/main" id="{AE896530-4E2E-4F16-9A14-DB7C5F101D01}"/>
+              </a:ext>
+            </a:extLst>
+          </p:cNvPr>
+          <p:cNvSpPr>
+            <a:spLocks noGrp="1"/>
+          </p:cNvSpPr>
+          <p:nvPr>
+            <p:ph type="title"/>
+          </p:nvPr>
+        </p:nvSpPr>
+        <p:spPr>
+          <a:xfrm>
+            <a:off x="479425" y="728811"/>
+            <a:ext cx="11233150" cy="788999"/>
+          </a:xfrm>
+        </p:spPr>
+        <p:txBody>
+          <a:bodyPr/>
+          <a:lstStyle/>
+          <a:p>
+            <a:r>
+              <a:rPr lang="en-US" dirty="0" err="1"/>
               <a:t>Quellen</a:t>
             </a:r>
             <a:r>
@@ -23631,7 +24249,7 @@
           <a:p>
             <a:fld id="{9DA7E581-D5A0-4DFE-A955-DF88D01DC1F0}" type="datetime1">
               <a:rPr lang="de-DE" noProof="0" smtClean="0"/>
-              <a:t>30.10.2022</a:t>
+              <a:t>02.11.2022</a:t>
             </a:fld>
             <a:endParaRPr lang="de-DE" noProof="0" dirty="0"/>
           </a:p>
@@ -23661,7 +24279,7 @@
             <a:fld id="{3D81EE41-304C-41C3-8185-350F2275D756}" type="slidenum">
               <a:rPr lang="de-DE" smtClean="0"/>
               <a:pPr/>
-              <a:t>35</a:t>
+              <a:t>36</a:t>
             </a:fld>
             <a:endParaRPr lang="de-DE"/>
           </a:p>
@@ -23710,7 +24328,7 @@
 </p:sld>
 </file>
 
-<file path=ppt/slides/slide36.xml><?xml version="1.0" encoding="utf-8"?>
+<file path=ppt/slides/slide37.xml><?xml version="1.0" encoding="utf-8"?>
 <p:sld xmlns:a="http://schemas.openxmlformats.org/drawingml/2006/main" xmlns:r="http://schemas.openxmlformats.org/officeDocument/2006/relationships" xmlns:p="http://schemas.openxmlformats.org/presentationml/2006/main">
   <p:cSld>
     <p:spTree>
@@ -23758,7 +24376,7 @@
           <a:graphicData uri="http://schemas.openxmlformats.org/presentationml/2006/ole">
             <mc:AlternateContent xmlns:mc="http://schemas.openxmlformats.org/markup-compatibility/2006">
               <mc:Choice xmlns:v="urn:schemas-microsoft-com:vml" Requires="v">
-                <p:oleObj spid="_x0000_s34819" name="think-cell Folie" r:id="rId4" imgW="344" imgH="345" progId="TCLayout.ActiveDocument.1">
+                <p:oleObj spid="_x0000_s34835" name="think-cell Folie" r:id="rId4" imgW="344" imgH="345" progId="TCLayout.ActiveDocument.1">
                   <p:embed/>
                 </p:oleObj>
               </mc:Choice>
@@ -23935,7 +24553,7 @@
 </p:sld>
 </file>
 
-<file path=ppt/slides/slide37.xml><?xml version="1.0" encoding="utf-8"?>
+<file path=ppt/slides/slide38.xml><?xml version="1.0" encoding="utf-8"?>
 <p:sld xmlns:a="http://schemas.openxmlformats.org/drawingml/2006/main" xmlns:r="http://schemas.openxmlformats.org/officeDocument/2006/relationships" xmlns:p="http://schemas.openxmlformats.org/presentationml/2006/main">
   <p:cSld>
     <p:spTree>
@@ -24024,10 +24642,10 @@
       </p:grpSpPr>
       <p:sp>
         <p:nvSpPr>
-          <p:cNvPr id="9" name="Titel 8">
-            <a:extLst>
-              <a:ext uri="{FF2B5EF4-FFF2-40B4-BE49-F238E27FC236}">
-                <a16:creationId xmlns:a16="http://schemas.microsoft.com/office/drawing/2014/main" id="{2A1A7EC8-5C82-41DD-A039-4C70FBACFB47}"/>
+          <p:cNvPr id="2" name="Titel 1">
+            <a:extLst>
+              <a:ext uri="{FF2B5EF4-FFF2-40B4-BE49-F238E27FC236}">
+                <a16:creationId xmlns:a16="http://schemas.microsoft.com/office/drawing/2014/main" id="{488253FC-90C3-48A0-A977-AC196A239C2E}"/>
               </a:ext>
             </a:extLst>
           </p:cNvPr>
@@ -24044,8 +24662,8 @@
           <a:lstStyle/>
           <a:p>
             <a:r>
-              <a:rPr lang="de-DE" dirty="0"/>
-              <a:t>Was zeichnet Betrug und Betrüger aus?</a:t>
+              <a:rPr lang="en-US" dirty="0" err="1"/>
+              <a:t>Betrugserkennungszyklus</a:t>
             </a:r>
             <a:endParaRPr lang="en-US" dirty="0"/>
           </a:p>
@@ -24053,10 +24671,10 @@
       </p:sp>
       <p:sp>
         <p:nvSpPr>
-          <p:cNvPr id="10" name="Textplatzhalter 9">
-            <a:extLst>
-              <a:ext uri="{FF2B5EF4-FFF2-40B4-BE49-F238E27FC236}">
-                <a16:creationId xmlns:a16="http://schemas.microsoft.com/office/drawing/2014/main" id="{80B952C5-D9B6-4456-A584-C1DD639DC6C1}"/>
+          <p:cNvPr id="3" name="Textplatzhalter 2">
+            <a:extLst>
+              <a:ext uri="{FF2B5EF4-FFF2-40B4-BE49-F238E27FC236}">
+                <a16:creationId xmlns:a16="http://schemas.microsoft.com/office/drawing/2014/main" id="{6CA0F6E0-D878-4742-8D52-2CCBB90F827F}"/>
               </a:ext>
             </a:extLst>
           </p:cNvPr>
@@ -24072,304 +24690,6 @@
           <a:bodyPr/>
           <a:lstStyle/>
           <a:p>
-            <a:r>
-              <a:rPr lang="en-US" dirty="0"/>
-              <a:t>Definition und </a:t>
-            </a:r>
-            <a:r>
-              <a:rPr lang="en-US" dirty="0" err="1"/>
-              <a:t>Fakten</a:t>
-            </a:r>
-            <a:endParaRPr lang="en-US" dirty="0"/>
-          </a:p>
-        </p:txBody>
-      </p:sp>
-      <p:sp>
-        <p:nvSpPr>
-          <p:cNvPr id="11" name="Textplatzhalter 10">
-            <a:extLst>
-              <a:ext uri="{FF2B5EF4-FFF2-40B4-BE49-F238E27FC236}">
-                <a16:creationId xmlns:a16="http://schemas.microsoft.com/office/drawing/2014/main" id="{58563BC4-08AF-41ED-BBA3-EB81A2C2EAC2}"/>
-              </a:ext>
-            </a:extLst>
-          </p:cNvPr>
-          <p:cNvSpPr>
-            <a:spLocks noGrp="1"/>
-          </p:cNvSpPr>
-          <p:nvPr>
-            <p:ph type="body" sz="quarter" idx="14"/>
-          </p:nvPr>
-        </p:nvSpPr>
-        <p:spPr>
-          <a:xfrm>
-            <a:off x="478199" y="1703388"/>
-            <a:ext cx="5437188" cy="4046429"/>
-          </a:xfrm>
-        </p:spPr>
-        <p:txBody>
-          <a:bodyPr/>
-          <a:lstStyle/>
-          <a:p>
-            <a:r>
-              <a:rPr lang="de-DE" dirty="0"/>
-              <a:t>Betrug</a:t>
-            </a:r>
-          </a:p>
-          <a:p>
-            <a:pPr lvl="1"/>
-            <a:r>
-              <a:rPr lang="de-DE" dirty="0"/>
-              <a:t>Betrug ist ein ungewöhnliches, gut durchdachtes, unmerklich verborgenes, sich mit der Zeit entwickelndes und oft sorgfältig organisiertes Verbrechen, das in den unterschiedlichsten Formen auftritt.</a:t>
-            </a:r>
-          </a:p>
-          <a:p>
-            <a:r>
-              <a:rPr lang="de-DE" dirty="0"/>
-              <a:t>Betrüger</a:t>
-            </a:r>
-          </a:p>
-          <a:p>
-            <a:pPr lvl="1"/>
-            <a:r>
-              <a:rPr lang="de-DE" dirty="0"/>
-              <a:t>… lernen bestehende Unternehmensregeln, z.B. über Trial &amp; Error. </a:t>
-            </a:r>
-          </a:p>
-          <a:p>
-            <a:pPr lvl="1"/>
-            <a:r>
-              <a:rPr lang="de-DE" dirty="0"/>
-              <a:t>… teilen ihr Wissen über erfolgreiche betrügerische Handlungen</a:t>
-            </a:r>
-          </a:p>
-          <a:p>
-            <a:pPr lvl="3"/>
-            <a:r>
-              <a:rPr lang="de-DE" sz="1000" dirty="0" err="1"/>
-              <a:t>Baesens</a:t>
-            </a:r>
-            <a:r>
-              <a:rPr lang="de-DE" sz="1000" dirty="0"/>
-              <a:t>, B., Van </a:t>
-            </a:r>
-            <a:r>
-              <a:rPr lang="de-DE" sz="1000" dirty="0" err="1"/>
-              <a:t>Vlasselaer</a:t>
-            </a:r>
-            <a:r>
-              <a:rPr lang="de-DE" sz="1000" dirty="0"/>
-              <a:t>, V., </a:t>
-            </a:r>
-            <a:r>
-              <a:rPr lang="de-DE" sz="1000" dirty="0" err="1"/>
-              <a:t>Verbeke</a:t>
-            </a:r>
-            <a:r>
-              <a:rPr lang="de-DE" sz="1000" dirty="0"/>
-              <a:t>, W. (2015). Fraud Analytics </a:t>
-            </a:r>
-            <a:r>
-              <a:rPr lang="de-DE" sz="1000" dirty="0" err="1"/>
-              <a:t>Using</a:t>
-            </a:r>
-            <a:r>
-              <a:rPr lang="de-DE" sz="1000" dirty="0"/>
-              <a:t> </a:t>
-            </a:r>
-            <a:r>
-              <a:rPr lang="de-DE" sz="1000" dirty="0" err="1"/>
-              <a:t>Descriptive</a:t>
-            </a:r>
-            <a:r>
-              <a:rPr lang="de-DE" sz="1000" dirty="0"/>
-              <a:t>, </a:t>
-            </a:r>
-            <a:r>
-              <a:rPr lang="de-DE" sz="1000" dirty="0" err="1"/>
-              <a:t>Predictive</a:t>
-            </a:r>
-            <a:r>
-              <a:rPr lang="de-DE" sz="1000" dirty="0"/>
-              <a:t>, and </a:t>
-            </a:r>
-            <a:r>
-              <a:rPr lang="de-DE" sz="1000" dirty="0" err="1"/>
-              <a:t>Social</a:t>
-            </a:r>
-            <a:r>
-              <a:rPr lang="de-DE" sz="1000" dirty="0"/>
-              <a:t> Network </a:t>
-            </a:r>
-            <a:r>
-              <a:rPr lang="de-DE" sz="1000" dirty="0" err="1"/>
-              <a:t>Techniques</a:t>
-            </a:r>
-            <a:r>
-              <a:rPr lang="de-DE" sz="1000" dirty="0"/>
-              <a:t>: A Guide </a:t>
-            </a:r>
-            <a:r>
-              <a:rPr lang="de-DE" sz="1000" dirty="0" err="1"/>
-              <a:t>to</a:t>
-            </a:r>
-            <a:r>
-              <a:rPr lang="de-DE" sz="1000" dirty="0"/>
-              <a:t> Data Science </a:t>
-            </a:r>
-            <a:r>
-              <a:rPr lang="de-DE" sz="1000" dirty="0" err="1"/>
-              <a:t>for</a:t>
-            </a:r>
-            <a:r>
-              <a:rPr lang="de-DE" sz="1000" dirty="0"/>
-              <a:t> Fraud </a:t>
-            </a:r>
-            <a:r>
-              <a:rPr lang="de-DE" sz="1000" dirty="0" err="1"/>
-              <a:t>Detection</a:t>
-            </a:r>
-            <a:r>
-              <a:rPr lang="de-DE" sz="1000" dirty="0"/>
-              <a:t>. Vereinigtes Königreich: Wiley.</a:t>
-            </a:r>
-          </a:p>
-          <a:p>
-            <a:endParaRPr lang="de-DE" dirty="0"/>
-          </a:p>
-        </p:txBody>
-      </p:sp>
-      <p:sp>
-        <p:nvSpPr>
-          <p:cNvPr id="12" name="Textplatzhalter 11">
-            <a:extLst>
-              <a:ext uri="{FF2B5EF4-FFF2-40B4-BE49-F238E27FC236}">
-                <a16:creationId xmlns:a16="http://schemas.microsoft.com/office/drawing/2014/main" id="{CB4EC74B-75EC-4B99-860A-B3A522EC8B9F}"/>
-              </a:ext>
-            </a:extLst>
-          </p:cNvPr>
-          <p:cNvSpPr>
-            <a:spLocks noGrp="1"/>
-          </p:cNvSpPr>
-          <p:nvPr>
-            <p:ph type="body" sz="quarter" idx="15"/>
-          </p:nvPr>
-        </p:nvSpPr>
-        <p:spPr>
-          <a:xfrm>
-            <a:off x="6275388" y="1703388"/>
-            <a:ext cx="5437187" cy="4432688"/>
-          </a:xfrm>
-        </p:spPr>
-        <p:txBody>
-          <a:bodyPr/>
-          <a:lstStyle/>
-          <a:p>
-            <a:r>
-              <a:rPr lang="de-DE" dirty="0"/>
-              <a:t>Fakten</a:t>
-            </a:r>
-          </a:p>
-          <a:p>
-            <a:pPr lvl="3"/>
-            <a:r>
-              <a:rPr lang="de-DE" dirty="0"/>
-              <a:t>Durch Betrug verlieren durchschnittliche Firmen 5% ihres Ertrags.</a:t>
-            </a:r>
-          </a:p>
-          <a:p>
-            <a:pPr lvl="3"/>
-            <a:r>
-              <a:rPr lang="de-DE" dirty="0"/>
-              <a:t>0.5% aller Kreditkartentransaktionen gelten als betrügerisch</a:t>
-            </a:r>
-          </a:p>
-          <a:p>
-            <a:pPr lvl="3"/>
-            <a:r>
-              <a:rPr lang="de-DE" dirty="0"/>
-              <a:t>Die US kostet Versicherungsbetrug 40 Mrd. $ pro Jahr</a:t>
-            </a:r>
-          </a:p>
-          <a:p>
-            <a:pPr lvl="3"/>
-            <a:endParaRPr lang="de-DE" dirty="0"/>
-          </a:p>
-          <a:p>
-            <a:pPr lvl="3"/>
-            <a:endParaRPr lang="de-DE" dirty="0"/>
-          </a:p>
-          <a:p>
-            <a:pPr lvl="3"/>
-            <a:endParaRPr lang="de-DE" dirty="0"/>
-          </a:p>
-          <a:p>
-            <a:pPr marL="0" lvl="3" indent="0">
-              <a:buNone/>
-            </a:pPr>
-            <a:r>
-              <a:rPr lang="de-DE" sz="1600" dirty="0">
-                <a:latin typeface="+mj-lt"/>
-              </a:rPr>
-              <a:t>Einige Betrugskategorien</a:t>
-            </a:r>
-          </a:p>
-          <a:p>
-            <a:pPr marL="0" lvl="3" indent="0">
-              <a:buNone/>
-            </a:pPr>
-            <a:endParaRPr lang="de-DE" sz="1600" dirty="0">
-              <a:latin typeface="+mj-lt"/>
-            </a:endParaRPr>
-          </a:p>
-          <a:p>
-            <a:pPr lvl="3"/>
-            <a:r>
-              <a:rPr lang="de-DE" sz="1400" dirty="0">
-                <a:latin typeface="+mn-lt"/>
-              </a:rPr>
-              <a:t>Kreditkartenbetrug:		z.B. Identitätsdiebstahl</a:t>
-            </a:r>
-          </a:p>
-          <a:p>
-            <a:pPr lvl="3"/>
-            <a:r>
-              <a:rPr lang="de-DE" sz="1400" dirty="0">
-                <a:latin typeface="+mn-lt"/>
-              </a:rPr>
-              <a:t>Versicherungsbetrug:		z.B. gefälschte Rezepte</a:t>
-            </a:r>
-          </a:p>
-          <a:p>
-            <a:pPr lvl="3"/>
-            <a:r>
-              <a:rPr lang="de-DE" sz="1400" dirty="0">
-                <a:latin typeface="+mn-lt"/>
-              </a:rPr>
-              <a:t>Steuerhinterziehung:		z.B. Cum-Ex</a:t>
-            </a:r>
-          </a:p>
-          <a:p>
-            <a:pPr lvl="3"/>
-            <a:r>
-              <a:rPr lang="de-DE" sz="1400" dirty="0">
-                <a:latin typeface="+mn-lt"/>
-              </a:rPr>
-              <a:t>Geldwäsche:		z.B. gefälschte Abrechnungen </a:t>
-            </a:r>
-          </a:p>
-          <a:p>
-            <a:pPr lvl="3"/>
-            <a:r>
-              <a:rPr lang="de-DE" sz="1400" dirty="0">
-                <a:latin typeface="+mn-lt"/>
-              </a:rPr>
-              <a:t>Bilanzfälschung:		z.B. Wirecard</a:t>
-            </a:r>
-          </a:p>
-          <a:p>
-            <a:endParaRPr lang="de-DE" dirty="0"/>
-          </a:p>
-          <a:p>
             <a:endParaRPr lang="en-US" dirty="0"/>
           </a:p>
         </p:txBody>
@@ -24379,7 +24699,7 @@
           <p:cNvPr id="6" name="Datumsplatzhalter 5">
             <a:extLst>
               <a:ext uri="{FF2B5EF4-FFF2-40B4-BE49-F238E27FC236}">
-                <a16:creationId xmlns:a16="http://schemas.microsoft.com/office/drawing/2014/main" id="{AECFEE6E-C969-4DF0-8AC4-CEA9AD45FF76}"/>
+                <a16:creationId xmlns:a16="http://schemas.microsoft.com/office/drawing/2014/main" id="{2EEF485D-D523-49EF-9EFE-06A3E1D0F614}"/>
               </a:ext>
             </a:extLst>
           </p:cNvPr>
@@ -24395,9 +24715,9 @@
           <a:bodyPr/>
           <a:lstStyle/>
           <a:p>
-            <a:fld id="{F9967109-B16C-44BE-AAA6-3FD25DAD3A1B}" type="datetime1">
+            <a:fld id="{3FF77DFC-33DC-4457-974A-3F8ABA01093A}" type="datetime1">
               <a:rPr lang="de-DE" noProof="0" smtClean="0"/>
-              <a:t>30.10.2022</a:t>
+              <a:t>02.11.2022</a:t>
             </a:fld>
             <a:endParaRPr lang="de-DE" noProof="0" dirty="0"/>
           </a:p>
@@ -24408,7 +24728,7 @@
           <p:cNvPr id="7" name="Foliennummernplatzhalter 6">
             <a:extLst>
               <a:ext uri="{FF2B5EF4-FFF2-40B4-BE49-F238E27FC236}">
-                <a16:creationId xmlns:a16="http://schemas.microsoft.com/office/drawing/2014/main" id="{34B5949D-E893-4E07-9843-D028E976772F}"/>
+                <a16:creationId xmlns:a16="http://schemas.microsoft.com/office/drawing/2014/main" id="{EB09D25F-56C6-45BC-847B-C3EBA6862526}"/>
               </a:ext>
             </a:extLst>
           </p:cNvPr>
@@ -24428,149 +24748,6 @@
               <a:rPr lang="de-DE" smtClean="0"/>
               <a:pPr/>
               <a:t>4</a:t>
-            </a:fld>
-            <a:endParaRPr lang="de-DE"/>
-          </a:p>
-        </p:txBody>
-      </p:sp>
-    </p:spTree>
-    <p:extLst>
-      <p:ext uri="{BB962C8B-B14F-4D97-AF65-F5344CB8AC3E}">
-        <p14:creationId xmlns:p14="http://schemas.microsoft.com/office/powerpoint/2010/main" val="2074511726"/>
-      </p:ext>
-    </p:extLst>
-  </p:cSld>
-  <p:clrMapOvr>
-    <a:masterClrMapping/>
-  </p:clrMapOvr>
-</p:sld>
-</file>
-
-<file path=ppt/slides/slide5.xml><?xml version="1.0" encoding="utf-8"?>
-<p:sld xmlns:a="http://schemas.openxmlformats.org/drawingml/2006/main" xmlns:r="http://schemas.openxmlformats.org/officeDocument/2006/relationships" xmlns:p="http://schemas.openxmlformats.org/presentationml/2006/main">
-  <p:cSld>
-    <p:spTree>
-      <p:nvGrpSpPr>
-        <p:cNvPr id="1" name=""/>
-        <p:cNvGrpSpPr/>
-        <p:nvPr/>
-      </p:nvGrpSpPr>
-      <p:grpSpPr>
-        <a:xfrm>
-          <a:off x="0" y="0"/>
-          <a:ext cx="0" cy="0"/>
-          <a:chOff x="0" y="0"/>
-          <a:chExt cx="0" cy="0"/>
-        </a:xfrm>
-      </p:grpSpPr>
-      <p:sp>
-        <p:nvSpPr>
-          <p:cNvPr id="2" name="Titel 1">
-            <a:extLst>
-              <a:ext uri="{FF2B5EF4-FFF2-40B4-BE49-F238E27FC236}">
-                <a16:creationId xmlns:a16="http://schemas.microsoft.com/office/drawing/2014/main" id="{488253FC-90C3-48A0-A977-AC196A239C2E}"/>
-              </a:ext>
-            </a:extLst>
-          </p:cNvPr>
-          <p:cNvSpPr>
-            <a:spLocks noGrp="1"/>
-          </p:cNvSpPr>
-          <p:nvPr>
-            <p:ph type="title"/>
-          </p:nvPr>
-        </p:nvSpPr>
-        <p:spPr/>
-        <p:txBody>
-          <a:bodyPr/>
-          <a:lstStyle/>
-          <a:p>
-            <a:r>
-              <a:rPr lang="en-US" dirty="0" err="1"/>
-              <a:t>Betrugserkennungszyklus</a:t>
-            </a:r>
-            <a:endParaRPr lang="en-US" dirty="0"/>
-          </a:p>
-        </p:txBody>
-      </p:sp>
-      <p:sp>
-        <p:nvSpPr>
-          <p:cNvPr id="3" name="Textplatzhalter 2">
-            <a:extLst>
-              <a:ext uri="{FF2B5EF4-FFF2-40B4-BE49-F238E27FC236}">
-                <a16:creationId xmlns:a16="http://schemas.microsoft.com/office/drawing/2014/main" id="{6CA0F6E0-D878-4742-8D52-2CCBB90F827F}"/>
-              </a:ext>
-            </a:extLst>
-          </p:cNvPr>
-          <p:cNvSpPr>
-            <a:spLocks noGrp="1"/>
-          </p:cNvSpPr>
-          <p:nvPr>
-            <p:ph type="body" sz="quarter" idx="13"/>
-          </p:nvPr>
-        </p:nvSpPr>
-        <p:spPr/>
-        <p:txBody>
-          <a:bodyPr/>
-          <a:lstStyle/>
-          <a:p>
-            <a:endParaRPr lang="en-US" dirty="0"/>
-          </a:p>
-        </p:txBody>
-      </p:sp>
-      <p:sp>
-        <p:nvSpPr>
-          <p:cNvPr id="6" name="Datumsplatzhalter 5">
-            <a:extLst>
-              <a:ext uri="{FF2B5EF4-FFF2-40B4-BE49-F238E27FC236}">
-                <a16:creationId xmlns:a16="http://schemas.microsoft.com/office/drawing/2014/main" id="{2EEF485D-D523-49EF-9EFE-06A3E1D0F614}"/>
-              </a:ext>
-            </a:extLst>
-          </p:cNvPr>
-          <p:cNvSpPr>
-            <a:spLocks noGrp="1"/>
-          </p:cNvSpPr>
-          <p:nvPr>
-            <p:ph type="dt" sz="half" idx="16"/>
-          </p:nvPr>
-        </p:nvSpPr>
-        <p:spPr/>
-        <p:txBody>
-          <a:bodyPr/>
-          <a:lstStyle/>
-          <a:p>
-            <a:fld id="{3FF77DFC-33DC-4457-974A-3F8ABA01093A}" type="datetime1">
-              <a:rPr lang="de-DE" noProof="0" smtClean="0"/>
-              <a:t>30.10.2022</a:t>
-            </a:fld>
-            <a:endParaRPr lang="de-DE" noProof="0" dirty="0"/>
-          </a:p>
-        </p:txBody>
-      </p:sp>
-      <p:sp>
-        <p:nvSpPr>
-          <p:cNvPr id="7" name="Foliennummernplatzhalter 6">
-            <a:extLst>
-              <a:ext uri="{FF2B5EF4-FFF2-40B4-BE49-F238E27FC236}">
-                <a16:creationId xmlns:a16="http://schemas.microsoft.com/office/drawing/2014/main" id="{EB09D25F-56C6-45BC-847B-C3EBA6862526}"/>
-              </a:ext>
-            </a:extLst>
-          </p:cNvPr>
-          <p:cNvSpPr>
-            <a:spLocks noGrp="1"/>
-          </p:cNvSpPr>
-          <p:nvPr>
-            <p:ph type="sldNum" sz="quarter" idx="18"/>
-          </p:nvPr>
-        </p:nvSpPr>
-        <p:spPr/>
-        <p:txBody>
-          <a:bodyPr/>
-          <a:lstStyle/>
-          <a:p>
-            <a:fld id="{3D81EE41-304C-41C3-8185-350F2275D756}" type="slidenum">
-              <a:rPr lang="de-DE" smtClean="0"/>
-              <a:pPr/>
-              <a:t>5</a:t>
             </a:fld>
             <a:endParaRPr lang="de-DE"/>
           </a:p>
@@ -25745,7 +25922,7 @@
 </p:sld>
 </file>
 
-<file path=ppt/slides/slide6.xml><?xml version="1.0" encoding="utf-8"?>
+<file path=ppt/slides/slide5.xml><?xml version="1.0" encoding="utf-8"?>
 <p:sld xmlns:a="http://schemas.openxmlformats.org/drawingml/2006/main" xmlns:r="http://schemas.openxmlformats.org/officeDocument/2006/relationships" xmlns:p="http://schemas.openxmlformats.org/presentationml/2006/main">
   <p:cSld>
     <p:spTree>
@@ -25844,7 +26021,7 @@
         <p:spPr>
           <a:xfrm>
             <a:off x="478199" y="1703388"/>
-            <a:ext cx="4556788" cy="3180038"/>
+            <a:ext cx="4556788" cy="2909194"/>
           </a:xfrm>
         </p:spPr>
         <p:txBody>
@@ -25858,7 +26035,9 @@
           </a:p>
           <a:p>
             <a:r>
-              <a:rPr lang="de-DE" dirty="0"/>
+              <a:rPr lang="de-DE" dirty="0">
+                <a:latin typeface="+mn-lt"/>
+              </a:rPr>
               <a:t>[…] Demnach soll das RKI künftig die Abrechnungsdaten analysieren, "statistische Ausreißer" identifizieren, […] wie die Positivrate der Schnelltests. Entdecke das RKI Unregelmäßigkeiten, solle es die örtlichen Gesundheitsämter und die zuständige Kassenärztliche Vereinigung unterrichten, so der Plan des Ministeriums. </a:t>
             </a:r>
           </a:p>
@@ -25890,7 +26069,7 @@
           <a:p>
             <a:fld id="{3FF77DFC-33DC-4457-974A-3F8ABA01093A}" type="datetime1">
               <a:rPr lang="de-DE" noProof="0" smtClean="0"/>
-              <a:t>30.10.2022</a:t>
+              <a:t>02.11.2022</a:t>
             </a:fld>
             <a:endParaRPr lang="de-DE" noProof="0" dirty="0"/>
           </a:p>
@@ -25920,7 +26099,7 @@
             <a:fld id="{3D81EE41-304C-41C3-8185-350F2275D756}" type="slidenum">
               <a:rPr lang="de-DE" smtClean="0"/>
               <a:pPr/>
-              <a:t>6</a:t>
+              <a:t>5</a:t>
             </a:fld>
             <a:endParaRPr lang="de-DE"/>
           </a:p>
@@ -25999,7 +26178,7 @@
 </p:sld>
 </file>
 
-<file path=ppt/slides/slide7.xml><?xml version="1.0" encoding="utf-8"?>
+<file path=ppt/slides/slide6.xml><?xml version="1.0" encoding="utf-8"?>
 <p:sld xmlns:a="http://schemas.openxmlformats.org/drawingml/2006/main" xmlns:r="http://schemas.openxmlformats.org/officeDocument/2006/relationships" xmlns:p="http://schemas.openxmlformats.org/presentationml/2006/main">
   <p:cSld>
     <p:spTree>
@@ -26209,7 +26388,7 @@
           <a:p>
             <a:fld id="{F9967109-B16C-44BE-AAA6-3FD25DAD3A1B}" type="datetime1">
               <a:rPr lang="de-DE" noProof="0" smtClean="0"/>
-              <a:t>30.10.2022</a:t>
+              <a:t>02.11.2022</a:t>
             </a:fld>
             <a:endParaRPr lang="de-DE" noProof="0" dirty="0"/>
           </a:p>
@@ -26239,7 +26418,7 @@
             <a:fld id="{3D81EE41-304C-41C3-8185-350F2275D756}" type="slidenum">
               <a:rPr lang="de-DE" smtClean="0"/>
               <a:pPr/>
-              <a:t>7</a:t>
+              <a:t>6</a:t>
             </a:fld>
             <a:endParaRPr lang="de-DE"/>
           </a:p>
@@ -26273,7 +26452,7 @@
           <a:graphicData uri="http://schemas.openxmlformats.org/presentationml/2006/ole">
             <mc:AlternateContent xmlns:mc="http://schemas.openxmlformats.org/markup-compatibility/2006">
               <mc:Choice xmlns:v="urn:schemas-microsoft-com:vml" Requires="v">
-                <p:oleObj spid="_x0000_s17411" name="Equation" r:id="rId3" imgW="1152624" imgH="942975" progId="Equation.DSMT4">
+                <p:oleObj spid="_x0000_s17427" name="Equation" r:id="rId3" imgW="1152624" imgH="942975" progId="Equation.DSMT4">
                   <p:embed/>
                 </p:oleObj>
               </mc:Choice>
@@ -26327,7 +26506,7 @@
 </p:sld>
 </file>
 
-<file path=ppt/slides/slide8.xml><?xml version="1.0" encoding="utf-8"?>
+<file path=ppt/slides/slide7.xml><?xml version="1.0" encoding="utf-8"?>
 <p:sld xmlns:a="http://schemas.openxmlformats.org/drawingml/2006/main" xmlns:r="http://schemas.openxmlformats.org/officeDocument/2006/relationships" xmlns:p="http://schemas.openxmlformats.org/presentationml/2006/main">
   <p:cSld>
     <p:spTree>
@@ -26511,7 +26690,7 @@
           <a:p>
             <a:fld id="{F9967109-B16C-44BE-AAA6-3FD25DAD3A1B}" type="datetime1">
               <a:rPr lang="de-DE" noProof="0" smtClean="0"/>
-              <a:t>30.10.2022</a:t>
+              <a:t>02.11.2022</a:t>
             </a:fld>
             <a:endParaRPr lang="de-DE" noProof="0" dirty="0"/>
           </a:p>
@@ -26541,7 +26720,7 @@
             <a:fld id="{3D81EE41-304C-41C3-8185-350F2275D756}" type="slidenum">
               <a:rPr lang="de-DE" smtClean="0"/>
               <a:pPr/>
-              <a:t>8</a:t>
+              <a:t>7</a:t>
             </a:fld>
             <a:endParaRPr lang="de-DE"/>
           </a:p>
@@ -26575,7 +26754,7 @@
           <a:graphicData uri="http://schemas.openxmlformats.org/presentationml/2006/ole">
             <mc:AlternateContent xmlns:mc="http://schemas.openxmlformats.org/markup-compatibility/2006">
               <mc:Choice xmlns:v="urn:schemas-microsoft-com:vml" Requires="v">
-                <p:oleObj spid="_x0000_s18435" name="Equation" r:id="rId3" imgW="1152624" imgH="942975" progId="Equation.DSMT4">
+                <p:oleObj spid="_x0000_s18451" name="Equation" r:id="rId3" imgW="1152624" imgH="942975" progId="Equation.DSMT4">
                   <p:embed/>
                 </p:oleObj>
               </mc:Choice>
@@ -26663,7 +26842,7 @@
 </p:sld>
 </file>
 
-<file path=ppt/slides/slide9.xml><?xml version="1.0" encoding="utf-8"?>
+<file path=ppt/slides/slide8.xml><?xml version="1.0" encoding="utf-8"?>
 <p:sld xmlns:a="http://schemas.openxmlformats.org/drawingml/2006/main" xmlns:r="http://schemas.openxmlformats.org/officeDocument/2006/relationships" xmlns:p="http://schemas.openxmlformats.org/presentationml/2006/main">
   <p:cSld>
     <p:spTree>
@@ -26816,7 +26995,7 @@
         </p:nvSpPr>
         <p:spPr>
           <a:xfrm>
-            <a:off x="2763882" y="1695292"/>
+            <a:off x="2922503" y="1695292"/>
             <a:ext cx="5437187" cy="2827954"/>
           </a:xfrm>
         </p:spPr>
@@ -26929,7 +27108,7 @@
             <a:fld id="{F9967109-B16C-44BE-AAA6-3FD25DAD3A1B}" type="datetime1">
               <a:rPr lang="de-DE" noProof="0" smtClean="0"/>
               <a:pPr/>
-              <a:t>31.10.2022</a:t>
+              <a:t>02.11.2022</a:t>
             </a:fld>
             <a:endParaRPr lang="de-DE" noProof="0" dirty="0"/>
           </a:p>
@@ -26959,7 +27138,7 @@
             <a:fld id="{3D81EE41-304C-41C3-8185-350F2275D756}" type="slidenum">
               <a:rPr lang="de-DE" smtClean="0"/>
               <a:pPr/>
-              <a:t>9</a:t>
+              <a:t>8</a:t>
             </a:fld>
             <a:endParaRPr lang="de-DE"/>
           </a:p>
@@ -26987,7 +27166,7 @@
           <a:graphicData uri="http://schemas.openxmlformats.org/presentationml/2006/ole">
             <mc:AlternateContent xmlns:mc="http://schemas.openxmlformats.org/markup-compatibility/2006">
               <mc:Choice xmlns:v="urn:schemas-microsoft-com:vml" Requires="v">
-                <p:oleObj spid="_x0000_s19468" name="Equation" r:id="rId3" imgW="1152624" imgH="942975" progId="Equation.DSMT4">
+                <p:oleObj spid="_x0000_s19628" name="Equation" r:id="rId3" imgW="1152624" imgH="942975" progId="Equation.DSMT4">
                   <p:embed/>
                 </p:oleObj>
               </mc:Choice>
@@ -27043,20 +27222,20 @@
           <p:nvPr>
             <p:extLst>
               <p:ext uri="{D42A27DB-BD31-4B8C-83A1-F6EECF244321}">
-                <p14:modId xmlns:p14="http://schemas.microsoft.com/office/powerpoint/2010/main" val="2154464393"/>
+                <p14:modId xmlns:p14="http://schemas.microsoft.com/office/powerpoint/2010/main" val="752927956"/>
               </p:ext>
             </p:extLst>
           </p:nvPr>
         </p:nvGraphicFramePr>
         <p:xfrm>
-          <a:off x="4939791" y="2181311"/>
+          <a:off x="5098412" y="2181311"/>
           <a:ext cx="829149" cy="345479"/>
         </p:xfrm>
         <a:graphic>
           <a:graphicData uri="http://schemas.openxmlformats.org/presentationml/2006/ole">
             <mc:AlternateContent xmlns:mc="http://schemas.openxmlformats.org/markup-compatibility/2006">
               <mc:Choice xmlns:v="urn:schemas-microsoft-com:vml" Requires="v">
-                <p:oleObj spid="_x0000_s19469" name="Equation" r:id="rId5" imgW="494870" imgH="203024" progId="Equation.DSMT4">
+                <p:oleObj spid="_x0000_s19629" name="Equation" r:id="rId5" imgW="494870" imgH="203024" progId="Equation.DSMT4">
                   <p:embed/>
                 </p:oleObj>
               </mc:Choice>
@@ -27092,7 +27271,7 @@
                     </p:blipFill>
                     <p:spPr bwMode="auto">
                       <a:xfrm>
-                        <a:off x="4939791" y="2181311"/>
+                        <a:off x="5098412" y="2181311"/>
                         <a:ext cx="829149" cy="345479"/>
                       </a:xfrm>
                       <a:prstGeom prst="rect">
@@ -27122,20 +27301,20 @@
           <p:nvPr>
             <p:extLst>
               <p:ext uri="{D42A27DB-BD31-4B8C-83A1-F6EECF244321}">
-                <p14:modId xmlns:p14="http://schemas.microsoft.com/office/powerpoint/2010/main" val="3692213773"/>
+                <p14:modId xmlns:p14="http://schemas.microsoft.com/office/powerpoint/2010/main" val="3973188388"/>
               </p:ext>
             </p:extLst>
           </p:nvPr>
         </p:nvGraphicFramePr>
         <p:xfrm>
-          <a:off x="4939791" y="2571777"/>
+          <a:off x="5098412" y="2486218"/>
           <a:ext cx="3018916" cy="794742"/>
         </p:xfrm>
         <a:graphic>
           <a:graphicData uri="http://schemas.openxmlformats.org/presentationml/2006/ole">
             <mc:AlternateContent xmlns:mc="http://schemas.openxmlformats.org/markup-compatibility/2006">
               <mc:Choice xmlns:v="urn:schemas-microsoft-com:vml" Requires="v">
-                <p:oleObj spid="_x0000_s19470" name="Equation" r:id="rId7" imgW="1739900" imgH="457200" progId="Equation.DSMT4">
+                <p:oleObj spid="_x0000_s19630" name="Equation" r:id="rId7" imgW="1739900" imgH="457200" progId="Equation.DSMT4">
                   <p:embed/>
                 </p:oleObj>
               </mc:Choice>
@@ -27171,7 +27350,7 @@
                     </p:blipFill>
                     <p:spPr bwMode="auto">
                       <a:xfrm>
-                        <a:off x="4939791" y="2571777"/>
+                        <a:off x="5098412" y="2486218"/>
                         <a:ext cx="3018916" cy="794742"/>
                       </a:xfrm>
                       <a:prstGeom prst="rect">
@@ -27201,20 +27380,20 @@
           <p:nvPr>
             <p:extLst>
               <p:ext uri="{D42A27DB-BD31-4B8C-83A1-F6EECF244321}">
-                <p14:modId xmlns:p14="http://schemas.microsoft.com/office/powerpoint/2010/main" val="1534844836"/>
+                <p14:modId xmlns:p14="http://schemas.microsoft.com/office/powerpoint/2010/main" val="2858254513"/>
               </p:ext>
             </p:extLst>
           </p:nvPr>
         </p:nvGraphicFramePr>
         <p:xfrm>
-          <a:off x="4939791" y="3411506"/>
+          <a:off x="5076571" y="3221102"/>
           <a:ext cx="1346825" cy="364765"/>
         </p:xfrm>
         <a:graphic>
           <a:graphicData uri="http://schemas.openxmlformats.org/presentationml/2006/ole">
             <mc:AlternateContent xmlns:mc="http://schemas.openxmlformats.org/markup-compatibility/2006">
               <mc:Choice xmlns:v="urn:schemas-microsoft-com:vml" Requires="v">
-                <p:oleObj spid="_x0000_s19471" name="Equation" r:id="rId9" imgW="761669" imgH="203112" progId="Equation.DSMT4">
+                <p:oleObj spid="_x0000_s19631" name="Equation" r:id="rId9" imgW="761669" imgH="203112" progId="Equation.DSMT4">
                   <p:embed/>
                 </p:oleObj>
               </mc:Choice>
@@ -27250,7 +27429,7 @@
                     </p:blipFill>
                     <p:spPr bwMode="auto">
                       <a:xfrm>
-                        <a:off x="4939791" y="3411506"/>
+                        <a:off x="5076571" y="3221102"/>
                         <a:ext cx="1346825" cy="364765"/>
                       </a:xfrm>
                       <a:prstGeom prst="rect">
@@ -27280,25 +27459,25 @@
           <p:nvPr>
             <p:extLst>
               <p:ext uri="{D42A27DB-BD31-4B8C-83A1-F6EECF244321}">
-                <p14:modId xmlns:p14="http://schemas.microsoft.com/office/powerpoint/2010/main" val="2315207679"/>
+                <p14:modId xmlns:p14="http://schemas.microsoft.com/office/powerpoint/2010/main" val="4122410109"/>
               </p:ext>
             </p:extLst>
           </p:nvPr>
         </p:nvGraphicFramePr>
         <p:xfrm>
-          <a:off x="4939983" y="3821225"/>
-          <a:ext cx="3111500" cy="384175"/>
+          <a:off x="5076571" y="3691553"/>
+          <a:ext cx="2620963" cy="384175"/>
         </p:xfrm>
         <a:graphic>
           <a:graphicData uri="http://schemas.openxmlformats.org/presentationml/2006/ole">
             <mc:AlternateContent xmlns:mc="http://schemas.openxmlformats.org/markup-compatibility/2006">
               <mc:Choice xmlns:v="urn:schemas-microsoft-com:vml" Requires="v">
-                <p:oleObj spid="_x0000_s19472" name="Equation" r:id="rId11" imgW="1854200" imgH="228600" progId="Equation.DSMT4">
+                <p:oleObj spid="_x0000_s19632" name="Equation" r:id="rId11" imgW="1562040" imgH="228600" progId="Equation.DSMT4">
                   <p:embed/>
                 </p:oleObj>
               </mc:Choice>
               <mc:Fallback>
-                <p:oleObj name="Equation" r:id="rId11" imgW="1854200" imgH="228600" progId="Equation.DSMT4">
+                <p:oleObj name="Equation" r:id="rId11" imgW="1562040" imgH="228600" progId="Equation.DSMT4">
                   <p:embed/>
                   <p:pic>
                     <p:nvPicPr>
@@ -27315,13 +27494,7 @@
                       <p:nvPr/>
                     </p:nvPicPr>
                     <p:blipFill>
-                      <a:blip r:embed="rId12">
-                        <a:extLst>
-                          <a:ext uri="{28A0092B-C50C-407E-A947-70E740481C1C}">
-                            <a14:useLocalDpi xmlns:a14="http://schemas.microsoft.com/office/drawing/2010/main" val="0"/>
-                          </a:ext>
-                        </a:extLst>
-                      </a:blip>
+                      <a:blip r:embed="rId12"/>
                       <a:srcRect/>
                       <a:stretch>
                         <a:fillRect/>
@@ -27329,8 +27502,8 @@
                     </p:blipFill>
                     <p:spPr bwMode="auto">
                       <a:xfrm>
-                        <a:off x="4939983" y="3821225"/>
-                        <a:ext cx="3111500" cy="384175"/>
+                        <a:off x="5076571" y="3691553"/>
+                        <a:ext cx="2620963" cy="384175"/>
                       </a:xfrm>
                       <a:prstGeom prst="rect">
                         <a:avLst/>
@@ -27359,20 +27532,20 @@
           <p:nvPr>
             <p:extLst>
               <p:ext uri="{D42A27DB-BD31-4B8C-83A1-F6EECF244321}">
-                <p14:modId xmlns:p14="http://schemas.microsoft.com/office/powerpoint/2010/main" val="1383081587"/>
+                <p14:modId xmlns:p14="http://schemas.microsoft.com/office/powerpoint/2010/main" val="517036378"/>
               </p:ext>
             </p:extLst>
           </p:nvPr>
         </p:nvGraphicFramePr>
         <p:xfrm>
-          <a:off x="4939791" y="4250538"/>
+          <a:off x="5098412" y="4250538"/>
           <a:ext cx="825708" cy="291115"/>
         </p:xfrm>
         <a:graphic>
           <a:graphicData uri="http://schemas.openxmlformats.org/presentationml/2006/ole">
             <mc:AlternateContent xmlns:mc="http://schemas.openxmlformats.org/markup-compatibility/2006">
               <mc:Choice xmlns:v="urn:schemas-microsoft-com:vml" Requires="v">
-                <p:oleObj spid="_x0000_s19473" name="Equation" r:id="rId13" imgW="494870" imgH="177646" progId="Equation.DSMT4">
+                <p:oleObj spid="_x0000_s19633" name="Equation" r:id="rId13" imgW="494870" imgH="177646" progId="Equation.DSMT4">
                   <p:embed/>
                 </p:oleObj>
               </mc:Choice>
@@ -27408,7 +27581,7 @@
                     </p:blipFill>
                     <p:spPr bwMode="auto">
                       <a:xfrm>
-                        <a:off x="4939791" y="4250538"/>
+                        <a:off x="5098412" y="4250538"/>
                         <a:ext cx="825708" cy="291115"/>
                       </a:xfrm>
                       <a:prstGeom prst="rect">
@@ -27609,7 +27782,7 @@
           <a:graphicData uri="http://schemas.openxmlformats.org/presentationml/2006/ole">
             <mc:AlternateContent xmlns:mc="http://schemas.openxmlformats.org/markup-compatibility/2006">
               <mc:Choice xmlns:v="urn:schemas-microsoft-com:vml" Requires="v">
-                <p:oleObj spid="_x0000_s19474" name="Equation" r:id="rId17" imgW="241200" imgH="152280" progId="Equation.DSMT4">
+                <p:oleObj spid="_x0000_s19634" name="Equation" r:id="rId17" imgW="241200" imgH="152280" progId="Equation.DSMT4">
                   <p:embed/>
                 </p:oleObj>
               </mc:Choice>
@@ -27678,7 +27851,7 @@
           <a:graphicData uri="http://schemas.openxmlformats.org/presentationml/2006/ole">
             <mc:AlternateContent xmlns:mc="http://schemas.openxmlformats.org/markup-compatibility/2006">
               <mc:Choice xmlns:v="urn:schemas-microsoft-com:vml" Requires="v">
-                <p:oleObj spid="_x0000_s19475" name="Equation" r:id="rId19" imgW="152315" imgH="171385" progId="Equation.DSMT4">
+                <p:oleObj spid="_x0000_s19635" name="Equation" r:id="rId19" imgW="152315" imgH="171385" progId="Equation.DSMT4">
                   <p:embed/>
                 </p:oleObj>
               </mc:Choice>
@@ -27747,7 +27920,7 @@
           <a:graphicData uri="http://schemas.openxmlformats.org/presentationml/2006/ole">
             <mc:AlternateContent xmlns:mc="http://schemas.openxmlformats.org/markup-compatibility/2006">
               <mc:Choice xmlns:v="urn:schemas-microsoft-com:vml" Requires="v">
-                <p:oleObj spid="_x0000_s19476" name="Equation" r:id="rId21" imgW="241200" imgH="139680" progId="Equation.DSMT4">
+                <p:oleObj spid="_x0000_s19636" name="Equation" r:id="rId21" imgW="241200" imgH="139680" progId="Equation.DSMT4">
                   <p:embed/>
                 </p:oleObj>
               </mc:Choice>
@@ -27810,7 +27983,7 @@
           <a:graphicData uri="http://schemas.openxmlformats.org/presentationml/2006/ole">
             <mc:AlternateContent xmlns:mc="http://schemas.openxmlformats.org/markup-compatibility/2006">
               <mc:Choice xmlns:v="urn:schemas-microsoft-com:vml" Requires="v">
-                <p:oleObj spid="_x0000_s19477" name="Equation" r:id="rId23" imgW="192254" imgH="214928" progId="Equation.DSMT4">
+                <p:oleObj spid="_x0000_s19637" name="Equation" r:id="rId23" imgW="192254" imgH="214928" progId="Equation.DSMT4">
                   <p:embed/>
                 </p:oleObj>
               </mc:Choice>
@@ -27849,6 +28022,537 @@
     <p:extLst>
       <p:ext uri="{BB962C8B-B14F-4D97-AF65-F5344CB8AC3E}">
         <p14:creationId xmlns:p14="http://schemas.microsoft.com/office/powerpoint/2010/main" val="2307677190"/>
+      </p:ext>
+    </p:extLst>
+  </p:cSld>
+  <p:clrMapOvr>
+    <a:masterClrMapping/>
+  </p:clrMapOvr>
+</p:sld>
+</file>
+
+<file path=ppt/slides/slide9.xml><?xml version="1.0" encoding="utf-8"?>
+<p:sld xmlns:a="http://schemas.openxmlformats.org/drawingml/2006/main" xmlns:r="http://schemas.openxmlformats.org/officeDocument/2006/relationships" xmlns:p="http://schemas.openxmlformats.org/presentationml/2006/main">
+  <p:cSld>
+    <p:spTree>
+      <p:nvGrpSpPr>
+        <p:cNvPr id="1" name=""/>
+        <p:cNvGrpSpPr/>
+        <p:nvPr/>
+      </p:nvGrpSpPr>
+      <p:grpSpPr>
+        <a:xfrm>
+          <a:off x="0" y="0"/>
+          <a:ext cx="0" cy="0"/>
+          <a:chOff x="0" y="0"/>
+          <a:chExt cx="0" cy="0"/>
+        </a:xfrm>
+      </p:grpSpPr>
+      <p:sp>
+        <p:nvSpPr>
+          <p:cNvPr id="2" name="Titel 1">
+            <a:extLst>
+              <a:ext uri="{FF2B5EF4-FFF2-40B4-BE49-F238E27FC236}">
+                <a16:creationId xmlns:a16="http://schemas.microsoft.com/office/drawing/2014/main" id="{7B9A77DC-45D5-43D2-AF53-CCE0CF8135BD}"/>
+              </a:ext>
+            </a:extLst>
+          </p:cNvPr>
+          <p:cNvSpPr>
+            <a:spLocks noGrp="1"/>
+          </p:cNvSpPr>
+          <p:nvPr>
+            <p:ph type="title"/>
+          </p:nvPr>
+        </p:nvSpPr>
+        <p:spPr/>
+        <p:txBody>
+          <a:bodyPr/>
+          <a:lstStyle/>
+          <a:p>
+            <a:r>
+              <a:rPr lang="en-US" dirty="0" err="1"/>
+              <a:t>Datenlage</a:t>
+            </a:r>
+            <a:endParaRPr lang="en-US" dirty="0"/>
+          </a:p>
+        </p:txBody>
+      </p:sp>
+      <p:sp>
+        <p:nvSpPr>
+          <p:cNvPr id="3" name="Textplatzhalter 2">
+            <a:extLst>
+              <a:ext uri="{FF2B5EF4-FFF2-40B4-BE49-F238E27FC236}">
+                <a16:creationId xmlns:a16="http://schemas.microsoft.com/office/drawing/2014/main" id="{909EFDF7-9B01-4F84-AB6C-434EEB7BB869}"/>
+              </a:ext>
+            </a:extLst>
+          </p:cNvPr>
+          <p:cNvSpPr>
+            <a:spLocks noGrp="1"/>
+          </p:cNvSpPr>
+          <p:nvPr>
+            <p:ph type="body" sz="quarter" idx="13"/>
+          </p:nvPr>
+        </p:nvSpPr>
+        <p:spPr/>
+        <p:txBody>
+          <a:bodyPr/>
+          <a:lstStyle/>
+          <a:p>
+            <a:r>
+              <a:rPr lang="en-US" dirty="0" err="1"/>
+              <a:t>Zeitreihen</a:t>
+            </a:r>
+            <a:endParaRPr lang="en-US" dirty="0"/>
+          </a:p>
+        </p:txBody>
+      </p:sp>
+      <p:sp>
+        <p:nvSpPr>
+          <p:cNvPr id="4" name="Textplatzhalter 3">
+            <a:extLst>
+              <a:ext uri="{FF2B5EF4-FFF2-40B4-BE49-F238E27FC236}">
+                <a16:creationId xmlns:a16="http://schemas.microsoft.com/office/drawing/2014/main" id="{40018D4A-0E31-406C-9FD6-77E65AA21784}"/>
+              </a:ext>
+            </a:extLst>
+          </p:cNvPr>
+          <p:cNvSpPr>
+            <a:spLocks noGrp="1"/>
+          </p:cNvSpPr>
+          <p:nvPr>
+            <p:ph type="body" sz="quarter" idx="14"/>
+          </p:nvPr>
+        </p:nvSpPr>
+        <p:spPr>
+          <a:xfrm>
+            <a:off x="478199" y="1703388"/>
+            <a:ext cx="5381625" cy="4425507"/>
+          </a:xfrm>
+        </p:spPr>
+        <p:txBody>
+          <a:bodyPr/>
+          <a:lstStyle/>
+          <a:p>
+            <a:pPr lvl="1"/>
+            <a:r>
+              <a:rPr lang="de-DE" dirty="0"/>
+              <a:t>Aufsummierte Ergebnisse der Bernoulli Zufallsexperimente innerhalb eines Bernoulli-Prozesses (</a:t>
+            </a:r>
+            <a:r>
+              <a:rPr lang="de-DE" dirty="0" err="1"/>
+              <a:t>random</a:t>
+            </a:r>
+            <a:r>
+              <a:rPr lang="de-DE" dirty="0"/>
+              <a:t> </a:t>
+            </a:r>
+            <a:r>
+              <a:rPr lang="de-DE" dirty="0" err="1"/>
+              <a:t>walk</a:t>
+            </a:r>
+            <a:r>
+              <a:rPr lang="de-DE" dirty="0"/>
+              <a:t>)</a:t>
+            </a:r>
+            <a:r>
+              <a:rPr lang="de-DE" dirty="0">
+                <a:latin typeface="Cambria Math" panose="02040503050406030204" pitchFamily="18" charset="0"/>
+              </a:rPr>
+              <a:t>:</a:t>
+            </a:r>
+          </a:p>
+          <a:p>
+            <a:pPr lvl="1"/>
+            <a:r>
+              <a:rPr lang="en-US" sz="1000" b="1" dirty="0">
+                <a:latin typeface="Consolas" panose="020B0609020204030204" pitchFamily="49" charset="0"/>
+              </a:rPr>
+              <a:t>from</a:t>
+            </a:r>
+            <a:r>
+              <a:rPr lang="en-US" sz="1000" dirty="0">
+                <a:latin typeface="Consolas" panose="020B0609020204030204" pitchFamily="49" charset="0"/>
+              </a:rPr>
+              <a:t> </a:t>
+            </a:r>
+            <a:r>
+              <a:rPr lang="en-US" sz="1000" dirty="0" err="1">
+                <a:latin typeface="Consolas" panose="020B0609020204030204" pitchFamily="49" charset="0"/>
+              </a:rPr>
+              <a:t>scipy.stats</a:t>
+            </a:r>
+            <a:r>
+              <a:rPr lang="en-US" sz="1000" dirty="0">
+                <a:latin typeface="Consolas" panose="020B0609020204030204" pitchFamily="49" charset="0"/>
+              </a:rPr>
+              <a:t> </a:t>
+            </a:r>
+            <a:r>
+              <a:rPr lang="en-US" sz="1000" b="1" dirty="0">
+                <a:latin typeface="Consolas" panose="020B0609020204030204" pitchFamily="49" charset="0"/>
+              </a:rPr>
+              <a:t>import</a:t>
+            </a:r>
+            <a:r>
+              <a:rPr lang="en-US" sz="1000" dirty="0">
+                <a:latin typeface="Consolas" panose="020B0609020204030204" pitchFamily="49" charset="0"/>
+              </a:rPr>
+              <a:t> </a:t>
+            </a:r>
+            <a:r>
+              <a:rPr lang="en-US" sz="1000" dirty="0" err="1">
+                <a:latin typeface="Consolas" panose="020B0609020204030204" pitchFamily="49" charset="0"/>
+              </a:rPr>
+              <a:t>binom</a:t>
+            </a:r>
+            <a:br>
+              <a:rPr lang="en-US" sz="1000" dirty="0">
+                <a:latin typeface="Consolas" panose="020B0609020204030204" pitchFamily="49" charset="0"/>
+              </a:rPr>
+            </a:br>
+            <a:br>
+              <a:rPr lang="en-US" sz="1000" dirty="0">
+                <a:latin typeface="Consolas" panose="020B0609020204030204" pitchFamily="49" charset="0"/>
+              </a:rPr>
+            </a:br>
+            <a:r>
+              <a:rPr lang="en-US" sz="1000" dirty="0" err="1">
+                <a:latin typeface="Consolas" panose="020B0609020204030204" pitchFamily="49" charset="0"/>
+              </a:rPr>
+              <a:t>p_i</a:t>
+            </a:r>
+            <a:r>
+              <a:rPr lang="en-US" sz="1000" dirty="0">
+                <a:latin typeface="Consolas" panose="020B0609020204030204" pitchFamily="49" charset="0"/>
+              </a:rPr>
+              <a:t>=0.0099</a:t>
+            </a:r>
+            <a:br>
+              <a:rPr lang="en-US" sz="1000" dirty="0">
+                <a:latin typeface="Consolas" panose="020B0609020204030204" pitchFamily="49" charset="0"/>
+              </a:rPr>
+            </a:br>
+            <a:r>
+              <a:rPr lang="en-US" sz="1000" dirty="0" err="1">
+                <a:latin typeface="Consolas" panose="020B0609020204030204" pitchFamily="49" charset="0"/>
+              </a:rPr>
+              <a:t>number_tests</a:t>
+            </a:r>
+            <a:r>
+              <a:rPr lang="en-US" sz="1000" dirty="0">
+                <a:latin typeface="Consolas" panose="020B0609020204030204" pitchFamily="49" charset="0"/>
+              </a:rPr>
+              <a:t>=10000</a:t>
+            </a:r>
+            <a:br>
+              <a:rPr lang="en-US" sz="1000" dirty="0">
+                <a:latin typeface="Consolas" panose="020B0609020204030204" pitchFamily="49" charset="0"/>
+              </a:rPr>
+            </a:br>
+            <a:r>
+              <a:rPr lang="en-US" sz="1000" dirty="0" err="1">
+                <a:latin typeface="Consolas" panose="020B0609020204030204" pitchFamily="49" charset="0"/>
+              </a:rPr>
+              <a:t>good_stations</a:t>
+            </a:r>
+            <a:r>
+              <a:rPr lang="en-US" sz="1000" dirty="0">
+                <a:latin typeface="Consolas" panose="020B0609020204030204" pitchFamily="49" charset="0"/>
+              </a:rPr>
+              <a:t> = 20</a:t>
+            </a:r>
+            <a:br>
+              <a:rPr lang="de-DE" sz="1000" dirty="0">
+                <a:latin typeface="Consolas" panose="020B0609020204030204" pitchFamily="49" charset="0"/>
+              </a:rPr>
+            </a:br>
+            <a:r>
+              <a:rPr lang="en-US" sz="1000" dirty="0" err="1">
+                <a:latin typeface="Consolas" panose="020B0609020204030204" pitchFamily="49" charset="0"/>
+              </a:rPr>
+              <a:t>positive_counts_good_station</a:t>
+            </a:r>
+            <a:r>
+              <a:rPr lang="en-US" sz="1000" dirty="0">
+                <a:latin typeface="Consolas" panose="020B0609020204030204" pitchFamily="49" charset="0"/>
+              </a:rPr>
+              <a:t> = </a:t>
+            </a:r>
+            <a:r>
+              <a:rPr lang="en-US" sz="1000" dirty="0" err="1">
+                <a:latin typeface="Consolas" panose="020B0609020204030204" pitchFamily="49" charset="0"/>
+              </a:rPr>
+              <a:t>np.array</a:t>
+            </a:r>
+            <a:r>
+              <a:rPr lang="en-US" sz="1000" dirty="0">
+                <a:latin typeface="Consolas" panose="020B0609020204030204" pitchFamily="49" charset="0"/>
+              </a:rPr>
+              <a:t>([0 for </a:t>
+            </a:r>
+            <a:r>
+              <a:rPr lang="en-US" sz="1000" dirty="0" err="1">
+                <a:latin typeface="Consolas" panose="020B0609020204030204" pitchFamily="49" charset="0"/>
+              </a:rPr>
+              <a:t>good_station</a:t>
+            </a:r>
+            <a:r>
+              <a:rPr lang="en-US" sz="1000" dirty="0">
+                <a:latin typeface="Consolas" panose="020B0609020204030204" pitchFamily="49" charset="0"/>
+              </a:rPr>
+              <a:t> in range(</a:t>
+            </a:r>
+            <a:r>
+              <a:rPr lang="en-US" sz="1000" dirty="0" err="1">
+                <a:latin typeface="Consolas" panose="020B0609020204030204" pitchFamily="49" charset="0"/>
+              </a:rPr>
+              <a:t>good_stations</a:t>
+            </a:r>
+            <a:r>
+              <a:rPr lang="en-US" sz="1000" dirty="0">
+                <a:latin typeface="Consolas" panose="020B0609020204030204" pitchFamily="49" charset="0"/>
+              </a:rPr>
+              <a:t>)])</a:t>
+            </a:r>
+            <a:endParaRPr lang="de-DE" sz="1000" dirty="0">
+              <a:latin typeface="Consolas" panose="020B0609020204030204" pitchFamily="49" charset="0"/>
+            </a:endParaRPr>
+          </a:p>
+          <a:p>
+            <a:pPr lvl="1"/>
+            <a:r>
+              <a:rPr lang="en-US" sz="1000" b="1" dirty="0">
+                <a:latin typeface="Consolas" panose="020B0609020204030204" pitchFamily="49" charset="0"/>
+              </a:rPr>
+              <a:t>for</a:t>
+            </a:r>
+            <a:r>
+              <a:rPr lang="en-US" sz="1000" dirty="0">
+                <a:latin typeface="Consolas" panose="020B0609020204030204" pitchFamily="49" charset="0"/>
+              </a:rPr>
+              <a:t> i </a:t>
+            </a:r>
+            <a:r>
+              <a:rPr lang="en-US" sz="1000" b="1" dirty="0">
+                <a:latin typeface="Consolas" panose="020B0609020204030204" pitchFamily="49" charset="0"/>
+              </a:rPr>
+              <a:t>in</a:t>
+            </a:r>
+            <a:r>
+              <a:rPr lang="en-US" sz="1000" dirty="0">
+                <a:latin typeface="Consolas" panose="020B0609020204030204" pitchFamily="49" charset="0"/>
+              </a:rPr>
+              <a:t> </a:t>
+            </a:r>
+            <a:r>
+              <a:rPr lang="en-US" sz="1000" b="1" dirty="0">
+                <a:latin typeface="Consolas" panose="020B0609020204030204" pitchFamily="49" charset="0"/>
+              </a:rPr>
+              <a:t>range</a:t>
+            </a:r>
+            <a:r>
+              <a:rPr lang="en-US" sz="1000" dirty="0">
+                <a:latin typeface="Consolas" panose="020B0609020204030204" pitchFamily="49" charset="0"/>
+              </a:rPr>
+              <a:t>(1, number_tests+1):</a:t>
+            </a:r>
+            <a:br>
+              <a:rPr lang="en-US" sz="1000" dirty="0">
+                <a:latin typeface="Consolas" panose="020B0609020204030204" pitchFamily="49" charset="0"/>
+              </a:rPr>
+            </a:br>
+            <a:r>
+              <a:rPr lang="en-US" sz="1000" dirty="0">
+                <a:latin typeface="Consolas" panose="020B0609020204030204" pitchFamily="49" charset="0"/>
+              </a:rPr>
+              <a:t>   </a:t>
+            </a:r>
+            <a:r>
+              <a:rPr lang="en-US" sz="1000" dirty="0" err="1">
+                <a:latin typeface="Consolas" panose="020B0609020204030204" pitchFamily="49" charset="0"/>
+              </a:rPr>
+              <a:t>positive_counts_good_station</a:t>
+            </a:r>
+            <a:r>
+              <a:rPr lang="en-US" sz="1000" dirty="0">
+                <a:latin typeface="Consolas" panose="020B0609020204030204" pitchFamily="49" charset="0"/>
+              </a:rPr>
+              <a:t> += </a:t>
+            </a:r>
+            <a:r>
+              <a:rPr lang="en-US" sz="1000" dirty="0" err="1">
+                <a:latin typeface="Consolas" panose="020B0609020204030204" pitchFamily="49" charset="0"/>
+              </a:rPr>
+              <a:t>binom.rvs</a:t>
+            </a:r>
+            <a:r>
+              <a:rPr lang="en-US" sz="1000" dirty="0">
+                <a:latin typeface="Consolas" panose="020B0609020204030204" pitchFamily="49" charset="0"/>
+              </a:rPr>
+              <a:t>(1, </a:t>
+            </a:r>
+            <a:r>
+              <a:rPr lang="en-US" sz="1000" dirty="0" err="1">
+                <a:latin typeface="Consolas" panose="020B0609020204030204" pitchFamily="49" charset="0"/>
+              </a:rPr>
+              <a:t>p_i</a:t>
+            </a:r>
+            <a:r>
+              <a:rPr lang="en-US" sz="1000" dirty="0">
+                <a:latin typeface="Consolas" panose="020B0609020204030204" pitchFamily="49" charset="0"/>
+              </a:rPr>
+              <a:t>, size=</a:t>
+            </a:r>
+            <a:r>
+              <a:rPr lang="en-US" sz="1000" dirty="0" err="1">
+                <a:latin typeface="Consolas" panose="020B0609020204030204" pitchFamily="49" charset="0"/>
+              </a:rPr>
+              <a:t>good_stations</a:t>
+            </a:r>
+            <a:r>
+              <a:rPr lang="en-US" sz="1000" dirty="0">
+                <a:latin typeface="Consolas" panose="020B0609020204030204" pitchFamily="49" charset="0"/>
+              </a:rPr>
+              <a:t>)</a:t>
+            </a:r>
+          </a:p>
+          <a:p>
+            <a:pPr lvl="1"/>
+            <a:r>
+              <a:rPr lang="en-US" sz="1000" dirty="0" err="1">
+                <a:latin typeface="Consolas" panose="020B0609020204030204" pitchFamily="49" charset="0"/>
+              </a:rPr>
+              <a:t>cases_sum.append</a:t>
+            </a:r>
+            <a:r>
+              <a:rPr lang="en-US" sz="1000" dirty="0">
+                <a:latin typeface="Consolas" panose="020B0609020204030204" pitchFamily="49" charset="0"/>
+              </a:rPr>
+              <a:t>([i] + </a:t>
+            </a:r>
+            <a:r>
+              <a:rPr lang="en-US" sz="1000" dirty="0" err="1">
+                <a:latin typeface="Consolas" panose="020B0609020204030204" pitchFamily="49" charset="0"/>
+              </a:rPr>
+              <a:t>positive_counts_good_station.tolist</a:t>
+            </a:r>
+            <a:r>
+              <a:rPr lang="en-US" sz="1000" dirty="0">
+                <a:latin typeface="Consolas" panose="020B0609020204030204" pitchFamily="49" charset="0"/>
+              </a:rPr>
+              <a:t>())</a:t>
+            </a:r>
+            <a:endParaRPr lang="de-DE" sz="1000" dirty="0">
+              <a:latin typeface="Consolas" panose="020B0609020204030204" pitchFamily="49" charset="0"/>
+            </a:endParaRPr>
+          </a:p>
+          <a:p>
+            <a:pPr lvl="1"/>
+            <a:endParaRPr lang="de-DE" dirty="0">
+              <a:latin typeface="Cambria Math" panose="02040503050406030204" pitchFamily="18" charset="0"/>
+            </a:endParaRPr>
+          </a:p>
+          <a:p>
+            <a:pPr lvl="1"/>
+            <a:endParaRPr lang="de-DE" dirty="0"/>
+          </a:p>
+          <a:p>
+            <a:endParaRPr lang="en-US" dirty="0"/>
+          </a:p>
+        </p:txBody>
+      </p:sp>
+      <p:sp>
+        <p:nvSpPr>
+          <p:cNvPr id="6" name="Datumsplatzhalter 5">
+            <a:extLst>
+              <a:ext uri="{FF2B5EF4-FFF2-40B4-BE49-F238E27FC236}">
+                <a16:creationId xmlns:a16="http://schemas.microsoft.com/office/drawing/2014/main" id="{45F434EA-DFE7-4443-B77A-BAF91E96E895}"/>
+              </a:ext>
+            </a:extLst>
+          </p:cNvPr>
+          <p:cNvSpPr>
+            <a:spLocks noGrp="1"/>
+          </p:cNvSpPr>
+          <p:nvPr>
+            <p:ph type="dt" sz="half" idx="16"/>
+          </p:nvPr>
+        </p:nvSpPr>
+        <p:spPr/>
+        <p:txBody>
+          <a:bodyPr/>
+          <a:lstStyle/>
+          <a:p>
+            <a:fld id="{3FF77DFC-33DC-4457-974A-3F8ABA01093A}" type="datetime1">
+              <a:rPr lang="de-DE" noProof="0" smtClean="0"/>
+              <a:t>02.11.2022</a:t>
+            </a:fld>
+            <a:endParaRPr lang="de-DE" noProof="0" dirty="0"/>
+          </a:p>
+        </p:txBody>
+      </p:sp>
+      <p:sp>
+        <p:nvSpPr>
+          <p:cNvPr id="7" name="Foliennummernplatzhalter 6">
+            <a:extLst>
+              <a:ext uri="{FF2B5EF4-FFF2-40B4-BE49-F238E27FC236}">
+                <a16:creationId xmlns:a16="http://schemas.microsoft.com/office/drawing/2014/main" id="{8ED3B0B2-34E4-4E8B-96EC-E0869F18C784}"/>
+              </a:ext>
+            </a:extLst>
+          </p:cNvPr>
+          <p:cNvSpPr>
+            <a:spLocks noGrp="1"/>
+          </p:cNvSpPr>
+          <p:nvPr>
+            <p:ph type="sldNum" sz="quarter" idx="18"/>
+          </p:nvPr>
+        </p:nvSpPr>
+        <p:spPr/>
+        <p:txBody>
+          <a:bodyPr/>
+          <a:lstStyle/>
+          <a:p>
+            <a:fld id="{3D81EE41-304C-41C3-8185-350F2275D756}" type="slidenum">
+              <a:rPr lang="de-DE" smtClean="0"/>
+              <a:pPr/>
+              <a:t>9</a:t>
+            </a:fld>
+            <a:endParaRPr lang="de-DE"/>
+          </a:p>
+        </p:txBody>
+      </p:sp>
+      <p:pic>
+        <p:nvPicPr>
+          <p:cNvPr id="10" name="Grafik 9">
+            <a:extLst>
+              <a:ext uri="{FF2B5EF4-FFF2-40B4-BE49-F238E27FC236}">
+                <a16:creationId xmlns:a16="http://schemas.microsoft.com/office/drawing/2014/main" id="{49D2C640-4B2D-4733-9C3B-AC92307A62AD}"/>
+              </a:ext>
+            </a:extLst>
+          </p:cNvPr>
+          <p:cNvPicPr>
+            <a:picLocks noChangeAspect="1"/>
+          </p:cNvPicPr>
+          <p:nvPr/>
+        </p:nvPicPr>
+        <p:blipFill>
+          <a:blip r:embed="rId2"/>
+          <a:stretch>
+            <a:fillRect/>
+          </a:stretch>
+        </p:blipFill>
+        <p:spPr>
+          <a:xfrm>
+            <a:off x="6006147" y="395588"/>
+            <a:ext cx="5381625" cy="5343525"/>
+          </a:xfrm>
+          <a:prstGeom prst="rect">
+            <a:avLst/>
+          </a:prstGeom>
+        </p:spPr>
+      </p:pic>
+    </p:spTree>
+    <p:extLst>
+      <p:ext uri="{BB962C8B-B14F-4D97-AF65-F5344CB8AC3E}">
+        <p14:creationId xmlns:p14="http://schemas.microsoft.com/office/powerpoint/2010/main" val="1733499469"/>
       </p:ext>
     </p:extLst>
   </p:cSld>
@@ -28730,6 +29434,15 @@
 </file>
 
 <file path=customXml/item2.xml><?xml version="1.0" encoding="utf-8"?>
+<?mso-contentType ?>
+<FormTemplates xmlns="http://schemas.microsoft.com/sharepoint/v3/contenttype/forms">
+  <Display>DocumentLibraryForm</Display>
+  <Edit>DocumentLibraryForm</Edit>
+  <New>DocumentLibraryForm</New>
+</FormTemplates>
+</file>
+
+<file path=customXml/item3.xml><?xml version="1.0" encoding="utf-8"?>
 <ct:contentTypeSchema xmlns:ct="http://schemas.microsoft.com/office/2006/metadata/contentType" xmlns:ma="http://schemas.microsoft.com/office/2006/metadata/properties/metaAttributes" ct:_="" ma:_="" ma:contentTypeName="Dokument" ma:contentTypeID="0x010100191A48BD27137F4AB839C0A4A641F230" ma:contentTypeVersion="20" ma:contentTypeDescription="Ein neues Dokument erstellen." ma:contentTypeScope="" ma:versionID="b7b89836d61c5c485c14f43c78cd7a2b">
   <xsd:schema xmlns:xsd="http://www.w3.org/2001/XMLSchema" xmlns:xs="http://www.w3.org/2001/XMLSchema" xmlns:p="http://schemas.microsoft.com/office/2006/metadata/properties" xmlns:ns2="021e6479-67b1-4ffe-9fba-60aa2db3380c" xmlns:ns3="e14eabbf-085b-423c-adff-d7b7c479b5df" targetNamespace="http://schemas.microsoft.com/office/2006/metadata/properties" ma:root="true" ma:fieldsID="063e5fbc2436fbd0a56f6f85e8d38b00" ns2:_="" ns3:_="">
     <xsd:import namespace="021e6479-67b1-4ffe-9fba-60aa2db3380c"/>
@@ -28976,15 +29689,6 @@
 </ct:contentTypeSchema>
 </file>
 
-<file path=customXml/item3.xml><?xml version="1.0" encoding="utf-8"?>
-<?mso-contentType ?>
-<FormTemplates xmlns="http://schemas.microsoft.com/sharepoint/v3/contenttype/forms">
-  <Display>DocumentLibraryForm</Display>
-  <Edit>DocumentLibraryForm</Edit>
-  <New>DocumentLibraryForm</New>
-</FormTemplates>
-</file>
-
 <file path=customXml/itemProps1.xml><?xml version="1.0" encoding="utf-8"?>
 <ds:datastoreItem xmlns:ds="http://schemas.openxmlformats.org/officeDocument/2006/customXml" ds:itemID="{EC2C50B6-1067-417A-81FE-D1A41986C17E}">
   <ds:schemaRefs>
@@ -29003,6 +29707,14 @@
 </file>
 
 <file path=customXml/itemProps2.xml><?xml version="1.0" encoding="utf-8"?>
+<ds:datastoreItem xmlns:ds="http://schemas.openxmlformats.org/officeDocument/2006/customXml" ds:itemID="{43EE7905-1AE4-483A-8087-5A84576BC5C8}">
+  <ds:schemaRefs>
+    <ds:schemaRef ds:uri="http://schemas.microsoft.com/sharepoint/v3/contenttype/forms"/>
+  </ds:schemaRefs>
+</ds:datastoreItem>
+</file>
+
+<file path=customXml/itemProps3.xml><?xml version="1.0" encoding="utf-8"?>
 <ds:datastoreItem xmlns:ds="http://schemas.openxmlformats.org/officeDocument/2006/customXml" ds:itemID="{D5581F44-AA4C-4AE6-B92C-9E36A4EC23C1}">
   <ds:schemaRefs>
     <ds:schemaRef ds:uri="http://schemas.microsoft.com/office/2006/metadata/contentType"/>
@@ -29019,12 +29731,4 @@
     <ds:schemaRef ds:uri="http://schemas.microsoft.com/internal/obd"/>
   </ds:schemaRefs>
 </ds:datastoreItem>
-</file>
-
-<file path=customXml/itemProps3.xml><?xml version="1.0" encoding="utf-8"?>
-<ds:datastoreItem xmlns:ds="http://schemas.openxmlformats.org/officeDocument/2006/customXml" ds:itemID="{43EE7905-1AE4-483A-8087-5A84576BC5C8}">
-  <ds:schemaRefs>
-    <ds:schemaRef ds:uri="http://schemas.microsoft.com/sharepoint/v3/contenttype/forms"/>
-  </ds:schemaRefs>
-</ds:datastoreItem>
 </file>
--- a/fraud_detection_lecture.pptx
+++ b/fraud_detection_lecture.pptx
@@ -33,7 +33,7 @@
     <p:sldId id="365" r:id="rId24"/>
     <p:sldId id="363" r:id="rId25"/>
     <p:sldId id="366" r:id="rId26"/>
-    <p:sldId id="379" r:id="rId27"/>
+    <p:sldId id="381" r:id="rId27"/>
     <p:sldId id="367" r:id="rId28"/>
     <p:sldId id="368" r:id="rId29"/>
     <p:sldId id="369" r:id="rId30"/>
@@ -177,7 +177,7 @@
             <p14:sldId id="365"/>
             <p14:sldId id="363"/>
             <p14:sldId id="366"/>
-            <p14:sldId id="379"/>
+            <p14:sldId id="381"/>
             <p14:sldId id="367"/>
             <p14:sldId id="368"/>
             <p14:sldId id="369"/>
@@ -305,7 +305,7 @@
           <a:p>
             <a:fld id="{7C51B798-6D2C-417B-AF46-ECB70983C150}" type="datetimeFigureOut">
               <a:rPr lang="en-US" smtClean="0"/>
-              <a:t>11/2/2022</a:t>
+              <a:t>11/3/2022</a:t>
             </a:fld>
             <a:endParaRPr lang="en-US"/>
           </a:p>
@@ -482,7 +482,7 @@
           <a:p>
             <a:fld id="{0D00A665-AB63-487C-A689-A96D5AA0C864}" type="datetimeFigureOut">
               <a:rPr lang="en-US" smtClean="0"/>
-              <a:t>11/2/2022</a:t>
+              <a:t>11/3/2022</a:t>
             </a:fld>
             <a:endParaRPr lang="en-US"/>
           </a:p>
@@ -818,7 +818,7 @@
           <a:graphicData uri="http://schemas.openxmlformats.org/presentationml/2006/ole">
             <mc:AlternateContent xmlns:mc="http://schemas.openxmlformats.org/markup-compatibility/2006">
               <mc:Choice xmlns:v="urn:schemas-microsoft-com:vml" Requires="v">
-                <p:oleObj spid="_x0000_s4115" name="think-cell Folie" r:id="rId4" imgW="344" imgH="345" progId="TCLayout.ActiveDocument.1">
+                <p:oleObj spid="_x0000_s4139" name="think-cell Folie" r:id="rId4" imgW="344" imgH="345" progId="TCLayout.ActiveDocument.1">
                   <p:embed/>
                 </p:oleObj>
               </mc:Choice>
@@ -1069,7 +1069,7 @@
           <a:graphicData uri="http://schemas.openxmlformats.org/presentationml/2006/ole">
             <mc:AlternateContent xmlns:mc="http://schemas.openxmlformats.org/markup-compatibility/2006">
               <mc:Choice xmlns:v="urn:schemas-microsoft-com:vml" Requires="v">
-                <p:oleObj spid="_x0000_s13331" name="think-cell Folie" r:id="rId4" imgW="344" imgH="345" progId="TCLayout.ActiveDocument.1">
+                <p:oleObj spid="_x0000_s13355" name="think-cell Folie" r:id="rId4" imgW="344" imgH="345" progId="TCLayout.ActiveDocument.1">
                   <p:embed/>
                 </p:oleObj>
               </mc:Choice>
@@ -1498,7 +1498,7 @@
           <a:p>
             <a:fld id="{1967F1D7-8586-4719-919F-FADAE5E82D95}" type="datetime1">
               <a:rPr lang="de-DE" noProof="0" smtClean="0"/>
-              <a:t>02.11.2022</a:t>
+              <a:t>03.11.2022</a:t>
             </a:fld>
             <a:endParaRPr lang="de-DE" noProof="0" dirty="0"/>
           </a:p>
@@ -1659,7 +1659,7 @@
           <a:graphicData uri="http://schemas.openxmlformats.org/presentationml/2006/ole">
             <mc:AlternateContent xmlns:mc="http://schemas.openxmlformats.org/markup-compatibility/2006">
               <mc:Choice xmlns:v="urn:schemas-microsoft-com:vml" Requires="v">
-                <p:oleObj spid="_x0000_s14355" name="think-cell Folie" r:id="rId4" imgW="344" imgH="345" progId="TCLayout.ActiveDocument.1">
+                <p:oleObj spid="_x0000_s14379" name="think-cell Folie" r:id="rId4" imgW="344" imgH="345" progId="TCLayout.ActiveDocument.1">
                   <p:embed/>
                 </p:oleObj>
               </mc:Choice>
@@ -2085,7 +2085,7 @@
           <a:p>
             <a:fld id="{9A6E5D76-6500-4B86-92C2-61A8E8733027}" type="datetime1">
               <a:rPr lang="de-DE" noProof="0" smtClean="0"/>
-              <a:t>02.11.2022</a:t>
+              <a:t>03.11.2022</a:t>
             </a:fld>
             <a:endParaRPr lang="de-DE" noProof="0" dirty="0"/>
           </a:p>
@@ -2230,7 +2230,7 @@
           <a:graphicData uri="http://schemas.openxmlformats.org/presentationml/2006/ole">
             <mc:AlternateContent xmlns:mc="http://schemas.openxmlformats.org/markup-compatibility/2006">
               <mc:Choice xmlns:v="urn:schemas-microsoft-com:vml" Requires="v">
-                <p:oleObj spid="_x0000_s15379" name="think-cell Folie" r:id="rId4" imgW="344" imgH="345" progId="TCLayout.ActiveDocument.1">
+                <p:oleObj spid="_x0000_s15403" name="think-cell Folie" r:id="rId4" imgW="344" imgH="345" progId="TCLayout.ActiveDocument.1">
                   <p:embed/>
                 </p:oleObj>
               </mc:Choice>
@@ -2502,7 +2502,7 @@
           <a:graphicData uri="http://schemas.openxmlformats.org/presentationml/2006/ole">
             <mc:AlternateContent xmlns:mc="http://schemas.openxmlformats.org/markup-compatibility/2006">
               <mc:Choice xmlns:v="urn:schemas-microsoft-com:vml" Requires="v">
-                <p:oleObj spid="_x0000_s16403" name="think-cell Folie" r:id="rId4" imgW="344" imgH="345" progId="TCLayout.ActiveDocument.1">
+                <p:oleObj spid="_x0000_s16427" name="think-cell Folie" r:id="rId4" imgW="344" imgH="345" progId="TCLayout.ActiveDocument.1">
                   <p:embed/>
                 </p:oleObj>
               </mc:Choice>
@@ -2714,7 +2714,7 @@
           <a:graphicData uri="http://schemas.openxmlformats.org/presentationml/2006/ole">
             <mc:AlternateContent xmlns:mc="http://schemas.openxmlformats.org/markup-compatibility/2006">
               <mc:Choice xmlns:v="urn:schemas-microsoft-com:vml" Requires="v">
-                <p:oleObj spid="_x0000_s5139" name="think-cell Folie" r:id="rId4" imgW="344" imgH="345" progId="TCLayout.ActiveDocument.1">
+                <p:oleObj spid="_x0000_s5163" name="think-cell Folie" r:id="rId4" imgW="344" imgH="345" progId="TCLayout.ActiveDocument.1">
                   <p:embed/>
                 </p:oleObj>
               </mc:Choice>
@@ -2965,7 +2965,7 @@
           <a:graphicData uri="http://schemas.openxmlformats.org/presentationml/2006/ole">
             <mc:AlternateContent xmlns:mc="http://schemas.openxmlformats.org/markup-compatibility/2006">
               <mc:Choice xmlns:v="urn:schemas-microsoft-com:vml" Requires="v">
-                <p:oleObj spid="_x0000_s6163" name="think-cell Folie" r:id="rId4" imgW="344" imgH="345" progId="TCLayout.ActiveDocument.1">
+                <p:oleObj spid="_x0000_s6187" name="think-cell Folie" r:id="rId4" imgW="344" imgH="345" progId="TCLayout.ActiveDocument.1">
                   <p:embed/>
                 </p:oleObj>
               </mc:Choice>
@@ -3174,7 +3174,7 @@
           <a:p>
             <a:fld id="{4BDB264A-4676-45A5-B387-60439B46227D}" type="datetime1">
               <a:rPr lang="de-DE" noProof="0" smtClean="0"/>
-              <a:t>02.11.2022</a:t>
+              <a:t>03.11.2022</a:t>
             </a:fld>
             <a:endParaRPr lang="de-DE" noProof="0" dirty="0"/>
           </a:p>
@@ -3319,7 +3319,7 @@
           <a:graphicData uri="http://schemas.openxmlformats.org/presentationml/2006/ole">
             <mc:AlternateContent xmlns:mc="http://schemas.openxmlformats.org/markup-compatibility/2006">
               <mc:Choice xmlns:v="urn:schemas-microsoft-com:vml" Requires="v">
-                <p:oleObj spid="_x0000_s7187" name="think-cell Folie" r:id="rId4" imgW="344" imgH="345" progId="TCLayout.ActiveDocument.1">
+                <p:oleObj spid="_x0000_s7211" name="think-cell Folie" r:id="rId4" imgW="344" imgH="345" progId="TCLayout.ActiveDocument.1">
                   <p:embed/>
                 </p:oleObj>
               </mc:Choice>
@@ -3701,7 +3701,7 @@
           <a:p>
             <a:fld id="{3FF77DFC-33DC-4457-974A-3F8ABA01093A}" type="datetime1">
               <a:rPr lang="de-DE" noProof="0" smtClean="0"/>
-              <a:t>02.11.2022</a:t>
+              <a:t>03.11.2022</a:t>
             </a:fld>
             <a:endParaRPr lang="de-DE" noProof="0" dirty="0"/>
           </a:p>
@@ -3862,7 +3862,7 @@
           <a:graphicData uri="http://schemas.openxmlformats.org/presentationml/2006/ole">
             <mc:AlternateContent xmlns:mc="http://schemas.openxmlformats.org/markup-compatibility/2006">
               <mc:Choice xmlns:v="urn:schemas-microsoft-com:vml" Requires="v">
-                <p:oleObj spid="_x0000_s8211" name="think-cell Folie" r:id="rId4" imgW="344" imgH="345" progId="TCLayout.ActiveDocument.1">
+                <p:oleObj spid="_x0000_s8235" name="think-cell Folie" r:id="rId4" imgW="344" imgH="345" progId="TCLayout.ActiveDocument.1">
                   <p:embed/>
                 </p:oleObj>
               </mc:Choice>
@@ -4229,7 +4229,7 @@
           <a:p>
             <a:fld id="{F9967109-B16C-44BE-AAA6-3FD25DAD3A1B}" type="datetime1">
               <a:rPr lang="de-DE" noProof="0" smtClean="0"/>
-              <a:t>02.11.2022</a:t>
+              <a:t>03.11.2022</a:t>
             </a:fld>
             <a:endParaRPr lang="de-DE" noProof="0" dirty="0"/>
           </a:p>
@@ -4390,7 +4390,7 @@
           <a:graphicData uri="http://schemas.openxmlformats.org/presentationml/2006/ole">
             <mc:AlternateContent xmlns:mc="http://schemas.openxmlformats.org/markup-compatibility/2006">
               <mc:Choice xmlns:v="urn:schemas-microsoft-com:vml" Requires="v">
-                <p:oleObj spid="_x0000_s9235" name="think-cell Folie" r:id="rId4" imgW="344" imgH="345" progId="TCLayout.ActiveDocument.1">
+                <p:oleObj spid="_x0000_s9259" name="think-cell Folie" r:id="rId4" imgW="344" imgH="345" progId="TCLayout.ActiveDocument.1">
                   <p:embed/>
                 </p:oleObj>
               </mc:Choice>
@@ -4843,7 +4843,7 @@
           <a:p>
             <a:fld id="{0184A957-F85E-41D7-BEC2-B0F38CF80586}" type="datetime1">
               <a:rPr lang="de-DE" noProof="0" smtClean="0"/>
-              <a:t>02.11.2022</a:t>
+              <a:t>03.11.2022</a:t>
             </a:fld>
             <a:endParaRPr lang="de-DE" noProof="0" dirty="0"/>
           </a:p>
@@ -5014,7 +5014,7 @@
           <a:graphicData uri="http://schemas.openxmlformats.org/presentationml/2006/ole">
             <mc:AlternateContent xmlns:mc="http://schemas.openxmlformats.org/markup-compatibility/2006">
               <mc:Choice xmlns:v="urn:schemas-microsoft-com:vml" Requires="v">
-                <p:oleObj spid="_x0000_s10259" name="think-cell Folie" r:id="rId4" imgW="344" imgH="345" progId="TCLayout.ActiveDocument.1">
+                <p:oleObj spid="_x0000_s10283" name="think-cell Folie" r:id="rId4" imgW="344" imgH="345" progId="TCLayout.ActiveDocument.1">
                   <p:embed/>
                 </p:oleObj>
               </mc:Choice>
@@ -5294,7 +5294,7 @@
           <a:p>
             <a:fld id="{0003327A-A7EC-4F6E-B615-7A4BBD6748C1}" type="datetime1">
               <a:rPr lang="de-DE" noProof="0" smtClean="0"/>
-              <a:t>02.11.2022</a:t>
+              <a:t>03.11.2022</a:t>
             </a:fld>
             <a:endParaRPr lang="de-DE" noProof="0" dirty="0"/>
           </a:p>
@@ -5444,7 +5444,7 @@
           <a:graphicData uri="http://schemas.openxmlformats.org/presentationml/2006/ole">
             <mc:AlternateContent xmlns:mc="http://schemas.openxmlformats.org/markup-compatibility/2006">
               <mc:Choice xmlns:v="urn:schemas-microsoft-com:vml" Requires="v">
-                <p:oleObj spid="_x0000_s11283" name="think-cell Folie" r:id="rId4" imgW="344" imgH="345" progId="TCLayout.ActiveDocument.1">
+                <p:oleObj spid="_x0000_s11307" name="think-cell Folie" r:id="rId4" imgW="344" imgH="345" progId="TCLayout.ActiveDocument.1">
                   <p:embed/>
                 </p:oleObj>
               </mc:Choice>
@@ -5750,7 +5750,7 @@
           <a:p>
             <a:fld id="{1073A26E-932E-4601-A170-DA47842DA445}" type="datetime1">
               <a:rPr lang="de-DE" noProof="0" smtClean="0"/>
-              <a:t>02.11.2022</a:t>
+              <a:t>03.11.2022</a:t>
             </a:fld>
             <a:endParaRPr lang="de-DE" noProof="0" dirty="0"/>
           </a:p>
@@ -5900,7 +5900,7 @@
           <a:graphicData uri="http://schemas.openxmlformats.org/presentationml/2006/ole">
             <mc:AlternateContent xmlns:mc="http://schemas.openxmlformats.org/markup-compatibility/2006">
               <mc:Choice xmlns:v="urn:schemas-microsoft-com:vml" Requires="v">
-                <p:oleObj spid="_x0000_s12307" name="think-cell Folie" r:id="rId4" imgW="344" imgH="345" progId="TCLayout.ActiveDocument.1">
+                <p:oleObj spid="_x0000_s12331" name="think-cell Folie" r:id="rId4" imgW="344" imgH="345" progId="TCLayout.ActiveDocument.1">
                   <p:embed/>
                 </p:oleObj>
               </mc:Choice>
@@ -6257,7 +6257,7 @@
           <a:p>
             <a:fld id="{9DA7E581-D5A0-4DFE-A955-DF88D01DC1F0}" type="datetime1">
               <a:rPr lang="de-DE" noProof="0" smtClean="0"/>
-              <a:t>02.11.2022</a:t>
+              <a:t>03.11.2022</a:t>
             </a:fld>
             <a:endParaRPr lang="de-DE" noProof="0" dirty="0"/>
           </a:p>
@@ -6423,7 +6423,7 @@
           <a:graphicData uri="http://schemas.openxmlformats.org/presentationml/2006/ole">
             <mc:AlternateContent xmlns:mc="http://schemas.openxmlformats.org/markup-compatibility/2006">
               <mc:Choice xmlns:v="urn:schemas-microsoft-com:vml" Requires="v">
-                <p:oleObj spid="_x0000_s3091" name="think-cell Folie" r:id="rId17" imgW="344" imgH="345" progId="TCLayout.ActiveDocument.1">
+                <p:oleObj spid="_x0000_s3115" name="think-cell Folie" r:id="rId17" imgW="344" imgH="345" progId="TCLayout.ActiveDocument.1">
                   <p:embed/>
                 </p:oleObj>
               </mc:Choice>
@@ -6668,7 +6668,7 @@
           <a:p>
             <a:fld id="{D6B40046-1EBF-4FFD-A9E9-142F0C0291C5}" type="datetime1">
               <a:rPr lang="de-DE" noProof="0" smtClean="0"/>
-              <a:t>02.11.2022</a:t>
+              <a:t>03.11.2022</a:t>
             </a:fld>
             <a:endParaRPr lang="de-DE" noProof="0" dirty="0"/>
           </a:p>
@@ -7411,7 +7411,7 @@
         <p:spPr>
           <a:xfrm>
             <a:off x="478199" y="1703388"/>
-            <a:ext cx="5437188" cy="2681119"/>
+            <a:ext cx="5204144" cy="2950038"/>
           </a:xfrm>
         </p:spPr>
         <p:txBody>
@@ -7419,288 +7419,287 @@
           <a:lstStyle/>
           <a:p>
             <a:r>
-              <a:rPr lang="en-US" dirty="0"/>
+              <a:rPr lang="en-US" sz="1800" dirty="0"/>
               <a:t>1. Der naïve </a:t>
             </a:r>
             <a:r>
-              <a:rPr lang="en-US" dirty="0" err="1"/>
+              <a:rPr lang="en-US" sz="1800" dirty="0" err="1"/>
               <a:t>Betrüger</a:t>
             </a:r>
-            <a:endParaRPr lang="en-US" dirty="0"/>
+            <a:r>
+              <a:rPr lang="en-US" sz="1800" dirty="0"/>
+              <a:t> (zero fraudster)</a:t>
+            </a:r>
           </a:p>
           <a:p>
             <a:pPr lvl="1"/>
             <a:r>
-              <a:rPr lang="en-US" dirty="0"/>
+              <a:rPr lang="en-US" sz="1600" dirty="0"/>
               <a:t>Die </a:t>
             </a:r>
             <a:r>
-              <a:rPr lang="en-US" dirty="0" err="1"/>
+              <a:rPr lang="en-US" sz="1600" dirty="0" err="1"/>
               <a:t>Auftrittswahrscheinlichkeit</a:t>
             </a:r>
             <a:r>
-              <a:rPr lang="en-US" dirty="0"/>
+              <a:rPr lang="en-US" sz="1600" dirty="0"/>
               <a:t> von 0.0099 </a:t>
             </a:r>
             <a:r>
-              <a:rPr lang="en-US" dirty="0" err="1"/>
+              <a:rPr lang="en-US" sz="1600" dirty="0" err="1"/>
               <a:t>ist</a:t>
             </a:r>
             <a:r>
-              <a:rPr lang="en-US" dirty="0"/>
+              <a:rPr lang="en-US" sz="1600" dirty="0"/>
               <a:t> </a:t>
             </a:r>
             <a:r>
-              <a:rPr lang="en-US" dirty="0" err="1"/>
+              <a:rPr lang="en-US" sz="1600" dirty="0" err="1"/>
               <a:t>sehr</a:t>
             </a:r>
             <a:r>
-              <a:rPr lang="en-US" dirty="0"/>
+              <a:rPr lang="en-US" sz="1600" dirty="0"/>
               <a:t> </a:t>
             </a:r>
             <a:r>
-              <a:rPr lang="en-US" dirty="0" err="1"/>
+              <a:rPr lang="en-US" sz="1600" dirty="0" err="1"/>
               <a:t>niedrig</a:t>
             </a:r>
             <a:r>
-              <a:rPr lang="en-US" dirty="0"/>
+              <a:rPr lang="en-US" sz="1600" dirty="0"/>
               <a:t>. Ich teste </a:t>
             </a:r>
             <a:r>
-              <a:rPr lang="en-US" dirty="0" err="1"/>
+              <a:rPr lang="en-US" sz="1600" dirty="0" err="1"/>
               <a:t>nicht</a:t>
             </a:r>
             <a:r>
-              <a:rPr lang="en-US" dirty="0"/>
+              <a:rPr lang="en-US" sz="1600" dirty="0"/>
               <a:t> </a:t>
             </a:r>
             <a:r>
-              <a:rPr lang="en-US" dirty="0" err="1"/>
+              <a:rPr lang="en-US" sz="1600" dirty="0" err="1"/>
               <a:t>wirklich</a:t>
             </a:r>
             <a:r>
-              <a:rPr lang="en-US" dirty="0"/>
+              <a:rPr lang="en-US" sz="1600" dirty="0"/>
               <a:t> und </a:t>
             </a:r>
             <a:r>
-              <a:rPr lang="en-US" dirty="0" err="1"/>
+              <a:rPr lang="en-US" sz="1600" dirty="0" err="1"/>
               <a:t>gebe</a:t>
             </a:r>
             <a:r>
-              <a:rPr lang="en-US" dirty="0"/>
+              <a:rPr lang="en-US" sz="1600" dirty="0"/>
               <a:t> </a:t>
             </a:r>
             <a:r>
-              <a:rPr lang="en-US" b="1" dirty="0"/>
+              <a:rPr lang="en-US" sz="1600" b="1" dirty="0"/>
               <a:t>alle </a:t>
             </a:r>
             <a:r>
-              <a:rPr lang="en-US" b="1" dirty="0" err="1"/>
+              <a:rPr lang="en-US" sz="1600" b="1" dirty="0" err="1"/>
               <a:t>Ergebnisse</a:t>
             </a:r>
             <a:r>
-              <a:rPr lang="en-US" b="1" dirty="0"/>
+              <a:rPr lang="en-US" sz="1600" b="1" dirty="0"/>
               <a:t> </a:t>
             </a:r>
             <a:r>
-              <a:rPr lang="en-US" b="1" dirty="0" err="1"/>
+              <a:rPr lang="en-US" sz="1600" b="1" dirty="0" err="1"/>
               <a:t>als</a:t>
             </a:r>
             <a:r>
-              <a:rPr lang="en-US" b="1" dirty="0"/>
+              <a:rPr lang="en-US" sz="1600" b="1" dirty="0"/>
               <a:t> negative </a:t>
             </a:r>
             <a:r>
-              <a:rPr lang="en-US" dirty="0"/>
+              <a:rPr lang="en-US" sz="1600" dirty="0"/>
               <a:t>an. Das </a:t>
             </a:r>
             <a:r>
-              <a:rPr lang="en-US" dirty="0" err="1"/>
+              <a:rPr lang="en-US" sz="1600" dirty="0" err="1"/>
               <a:t>merkt</a:t>
             </a:r>
             <a:r>
-              <a:rPr lang="en-US" dirty="0"/>
+              <a:rPr lang="en-US" sz="1600" dirty="0"/>
               <a:t> </a:t>
             </a:r>
             <a:r>
-              <a:rPr lang="en-US" dirty="0" err="1"/>
+              <a:rPr lang="en-US" sz="1600" dirty="0" err="1"/>
               <a:t>doch</a:t>
             </a:r>
             <a:r>
-              <a:rPr lang="en-US" dirty="0"/>
+              <a:rPr lang="en-US" sz="1600" dirty="0"/>
               <a:t> </a:t>
             </a:r>
             <a:r>
-              <a:rPr lang="en-US" dirty="0" err="1"/>
+              <a:rPr lang="en-US" sz="1600" dirty="0" err="1"/>
               <a:t>keiner</a:t>
             </a:r>
             <a:r>
-              <a:rPr lang="en-US" dirty="0"/>
+              <a:rPr lang="en-US" sz="1600" dirty="0"/>
               <a:t>.</a:t>
             </a:r>
           </a:p>
           <a:p>
             <a:pPr lvl="1"/>
             <a:r>
-              <a:rPr lang="en-US" sz="1600" dirty="0">
+              <a:rPr lang="en-US" sz="1800" dirty="0">
                 <a:latin typeface="+mj-lt"/>
               </a:rPr>
               <a:t>2. Der </a:t>
             </a:r>
             <a:r>
-              <a:rPr lang="en-US" sz="1600" dirty="0" err="1">
+              <a:rPr lang="en-US" sz="1800" dirty="0" err="1">
                 <a:latin typeface="+mj-lt"/>
               </a:rPr>
               <a:t>etwas</a:t>
             </a:r>
             <a:r>
-              <a:rPr lang="en-US" sz="1600" dirty="0">
+              <a:rPr lang="en-US" sz="1800" dirty="0">
                 <a:latin typeface="+mj-lt"/>
               </a:rPr>
               <a:t> </a:t>
             </a:r>
             <a:r>
-              <a:rPr lang="en-US" sz="1600" dirty="0" err="1">
+              <a:rPr lang="en-US" sz="1800" dirty="0" err="1">
                 <a:latin typeface="+mj-lt"/>
               </a:rPr>
               <a:t>klügere</a:t>
             </a:r>
             <a:r>
-              <a:rPr lang="en-US" sz="1600" dirty="0">
+              <a:rPr lang="en-US" sz="1800" dirty="0">
                 <a:latin typeface="+mj-lt"/>
               </a:rPr>
               <a:t> </a:t>
             </a:r>
             <a:r>
-              <a:rPr lang="en-US" sz="1600" dirty="0" err="1">
+              <a:rPr lang="en-US" sz="1800" dirty="0" err="1">
                 <a:latin typeface="+mj-lt"/>
               </a:rPr>
               <a:t>Betrüger</a:t>
             </a:r>
-            <a:endParaRPr lang="en-US" sz="1600" dirty="0">
-              <a:latin typeface="+mj-lt"/>
-            </a:endParaRPr>
+            <a:r>
+              <a:rPr lang="en-US" sz="1800" dirty="0">
+                <a:latin typeface="+mj-lt"/>
+              </a:rPr>
+              <a:t> (mean fraudster)</a:t>
+            </a:r>
           </a:p>
           <a:p>
             <a:pPr lvl="1"/>
             <a:r>
-              <a:rPr lang="en-US" dirty="0" err="1"/>
+              <a:rPr lang="en-US" sz="1600" dirty="0" err="1"/>
               <a:t>Wenn</a:t>
             </a:r>
             <a:r>
-              <a:rPr lang="en-US" dirty="0"/>
+              <a:rPr lang="en-US" sz="1600" dirty="0"/>
               <a:t> </a:t>
             </a:r>
             <a:r>
-              <a:rPr lang="en-US" dirty="0" err="1"/>
+              <a:rPr lang="en-US" sz="1600" dirty="0" err="1"/>
               <a:t>geprüft</a:t>
             </a:r>
             <a:r>
-              <a:rPr lang="en-US" dirty="0"/>
+              <a:rPr lang="en-US" sz="1600" dirty="0"/>
               <a:t> </a:t>
             </a:r>
             <a:r>
-              <a:rPr lang="en-US" dirty="0" err="1"/>
+              <a:rPr lang="en-US" sz="1600" dirty="0" err="1"/>
               <a:t>wird</a:t>
             </a:r>
             <a:r>
-              <a:rPr lang="en-US" dirty="0"/>
+              <a:rPr lang="en-US" sz="1600" dirty="0"/>
               <a:t>, </a:t>
             </a:r>
             <a:r>
-              <a:rPr lang="en-US" dirty="0" err="1"/>
+              <a:rPr lang="en-US" sz="1600" dirty="0" err="1"/>
               <a:t>dann</a:t>
             </a:r>
             <a:r>
-              <a:rPr lang="en-US" dirty="0"/>
+              <a:rPr lang="en-US" sz="1600" dirty="0"/>
               <a:t> </a:t>
             </a:r>
             <a:r>
-              <a:rPr lang="en-US" dirty="0" err="1"/>
+              <a:rPr lang="en-US" sz="1600" dirty="0" err="1"/>
               <a:t>bestimmt</a:t>
             </a:r>
             <a:r>
-              <a:rPr lang="en-US" dirty="0"/>
+              <a:rPr lang="en-US" sz="1600" dirty="0"/>
               <a:t> </a:t>
             </a:r>
             <a:r>
-              <a:rPr lang="en-US" dirty="0" err="1"/>
+              <a:rPr lang="en-US" sz="1600" dirty="0" err="1"/>
               <a:t>nur</a:t>
             </a:r>
             <a:r>
-              <a:rPr lang="en-US" dirty="0"/>
+              <a:rPr lang="en-US" sz="1600" dirty="0"/>
               <a:t> der </a:t>
             </a:r>
             <a:r>
-              <a:rPr lang="en-US" b="1" dirty="0" err="1"/>
+              <a:rPr lang="en-US" sz="1600" b="1" dirty="0" err="1"/>
               <a:t>Mittelwert</a:t>
             </a:r>
             <a:r>
-              <a:rPr lang="en-US" dirty="0"/>
+              <a:rPr lang="en-US" sz="1600" dirty="0"/>
               <a:t>, </a:t>
             </a:r>
             <a:r>
-              <a:rPr lang="en-US" dirty="0" err="1"/>
+              <a:rPr lang="en-US" sz="1600" dirty="0" err="1"/>
               <a:t>deshalb</a:t>
             </a:r>
             <a:r>
-              <a:rPr lang="en-US" dirty="0"/>
+              <a:rPr lang="en-US" sz="1600" dirty="0"/>
               <a:t> </a:t>
             </a:r>
             <a:r>
-              <a:rPr lang="en-US" dirty="0" err="1"/>
+              <a:rPr lang="en-US" sz="1600" dirty="0" err="1"/>
               <a:t>besorge</a:t>
             </a:r>
             <a:r>
-              <a:rPr lang="en-US" dirty="0"/>
+              <a:rPr lang="en-US" sz="1600" dirty="0"/>
               <a:t> ich mir positive </a:t>
             </a:r>
             <a:r>
-              <a:rPr lang="en-US" dirty="0" err="1"/>
+              <a:rPr lang="en-US" sz="1600" dirty="0" err="1"/>
               <a:t>Ergebnisse</a:t>
             </a:r>
             <a:r>
-              <a:rPr lang="en-US" dirty="0"/>
+              <a:rPr lang="en-US" sz="1600" dirty="0"/>
               <a:t> und </a:t>
             </a:r>
             <a:r>
-              <a:rPr lang="en-US" dirty="0" err="1"/>
+              <a:rPr lang="en-US" sz="1600" dirty="0" err="1"/>
               <a:t>gebe</a:t>
             </a:r>
             <a:r>
-              <a:rPr lang="en-US" dirty="0"/>
+              <a:rPr lang="en-US" sz="1600" dirty="0"/>
               <a:t> </a:t>
             </a:r>
             <a:r>
-              <a:rPr lang="en-US" dirty="0" err="1"/>
+              <a:rPr lang="en-US" sz="1600" dirty="0" err="1"/>
               <a:t>sie</a:t>
             </a:r>
             <a:r>
-              <a:rPr lang="en-US" dirty="0"/>
+              <a:rPr lang="en-US" sz="1600" dirty="0"/>
               <a:t> </a:t>
             </a:r>
             <a:r>
-              <a:rPr lang="en-US" dirty="0" err="1"/>
+              <a:rPr lang="en-US" sz="1600" dirty="0" err="1"/>
               <a:t>nach</a:t>
             </a:r>
             <a:r>
-              <a:rPr lang="en-US" dirty="0"/>
+              <a:rPr lang="en-US" sz="1600" dirty="0"/>
               <a:t> </a:t>
             </a:r>
             <a:r>
-              <a:rPr lang="en-US" dirty="0" err="1"/>
+              <a:rPr lang="en-US" sz="1600" dirty="0" err="1"/>
               <a:t>jedem</a:t>
             </a:r>
             <a:r>
-              <a:rPr lang="en-US" dirty="0"/>
-              <a:t> </a:t>
-            </a:r>
-            <a:br>
-              <a:rPr lang="en-US" dirty="0"/>
-            </a:br>
-            <a:r>
-              <a:rPr lang="en-US" dirty="0"/>
-              <a:t>1/0.0099 = 101 Mal an.</a:t>
+              <a:rPr lang="en-US" sz="1600" dirty="0"/>
+              <a:t> 1/0.0099 = 101 Mal an.</a:t>
             </a:r>
           </a:p>
         </p:txBody>
@@ -7724,320 +7723,337 @@
         <p:spPr>
           <a:xfrm>
             <a:off x="6275388" y="1703388"/>
-            <a:ext cx="5437187" cy="2681119"/>
+            <a:ext cx="5437187" cy="2950038"/>
           </a:xfrm>
         </p:spPr>
         <p:txBody>
           <a:bodyPr/>
           <a:lstStyle/>
           <a:p>
-            <a:r>
-              <a:rPr lang="en-US" dirty="0"/>
+            <a:pPr lvl="1"/>
+            <a:r>
+              <a:rPr lang="en-US" sz="1800" dirty="0">
+                <a:latin typeface="+mj-lt"/>
+              </a:rPr>
               <a:t>3. Der </a:t>
             </a:r>
             <a:r>
-              <a:rPr lang="en-US" dirty="0" err="1"/>
+              <a:rPr lang="en-US" sz="1800" dirty="0" err="1">
+                <a:latin typeface="+mj-lt"/>
+              </a:rPr>
               <a:t>smarte</a:t>
             </a:r>
             <a:r>
-              <a:rPr lang="en-US" dirty="0"/>
+              <a:rPr lang="en-US" sz="1800" dirty="0">
+                <a:latin typeface="+mj-lt"/>
+              </a:rPr>
               <a:t> </a:t>
             </a:r>
             <a:r>
-              <a:rPr lang="en-US" dirty="0" err="1"/>
+              <a:rPr lang="en-US" sz="1800" dirty="0" err="1">
+                <a:latin typeface="+mj-lt"/>
+              </a:rPr>
               <a:t>Betrüger</a:t>
             </a:r>
-            <a:endParaRPr lang="en-US" dirty="0"/>
+            <a:r>
+              <a:rPr lang="en-US" sz="1800" dirty="0">
+                <a:latin typeface="+mj-lt"/>
+              </a:rPr>
+              <a:t> (copy fraudster)</a:t>
+            </a:r>
           </a:p>
           <a:p>
             <a:pPr lvl="1"/>
             <a:r>
-              <a:rPr lang="en-US" dirty="0"/>
+              <a:rPr lang="en-US" sz="1600" dirty="0"/>
               <a:t>Ich </a:t>
             </a:r>
             <a:r>
-              <a:rPr lang="en-US" dirty="0" err="1"/>
+              <a:rPr lang="en-US" sz="1600" dirty="0" err="1"/>
               <a:t>habe</a:t>
             </a:r>
             <a:r>
-              <a:rPr lang="en-US" dirty="0"/>
+              <a:rPr lang="en-US" sz="1600" dirty="0"/>
               <a:t> </a:t>
             </a:r>
             <a:r>
-              <a:rPr lang="en-US" dirty="0" err="1"/>
+              <a:rPr lang="en-US" sz="1600" dirty="0" err="1"/>
               <a:t>eine</a:t>
             </a:r>
             <a:r>
-              <a:rPr lang="en-US" dirty="0"/>
+              <a:rPr lang="en-US" sz="1600" dirty="0"/>
               <a:t> </a:t>
             </a:r>
             <a:r>
-              <a:rPr lang="en-US" dirty="0" err="1"/>
+              <a:rPr lang="en-US" sz="1600" dirty="0" err="1"/>
               <a:t>laufende</a:t>
             </a:r>
             <a:r>
-              <a:rPr lang="en-US" dirty="0"/>
+              <a:rPr lang="en-US" sz="1600" dirty="0"/>
               <a:t> </a:t>
             </a:r>
             <a:r>
-              <a:rPr lang="en-US" dirty="0" err="1"/>
+              <a:rPr lang="en-US" sz="1600" dirty="0" err="1"/>
               <a:t>Teststation</a:t>
             </a:r>
             <a:r>
-              <a:rPr lang="en-US" dirty="0"/>
+              <a:rPr lang="en-US" sz="1600" dirty="0"/>
               <a:t> in </a:t>
             </a:r>
             <a:r>
-              <a:rPr lang="en-US" dirty="0" err="1"/>
+              <a:rPr lang="en-US" sz="1600" dirty="0" err="1"/>
               <a:t>einer</a:t>
             </a:r>
             <a:r>
-              <a:rPr lang="en-US" dirty="0"/>
+              <a:rPr lang="en-US" sz="1600" dirty="0"/>
               <a:t> </a:t>
             </a:r>
             <a:r>
-              <a:rPr lang="en-US" dirty="0" err="1"/>
+              <a:rPr lang="en-US" sz="1600" dirty="0" err="1"/>
               <a:t>anderen</a:t>
             </a:r>
             <a:r>
-              <a:rPr lang="en-US" dirty="0"/>
+              <a:rPr lang="en-US" sz="1600" dirty="0"/>
               <a:t> Stadt mit </a:t>
             </a:r>
             <a:r>
-              <a:rPr lang="en-US" dirty="0" err="1"/>
+              <a:rPr lang="en-US" sz="1600" dirty="0" err="1"/>
               <a:t>einer</a:t>
             </a:r>
             <a:r>
-              <a:rPr lang="en-US" dirty="0"/>
+              <a:rPr lang="en-US" sz="1600" dirty="0"/>
               <a:t> </a:t>
             </a:r>
             <a:r>
-              <a:rPr lang="en-US" dirty="0" err="1"/>
+              <a:rPr lang="en-US" sz="1600" dirty="0" err="1"/>
               <a:t>Inzidenz</a:t>
             </a:r>
             <a:r>
-              <a:rPr lang="en-US" dirty="0"/>
+              <a:rPr lang="en-US" sz="1600" dirty="0"/>
               <a:t> von 800. Ich </a:t>
             </a:r>
             <a:r>
-              <a:rPr lang="en-US" dirty="0" err="1"/>
+              <a:rPr lang="en-US" sz="1600" dirty="0" err="1"/>
               <a:t>nehme</a:t>
             </a:r>
             <a:r>
-              <a:rPr lang="en-US" dirty="0"/>
+              <a:rPr lang="en-US" sz="1600" dirty="0"/>
               <a:t> </a:t>
             </a:r>
             <a:r>
-              <a:rPr lang="en-US" dirty="0" err="1"/>
+              <a:rPr lang="en-US" sz="1600" dirty="0" err="1"/>
               <a:t>diese</a:t>
             </a:r>
             <a:r>
-              <a:rPr lang="en-US" dirty="0"/>
+              <a:rPr lang="en-US" sz="1600" dirty="0"/>
               <a:t> </a:t>
             </a:r>
             <a:r>
-              <a:rPr lang="en-US" dirty="0" err="1"/>
+              <a:rPr lang="en-US" sz="1600" dirty="0" err="1"/>
               <a:t>Daten</a:t>
             </a:r>
             <a:r>
-              <a:rPr lang="en-US" dirty="0"/>
+              <a:rPr lang="en-US" sz="1600" dirty="0"/>
               <a:t> </a:t>
             </a:r>
             <a:r>
-              <a:rPr lang="en-US" dirty="0" err="1"/>
+              <a:rPr lang="en-US" sz="1600" dirty="0" err="1"/>
               <a:t>einfach</a:t>
             </a:r>
             <a:r>
-              <a:rPr lang="en-US" dirty="0"/>
+              <a:rPr lang="en-US" sz="1600" dirty="0"/>
               <a:t> und </a:t>
             </a:r>
             <a:r>
-              <a:rPr lang="en-US" dirty="0" err="1"/>
+              <a:rPr lang="en-US" sz="1600" dirty="0" err="1"/>
               <a:t>reiche</a:t>
             </a:r>
             <a:r>
-              <a:rPr lang="en-US" dirty="0"/>
+              <a:rPr lang="en-US" sz="1600" dirty="0"/>
               <a:t> die </a:t>
             </a:r>
             <a:r>
-              <a:rPr lang="en-US" dirty="0" err="1"/>
+              <a:rPr lang="en-US" sz="1600" dirty="0" err="1"/>
               <a:t>Ergebnisse</a:t>
             </a:r>
             <a:r>
-              <a:rPr lang="en-US" dirty="0"/>
+              <a:rPr lang="en-US" sz="1600" dirty="0"/>
               <a:t> </a:t>
             </a:r>
             <a:r>
-              <a:rPr lang="en-US" dirty="0" err="1"/>
+              <a:rPr lang="en-US" sz="1600" dirty="0" err="1"/>
               <a:t>hier</a:t>
             </a:r>
             <a:r>
-              <a:rPr lang="en-US" dirty="0"/>
+              <a:rPr lang="en-US" sz="1600" dirty="0"/>
               <a:t> </a:t>
             </a:r>
             <a:r>
-              <a:rPr lang="en-US" b="1" dirty="0" err="1"/>
+              <a:rPr lang="en-US" sz="1600" b="1" dirty="0" err="1"/>
               <a:t>nochmal</a:t>
             </a:r>
             <a:r>
-              <a:rPr lang="en-US" b="1" dirty="0"/>
+              <a:rPr lang="en-US" sz="1600" b="1" dirty="0"/>
               <a:t> </a:t>
             </a:r>
             <a:r>
-              <a:rPr lang="en-US" b="1" dirty="0" err="1"/>
+              <a:rPr lang="en-US" sz="1600" b="1" dirty="0" err="1"/>
               <a:t>zur</a:t>
             </a:r>
             <a:r>
-              <a:rPr lang="en-US" b="1" dirty="0"/>
+              <a:rPr lang="en-US" sz="1600" b="1" dirty="0"/>
               <a:t> </a:t>
             </a:r>
             <a:r>
-              <a:rPr lang="en-US" b="1" dirty="0" err="1"/>
+              <a:rPr lang="en-US" sz="1600" b="1" dirty="0" err="1"/>
               <a:t>Abrechnung</a:t>
             </a:r>
             <a:r>
-              <a:rPr lang="en-US" b="1" dirty="0"/>
+              <a:rPr lang="en-US" sz="1600" b="1" dirty="0"/>
               <a:t> </a:t>
             </a:r>
             <a:r>
-              <a:rPr lang="en-US" dirty="0" err="1"/>
+              <a:rPr lang="en-US" sz="1600" dirty="0" err="1"/>
               <a:t>ein</a:t>
             </a:r>
             <a:r>
-              <a:rPr lang="en-US" dirty="0"/>
+              <a:rPr lang="en-US" sz="1600" dirty="0"/>
               <a:t>.</a:t>
             </a:r>
           </a:p>
           <a:p>
             <a:pPr lvl="1"/>
             <a:r>
-              <a:rPr lang="en-US" sz="1600" dirty="0">
+              <a:rPr lang="en-US" sz="1800" dirty="0">
                 <a:latin typeface="+mj-lt"/>
               </a:rPr>
               <a:t>4. Der </a:t>
             </a:r>
             <a:r>
-              <a:rPr lang="en-US" sz="1600" dirty="0" err="1">
+              <a:rPr lang="en-US" sz="1800" dirty="0" err="1">
                 <a:latin typeface="+mj-lt"/>
               </a:rPr>
               <a:t>sehr</a:t>
             </a:r>
             <a:r>
-              <a:rPr lang="en-US" sz="1600" dirty="0">
+              <a:rPr lang="en-US" sz="1800" dirty="0">
                 <a:latin typeface="+mj-lt"/>
               </a:rPr>
               <a:t> </a:t>
             </a:r>
             <a:r>
-              <a:rPr lang="en-US" sz="1600" dirty="0" err="1">
+              <a:rPr lang="en-US" sz="1800" dirty="0" err="1">
                 <a:latin typeface="+mj-lt"/>
               </a:rPr>
               <a:t>smarte</a:t>
             </a:r>
             <a:r>
-              <a:rPr lang="en-US" sz="1600" dirty="0">
+              <a:rPr lang="en-US" sz="1800" dirty="0">
                 <a:latin typeface="+mj-lt"/>
               </a:rPr>
               <a:t> </a:t>
             </a:r>
             <a:r>
-              <a:rPr lang="en-US" sz="1600" dirty="0" err="1">
+              <a:rPr lang="en-US" sz="1800" dirty="0" err="1">
                 <a:latin typeface="+mj-lt"/>
               </a:rPr>
               <a:t>Betrüger</a:t>
             </a:r>
-            <a:endParaRPr lang="en-US" sz="1600" dirty="0">
-              <a:latin typeface="+mj-lt"/>
-            </a:endParaRPr>
+            <a:r>
+              <a:rPr lang="en-US" sz="1800" dirty="0">
+                <a:latin typeface="+mj-lt"/>
+              </a:rPr>
+              <a:t> (filling fraudster)</a:t>
+            </a:r>
           </a:p>
           <a:p>
             <a:pPr lvl="1"/>
             <a:r>
-              <a:rPr lang="en-US" dirty="0"/>
+              <a:rPr lang="en-US" sz="1600" dirty="0"/>
               <a:t>Ich teste </a:t>
             </a:r>
             <a:r>
-              <a:rPr lang="en-US" dirty="0" err="1"/>
+              <a:rPr lang="en-US" sz="1600" dirty="0" err="1"/>
               <a:t>wirklich</a:t>
             </a:r>
             <a:r>
-              <a:rPr lang="en-US" dirty="0"/>
+              <a:rPr lang="en-US" sz="1600" dirty="0"/>
               <a:t>. Aber </a:t>
             </a:r>
             <a:r>
-              <a:rPr lang="en-US" dirty="0" err="1"/>
+              <a:rPr lang="en-US" sz="1600" dirty="0" err="1"/>
               <a:t>nach</a:t>
             </a:r>
             <a:r>
-              <a:rPr lang="en-US" dirty="0"/>
+              <a:rPr lang="en-US" sz="1600" dirty="0"/>
               <a:t> 1000 Tests </a:t>
             </a:r>
             <a:r>
-              <a:rPr lang="en-US" dirty="0" err="1"/>
+              <a:rPr lang="en-US" sz="1600" dirty="0" err="1"/>
               <a:t>gebe</a:t>
             </a:r>
             <a:r>
-              <a:rPr lang="en-US" dirty="0"/>
+              <a:rPr lang="en-US" sz="1600" dirty="0"/>
               <a:t> ich 200 Tests mit </a:t>
             </a:r>
             <a:r>
-              <a:rPr lang="en-US" dirty="0" err="1"/>
+              <a:rPr lang="en-US" sz="1600" dirty="0" err="1"/>
               <a:t>negativen</a:t>
             </a:r>
             <a:r>
-              <a:rPr lang="en-US" dirty="0"/>
+              <a:rPr lang="en-US" sz="1600" dirty="0"/>
               <a:t> </a:t>
             </a:r>
             <a:r>
-              <a:rPr lang="en-US" b="1" dirty="0" err="1"/>
+              <a:rPr lang="en-US" sz="1600" b="1" dirty="0" err="1"/>
               <a:t>Ergebnissen</a:t>
             </a:r>
             <a:r>
-              <a:rPr lang="en-US" b="1" dirty="0"/>
+              <a:rPr lang="en-US" sz="1600" b="1" dirty="0"/>
               <a:t> </a:t>
             </a:r>
             <a:r>
-              <a:rPr lang="en-US" b="1" dirty="0" err="1"/>
+              <a:rPr lang="en-US" sz="1600" b="1" dirty="0" err="1"/>
               <a:t>dazu</a:t>
             </a:r>
             <a:r>
-              <a:rPr lang="en-US" b="1" dirty="0"/>
+              <a:rPr lang="en-US" sz="1600" b="1" dirty="0"/>
               <a:t> </a:t>
             </a:r>
             <a:r>
-              <a:rPr lang="en-US" dirty="0"/>
+              <a:rPr lang="en-US" sz="1600" dirty="0"/>
               <a:t>und teste </a:t>
             </a:r>
             <a:r>
-              <a:rPr lang="en-US" dirty="0" err="1"/>
+              <a:rPr lang="en-US" sz="1600" dirty="0" err="1"/>
               <a:t>dann</a:t>
             </a:r>
             <a:r>
-              <a:rPr lang="en-US" dirty="0"/>
+              <a:rPr lang="en-US" sz="1600" dirty="0"/>
               <a:t> </a:t>
             </a:r>
             <a:r>
-              <a:rPr lang="en-US" dirty="0" err="1"/>
+              <a:rPr lang="en-US" sz="1600" dirty="0" err="1"/>
               <a:t>wieder</a:t>
             </a:r>
             <a:r>
-              <a:rPr lang="en-US" dirty="0"/>
+              <a:rPr lang="en-US" sz="1600" dirty="0"/>
               <a:t> 800 </a:t>
             </a:r>
             <a:r>
-              <a:rPr lang="en-US" dirty="0" err="1"/>
+              <a:rPr lang="en-US" sz="1600" dirty="0" err="1"/>
               <a:t>Personen</a:t>
             </a:r>
             <a:r>
-              <a:rPr lang="en-US" dirty="0"/>
+              <a:rPr lang="en-US" sz="1600" dirty="0"/>
               <a:t> </a:t>
             </a:r>
             <a:r>
-              <a:rPr lang="en-US" dirty="0" err="1"/>
+              <a:rPr lang="en-US" sz="1600" dirty="0" err="1"/>
               <a:t>richtig</a:t>
             </a:r>
             <a:r>
-              <a:rPr lang="en-US" dirty="0"/>
+              <a:rPr lang="en-US" sz="1600" dirty="0"/>
               <a:t>.</a:t>
             </a:r>
           </a:p>
@@ -8067,7 +8083,7 @@
             <a:fld id="{3FF77DFC-33DC-4457-974A-3F8ABA01093A}" type="datetime1">
               <a:rPr lang="de-DE" noProof="0" smtClean="0"/>
               <a:pPr/>
-              <a:t>02.11.2022</a:t>
+              <a:t>03.11.2022</a:t>
             </a:fld>
             <a:endParaRPr lang="de-DE" noProof="0" dirty="0"/>
           </a:p>
@@ -8240,7 +8256,7 @@
           <a:p>
             <a:fld id="{3FF77DFC-33DC-4457-974A-3F8ABA01093A}" type="datetime1">
               <a:rPr lang="de-DE" noProof="0" smtClean="0"/>
-              <a:t>02.11.2022</a:t>
+              <a:t>03.11.2022</a:t>
             </a:fld>
             <a:endParaRPr lang="de-DE" noProof="0" dirty="0"/>
           </a:p>
@@ -8393,8 +8409,8 @@
         </p:nvSpPr>
         <p:spPr>
           <a:xfrm>
-            <a:off x="478199" y="1703388"/>
-            <a:ext cx="5437188" cy="4062522"/>
+            <a:off x="479425" y="1560759"/>
+            <a:ext cx="6761130" cy="4568366"/>
           </a:xfrm>
         </p:spPr>
         <p:txBody>
@@ -8402,53 +8418,61 @@
           <a:lstStyle/>
           <a:p>
             <a:r>
-              <a:rPr lang="de-DE" dirty="0"/>
+              <a:rPr lang="de-DE" sz="1800" dirty="0"/>
               <a:t>Deskriptive Analytik</a:t>
             </a:r>
           </a:p>
           <a:p>
             <a:pPr lvl="1"/>
             <a:r>
-              <a:rPr lang="de-DE" dirty="0"/>
-              <a:t>Findet anormale Verhaltensweisen in Beobachtungen , die vom normalen Verhalten der Grundgesamtheit abweichen.</a:t>
+              <a:rPr lang="de-DE" sz="1600" dirty="0"/>
+              <a:t>Findet </a:t>
+            </a:r>
+            <a:r>
+              <a:rPr lang="de-DE" sz="1600" b="1" dirty="0"/>
+              <a:t>anormale Verhaltensweisen </a:t>
+            </a:r>
+            <a:r>
+              <a:rPr lang="de-DE" sz="1600" dirty="0"/>
+              <a:t>in Beobachtungen , die vom normalen Verhalten der Grundgesamtheit abweichen.</a:t>
             </a:r>
           </a:p>
           <a:p>
             <a:pPr lvl="3"/>
             <a:r>
-              <a:rPr lang="de-DE" dirty="0"/>
+              <a:rPr lang="de-DE" sz="1600" dirty="0"/>
               <a:t>Erkennt bislang unbekannte Verdachtsmomente</a:t>
             </a:r>
           </a:p>
           <a:p>
             <a:pPr lvl="3"/>
             <a:r>
-              <a:rPr lang="de-DE" dirty="0"/>
+              <a:rPr lang="de-DE" sz="1600" dirty="0"/>
               <a:t>Anfällig für Täuschung</a:t>
             </a:r>
           </a:p>
           <a:p>
             <a:pPr lvl="3"/>
-            <a:endParaRPr lang="de-DE" dirty="0"/>
+            <a:endParaRPr lang="de-DE" sz="1600" dirty="0"/>
           </a:p>
           <a:p>
             <a:pPr marL="0" lvl="3" indent="0">
               <a:buNone/>
             </a:pPr>
             <a:r>
-              <a:rPr lang="de-DE" b="1" dirty="0" err="1"/>
+              <a:rPr lang="de-DE" sz="1600" b="1" dirty="0" err="1"/>
               <a:t>Anomalieerkennung</a:t>
             </a:r>
             <a:r>
-              <a:rPr lang="de-DE" dirty="0"/>
+              <a:rPr lang="de-DE" sz="1600" dirty="0"/>
               <a:t>:</a:t>
             </a:r>
           </a:p>
           <a:p>
             <a:pPr lvl="3"/>
             <a:r>
-              <a:rPr lang="de-DE" u="sng" dirty="0"/>
-              <a:t>Erkennung von statistischen Ausreißern</a:t>
+              <a:rPr lang="de-DE" sz="1600" u="sng" dirty="0"/>
+              <a:t>Erkennung von statistischen Ausreißern (diskret)</a:t>
             </a:r>
           </a:p>
           <a:p>
@@ -8456,15 +8480,23 @@
               <a:buNone/>
             </a:pPr>
             <a:r>
-              <a:rPr lang="de-DE" dirty="0"/>
-              <a:t>Eine „außen liegende“ Beobachtung oder Ausreißer ist eine, die deutlich von anderen Mitgliedern der Stichprobe abzuweichen scheint, in der sie auftritt.</a:t>
+              <a:rPr lang="de-DE" sz="1600" dirty="0"/>
+              <a:t>Eine „außen liegende“ Beobachtung oder Ausreißer ist eine, die deutlich </a:t>
+            </a:r>
+            <a:r>
+              <a:rPr lang="de-DE" sz="1600" b="1" dirty="0"/>
+              <a:t>von anderen Mitgliedern der Stichprobe abzuweichen </a:t>
+            </a:r>
+            <a:r>
+              <a:rPr lang="de-DE" sz="1600" dirty="0"/>
+              <a:t>scheint, in der sie auftritt.</a:t>
             </a:r>
           </a:p>
           <a:p>
             <a:pPr lvl="3"/>
             <a:r>
-              <a:rPr lang="de-DE" u="sng" dirty="0"/>
-              <a:t>Erkennung von Strukturbrüchen</a:t>
+              <a:rPr lang="de-DE" sz="1600" u="sng" dirty="0"/>
+              <a:t>Erkennung von Strukturbrüchen (kontinuierlich)</a:t>
             </a:r>
           </a:p>
           <a:p>
@@ -8472,8 +8504,16 @@
               <a:buNone/>
             </a:pPr>
             <a:r>
-              <a:rPr lang="de-DE" dirty="0"/>
-              <a:t>Strukturbrüche in Zeitreihen sind dadurch gekennzeichnet, dass sich das stationäre Verhalten über die Zeit durch eine Veränderung der Varianz oder des Mittelwertes ändert.</a:t>
+              <a:rPr lang="de-DE" sz="1600" dirty="0"/>
+              <a:t>Strukturbrüche in Zeitreihen sind dadurch gekennzeichnet, dass sich das stationäre Verhalten über die Zeit durch eine </a:t>
+            </a:r>
+            <a:r>
+              <a:rPr lang="de-DE" sz="1600" b="1" dirty="0"/>
+              <a:t>Veränderung der Varianz oder des Mittelwertes</a:t>
+            </a:r>
+            <a:r>
+              <a:rPr lang="de-DE" sz="1600" dirty="0"/>
+              <a:t> darstellt.</a:t>
             </a:r>
           </a:p>
         </p:txBody>
@@ -8496,8 +8536,8 @@
         </p:nvSpPr>
         <p:spPr>
           <a:xfrm>
-            <a:off x="6275388" y="1703388"/>
-            <a:ext cx="5437187" cy="3134833"/>
+            <a:off x="7623110" y="1560759"/>
+            <a:ext cx="4089465" cy="3541098"/>
           </a:xfrm>
         </p:spPr>
         <p:txBody>
@@ -8508,25 +8548,25 @@
               <a:buNone/>
             </a:pPr>
             <a:r>
-              <a:rPr lang="en-US" sz="1600" dirty="0" err="1">
+              <a:rPr lang="en-US" sz="1800" dirty="0" err="1">
                 <a:latin typeface="+mj-lt"/>
               </a:rPr>
               <a:t>Vorgestellte</a:t>
             </a:r>
             <a:r>
-              <a:rPr lang="en-US" sz="1600" dirty="0">
+              <a:rPr lang="en-US" sz="1800" dirty="0">
                 <a:latin typeface="+mj-lt"/>
               </a:rPr>
               <a:t> </a:t>
             </a:r>
             <a:r>
-              <a:rPr lang="en-US" sz="1600" dirty="0" err="1">
+              <a:rPr lang="en-US" sz="1800" dirty="0" err="1">
                 <a:latin typeface="+mj-lt"/>
               </a:rPr>
               <a:t>Methoden</a:t>
             </a:r>
             <a:r>
-              <a:rPr lang="en-US" sz="1600" dirty="0">
+              <a:rPr lang="en-US" sz="1800" dirty="0">
                 <a:latin typeface="+mj-lt"/>
               </a:rPr>
               <a:t>:</a:t>
@@ -8536,7 +8576,7 @@
             <a:pPr marL="0" lvl="3" indent="0">
               <a:buNone/>
             </a:pPr>
-            <a:endParaRPr lang="en-US" sz="1600" dirty="0">
+            <a:endParaRPr lang="en-US" sz="1800" dirty="0">
               <a:latin typeface="+mj-lt"/>
             </a:endParaRPr>
           </a:p>
@@ -8546,7 +8586,7 @@
               <a:buAutoNum type="arabicPeriod"/>
             </a:pPr>
             <a:r>
-              <a:rPr lang="en-US" dirty="0"/>
+              <a:rPr lang="en-US" sz="1600" dirty="0"/>
               <a:t>Z-Score</a:t>
             </a:r>
           </a:p>
@@ -8556,11 +8596,11 @@
               <a:buAutoNum type="arabicPeriod"/>
             </a:pPr>
             <a:r>
-              <a:rPr lang="en-US" dirty="0" err="1"/>
+              <a:rPr lang="en-US" sz="1600" dirty="0" err="1"/>
               <a:t>Statistische</a:t>
             </a:r>
             <a:r>
-              <a:rPr lang="en-US" dirty="0"/>
+              <a:rPr lang="en-US" sz="1600" dirty="0"/>
               <a:t> Tests</a:t>
             </a:r>
           </a:p>
@@ -8570,11 +8610,11 @@
               <a:buAutoNum type="arabicPeriod"/>
             </a:pPr>
             <a:r>
-              <a:rPr lang="de-DE" dirty="0" err="1"/>
+              <a:rPr lang="de-DE" sz="1600" dirty="0" err="1"/>
               <a:t>Binomial</a:t>
             </a:r>
             <a:r>
-              <a:rPr lang="de-DE" dirty="0"/>
+              <a:rPr lang="de-DE" sz="1600" dirty="0"/>
               <a:t> Proportion Tests</a:t>
             </a:r>
           </a:p>
@@ -8584,10 +8624,10 @@
               <a:buAutoNum type="arabicPeriod"/>
             </a:pPr>
             <a:r>
-              <a:rPr lang="en-US" dirty="0" err="1"/>
+              <a:rPr lang="en-US" sz="1600" dirty="0" err="1"/>
               <a:t>Strukturbruch-Analysen</a:t>
             </a:r>
-            <a:endParaRPr lang="en-US" dirty="0"/>
+            <a:endParaRPr lang="en-US" sz="1600" dirty="0"/>
           </a:p>
           <a:p>
             <a:pPr marL="342900" lvl="3" indent="-342900">
@@ -8595,7 +8635,7 @@
               <a:buAutoNum type="arabicPeriod"/>
             </a:pPr>
             <a:r>
-              <a:rPr lang="en-US" dirty="0"/>
+              <a:rPr lang="en-US" sz="1600" dirty="0"/>
               <a:t>Red Flags</a:t>
             </a:r>
           </a:p>
@@ -8604,26 +8644,26 @@
               <a:buFont typeface="+mj-lt"/>
               <a:buAutoNum type="arabicPeriod"/>
             </a:pPr>
-            <a:endParaRPr lang="en-US" dirty="0"/>
+            <a:endParaRPr lang="en-US" sz="1600" dirty="0"/>
           </a:p>
           <a:p>
             <a:pPr marL="0" lvl="3" indent="0">
               <a:buNone/>
             </a:pPr>
             <a:r>
-              <a:rPr lang="en-US" b="1" dirty="0" err="1"/>
+              <a:rPr lang="en-US" sz="1600" b="1" dirty="0" err="1"/>
               <a:t>Weitere</a:t>
             </a:r>
             <a:r>
-              <a:rPr lang="en-US" b="1" dirty="0"/>
+              <a:rPr lang="en-US" sz="1600" b="1" dirty="0"/>
               <a:t> </a:t>
             </a:r>
             <a:r>
-              <a:rPr lang="en-US" b="1" dirty="0" err="1"/>
+              <a:rPr lang="en-US" sz="1600" b="1" dirty="0" err="1"/>
               <a:t>Methoden</a:t>
             </a:r>
             <a:r>
-              <a:rPr lang="en-US" b="1" dirty="0"/>
+              <a:rPr lang="en-US" sz="1600" b="1" dirty="0"/>
               <a:t>:</a:t>
             </a:r>
           </a:p>
@@ -8631,7 +8671,7 @@
             <a:pPr marL="0" lvl="3" indent="0">
               <a:buNone/>
             </a:pPr>
-            <a:endParaRPr lang="en-US" b="1" dirty="0"/>
+            <a:endParaRPr lang="en-US" sz="1600" b="1" dirty="0"/>
           </a:p>
           <a:p>
             <a:pPr marL="342900" lvl="3" indent="-342900">
@@ -8639,14 +8679,14 @@
               <a:buAutoNum type="arabicPeriod"/>
             </a:pPr>
             <a:r>
-              <a:rPr lang="en-US" dirty="0"/>
+              <a:rPr lang="en-US" sz="1600" dirty="0"/>
               <a:t>Cluster-</a:t>
             </a:r>
             <a:r>
-              <a:rPr lang="en-US" dirty="0" err="1"/>
+              <a:rPr lang="en-US" sz="1600" dirty="0" err="1"/>
               <a:t>Analysen</a:t>
             </a:r>
-            <a:endParaRPr lang="en-US" dirty="0"/>
+            <a:endParaRPr lang="en-US" sz="1600" dirty="0"/>
           </a:p>
           <a:p>
             <a:pPr marL="342900" lvl="3" indent="-342900">
@@ -8654,11 +8694,11 @@
               <a:buAutoNum type="arabicPeriod"/>
             </a:pPr>
             <a:r>
-              <a:rPr lang="en-US" dirty="0" err="1"/>
+              <a:rPr lang="en-US" sz="1600" dirty="0" err="1"/>
               <a:t>Benfords</a:t>
             </a:r>
             <a:r>
-              <a:rPr lang="en-US" dirty="0"/>
+              <a:rPr lang="en-US" sz="1600" dirty="0"/>
               <a:t> Law</a:t>
             </a:r>
           </a:p>
@@ -8666,7 +8706,7 @@
             <a:pPr marL="0" lvl="3" indent="0">
               <a:buNone/>
             </a:pPr>
-            <a:endParaRPr lang="en-US" b="1" dirty="0"/>
+            <a:endParaRPr lang="en-US" sz="1600" b="1" dirty="0"/>
           </a:p>
         </p:txBody>
       </p:sp>
@@ -8693,7 +8733,7 @@
           <a:p>
             <a:fld id="{4BDB264A-4676-45A5-B387-60439B46227D}" type="datetime1">
               <a:rPr lang="de-DE" noProof="0" smtClean="0"/>
-              <a:t>02.11.2022</a:t>
+              <a:t>03.11.2022</a:t>
             </a:fld>
             <a:endParaRPr lang="de-DE" noProof="0" dirty="0"/>
           </a:p>
@@ -8881,7 +8921,7 @@
         <p:spPr>
           <a:xfrm>
             <a:off x="478199" y="1703388"/>
-            <a:ext cx="4307161" cy="5352940"/>
+            <a:ext cx="4307161" cy="3701526"/>
           </a:xfrm>
         </p:spPr>
         <p:txBody>
@@ -8889,46 +8929,31 @@
           <a:lstStyle/>
           <a:p>
             <a:r>
-              <a:rPr lang="en-US" dirty="0"/>
+              <a:rPr lang="en-US" sz="1800" dirty="0"/>
               <a:t>Z-Score</a:t>
             </a:r>
           </a:p>
           <a:p>
             <a:pPr lvl="1"/>
             <a:r>
-              <a:rPr lang="de-DE" dirty="0"/>
+              <a:rPr lang="de-DE" sz="1600" dirty="0"/>
               <a:t>Wenn der Erwartungswert    und die Standardabweichung     einer Zufallsvariablen bekannt sind, wird ein Rohwert     durch folgende Z-Transformation nach     normalisiert. </a:t>
             </a:r>
           </a:p>
           <a:p>
             <a:pPr lvl="1"/>
-            <a:endParaRPr lang="de-DE" dirty="0"/>
+            <a:endParaRPr lang="de-DE" sz="1600" dirty="0"/>
           </a:p>
           <a:p>
             <a:pPr lvl="1"/>
-            <a:endParaRPr lang="de-DE" dirty="0"/>
+            <a:endParaRPr lang="de-DE" sz="1600" dirty="0"/>
           </a:p>
           <a:p>
             <a:pPr lvl="1"/>
             <a:r>
-              <a:rPr lang="de-DE" dirty="0"/>
+              <a:rPr lang="de-DE" sz="1600" dirty="0"/>
               <a:t>    gibt an, die angibt welche Anzahl mal der Standardabweichung eine Beobachtung vom Erwartungswert entfernt ist.</a:t>
             </a:r>
-          </a:p>
-          <a:p>
-            <a:pPr lvl="1"/>
-            <a:r>
-              <a:rPr lang="de-DE" dirty="0"/>
-              <a:t>
-</a:t>
-            </a:r>
-            <a:endParaRPr lang="en-US" dirty="0"/>
-          </a:p>
-          <a:p>
-            <a:endParaRPr lang="en-US" dirty="0"/>
-          </a:p>
-          <a:p>
-            <a:endParaRPr lang="en-US" dirty="0"/>
           </a:p>
         </p:txBody>
       </p:sp>
@@ -8955,7 +8980,7 @@
           <a:p>
             <a:fld id="{4BDB264A-4676-45A5-B387-60439B46227D}" type="datetime1">
               <a:rPr lang="de-DE" noProof="0" smtClean="0"/>
-              <a:t>02.11.2022</a:t>
+              <a:t>03.11.2022</a:t>
             </a:fld>
             <a:endParaRPr lang="de-DE" noProof="0" dirty="0"/>
           </a:p>
@@ -9006,20 +9031,20 @@
           <p:nvPr>
             <p:extLst>
               <p:ext uri="{D42A27DB-BD31-4B8C-83A1-F6EECF244321}">
-                <p14:modId xmlns:p14="http://schemas.microsoft.com/office/powerpoint/2010/main" val="1827988385"/>
+                <p14:modId xmlns:p14="http://schemas.microsoft.com/office/powerpoint/2010/main" val="1643408083"/>
               </p:ext>
             </p:extLst>
           </p:nvPr>
         </p:nvGraphicFramePr>
         <p:xfrm>
-          <a:off x="736859" y="3395072"/>
+          <a:off x="1338814" y="3619037"/>
           <a:ext cx="1146175" cy="657225"/>
         </p:xfrm>
         <a:graphic>
           <a:graphicData uri="http://schemas.openxmlformats.org/presentationml/2006/ole">
             <mc:AlternateContent xmlns:mc="http://schemas.openxmlformats.org/markup-compatibility/2006">
               <mc:Choice xmlns:v="urn:schemas-microsoft-com:vml" Requires="v">
-                <p:oleObj spid="_x0000_s20669" name="Equation" r:id="rId4" imgW="685800" imgH="393480" progId="Equation.DSMT4">
+                <p:oleObj spid="_x0000_s20933" name="Equation" r:id="rId4" imgW="685800" imgH="393480" progId="Equation.DSMT4">
                   <p:embed/>
                 </p:oleObj>
               </mc:Choice>
@@ -9046,7 +9071,7 @@
                     </p:blipFill>
                     <p:spPr>
                       <a:xfrm>
-                        <a:off x="736859" y="3395072"/>
+                        <a:off x="1338814" y="3619037"/>
                         <a:ext cx="1146175" cy="657225"/>
                       </a:xfrm>
                       <a:prstGeom prst="rect">
@@ -9088,7 +9113,7 @@
           <a:graphicData uri="http://schemas.openxmlformats.org/presentationml/2006/ole">
             <mc:AlternateContent xmlns:mc="http://schemas.openxmlformats.org/markup-compatibility/2006">
               <mc:Choice xmlns:v="urn:schemas-microsoft-com:vml" Requires="v">
-                <p:oleObj spid="_x0000_s20670" name="Equation" r:id="rId6" imgW="203040" imgH="177480" progId="Equation.DSMT4">
+                <p:oleObj spid="_x0000_s20934" name="Equation" r:id="rId6" imgW="203040" imgH="177480" progId="Equation.DSMT4">
                   <p:embed/>
                 </p:oleObj>
               </mc:Choice>
@@ -9157,7 +9182,7 @@
           <a:graphicData uri="http://schemas.openxmlformats.org/presentationml/2006/ole">
             <mc:AlternateContent xmlns:mc="http://schemas.openxmlformats.org/markup-compatibility/2006">
               <mc:Choice xmlns:v="urn:schemas-microsoft-com:vml" Requires="v">
-                <p:oleObj spid="_x0000_s20671" name="Equation" r:id="rId8" imgW="228600" imgH="177480" progId="Equation.DSMT4">
+                <p:oleObj spid="_x0000_s20935" name="Equation" r:id="rId8" imgW="228600" imgH="177480" progId="Equation.DSMT4">
                   <p:embed/>
                 </p:oleObj>
               </mc:Choice>
@@ -9226,7 +9251,7 @@
           <a:graphicData uri="http://schemas.openxmlformats.org/presentationml/2006/ole">
             <mc:AlternateContent xmlns:mc="http://schemas.openxmlformats.org/markup-compatibility/2006">
               <mc:Choice xmlns:v="urn:schemas-microsoft-com:vml" Requires="v">
-                <p:oleObj spid="_x0000_s20672" name="Equation" r:id="rId10" imgW="215640" imgH="177480" progId="Equation.DSMT4">
+                <p:oleObj spid="_x0000_s20936" name="Equation" r:id="rId10" imgW="215640" imgH="177480" progId="Equation.DSMT4">
                   <p:embed/>
                 </p:oleObj>
               </mc:Choice>
@@ -9424,7 +9449,7 @@
           <a:graphicData uri="http://schemas.openxmlformats.org/presentationml/2006/ole">
             <mc:AlternateContent xmlns:mc="http://schemas.openxmlformats.org/markup-compatibility/2006">
               <mc:Choice xmlns:v="urn:schemas-microsoft-com:vml" Requires="v">
-                <p:oleObj spid="_x0000_s20673" name="Equation" r:id="rId12" imgW="152315" imgH="171385" progId="Equation.DSMT4">
+                <p:oleObj spid="_x0000_s20937" name="Equation" r:id="rId12" imgW="152315" imgH="171385" progId="Equation.DSMT4">
                   <p:embed/>
                 </p:oleObj>
               </mc:Choice>
@@ -9525,20 +9550,20 @@
           <p:nvPr>
             <p:extLst>
               <p:ext uri="{D42A27DB-BD31-4B8C-83A1-F6EECF244321}">
-                <p14:modId xmlns:p14="http://schemas.microsoft.com/office/powerpoint/2010/main" val="54187715"/>
+                <p14:modId xmlns:p14="http://schemas.microsoft.com/office/powerpoint/2010/main" val="1642517800"/>
               </p:ext>
             </p:extLst>
           </p:nvPr>
         </p:nvGraphicFramePr>
         <p:xfrm>
-          <a:off x="2221697" y="2683866"/>
-          <a:ext cx="152400" cy="228600"/>
+          <a:off x="3229423" y="2728475"/>
+          <a:ext cx="223128" cy="334694"/>
         </p:xfrm>
         <a:graphic>
           <a:graphicData uri="http://schemas.openxmlformats.org/presentationml/2006/ole">
             <mc:AlternateContent xmlns:mc="http://schemas.openxmlformats.org/markup-compatibility/2006">
               <mc:Choice xmlns:v="urn:schemas-microsoft-com:vml" Requires="v">
-                <p:oleObj spid="_x0000_s20674" name="Equation" r:id="rId14" imgW="152334" imgH="228501" progId="Equation.DSMT4">
+                <p:oleObj spid="_x0000_s20938" name="Equation" r:id="rId14" imgW="152334" imgH="228501" progId="Equation.DSMT4">
                   <p:embed/>
                 </p:oleObj>
               </mc:Choice>
@@ -9574,8 +9599,8 @@
                     </p:blipFill>
                     <p:spPr bwMode="auto">
                       <a:xfrm>
-                        <a:off x="2221697" y="2683866"/>
-                        <a:ext cx="152400" cy="228600"/>
+                        <a:off x="3229423" y="2728475"/>
+                        <a:ext cx="223128" cy="334694"/>
                       </a:xfrm>
                       <a:prstGeom prst="rect">
                         <a:avLst/>
@@ -9604,20 +9629,20 @@
           <p:nvPr>
             <p:extLst>
               <p:ext uri="{D42A27DB-BD31-4B8C-83A1-F6EECF244321}">
-                <p14:modId xmlns:p14="http://schemas.microsoft.com/office/powerpoint/2010/main" val="920923957"/>
+                <p14:modId xmlns:p14="http://schemas.microsoft.com/office/powerpoint/2010/main" val="842530739"/>
               </p:ext>
             </p:extLst>
           </p:nvPr>
         </p:nvGraphicFramePr>
         <p:xfrm>
-          <a:off x="462447" y="4352362"/>
-          <a:ext cx="136525" cy="228600"/>
+          <a:off x="415792" y="4520312"/>
+          <a:ext cx="249396" cy="417593"/>
         </p:xfrm>
         <a:graphic>
           <a:graphicData uri="http://schemas.openxmlformats.org/presentationml/2006/ole">
             <mc:AlternateContent xmlns:mc="http://schemas.openxmlformats.org/markup-compatibility/2006">
               <mc:Choice xmlns:v="urn:schemas-microsoft-com:vml" Requires="v">
-                <p:oleObj spid="_x0000_s20675" name="Equation" r:id="rId16" imgW="139700" imgH="228600" progId="Equation.DSMT4">
+                <p:oleObj spid="_x0000_s20939" name="Equation" r:id="rId16" imgW="139700" imgH="228600" progId="Equation.DSMT4">
                   <p:embed/>
                 </p:oleObj>
               </mc:Choice>
@@ -9653,22 +9678,13 @@
                     </p:blipFill>
                     <p:spPr bwMode="auto">
                       <a:xfrm>
-                        <a:off x="462447" y="4352362"/>
-                        <a:ext cx="136525" cy="228600"/>
+                        <a:off x="415792" y="4520312"/>
+                        <a:ext cx="249396" cy="417593"/>
                       </a:xfrm>
                       <a:prstGeom prst="rect">
                         <a:avLst/>
                       </a:prstGeom>
                       <a:noFill/>
-                      <a:extLst>
-                        <a:ext uri="{909E8E84-426E-40DD-AFC4-6F175D3DCCD1}">
-                          <a14:hiddenFill xmlns:a14="http://schemas.microsoft.com/office/drawing/2010/main">
-                            <a:solidFill>
-                              <a:srgbClr val="FFFFFF"/>
-                            </a:solidFill>
-                          </a14:hiddenFill>
-                        </a:ext>
-                      </a:extLst>
                     </p:spPr>
                   </p:pic>
                 </p:oleObj>
@@ -9692,20 +9708,20 @@
           <p:nvPr>
             <p:extLst>
               <p:ext uri="{D42A27DB-BD31-4B8C-83A1-F6EECF244321}">
-                <p14:modId xmlns:p14="http://schemas.microsoft.com/office/powerpoint/2010/main" val="3948366107"/>
+                <p14:modId xmlns:p14="http://schemas.microsoft.com/office/powerpoint/2010/main" val="3430166364"/>
               </p:ext>
             </p:extLst>
           </p:nvPr>
         </p:nvGraphicFramePr>
         <p:xfrm>
-          <a:off x="2085172" y="2922556"/>
-          <a:ext cx="136525" cy="228600"/>
+          <a:off x="3257139" y="3011445"/>
+          <a:ext cx="199888" cy="334694"/>
         </p:xfrm>
         <a:graphic>
           <a:graphicData uri="http://schemas.openxmlformats.org/presentationml/2006/ole">
             <mc:AlternateContent xmlns:mc="http://schemas.openxmlformats.org/markup-compatibility/2006">
               <mc:Choice xmlns:v="urn:schemas-microsoft-com:vml" Requires="v">
-                <p:oleObj spid="_x0000_s20676" name="Equation" r:id="rId18" imgW="139700" imgH="228600" progId="Equation.DSMT4">
+                <p:oleObj spid="_x0000_s20940" name="Equation" r:id="rId18" imgW="139700" imgH="228600" progId="Equation.DSMT4">
                   <p:embed/>
                 </p:oleObj>
               </mc:Choice>
@@ -9741,8 +9757,8 @@
                     </p:blipFill>
                     <p:spPr bwMode="auto">
                       <a:xfrm>
-                        <a:off x="2085172" y="2922556"/>
-                        <a:ext cx="136525" cy="228600"/>
+                        <a:off x="3257139" y="3011445"/>
+                        <a:ext cx="199888" cy="334694"/>
                       </a:xfrm>
                       <a:prstGeom prst="rect">
                         <a:avLst/>
@@ -9771,20 +9787,20 @@
           <p:nvPr>
             <p:extLst>
               <p:ext uri="{D42A27DB-BD31-4B8C-83A1-F6EECF244321}">
-                <p14:modId xmlns:p14="http://schemas.microsoft.com/office/powerpoint/2010/main" val="2619620340"/>
+                <p14:modId xmlns:p14="http://schemas.microsoft.com/office/powerpoint/2010/main" val="1448097291"/>
               </p:ext>
             </p:extLst>
           </p:nvPr>
         </p:nvGraphicFramePr>
         <p:xfrm>
-          <a:off x="2128227" y="2494581"/>
-          <a:ext cx="152400" cy="136525"/>
+          <a:off x="2349068" y="2585793"/>
+          <a:ext cx="223128" cy="199888"/>
         </p:xfrm>
         <a:graphic>
           <a:graphicData uri="http://schemas.openxmlformats.org/presentationml/2006/ole">
             <mc:AlternateContent xmlns:mc="http://schemas.openxmlformats.org/markup-compatibility/2006">
               <mc:Choice xmlns:v="urn:schemas-microsoft-com:vml" Requires="v">
-                <p:oleObj spid="_x0000_s20677" name="Equation" r:id="rId20" imgW="152334" imgH="139639" progId="Equation.DSMT4">
+                <p:oleObj spid="_x0000_s20941" name="Equation" r:id="rId20" imgW="152334" imgH="139639" progId="Equation.DSMT4">
                   <p:embed/>
                 </p:oleObj>
               </mc:Choice>
@@ -9820,8 +9836,8 @@
                     </p:blipFill>
                     <p:spPr bwMode="auto">
                       <a:xfrm>
-                        <a:off x="2128227" y="2494581"/>
-                        <a:ext cx="152400" cy="136525"/>
+                        <a:off x="2349068" y="2585793"/>
+                        <a:ext cx="223128" cy="199888"/>
                       </a:xfrm>
                       <a:prstGeom prst="rect">
                         <a:avLst/>
@@ -9859,20 +9875,20 @@
           <p:nvPr>
             <p:extLst>
               <p:ext uri="{D42A27DB-BD31-4B8C-83A1-F6EECF244321}">
-                <p14:modId xmlns:p14="http://schemas.microsoft.com/office/powerpoint/2010/main" val="3189702210"/>
+                <p14:modId xmlns:p14="http://schemas.microsoft.com/office/powerpoint/2010/main" val="2771667354"/>
               </p:ext>
             </p:extLst>
           </p:nvPr>
         </p:nvGraphicFramePr>
         <p:xfrm>
-          <a:off x="2479379" y="2254667"/>
-          <a:ext cx="152400" cy="168275"/>
+          <a:off x="2765027" y="2279161"/>
+          <a:ext cx="223128" cy="246371"/>
         </p:xfrm>
         <a:graphic>
           <a:graphicData uri="http://schemas.openxmlformats.org/presentationml/2006/ole">
             <mc:AlternateContent xmlns:mc="http://schemas.openxmlformats.org/markup-compatibility/2006">
               <mc:Choice xmlns:v="urn:schemas-microsoft-com:vml" Requires="v">
-                <p:oleObj spid="_x0000_s20678" name="Equation" r:id="rId22" imgW="152268" imgH="164957" progId="Equation.DSMT4">
+                <p:oleObj spid="_x0000_s20942" name="Equation" r:id="rId22" imgW="152268" imgH="164957" progId="Equation.DSMT4">
                   <p:embed/>
                 </p:oleObj>
               </mc:Choice>
@@ -9908,8 +9924,8 @@
                     </p:blipFill>
                     <p:spPr bwMode="auto">
                       <a:xfrm>
-                        <a:off x="2479379" y="2254667"/>
-                        <a:ext cx="152400" cy="168275"/>
+                        <a:off x="2765027" y="2279161"/>
+                        <a:ext cx="223128" cy="246371"/>
                       </a:xfrm>
                       <a:prstGeom prst="rect">
                         <a:avLst/>
@@ -10206,7 +10222,7 @@
           <a:graphicData uri="http://schemas.openxmlformats.org/presentationml/2006/ole">
             <mc:AlternateContent xmlns:mc="http://schemas.openxmlformats.org/markup-compatibility/2006">
               <mc:Choice xmlns:v="urn:schemas-microsoft-com:vml" Requires="v">
-                <p:oleObj spid="_x0000_s20679" name="Equation" r:id="rId24" imgW="137170" imgH="228608" progId="Equation.DSMT4">
+                <p:oleObj spid="_x0000_s20943" name="Equation" r:id="rId24" imgW="137170" imgH="228608" progId="Equation.DSMT4">
                   <p:embed/>
                 </p:oleObj>
               </mc:Choice>
@@ -10382,68 +10398,6 @@
       </p:sp>
       <p:sp>
         <p:nvSpPr>
-          <p:cNvPr id="8" name="Textplatzhalter 7">
-            <a:extLst>
-              <a:ext uri="{FF2B5EF4-FFF2-40B4-BE49-F238E27FC236}">
-                <a16:creationId xmlns:a16="http://schemas.microsoft.com/office/drawing/2014/main" id="{A103B66A-F39A-4D88-A1B2-8C9A5460333E}"/>
-              </a:ext>
-            </a:extLst>
-          </p:cNvPr>
-          <p:cNvSpPr>
-            <a:spLocks noGrp="1"/>
-          </p:cNvSpPr>
-          <p:nvPr>
-            <p:ph type="body" sz="quarter" idx="14"/>
-          </p:nvPr>
-        </p:nvSpPr>
-        <p:spPr>
-          <a:xfrm>
-            <a:off x="478199" y="1703388"/>
-            <a:ext cx="4307161" cy="3845540"/>
-          </a:xfrm>
-        </p:spPr>
-        <p:txBody>
-          <a:bodyPr/>
-          <a:lstStyle/>
-          <a:p>
-            <a:r>
-              <a:rPr lang="en-US" dirty="0"/>
-              <a:t>Z-Score</a:t>
-            </a:r>
-          </a:p>
-          <a:p>
-            <a:pPr lvl="1"/>
-            <a:r>
-              <a:rPr lang="de-DE" dirty="0"/>
-              <a:t>Wenn der Erwartungswert    und die Standardabweichung     einer Zufallsvariablen bekannt sind, wird ein Rohwert     durch folgende Z-Transformation nach     normalisiert. </a:t>
-            </a:r>
-          </a:p>
-          <a:p>
-            <a:pPr lvl="1"/>
-            <a:endParaRPr lang="de-DE" dirty="0"/>
-          </a:p>
-          <a:p>
-            <a:pPr lvl="1"/>
-            <a:endParaRPr lang="de-DE" dirty="0"/>
-          </a:p>
-          <a:p>
-            <a:pPr lvl="1"/>
-            <a:r>
-              <a:rPr lang="de-DE" dirty="0"/>
-              <a:t>    gibt an, die angibt welche Anzahl mal der Standardabweichung eine Beobachtung vom Erwartungswert entfernt ist.</a:t>
-            </a:r>
-          </a:p>
-          <a:p>
-            <a:pPr lvl="1"/>
-            <a:r>
-              <a:rPr lang="de-DE" dirty="0"/>
-              <a:t>Z-Scores größer als 3 gelten als statistische Ausreißer!</a:t>
-            </a:r>
-          </a:p>
-        </p:txBody>
-      </p:sp>
-      <p:sp>
-        <p:nvSpPr>
           <p:cNvPr id="3" name="Datumsplatzhalter 2">
             <a:extLst>
               <a:ext uri="{FF2B5EF4-FFF2-40B4-BE49-F238E27FC236}">
@@ -10465,7 +10419,7 @@
           <a:p>
             <a:fld id="{4BDB264A-4676-45A5-B387-60439B46227D}" type="datetime1">
               <a:rPr lang="de-DE" noProof="0" smtClean="0"/>
-              <a:t>02.11.2022</a:t>
+              <a:t>03.11.2022</a:t>
             </a:fld>
             <a:endParaRPr lang="de-DE" noProof="0" dirty="0"/>
           </a:p>
@@ -10501,69 +10455,6 @@
           </a:p>
         </p:txBody>
       </p:sp>
-      <p:graphicFrame>
-        <p:nvGraphicFramePr>
-          <p:cNvPr id="12" name="Objekt 11">
-            <a:extLst>
-              <a:ext uri="{FF2B5EF4-FFF2-40B4-BE49-F238E27FC236}">
-                <a16:creationId xmlns:a16="http://schemas.microsoft.com/office/drawing/2014/main" id="{A0D7F635-9B9E-4A38-8C3F-0AC87FDD654C}"/>
-              </a:ext>
-            </a:extLst>
-          </p:cNvPr>
-          <p:cNvGraphicFramePr>
-            <a:graphicFrameLocks noChangeAspect="1"/>
-          </p:cNvGraphicFramePr>
-          <p:nvPr/>
-        </p:nvGraphicFramePr>
-        <p:xfrm>
-          <a:off x="736859" y="3395072"/>
-          <a:ext cx="1146175" cy="657225"/>
-        </p:xfrm>
-        <a:graphic>
-          <a:graphicData uri="http://schemas.openxmlformats.org/presentationml/2006/ole">
-            <mc:AlternateContent xmlns:mc="http://schemas.openxmlformats.org/markup-compatibility/2006">
-              <mc:Choice xmlns:v="urn:schemas-microsoft-com:vml" Requires="v">
-                <p:oleObj spid="_x0000_s21693" name="Equation" r:id="rId4" imgW="685800" imgH="393480" progId="Equation.DSMT4">
-                  <p:embed/>
-                </p:oleObj>
-              </mc:Choice>
-              <mc:Fallback>
-                <p:oleObj name="Equation" r:id="rId4" imgW="685800" imgH="393480" progId="Equation.DSMT4">
-                  <p:embed/>
-                  <p:pic>
-                    <p:nvPicPr>
-                      <p:cNvPr id="12" name="Objekt 11">
-                        <a:extLst>
-                          <a:ext uri="{FF2B5EF4-FFF2-40B4-BE49-F238E27FC236}">
-                            <a16:creationId xmlns:a16="http://schemas.microsoft.com/office/drawing/2014/main" id="{A0D7F635-9B9E-4A38-8C3F-0AC87FDD654C}"/>
-                          </a:ext>
-                        </a:extLst>
-                      </p:cNvPr>
-                      <p:cNvPicPr/>
-                      <p:nvPr/>
-                    </p:nvPicPr>
-                    <p:blipFill>
-                      <a:blip r:embed="rId5"/>
-                      <a:stretch>
-                        <a:fillRect/>
-                      </a:stretch>
-                    </p:blipFill>
-                    <p:spPr>
-                      <a:xfrm>
-                        <a:off x="736859" y="3395072"/>
-                        <a:ext cx="1146175" cy="657225"/>
-                      </a:xfrm>
-                      <a:prstGeom prst="rect">
-                        <a:avLst/>
-                      </a:prstGeom>
-                    </p:spPr>
-                  </p:pic>
-                </p:oleObj>
-              </mc:Fallback>
-            </mc:AlternateContent>
-          </a:graphicData>
-        </a:graphic>
-      </p:graphicFrame>
       <p:graphicFrame>
         <p:nvGraphicFramePr>
           <p:cNvPr id="13" name="Objekt 12">
@@ -10586,12 +10477,12 @@
           <a:graphicData uri="http://schemas.openxmlformats.org/presentationml/2006/ole">
             <mc:AlternateContent xmlns:mc="http://schemas.openxmlformats.org/markup-compatibility/2006">
               <mc:Choice xmlns:v="urn:schemas-microsoft-com:vml" Requires="v">
-                <p:oleObj spid="_x0000_s21694" name="Equation" r:id="rId6" imgW="203040" imgH="177480" progId="Equation.DSMT4">
+                <p:oleObj spid="_x0000_s21957" name="Equation" r:id="rId4" imgW="203040" imgH="177480" progId="Equation.DSMT4">
                   <p:embed/>
                 </p:oleObj>
               </mc:Choice>
               <mc:Fallback>
-                <p:oleObj name="Equation" r:id="rId6" imgW="203040" imgH="177480" progId="Equation.DSMT4">
+                <p:oleObj name="Equation" r:id="rId4" imgW="203040" imgH="177480" progId="Equation.DSMT4">
                   <p:embed/>
                   <p:pic>
                     <p:nvPicPr>
@@ -10606,7 +10497,7 @@
                       <p:nvPr/>
                     </p:nvPicPr>
                     <p:blipFill>
-                      <a:blip r:embed="rId7"/>
+                      <a:blip r:embed="rId5"/>
                       <a:stretch>
                         <a:fillRect/>
                       </a:stretch>
@@ -10649,12 +10540,12 @@
           <a:graphicData uri="http://schemas.openxmlformats.org/presentationml/2006/ole">
             <mc:AlternateContent xmlns:mc="http://schemas.openxmlformats.org/markup-compatibility/2006">
               <mc:Choice xmlns:v="urn:schemas-microsoft-com:vml" Requires="v">
-                <p:oleObj spid="_x0000_s21695" name="Equation" r:id="rId8" imgW="228600" imgH="177480" progId="Equation.DSMT4">
+                <p:oleObj spid="_x0000_s21958" name="Equation" r:id="rId6" imgW="228600" imgH="177480" progId="Equation.DSMT4">
                   <p:embed/>
                 </p:oleObj>
               </mc:Choice>
               <mc:Fallback>
-                <p:oleObj name="Equation" r:id="rId8" imgW="228600" imgH="177480" progId="Equation.DSMT4">
+                <p:oleObj name="Equation" r:id="rId6" imgW="228600" imgH="177480" progId="Equation.DSMT4">
                   <p:embed/>
                   <p:pic>
                     <p:nvPicPr>
@@ -10669,7 +10560,7 @@
                       <p:nvPr/>
                     </p:nvPicPr>
                     <p:blipFill>
-                      <a:blip r:embed="rId9"/>
+                      <a:blip r:embed="rId7"/>
                       <a:stretch>
                         <a:fillRect/>
                       </a:stretch>
@@ -10712,12 +10603,12 @@
           <a:graphicData uri="http://schemas.openxmlformats.org/presentationml/2006/ole">
             <mc:AlternateContent xmlns:mc="http://schemas.openxmlformats.org/markup-compatibility/2006">
               <mc:Choice xmlns:v="urn:schemas-microsoft-com:vml" Requires="v">
-                <p:oleObj spid="_x0000_s21696" name="Equation" r:id="rId10" imgW="215640" imgH="177480" progId="Equation.DSMT4">
+                <p:oleObj spid="_x0000_s21959" name="Equation" r:id="rId8" imgW="215640" imgH="177480" progId="Equation.DSMT4">
                   <p:embed/>
                 </p:oleObj>
               </mc:Choice>
               <mc:Fallback>
-                <p:oleObj name="Equation" r:id="rId10" imgW="215640" imgH="177480" progId="Equation.DSMT4">
+                <p:oleObj name="Equation" r:id="rId8" imgW="215640" imgH="177480" progId="Equation.DSMT4">
                   <p:embed/>
                   <p:pic>
                     <p:nvPicPr>
@@ -10732,7 +10623,7 @@
                       <p:nvPr/>
                     </p:nvPicPr>
                     <p:blipFill>
-                      <a:blip r:embed="rId11"/>
+                      <a:blip r:embed="rId9"/>
                       <a:stretch>
                         <a:fillRect/>
                       </a:stretch>
@@ -10904,12 +10795,12 @@
           <a:graphicData uri="http://schemas.openxmlformats.org/presentationml/2006/ole">
             <mc:AlternateContent xmlns:mc="http://schemas.openxmlformats.org/markup-compatibility/2006">
               <mc:Choice xmlns:v="urn:schemas-microsoft-com:vml" Requires="v">
-                <p:oleObj spid="_x0000_s21697" name="Equation" r:id="rId12" imgW="152315" imgH="171385" progId="Equation.DSMT4">
+                <p:oleObj spid="_x0000_s21960" name="Equation" r:id="rId10" imgW="152315" imgH="171385" progId="Equation.DSMT4">
                   <p:embed/>
                 </p:oleObj>
               </mc:Choice>
               <mc:Fallback>
-                <p:oleObj name="Equation" r:id="rId12" imgW="152315" imgH="171385" progId="Equation.DSMT4">
+                <p:oleObj name="Equation" r:id="rId10" imgW="152315" imgH="171385" progId="Equation.DSMT4">
                   <p:embed/>
                   <p:pic>
                     <p:nvPicPr>
@@ -10924,7 +10815,7 @@
                       <p:nvPr/>
                     </p:nvPicPr>
                     <p:blipFill>
-                      <a:blip r:embed="rId13"/>
+                      <a:blip r:embed="rId11"/>
                       <a:stretch>
                         <a:fillRect/>
                       </a:stretch>
@@ -10990,398 +10881,6 @@
           </a:fontRef>
         </p:style>
       </p:cxnSp>
-      <p:graphicFrame>
-        <p:nvGraphicFramePr>
-          <p:cNvPr id="61" name="Objekt 60">
-            <a:extLst>
-              <a:ext uri="{FF2B5EF4-FFF2-40B4-BE49-F238E27FC236}">
-                <a16:creationId xmlns:a16="http://schemas.microsoft.com/office/drawing/2014/main" id="{5D694FD4-E638-4D7F-958B-E0E8B9C4D78A}"/>
-              </a:ext>
-            </a:extLst>
-          </p:cNvPr>
-          <p:cNvGraphicFramePr>
-            <a:graphicFrameLocks noChangeAspect="1"/>
-          </p:cNvGraphicFramePr>
-          <p:nvPr/>
-        </p:nvGraphicFramePr>
-        <p:xfrm>
-          <a:off x="2221697" y="2683866"/>
-          <a:ext cx="152400" cy="228600"/>
-        </p:xfrm>
-        <a:graphic>
-          <a:graphicData uri="http://schemas.openxmlformats.org/presentationml/2006/ole">
-            <mc:AlternateContent xmlns:mc="http://schemas.openxmlformats.org/markup-compatibility/2006">
-              <mc:Choice xmlns:v="urn:schemas-microsoft-com:vml" Requires="v">
-                <p:oleObj spid="_x0000_s21698" name="Equation" r:id="rId14" imgW="152334" imgH="228501" progId="Equation.DSMT4">
-                  <p:embed/>
-                </p:oleObj>
-              </mc:Choice>
-              <mc:Fallback>
-                <p:oleObj name="Equation" r:id="rId14" imgW="152334" imgH="228501" progId="Equation.DSMT4">
-                  <p:embed/>
-                  <p:pic>
-                    <p:nvPicPr>
-                      <p:cNvPr id="61" name="Objekt 60">
-                        <a:extLst>
-                          <a:ext uri="{FF2B5EF4-FFF2-40B4-BE49-F238E27FC236}">
-                            <a16:creationId xmlns:a16="http://schemas.microsoft.com/office/drawing/2014/main" id="{5D694FD4-E638-4D7F-958B-E0E8B9C4D78A}"/>
-                          </a:ext>
-                        </a:extLst>
-                      </p:cNvPr>
-                      <p:cNvPicPr>
-                        <a:picLocks noChangeAspect="1" noChangeArrowheads="1"/>
-                      </p:cNvPicPr>
-                      <p:nvPr/>
-                    </p:nvPicPr>
-                    <p:blipFill>
-                      <a:blip r:embed="rId15">
-                        <a:extLst>
-                          <a:ext uri="{28A0092B-C50C-407E-A947-70E740481C1C}">
-                            <a14:useLocalDpi xmlns:a14="http://schemas.microsoft.com/office/drawing/2010/main" val="0"/>
-                          </a:ext>
-                        </a:extLst>
-                      </a:blip>
-                      <a:srcRect/>
-                      <a:stretch>
-                        <a:fillRect/>
-                      </a:stretch>
-                    </p:blipFill>
-                    <p:spPr bwMode="auto">
-                      <a:xfrm>
-                        <a:off x="2221697" y="2683866"/>
-                        <a:ext cx="152400" cy="228600"/>
-                      </a:xfrm>
-                      <a:prstGeom prst="rect">
-                        <a:avLst/>
-                      </a:prstGeom>
-                      <a:noFill/>
-                    </p:spPr>
-                  </p:pic>
-                </p:oleObj>
-              </mc:Fallback>
-            </mc:AlternateContent>
-          </a:graphicData>
-        </a:graphic>
-      </p:graphicFrame>
-      <p:graphicFrame>
-        <p:nvGraphicFramePr>
-          <p:cNvPr id="62" name="Objekt 61">
-            <a:extLst>
-              <a:ext uri="{FF2B5EF4-FFF2-40B4-BE49-F238E27FC236}">
-                <a16:creationId xmlns:a16="http://schemas.microsoft.com/office/drawing/2014/main" id="{71EF4F1B-BF69-4615-9569-64DDA2EE8A3F}"/>
-              </a:ext>
-            </a:extLst>
-          </p:cNvPr>
-          <p:cNvGraphicFramePr>
-            <a:graphicFrameLocks noChangeAspect="1"/>
-          </p:cNvGraphicFramePr>
-          <p:nvPr/>
-        </p:nvGraphicFramePr>
-        <p:xfrm>
-          <a:off x="462447" y="4352362"/>
-          <a:ext cx="136525" cy="228600"/>
-        </p:xfrm>
-        <a:graphic>
-          <a:graphicData uri="http://schemas.openxmlformats.org/presentationml/2006/ole">
-            <mc:AlternateContent xmlns:mc="http://schemas.openxmlformats.org/markup-compatibility/2006">
-              <mc:Choice xmlns:v="urn:schemas-microsoft-com:vml" Requires="v">
-                <p:oleObj spid="_x0000_s21699" name="Equation" r:id="rId16" imgW="139700" imgH="228600" progId="Equation.DSMT4">
-                  <p:embed/>
-                </p:oleObj>
-              </mc:Choice>
-              <mc:Fallback>
-                <p:oleObj name="Equation" r:id="rId16" imgW="139700" imgH="228600" progId="Equation.DSMT4">
-                  <p:embed/>
-                  <p:pic>
-                    <p:nvPicPr>
-                      <p:cNvPr id="62" name="Objekt 61">
-                        <a:extLst>
-                          <a:ext uri="{FF2B5EF4-FFF2-40B4-BE49-F238E27FC236}">
-                            <a16:creationId xmlns:a16="http://schemas.microsoft.com/office/drawing/2014/main" id="{71EF4F1B-BF69-4615-9569-64DDA2EE8A3F}"/>
-                          </a:ext>
-                        </a:extLst>
-                      </p:cNvPr>
-                      <p:cNvPicPr>
-                        <a:picLocks noChangeAspect="1" noChangeArrowheads="1"/>
-                      </p:cNvPicPr>
-                      <p:nvPr/>
-                    </p:nvPicPr>
-                    <p:blipFill>
-                      <a:blip r:embed="rId17">
-                        <a:extLst>
-                          <a:ext uri="{28A0092B-C50C-407E-A947-70E740481C1C}">
-                            <a14:useLocalDpi xmlns:a14="http://schemas.microsoft.com/office/drawing/2010/main" val="0"/>
-                          </a:ext>
-                        </a:extLst>
-                      </a:blip>
-                      <a:srcRect/>
-                      <a:stretch>
-                        <a:fillRect/>
-                      </a:stretch>
-                    </p:blipFill>
-                    <p:spPr bwMode="auto">
-                      <a:xfrm>
-                        <a:off x="462447" y="4352362"/>
-                        <a:ext cx="136525" cy="228600"/>
-                      </a:xfrm>
-                      <a:prstGeom prst="rect">
-                        <a:avLst/>
-                      </a:prstGeom>
-                      <a:noFill/>
-                      <a:extLst>
-                        <a:ext uri="{909E8E84-426E-40DD-AFC4-6F175D3DCCD1}">
-                          <a14:hiddenFill xmlns:a14="http://schemas.microsoft.com/office/drawing/2010/main">
-                            <a:solidFill>
-                              <a:srgbClr val="FFFFFF"/>
-                            </a:solidFill>
-                          </a14:hiddenFill>
-                        </a:ext>
-                      </a:extLst>
-                    </p:spPr>
-                  </p:pic>
-                </p:oleObj>
-              </mc:Fallback>
-            </mc:AlternateContent>
-          </a:graphicData>
-        </a:graphic>
-      </p:graphicFrame>
-      <p:graphicFrame>
-        <p:nvGraphicFramePr>
-          <p:cNvPr id="63" name="Objekt 62">
-            <a:extLst>
-              <a:ext uri="{FF2B5EF4-FFF2-40B4-BE49-F238E27FC236}">
-                <a16:creationId xmlns:a16="http://schemas.microsoft.com/office/drawing/2014/main" id="{BBAFE537-CBBC-43EB-87FE-910C7466E59D}"/>
-              </a:ext>
-            </a:extLst>
-          </p:cNvPr>
-          <p:cNvGraphicFramePr>
-            <a:graphicFrameLocks noChangeAspect="1"/>
-          </p:cNvGraphicFramePr>
-          <p:nvPr/>
-        </p:nvGraphicFramePr>
-        <p:xfrm>
-          <a:off x="2085172" y="2922556"/>
-          <a:ext cx="136525" cy="228600"/>
-        </p:xfrm>
-        <a:graphic>
-          <a:graphicData uri="http://schemas.openxmlformats.org/presentationml/2006/ole">
-            <mc:AlternateContent xmlns:mc="http://schemas.openxmlformats.org/markup-compatibility/2006">
-              <mc:Choice xmlns:v="urn:schemas-microsoft-com:vml" Requires="v">
-                <p:oleObj spid="_x0000_s21700" name="Equation" r:id="rId18" imgW="139700" imgH="228600" progId="Equation.DSMT4">
-                  <p:embed/>
-                </p:oleObj>
-              </mc:Choice>
-              <mc:Fallback>
-                <p:oleObj name="Equation" r:id="rId18" imgW="139700" imgH="228600" progId="Equation.DSMT4">
-                  <p:embed/>
-                  <p:pic>
-                    <p:nvPicPr>
-                      <p:cNvPr id="63" name="Objekt 62">
-                        <a:extLst>
-                          <a:ext uri="{FF2B5EF4-FFF2-40B4-BE49-F238E27FC236}">
-                            <a16:creationId xmlns:a16="http://schemas.microsoft.com/office/drawing/2014/main" id="{BBAFE537-CBBC-43EB-87FE-910C7466E59D}"/>
-                          </a:ext>
-                        </a:extLst>
-                      </p:cNvPr>
-                      <p:cNvPicPr>
-                        <a:picLocks noChangeAspect="1" noChangeArrowheads="1"/>
-                      </p:cNvPicPr>
-                      <p:nvPr/>
-                    </p:nvPicPr>
-                    <p:blipFill>
-                      <a:blip r:embed="rId19">
-                        <a:extLst>
-                          <a:ext uri="{28A0092B-C50C-407E-A947-70E740481C1C}">
-                            <a14:useLocalDpi xmlns:a14="http://schemas.microsoft.com/office/drawing/2010/main" val="0"/>
-                          </a:ext>
-                        </a:extLst>
-                      </a:blip>
-                      <a:srcRect/>
-                      <a:stretch>
-                        <a:fillRect/>
-                      </a:stretch>
-                    </p:blipFill>
-                    <p:spPr bwMode="auto">
-                      <a:xfrm>
-                        <a:off x="2085172" y="2922556"/>
-                        <a:ext cx="136525" cy="228600"/>
-                      </a:xfrm>
-                      <a:prstGeom prst="rect">
-                        <a:avLst/>
-                      </a:prstGeom>
-                      <a:noFill/>
-                    </p:spPr>
-                  </p:pic>
-                </p:oleObj>
-              </mc:Fallback>
-            </mc:AlternateContent>
-          </a:graphicData>
-        </a:graphic>
-      </p:graphicFrame>
-      <p:graphicFrame>
-        <p:nvGraphicFramePr>
-          <p:cNvPr id="64" name="Objekt 63">
-            <a:extLst>
-              <a:ext uri="{FF2B5EF4-FFF2-40B4-BE49-F238E27FC236}">
-                <a16:creationId xmlns:a16="http://schemas.microsoft.com/office/drawing/2014/main" id="{C859A0E4-FECC-4926-AEFA-CE9139D889EC}"/>
-              </a:ext>
-            </a:extLst>
-          </p:cNvPr>
-          <p:cNvGraphicFramePr>
-            <a:graphicFrameLocks noChangeAspect="1"/>
-          </p:cNvGraphicFramePr>
-          <p:nvPr/>
-        </p:nvGraphicFramePr>
-        <p:xfrm>
-          <a:off x="2128227" y="2494581"/>
-          <a:ext cx="152400" cy="136525"/>
-        </p:xfrm>
-        <a:graphic>
-          <a:graphicData uri="http://schemas.openxmlformats.org/presentationml/2006/ole">
-            <mc:AlternateContent xmlns:mc="http://schemas.openxmlformats.org/markup-compatibility/2006">
-              <mc:Choice xmlns:v="urn:schemas-microsoft-com:vml" Requires="v">
-                <p:oleObj spid="_x0000_s21701" name="Equation" r:id="rId20" imgW="152334" imgH="139639" progId="Equation.DSMT4">
-                  <p:embed/>
-                </p:oleObj>
-              </mc:Choice>
-              <mc:Fallback>
-                <p:oleObj name="Equation" r:id="rId20" imgW="152334" imgH="139639" progId="Equation.DSMT4">
-                  <p:embed/>
-                  <p:pic>
-                    <p:nvPicPr>
-                      <p:cNvPr id="64" name="Objekt 63">
-                        <a:extLst>
-                          <a:ext uri="{FF2B5EF4-FFF2-40B4-BE49-F238E27FC236}">
-                            <a16:creationId xmlns:a16="http://schemas.microsoft.com/office/drawing/2014/main" id="{C859A0E4-FECC-4926-AEFA-CE9139D889EC}"/>
-                          </a:ext>
-                        </a:extLst>
-                      </p:cNvPr>
-                      <p:cNvPicPr>
-                        <a:picLocks noChangeAspect="1" noChangeArrowheads="1"/>
-                      </p:cNvPicPr>
-                      <p:nvPr/>
-                    </p:nvPicPr>
-                    <p:blipFill>
-                      <a:blip r:embed="rId21">
-                        <a:extLst>
-                          <a:ext uri="{28A0092B-C50C-407E-A947-70E740481C1C}">
-                            <a14:useLocalDpi xmlns:a14="http://schemas.microsoft.com/office/drawing/2010/main" val="0"/>
-                          </a:ext>
-                        </a:extLst>
-                      </a:blip>
-                      <a:srcRect/>
-                      <a:stretch>
-                        <a:fillRect/>
-                      </a:stretch>
-                    </p:blipFill>
-                    <p:spPr bwMode="auto">
-                      <a:xfrm>
-                        <a:off x="2128227" y="2494581"/>
-                        <a:ext cx="152400" cy="136525"/>
-                      </a:xfrm>
-                      <a:prstGeom prst="rect">
-                        <a:avLst/>
-                      </a:prstGeom>
-                      <a:noFill/>
-                      <a:extLst>
-                        <a:ext uri="{909E8E84-426E-40DD-AFC4-6F175D3DCCD1}">
-                          <a14:hiddenFill xmlns:a14="http://schemas.microsoft.com/office/drawing/2010/main">
-                            <a:solidFill>
-                              <a:srgbClr val="FFFFFF"/>
-                            </a:solidFill>
-                          </a14:hiddenFill>
-                        </a:ext>
-                      </a:extLst>
-                    </p:spPr>
-                  </p:pic>
-                </p:oleObj>
-              </mc:Fallback>
-            </mc:AlternateContent>
-          </a:graphicData>
-        </a:graphic>
-      </p:graphicFrame>
-      <p:graphicFrame>
-        <p:nvGraphicFramePr>
-          <p:cNvPr id="65" name="Objekt 64">
-            <a:extLst>
-              <a:ext uri="{FF2B5EF4-FFF2-40B4-BE49-F238E27FC236}">
-                <a16:creationId xmlns:a16="http://schemas.microsoft.com/office/drawing/2014/main" id="{297D7FF4-E980-4F09-9EE0-DC7CABA3587D}"/>
-              </a:ext>
-            </a:extLst>
-          </p:cNvPr>
-          <p:cNvGraphicFramePr>
-            <a:graphicFrameLocks noChangeAspect="1"/>
-          </p:cNvGraphicFramePr>
-          <p:nvPr/>
-        </p:nvGraphicFramePr>
-        <p:xfrm>
-          <a:off x="2479379" y="2254667"/>
-          <a:ext cx="152400" cy="168275"/>
-        </p:xfrm>
-        <a:graphic>
-          <a:graphicData uri="http://schemas.openxmlformats.org/presentationml/2006/ole">
-            <mc:AlternateContent xmlns:mc="http://schemas.openxmlformats.org/markup-compatibility/2006">
-              <mc:Choice xmlns:v="urn:schemas-microsoft-com:vml" Requires="v">
-                <p:oleObj spid="_x0000_s21702" name="Equation" r:id="rId22" imgW="152268" imgH="164957" progId="Equation.DSMT4">
-                  <p:embed/>
-                </p:oleObj>
-              </mc:Choice>
-              <mc:Fallback>
-                <p:oleObj name="Equation" r:id="rId22" imgW="152268" imgH="164957" progId="Equation.DSMT4">
-                  <p:embed/>
-                  <p:pic>
-                    <p:nvPicPr>
-                      <p:cNvPr id="65" name="Objekt 64">
-                        <a:extLst>
-                          <a:ext uri="{FF2B5EF4-FFF2-40B4-BE49-F238E27FC236}">
-                            <a16:creationId xmlns:a16="http://schemas.microsoft.com/office/drawing/2014/main" id="{297D7FF4-E980-4F09-9EE0-DC7CABA3587D}"/>
-                          </a:ext>
-                        </a:extLst>
-                      </p:cNvPr>
-                      <p:cNvPicPr>
-                        <a:picLocks noChangeAspect="1" noChangeArrowheads="1"/>
-                      </p:cNvPicPr>
-                      <p:nvPr/>
-                    </p:nvPicPr>
-                    <p:blipFill>
-                      <a:blip r:embed="rId23">
-                        <a:extLst>
-                          <a:ext uri="{28A0092B-C50C-407E-A947-70E740481C1C}">
-                            <a14:useLocalDpi xmlns:a14="http://schemas.microsoft.com/office/drawing/2010/main" val="0"/>
-                          </a:ext>
-                        </a:extLst>
-                      </a:blip>
-                      <a:srcRect/>
-                      <a:stretch>
-                        <a:fillRect/>
-                      </a:stretch>
-                    </p:blipFill>
-                    <p:spPr bwMode="auto">
-                      <a:xfrm>
-                        <a:off x="2479379" y="2254667"/>
-                        <a:ext cx="152400" cy="168275"/>
-                      </a:xfrm>
-                      <a:prstGeom prst="rect">
-                        <a:avLst/>
-                      </a:prstGeom>
-                      <a:noFill/>
-                      <a:extLst>
-                        <a:ext uri="{909E8E84-426E-40DD-AFC4-6F175D3DCCD1}">
-                          <a14:hiddenFill xmlns:a14="http://schemas.microsoft.com/office/drawing/2010/main">
-                            <a:solidFill>
-                              <a:srgbClr val="FFFFFF"/>
-                            </a:solidFill>
-                          </a14:hiddenFill>
-                        </a:ext>
-                      </a:extLst>
-                    </p:spPr>
-                  </p:pic>
-                </p:oleObj>
-              </mc:Fallback>
-            </mc:AlternateContent>
-          </a:graphicData>
-        </a:graphic>
-      </p:graphicFrame>
       <p:sp>
         <p:nvSpPr>
           <p:cNvPr id="68" name="Rectangle 42">
@@ -11650,12 +11149,12 @@
           <a:graphicData uri="http://schemas.openxmlformats.org/presentationml/2006/ole">
             <mc:AlternateContent xmlns:mc="http://schemas.openxmlformats.org/markup-compatibility/2006">
               <mc:Choice xmlns:v="urn:schemas-microsoft-com:vml" Requires="v">
-                <p:oleObj spid="_x0000_s21703" name="Equation" r:id="rId24" imgW="137170" imgH="228608" progId="Equation.DSMT4">
+                <p:oleObj spid="_x0000_s21961" name="Equation" r:id="rId12" imgW="137170" imgH="228608" progId="Equation.DSMT4">
                   <p:embed/>
                 </p:oleObj>
               </mc:Choice>
               <mc:Fallback>
-                <p:oleObj name="Equation" r:id="rId24" imgW="137170" imgH="228608" progId="Equation.DSMT4">
+                <p:oleObj name="Equation" r:id="rId12" imgW="137170" imgH="228608" progId="Equation.DSMT4">
                   <p:embed/>
                   <p:pic>
                     <p:nvPicPr>
@@ -11670,7 +11169,7 @@
                       <p:nvPr/>
                     </p:nvPicPr>
                     <p:blipFill>
-                      <a:blip r:embed="rId25"/>
+                      <a:blip r:embed="rId13"/>
                       <a:stretch>
                         <a:fillRect/>
                       </a:stretch>
@@ -11691,6 +11190,761 @@
           </a:graphicData>
         </a:graphic>
       </p:graphicFrame>
+      <p:grpSp>
+        <p:nvGrpSpPr>
+          <p:cNvPr id="5" name="Gruppieren 4">
+            <a:extLst>
+              <a:ext uri="{FF2B5EF4-FFF2-40B4-BE49-F238E27FC236}">
+                <a16:creationId xmlns:a16="http://schemas.microsoft.com/office/drawing/2014/main" id="{821AD53B-5E57-431A-A95A-73E51E0B3EB8}"/>
+              </a:ext>
+            </a:extLst>
+          </p:cNvPr>
+          <p:cNvGrpSpPr/>
+          <p:nvPr/>
+        </p:nvGrpSpPr>
+        <p:grpSpPr>
+          <a:xfrm>
+            <a:off x="420718" y="1606848"/>
+            <a:ext cx="4369568" cy="4486869"/>
+            <a:chOff x="-2410186" y="3103085"/>
+            <a:chExt cx="4369568" cy="4486869"/>
+          </a:xfrm>
+        </p:grpSpPr>
+        <p:sp>
+          <p:nvSpPr>
+            <p:cNvPr id="28" name="Textplatzhalter 7">
+              <a:extLst>
+                <a:ext uri="{FF2B5EF4-FFF2-40B4-BE49-F238E27FC236}">
+                  <a16:creationId xmlns:a16="http://schemas.microsoft.com/office/drawing/2014/main" id="{7C381DBD-761C-4861-BD5B-E507E5B7A92D}"/>
+                </a:ext>
+              </a:extLst>
+            </p:cNvPr>
+            <p:cNvSpPr txBox="1">
+              <a:spLocks/>
+            </p:cNvSpPr>
+            <p:nvPr/>
+          </p:nvSpPr>
+          <p:spPr bwMode="gray">
+            <a:xfrm>
+              <a:off x="-2347779" y="3103085"/>
+              <a:ext cx="4307161" cy="4486869"/>
+            </a:xfrm>
+            <a:prstGeom prst="rect">
+              <a:avLst/>
+            </a:prstGeom>
+          </p:spPr>
+          <p:txBody>
+            <a:bodyPr vert="horz" lIns="0" tIns="0" rIns="0" bIns="0" rtlCol="0">
+              <a:spAutoFit/>
+            </a:bodyPr>
+            <a:lstStyle>
+              <a:lvl1pPr marL="0" indent="0" algn="l" defTabSz="914400" rtl="0" eaLnBrk="1" latinLnBrk="0" hangingPunct="1">
+                <a:lnSpc>
+                  <a:spcPct val="110000"/>
+                </a:lnSpc>
+                <a:spcBef>
+                  <a:spcPts val="0"/>
+                </a:spcBef>
+                <a:spcAft>
+                  <a:spcPts val="1900"/>
+                </a:spcAft>
+                <a:buFont typeface="Arial" panose="020B0604020202020204" pitchFamily="34" charset="0"/>
+                <a:buNone/>
+                <a:defRPr sz="1600" b="0" kern="1200">
+                  <a:solidFill>
+                    <a:schemeClr val="tx1"/>
+                  </a:solidFill>
+                  <a:latin typeface="+mj-lt"/>
+                  <a:ea typeface="+mn-ea"/>
+                  <a:cs typeface="+mn-cs"/>
+                </a:defRPr>
+              </a:lvl1pPr>
+              <a:lvl2pPr marL="0" indent="0" algn="l" defTabSz="914400" rtl="0" eaLnBrk="1" latinLnBrk="0" hangingPunct="1">
+                <a:lnSpc>
+                  <a:spcPct val="110000"/>
+                </a:lnSpc>
+                <a:spcBef>
+                  <a:spcPts val="0"/>
+                </a:spcBef>
+                <a:spcAft>
+                  <a:spcPts val="1900"/>
+                </a:spcAft>
+                <a:buFont typeface="Arial" panose="020B0604020202020204" pitchFamily="34" charset="0"/>
+                <a:buNone/>
+                <a:defRPr sz="1400" kern="1200">
+                  <a:solidFill>
+                    <a:schemeClr val="tx1"/>
+                  </a:solidFill>
+                  <a:latin typeface="+mn-lt"/>
+                  <a:ea typeface="+mn-ea"/>
+                  <a:cs typeface="+mn-cs"/>
+                </a:defRPr>
+              </a:lvl2pPr>
+              <a:lvl3pPr marL="0" indent="0" algn="l" defTabSz="914400" rtl="0" eaLnBrk="1" latinLnBrk="0" hangingPunct="1">
+                <a:lnSpc>
+                  <a:spcPct val="110000"/>
+                </a:lnSpc>
+                <a:spcBef>
+                  <a:spcPts val="0"/>
+                </a:spcBef>
+                <a:buFont typeface="Arial" panose="020B0604020202020204" pitchFamily="34" charset="0"/>
+                <a:buNone/>
+                <a:defRPr sz="1400" b="0" kern="1200">
+                  <a:solidFill>
+                    <a:schemeClr val="tx1"/>
+                  </a:solidFill>
+                  <a:latin typeface="+mj-lt"/>
+                  <a:ea typeface="+mn-ea"/>
+                  <a:cs typeface="+mn-cs"/>
+                </a:defRPr>
+              </a:lvl3pPr>
+              <a:lvl4pPr marL="180000" indent="-180000" algn="l" defTabSz="914400" rtl="0" eaLnBrk="1" latinLnBrk="0" hangingPunct="1">
+                <a:lnSpc>
+                  <a:spcPct val="110000"/>
+                </a:lnSpc>
+                <a:spcBef>
+                  <a:spcPts val="0"/>
+                </a:spcBef>
+                <a:buClr>
+                  <a:schemeClr val="tx1"/>
+                </a:buClr>
+                <a:buFont typeface="Wingdings" panose="05000000000000000000" pitchFamily="2" charset="2"/>
+                <a:buChar char="§"/>
+                <a:defRPr sz="1400" kern="1200">
+                  <a:solidFill>
+                    <a:schemeClr val="tx1"/>
+                  </a:solidFill>
+                  <a:latin typeface="+mn-lt"/>
+                  <a:ea typeface="+mn-ea"/>
+                  <a:cs typeface="+mn-cs"/>
+                </a:defRPr>
+              </a:lvl4pPr>
+              <a:lvl5pPr marL="360000" indent="-180000" algn="l" defTabSz="914400" rtl="0" eaLnBrk="1" latinLnBrk="0" hangingPunct="1">
+                <a:lnSpc>
+                  <a:spcPct val="110000"/>
+                </a:lnSpc>
+                <a:spcBef>
+                  <a:spcPts val="0"/>
+                </a:spcBef>
+                <a:buClr>
+                  <a:schemeClr val="bg2"/>
+                </a:buClr>
+                <a:buFont typeface="Wingdings" panose="05000000000000000000" pitchFamily="2" charset="2"/>
+                <a:buChar char="§"/>
+                <a:defRPr sz="1400" kern="1200">
+                  <a:solidFill>
+                    <a:schemeClr val="tx1"/>
+                  </a:solidFill>
+                  <a:latin typeface="+mn-lt"/>
+                  <a:ea typeface="+mn-ea"/>
+                  <a:cs typeface="+mn-cs"/>
+                </a:defRPr>
+              </a:lvl5pPr>
+              <a:lvl6pPr marL="540000" indent="-180000" algn="l" defTabSz="914400" rtl="0" eaLnBrk="1" latinLnBrk="0" hangingPunct="1">
+                <a:lnSpc>
+                  <a:spcPct val="110000"/>
+                </a:lnSpc>
+                <a:spcBef>
+                  <a:spcPts val="0"/>
+                </a:spcBef>
+                <a:buClr>
+                  <a:schemeClr val="bg2"/>
+                </a:buClr>
+                <a:buFont typeface="Wingdings" panose="05000000000000000000" pitchFamily="2" charset="2"/>
+                <a:buChar char="§"/>
+                <a:defRPr sz="1400" kern="1200">
+                  <a:solidFill>
+                    <a:schemeClr val="tx1"/>
+                  </a:solidFill>
+                  <a:latin typeface="+mn-lt"/>
+                  <a:ea typeface="+mn-ea"/>
+                  <a:cs typeface="+mn-cs"/>
+                </a:defRPr>
+              </a:lvl6pPr>
+              <a:lvl7pPr marL="216000" indent="-216000" algn="l" defTabSz="914400" rtl="0" eaLnBrk="1" latinLnBrk="0" hangingPunct="1">
+                <a:lnSpc>
+                  <a:spcPct val="110000"/>
+                </a:lnSpc>
+                <a:spcBef>
+                  <a:spcPts val="0"/>
+                </a:spcBef>
+                <a:buClr>
+                  <a:schemeClr val="tx1"/>
+                </a:buClr>
+                <a:buFont typeface="+mj-lt"/>
+                <a:buAutoNum type="arabicPeriod"/>
+                <a:defRPr sz="1400" kern="1200">
+                  <a:solidFill>
+                    <a:schemeClr val="tx1"/>
+                  </a:solidFill>
+                  <a:latin typeface="+mn-lt"/>
+                  <a:ea typeface="+mn-ea"/>
+                  <a:cs typeface="+mn-cs"/>
+                </a:defRPr>
+              </a:lvl7pPr>
+              <a:lvl8pPr marL="432000" indent="-216000" algn="l" defTabSz="914400" rtl="0" eaLnBrk="1" latinLnBrk="0" hangingPunct="1">
+                <a:lnSpc>
+                  <a:spcPct val="110000"/>
+                </a:lnSpc>
+                <a:spcBef>
+                  <a:spcPts val="0"/>
+                </a:spcBef>
+                <a:buClr>
+                  <a:schemeClr val="bg2"/>
+                </a:buClr>
+                <a:buFont typeface="+mj-lt"/>
+                <a:buAutoNum type="arabicPeriod"/>
+                <a:defRPr sz="1400" kern="1200">
+                  <a:solidFill>
+                    <a:schemeClr val="tx1"/>
+                  </a:solidFill>
+                  <a:latin typeface="+mn-lt"/>
+                  <a:ea typeface="+mn-ea"/>
+                  <a:cs typeface="+mn-cs"/>
+                </a:defRPr>
+              </a:lvl8pPr>
+              <a:lvl9pPr marL="648000" indent="-216000" algn="l" defTabSz="914400" rtl="0" eaLnBrk="1" latinLnBrk="0" hangingPunct="1">
+                <a:lnSpc>
+                  <a:spcPct val="110000"/>
+                </a:lnSpc>
+                <a:spcBef>
+                  <a:spcPts val="0"/>
+                </a:spcBef>
+                <a:buClr>
+                  <a:schemeClr val="bg2"/>
+                </a:buClr>
+                <a:buFont typeface="+mj-lt"/>
+                <a:buAutoNum type="arabicPeriod"/>
+                <a:defRPr sz="1400" kern="1200">
+                  <a:solidFill>
+                    <a:schemeClr val="tx1"/>
+                  </a:solidFill>
+                  <a:latin typeface="+mn-lt"/>
+                  <a:ea typeface="+mn-ea"/>
+                  <a:cs typeface="+mn-cs"/>
+                </a:defRPr>
+              </a:lvl9pPr>
+            </a:lstStyle>
+            <a:p>
+              <a:r>
+                <a:rPr lang="en-US" sz="1800" dirty="0"/>
+                <a:t>Z-Score</a:t>
+              </a:r>
+            </a:p>
+            <a:p>
+              <a:pPr lvl="1"/>
+              <a:r>
+                <a:rPr lang="de-DE" sz="1600" dirty="0"/>
+                <a:t>Wenn der Erwartungswert    und die Standardabweichung     einer Zufallsvariablen bekannt sind, wird ein Rohwert     durch folgende Z-Transformation nach     normalisiert. </a:t>
+              </a:r>
+            </a:p>
+            <a:p>
+              <a:pPr lvl="1"/>
+              <a:endParaRPr lang="de-DE" sz="1600" dirty="0"/>
+            </a:p>
+            <a:p>
+              <a:pPr lvl="1"/>
+              <a:endParaRPr lang="de-DE" sz="1600" dirty="0"/>
+            </a:p>
+            <a:p>
+              <a:pPr lvl="1"/>
+              <a:r>
+                <a:rPr lang="de-DE" sz="1600" dirty="0"/>
+                <a:t>    gibt an, die angibt welche Anzahl mal der Standardabweichung eine Beobachtung vom Erwartungswert entfernt ist.</a:t>
+              </a:r>
+            </a:p>
+            <a:p>
+              <a:pPr lvl="1"/>
+              <a:r>
+                <a:rPr lang="de-DE" sz="1600" dirty="0"/>
+                <a:t>Z-Scores größer als 3 gelten als statistische Ausreißer!</a:t>
+              </a:r>
+            </a:p>
+          </p:txBody>
+        </p:sp>
+        <p:graphicFrame>
+          <p:nvGraphicFramePr>
+            <p:cNvPr id="29" name="Objekt 28">
+              <a:extLst>
+                <a:ext uri="{FF2B5EF4-FFF2-40B4-BE49-F238E27FC236}">
+                  <a16:creationId xmlns:a16="http://schemas.microsoft.com/office/drawing/2014/main" id="{AFA92007-9327-4730-BCC7-43F0767B5A63}"/>
+                </a:ext>
+              </a:extLst>
+            </p:cNvPr>
+            <p:cNvGraphicFramePr>
+              <a:graphicFrameLocks noChangeAspect="1"/>
+            </p:cNvGraphicFramePr>
+            <p:nvPr>
+              <p:extLst>
+                <p:ext uri="{D42A27DB-BD31-4B8C-83A1-F6EECF244321}">
+                  <p14:modId xmlns:p14="http://schemas.microsoft.com/office/powerpoint/2010/main" val="2181715932"/>
+                </p:ext>
+              </p:extLst>
+            </p:nvPr>
+          </p:nvGraphicFramePr>
+          <p:xfrm>
+            <a:off x="-1487164" y="5018734"/>
+            <a:ext cx="1146175" cy="657225"/>
+          </p:xfrm>
+          <a:graphic>
+            <a:graphicData uri="http://schemas.openxmlformats.org/presentationml/2006/ole">
+              <mc:AlternateContent xmlns:mc="http://schemas.openxmlformats.org/markup-compatibility/2006">
+                <mc:Choice xmlns:v="urn:schemas-microsoft-com:vml" Requires="v">
+                  <p:oleObj spid="_x0000_s21962" name="Equation" r:id="rId14" imgW="685800" imgH="393480" progId="Equation.DSMT4">
+                    <p:embed/>
+                  </p:oleObj>
+                </mc:Choice>
+                <mc:Fallback>
+                  <p:oleObj name="Equation" r:id="rId14" imgW="685800" imgH="393480" progId="Equation.DSMT4">
+                    <p:embed/>
+                    <p:pic>
+                      <p:nvPicPr>
+                        <p:cNvPr id="12" name="Objekt 11">
+                          <a:extLst>
+                            <a:ext uri="{FF2B5EF4-FFF2-40B4-BE49-F238E27FC236}">
+                              <a16:creationId xmlns:a16="http://schemas.microsoft.com/office/drawing/2014/main" id="{A0D7F635-9B9E-4A38-8C3F-0AC87FDD654C}"/>
+                            </a:ext>
+                          </a:extLst>
+                        </p:cNvPr>
+                        <p:cNvPicPr/>
+                        <p:nvPr/>
+                      </p:nvPicPr>
+                      <p:blipFill>
+                        <a:blip r:embed="rId15"/>
+                        <a:stretch>
+                          <a:fillRect/>
+                        </a:stretch>
+                      </p:blipFill>
+                      <p:spPr>
+                        <a:xfrm>
+                          <a:off x="-1487164" y="5018734"/>
+                          <a:ext cx="1146175" cy="657225"/>
+                        </a:xfrm>
+                        <a:prstGeom prst="rect">
+                          <a:avLst/>
+                        </a:prstGeom>
+                      </p:spPr>
+                    </p:pic>
+                  </p:oleObj>
+                </mc:Fallback>
+              </mc:AlternateContent>
+            </a:graphicData>
+          </a:graphic>
+        </p:graphicFrame>
+        <p:graphicFrame>
+          <p:nvGraphicFramePr>
+            <p:cNvPr id="30" name="Objekt 29">
+              <a:extLst>
+                <a:ext uri="{FF2B5EF4-FFF2-40B4-BE49-F238E27FC236}">
+                  <a16:creationId xmlns:a16="http://schemas.microsoft.com/office/drawing/2014/main" id="{7D00E46A-39F3-4DD0-ADFE-3820B9BAA72E}"/>
+                </a:ext>
+              </a:extLst>
+            </p:cNvPr>
+            <p:cNvGraphicFramePr>
+              <a:graphicFrameLocks noChangeAspect="1"/>
+            </p:cNvGraphicFramePr>
+            <p:nvPr>
+              <p:extLst>
+                <p:ext uri="{D42A27DB-BD31-4B8C-83A1-F6EECF244321}">
+                  <p14:modId xmlns:p14="http://schemas.microsoft.com/office/powerpoint/2010/main" val="3266988444"/>
+                </p:ext>
+              </p:extLst>
+            </p:nvPr>
+          </p:nvGraphicFramePr>
+          <p:xfrm>
+            <a:off x="403445" y="4128172"/>
+            <a:ext cx="223128" cy="334694"/>
+          </p:xfrm>
+          <a:graphic>
+            <a:graphicData uri="http://schemas.openxmlformats.org/presentationml/2006/ole">
+              <mc:AlternateContent xmlns:mc="http://schemas.openxmlformats.org/markup-compatibility/2006">
+                <mc:Choice xmlns:v="urn:schemas-microsoft-com:vml" Requires="v">
+                  <p:oleObj spid="_x0000_s21963" name="Equation" r:id="rId16" imgW="152334" imgH="228501" progId="Equation.DSMT4">
+                    <p:embed/>
+                  </p:oleObj>
+                </mc:Choice>
+                <mc:Fallback>
+                  <p:oleObj name="Equation" r:id="rId16" imgW="152334" imgH="228501" progId="Equation.DSMT4">
+                    <p:embed/>
+                    <p:pic>
+                      <p:nvPicPr>
+                        <p:cNvPr id="61" name="Objekt 60">
+                          <a:extLst>
+                            <a:ext uri="{FF2B5EF4-FFF2-40B4-BE49-F238E27FC236}">
+                              <a16:creationId xmlns:a16="http://schemas.microsoft.com/office/drawing/2014/main" id="{5D694FD4-E638-4D7F-958B-E0E8B9C4D78A}"/>
+                            </a:ext>
+                          </a:extLst>
+                        </p:cNvPr>
+                        <p:cNvPicPr>
+                          <a:picLocks noChangeAspect="1" noChangeArrowheads="1"/>
+                        </p:cNvPicPr>
+                        <p:nvPr/>
+                      </p:nvPicPr>
+                      <p:blipFill>
+                        <a:blip r:embed="rId17">
+                          <a:extLst>
+                            <a:ext uri="{28A0092B-C50C-407E-A947-70E740481C1C}">
+                              <a14:useLocalDpi xmlns:a14="http://schemas.microsoft.com/office/drawing/2010/main" val="0"/>
+                            </a:ext>
+                          </a:extLst>
+                        </a:blip>
+                        <a:srcRect/>
+                        <a:stretch>
+                          <a:fillRect/>
+                        </a:stretch>
+                      </p:blipFill>
+                      <p:spPr bwMode="auto">
+                        <a:xfrm>
+                          <a:off x="403445" y="4128172"/>
+                          <a:ext cx="223128" cy="334694"/>
+                        </a:xfrm>
+                        <a:prstGeom prst="rect">
+                          <a:avLst/>
+                        </a:prstGeom>
+                        <a:noFill/>
+                      </p:spPr>
+                    </p:pic>
+                  </p:oleObj>
+                </mc:Fallback>
+              </mc:AlternateContent>
+            </a:graphicData>
+          </a:graphic>
+        </p:graphicFrame>
+        <p:graphicFrame>
+          <p:nvGraphicFramePr>
+            <p:cNvPr id="31" name="Objekt 30">
+              <a:extLst>
+                <a:ext uri="{FF2B5EF4-FFF2-40B4-BE49-F238E27FC236}">
+                  <a16:creationId xmlns:a16="http://schemas.microsoft.com/office/drawing/2014/main" id="{034076F7-B6F6-4C0D-8FDC-3C9B16A8E9C2}"/>
+                </a:ext>
+              </a:extLst>
+            </p:cNvPr>
+            <p:cNvGraphicFramePr>
+              <a:graphicFrameLocks noChangeAspect="1"/>
+            </p:cNvGraphicFramePr>
+            <p:nvPr>
+              <p:extLst>
+                <p:ext uri="{D42A27DB-BD31-4B8C-83A1-F6EECF244321}">
+                  <p14:modId xmlns:p14="http://schemas.microsoft.com/office/powerpoint/2010/main" val="2920827869"/>
+                </p:ext>
+              </p:extLst>
+            </p:nvPr>
+          </p:nvGraphicFramePr>
+          <p:xfrm>
+            <a:off x="-2410186" y="5920009"/>
+            <a:ext cx="249396" cy="417593"/>
+          </p:xfrm>
+          <a:graphic>
+            <a:graphicData uri="http://schemas.openxmlformats.org/presentationml/2006/ole">
+              <mc:AlternateContent xmlns:mc="http://schemas.openxmlformats.org/markup-compatibility/2006">
+                <mc:Choice xmlns:v="urn:schemas-microsoft-com:vml" Requires="v">
+                  <p:oleObj spid="_x0000_s21964" name="Equation" r:id="rId18" imgW="139700" imgH="228600" progId="Equation.DSMT4">
+                    <p:embed/>
+                  </p:oleObj>
+                </mc:Choice>
+                <mc:Fallback>
+                  <p:oleObj name="Equation" r:id="rId18" imgW="139700" imgH="228600" progId="Equation.DSMT4">
+                    <p:embed/>
+                    <p:pic>
+                      <p:nvPicPr>
+                        <p:cNvPr id="62" name="Objekt 61">
+                          <a:extLst>
+                            <a:ext uri="{FF2B5EF4-FFF2-40B4-BE49-F238E27FC236}">
+                              <a16:creationId xmlns:a16="http://schemas.microsoft.com/office/drawing/2014/main" id="{71EF4F1B-BF69-4615-9569-64DDA2EE8A3F}"/>
+                            </a:ext>
+                          </a:extLst>
+                        </p:cNvPr>
+                        <p:cNvPicPr>
+                          <a:picLocks noChangeAspect="1" noChangeArrowheads="1"/>
+                        </p:cNvPicPr>
+                        <p:nvPr/>
+                      </p:nvPicPr>
+                      <p:blipFill>
+                        <a:blip r:embed="rId19">
+                          <a:extLst>
+                            <a:ext uri="{28A0092B-C50C-407E-A947-70E740481C1C}">
+                              <a14:useLocalDpi xmlns:a14="http://schemas.microsoft.com/office/drawing/2010/main" val="0"/>
+                            </a:ext>
+                          </a:extLst>
+                        </a:blip>
+                        <a:srcRect/>
+                        <a:stretch>
+                          <a:fillRect/>
+                        </a:stretch>
+                      </p:blipFill>
+                      <p:spPr bwMode="auto">
+                        <a:xfrm>
+                          <a:off x="-2410186" y="5920009"/>
+                          <a:ext cx="249396" cy="417593"/>
+                        </a:xfrm>
+                        <a:prstGeom prst="rect">
+                          <a:avLst/>
+                        </a:prstGeom>
+                        <a:noFill/>
+                      </p:spPr>
+                    </p:pic>
+                  </p:oleObj>
+                </mc:Fallback>
+              </mc:AlternateContent>
+            </a:graphicData>
+          </a:graphic>
+        </p:graphicFrame>
+        <p:graphicFrame>
+          <p:nvGraphicFramePr>
+            <p:cNvPr id="34" name="Objekt 33">
+              <a:extLst>
+                <a:ext uri="{FF2B5EF4-FFF2-40B4-BE49-F238E27FC236}">
+                  <a16:creationId xmlns:a16="http://schemas.microsoft.com/office/drawing/2014/main" id="{ED5D925D-20E5-4AD0-AA27-BD004F6D5D27}"/>
+                </a:ext>
+              </a:extLst>
+            </p:cNvPr>
+            <p:cNvGraphicFramePr>
+              <a:graphicFrameLocks noChangeAspect="1"/>
+            </p:cNvGraphicFramePr>
+            <p:nvPr>
+              <p:extLst>
+                <p:ext uri="{D42A27DB-BD31-4B8C-83A1-F6EECF244321}">
+                  <p14:modId xmlns:p14="http://schemas.microsoft.com/office/powerpoint/2010/main" val="452178425"/>
+                </p:ext>
+              </p:extLst>
+            </p:nvPr>
+          </p:nvGraphicFramePr>
+          <p:xfrm>
+            <a:off x="431161" y="4411142"/>
+            <a:ext cx="199888" cy="334694"/>
+          </p:xfrm>
+          <a:graphic>
+            <a:graphicData uri="http://schemas.openxmlformats.org/presentationml/2006/ole">
+              <mc:AlternateContent xmlns:mc="http://schemas.openxmlformats.org/markup-compatibility/2006">
+                <mc:Choice xmlns:v="urn:schemas-microsoft-com:vml" Requires="v">
+                  <p:oleObj spid="_x0000_s21965" name="Equation" r:id="rId20" imgW="139700" imgH="228600" progId="Equation.DSMT4">
+                    <p:embed/>
+                  </p:oleObj>
+                </mc:Choice>
+                <mc:Fallback>
+                  <p:oleObj name="Equation" r:id="rId20" imgW="139700" imgH="228600" progId="Equation.DSMT4">
+                    <p:embed/>
+                    <p:pic>
+                      <p:nvPicPr>
+                        <p:cNvPr id="63" name="Objekt 62">
+                          <a:extLst>
+                            <a:ext uri="{FF2B5EF4-FFF2-40B4-BE49-F238E27FC236}">
+                              <a16:creationId xmlns:a16="http://schemas.microsoft.com/office/drawing/2014/main" id="{BBAFE537-CBBC-43EB-87FE-910C7466E59D}"/>
+                            </a:ext>
+                          </a:extLst>
+                        </p:cNvPr>
+                        <p:cNvPicPr>
+                          <a:picLocks noChangeAspect="1" noChangeArrowheads="1"/>
+                        </p:cNvPicPr>
+                        <p:nvPr/>
+                      </p:nvPicPr>
+                      <p:blipFill>
+                        <a:blip r:embed="rId21">
+                          <a:extLst>
+                            <a:ext uri="{28A0092B-C50C-407E-A947-70E740481C1C}">
+                              <a14:useLocalDpi xmlns:a14="http://schemas.microsoft.com/office/drawing/2010/main" val="0"/>
+                            </a:ext>
+                          </a:extLst>
+                        </a:blip>
+                        <a:srcRect/>
+                        <a:stretch>
+                          <a:fillRect/>
+                        </a:stretch>
+                      </p:blipFill>
+                      <p:spPr bwMode="auto">
+                        <a:xfrm>
+                          <a:off x="431161" y="4411142"/>
+                          <a:ext cx="199888" cy="334694"/>
+                        </a:xfrm>
+                        <a:prstGeom prst="rect">
+                          <a:avLst/>
+                        </a:prstGeom>
+                        <a:noFill/>
+                      </p:spPr>
+                    </p:pic>
+                  </p:oleObj>
+                </mc:Fallback>
+              </mc:AlternateContent>
+            </a:graphicData>
+          </a:graphic>
+        </p:graphicFrame>
+        <p:graphicFrame>
+          <p:nvGraphicFramePr>
+            <p:cNvPr id="35" name="Objekt 34">
+              <a:extLst>
+                <a:ext uri="{FF2B5EF4-FFF2-40B4-BE49-F238E27FC236}">
+                  <a16:creationId xmlns:a16="http://schemas.microsoft.com/office/drawing/2014/main" id="{C2AF3F91-2697-4205-B983-2828F56D7D89}"/>
+                </a:ext>
+              </a:extLst>
+            </p:cNvPr>
+            <p:cNvGraphicFramePr>
+              <a:graphicFrameLocks noChangeAspect="1"/>
+            </p:cNvGraphicFramePr>
+            <p:nvPr>
+              <p:extLst>
+                <p:ext uri="{D42A27DB-BD31-4B8C-83A1-F6EECF244321}">
+                  <p14:modId xmlns:p14="http://schemas.microsoft.com/office/powerpoint/2010/main" val="632384971"/>
+                </p:ext>
+              </p:extLst>
+            </p:nvPr>
+          </p:nvGraphicFramePr>
+          <p:xfrm>
+            <a:off x="-476910" y="3985490"/>
+            <a:ext cx="223128" cy="199888"/>
+          </p:xfrm>
+          <a:graphic>
+            <a:graphicData uri="http://schemas.openxmlformats.org/presentationml/2006/ole">
+              <mc:AlternateContent xmlns:mc="http://schemas.openxmlformats.org/markup-compatibility/2006">
+                <mc:Choice xmlns:v="urn:schemas-microsoft-com:vml" Requires="v">
+                  <p:oleObj spid="_x0000_s21966" name="Equation" r:id="rId22" imgW="152334" imgH="139639" progId="Equation.DSMT4">
+                    <p:embed/>
+                  </p:oleObj>
+                </mc:Choice>
+                <mc:Fallback>
+                  <p:oleObj name="Equation" r:id="rId22" imgW="152334" imgH="139639" progId="Equation.DSMT4">
+                    <p:embed/>
+                    <p:pic>
+                      <p:nvPicPr>
+                        <p:cNvPr id="64" name="Objekt 63">
+                          <a:extLst>
+                            <a:ext uri="{FF2B5EF4-FFF2-40B4-BE49-F238E27FC236}">
+                              <a16:creationId xmlns:a16="http://schemas.microsoft.com/office/drawing/2014/main" id="{C859A0E4-FECC-4926-AEFA-CE9139D889EC}"/>
+                            </a:ext>
+                          </a:extLst>
+                        </p:cNvPr>
+                        <p:cNvPicPr>
+                          <a:picLocks noChangeAspect="1" noChangeArrowheads="1"/>
+                        </p:cNvPicPr>
+                        <p:nvPr/>
+                      </p:nvPicPr>
+                      <p:blipFill>
+                        <a:blip r:embed="rId23">
+                          <a:extLst>
+                            <a:ext uri="{28A0092B-C50C-407E-A947-70E740481C1C}">
+                              <a14:useLocalDpi xmlns:a14="http://schemas.microsoft.com/office/drawing/2010/main" val="0"/>
+                            </a:ext>
+                          </a:extLst>
+                        </a:blip>
+                        <a:srcRect/>
+                        <a:stretch>
+                          <a:fillRect/>
+                        </a:stretch>
+                      </p:blipFill>
+                      <p:spPr bwMode="auto">
+                        <a:xfrm>
+                          <a:off x="-476910" y="3985490"/>
+                          <a:ext cx="223128" cy="199888"/>
+                        </a:xfrm>
+                        <a:prstGeom prst="rect">
+                          <a:avLst/>
+                        </a:prstGeom>
+                        <a:noFill/>
+                        <a:extLst>
+                          <a:ext uri="{909E8E84-426E-40DD-AFC4-6F175D3DCCD1}">
+                            <a14:hiddenFill xmlns:a14="http://schemas.microsoft.com/office/drawing/2010/main">
+                              <a:solidFill>
+                                <a:srgbClr val="FFFFFF"/>
+                              </a:solidFill>
+                            </a14:hiddenFill>
+                          </a:ext>
+                        </a:extLst>
+                      </p:spPr>
+                    </p:pic>
+                  </p:oleObj>
+                </mc:Fallback>
+              </mc:AlternateContent>
+            </a:graphicData>
+          </a:graphic>
+        </p:graphicFrame>
+        <p:graphicFrame>
+          <p:nvGraphicFramePr>
+            <p:cNvPr id="36" name="Objekt 35">
+              <a:extLst>
+                <a:ext uri="{FF2B5EF4-FFF2-40B4-BE49-F238E27FC236}">
+                  <a16:creationId xmlns:a16="http://schemas.microsoft.com/office/drawing/2014/main" id="{CE0F08B6-9321-4C1C-B66D-9E69FA19A80F}"/>
+                </a:ext>
+              </a:extLst>
+            </p:cNvPr>
+            <p:cNvGraphicFramePr>
+              <a:graphicFrameLocks noChangeAspect="1"/>
+            </p:cNvGraphicFramePr>
+            <p:nvPr>
+              <p:extLst>
+                <p:ext uri="{D42A27DB-BD31-4B8C-83A1-F6EECF244321}">
+                  <p14:modId xmlns:p14="http://schemas.microsoft.com/office/powerpoint/2010/main" val="1886884790"/>
+                </p:ext>
+              </p:extLst>
+            </p:nvPr>
+          </p:nvGraphicFramePr>
+          <p:xfrm>
+            <a:off x="-60951" y="3678858"/>
+            <a:ext cx="223128" cy="246371"/>
+          </p:xfrm>
+          <a:graphic>
+            <a:graphicData uri="http://schemas.openxmlformats.org/presentationml/2006/ole">
+              <mc:AlternateContent xmlns:mc="http://schemas.openxmlformats.org/markup-compatibility/2006">
+                <mc:Choice xmlns:v="urn:schemas-microsoft-com:vml" Requires="v">
+                  <p:oleObj spid="_x0000_s21967" name="Equation" r:id="rId24" imgW="152268" imgH="164957" progId="Equation.DSMT4">
+                    <p:embed/>
+                  </p:oleObj>
+                </mc:Choice>
+                <mc:Fallback>
+                  <p:oleObj name="Equation" r:id="rId24" imgW="152268" imgH="164957" progId="Equation.DSMT4">
+                    <p:embed/>
+                    <p:pic>
+                      <p:nvPicPr>
+                        <p:cNvPr id="65" name="Objekt 64">
+                          <a:extLst>
+                            <a:ext uri="{FF2B5EF4-FFF2-40B4-BE49-F238E27FC236}">
+                              <a16:creationId xmlns:a16="http://schemas.microsoft.com/office/drawing/2014/main" id="{297D7FF4-E980-4F09-9EE0-DC7CABA3587D}"/>
+                            </a:ext>
+                          </a:extLst>
+                        </p:cNvPr>
+                        <p:cNvPicPr>
+                          <a:picLocks noChangeAspect="1" noChangeArrowheads="1"/>
+                        </p:cNvPicPr>
+                        <p:nvPr/>
+                      </p:nvPicPr>
+                      <p:blipFill>
+                        <a:blip r:embed="rId25">
+                          <a:extLst>
+                            <a:ext uri="{28A0092B-C50C-407E-A947-70E740481C1C}">
+                              <a14:useLocalDpi xmlns:a14="http://schemas.microsoft.com/office/drawing/2010/main" val="0"/>
+                            </a:ext>
+                          </a:extLst>
+                        </a:blip>
+                        <a:srcRect/>
+                        <a:stretch>
+                          <a:fillRect/>
+                        </a:stretch>
+                      </p:blipFill>
+                      <p:spPr bwMode="auto">
+                        <a:xfrm>
+                          <a:off x="-60951" y="3678858"/>
+                          <a:ext cx="223128" cy="246371"/>
+                        </a:xfrm>
+                        <a:prstGeom prst="rect">
+                          <a:avLst/>
+                        </a:prstGeom>
+                        <a:noFill/>
+                        <a:extLst>
+                          <a:ext uri="{909E8E84-426E-40DD-AFC4-6F175D3DCCD1}">
+                            <a14:hiddenFill xmlns:a14="http://schemas.microsoft.com/office/drawing/2010/main">
+                              <a:solidFill>
+                                <a:srgbClr val="FFFFFF"/>
+                              </a:solidFill>
+                            </a14:hiddenFill>
+                          </a:ext>
+                        </a:extLst>
+                      </p:spPr>
+                    </p:pic>
+                  </p:oleObj>
+                </mc:Fallback>
+              </mc:AlternateContent>
+            </a:graphicData>
+          </a:graphic>
+        </p:graphicFrame>
+      </p:grpSp>
     </p:spTree>
     <p:extLst>
       <p:ext uri="{BB962C8B-B14F-4D97-AF65-F5344CB8AC3E}">
@@ -11908,7 +12162,7 @@
           <a:p>
             <a:fld id="{3FF77DFC-33DC-4457-974A-3F8ABA01093A}" type="datetime1">
               <a:rPr lang="de-DE" noProof="0" smtClean="0"/>
-              <a:t>02.11.2022</a:t>
+              <a:t>03.11.2022</a:t>
             </a:fld>
             <a:endParaRPr lang="de-DE" noProof="0" dirty="0"/>
           </a:p>
@@ -11972,7 +12226,7 @@
           <a:graphicData uri="http://schemas.openxmlformats.org/presentationml/2006/ole">
             <mc:AlternateContent xmlns:mc="http://schemas.openxmlformats.org/markup-compatibility/2006">
               <mc:Choice xmlns:v="urn:schemas-microsoft-com:vml" Requires="v">
-                <p:oleObj spid="_x0000_s22564" name="Equation" r:id="rId4" imgW="1930320" imgH="457200" progId="Equation.DSMT4">
+                <p:oleObj spid="_x0000_s22612" name="Equation" r:id="rId4" imgW="1930320" imgH="457200" progId="Equation.DSMT4">
                   <p:embed/>
                 </p:oleObj>
               </mc:Choice>
@@ -12041,7 +12295,7 @@
           <a:graphicData uri="http://schemas.openxmlformats.org/presentationml/2006/ole">
             <mc:AlternateContent xmlns:mc="http://schemas.openxmlformats.org/markup-compatibility/2006">
               <mc:Choice xmlns:v="urn:schemas-microsoft-com:vml" Requires="v">
-                <p:oleObj spid="_x0000_s22565" name="Equation" r:id="rId6" imgW="812520" imgH="203040" progId="Equation.DSMT4">
+                <p:oleObj spid="_x0000_s22613" name="Equation" r:id="rId6" imgW="812520" imgH="203040" progId="Equation.DSMT4">
                   <p:embed/>
                 </p:oleObj>
               </mc:Choice>
@@ -12204,7 +12458,7 @@
         <p:spPr>
           <a:xfrm>
             <a:off x="478199" y="1703388"/>
-            <a:ext cx="5437188" cy="4123052"/>
+            <a:ext cx="5437188" cy="4283737"/>
           </a:xfrm>
         </p:spPr>
         <p:txBody>
@@ -12212,39 +12466,36 @@
           <a:lstStyle/>
           <a:p>
             <a:r>
-              <a:rPr lang="en-US" dirty="0"/>
+              <a:rPr lang="en-US" sz="1800" dirty="0"/>
               <a:t>Two-Sample Binomial Proportion Test</a:t>
             </a:r>
           </a:p>
           <a:p>
             <a:r>
-              <a:rPr lang="de-DE" sz="1400" dirty="0">
+              <a:rPr lang="de-DE" dirty="0">
                 <a:latin typeface="+mn-lt"/>
               </a:rPr>
-              <a:t>Angenommen, wir haben zwei oder mehr Beobachtungen einer gewissen Länge bzw. Zeitbereich.
-Wir berechnen die positiven Anteile aus diesen Beobachtungen und prüfen, ob  beide Beobachtungen die gleichen Anteile haben oder nicht
+              <a:t>Angenommen, wir haben zwei oder mehr Beobachtungen einer gewissen Länge bzw. Zeitbereich. Wir berechnen die positiven Anteile aus diesen Beobachtungen und prüfen, ob  beide Beobachtungen die gleichen Anteile haben oder nicht.
 </a:t>
             </a:r>
           </a:p>
           <a:p>
-            <a:endParaRPr lang="de-DE" sz="1400" dirty="0">
-              <a:latin typeface="+mn-lt"/>
-            </a:endParaRPr>
-          </a:p>
-          <a:p>
-            <a:r>
-              <a:rPr lang="de-DE" dirty="0"/>
+            <a:endParaRPr lang="de-DE" sz="1800" dirty="0"/>
+          </a:p>
+          <a:p>
+            <a:r>
+              <a:rPr lang="de-DE" sz="1800" dirty="0"/>
               <a:t>Gesetz der großen Zahlen</a:t>
             </a:r>
           </a:p>
           <a:p>
             <a:r>
-              <a:rPr lang="de-DE" sz="1400" dirty="0">
+              <a:rPr lang="de-DE" dirty="0">
                 <a:latin typeface="+mn-lt"/>
               </a:rPr>
               <a:t>Die Häufigkeit mit der ein Zufallsereignis eintritt, nähert sich seiner rechnerischen Wahrscheinlichkeit immer weiter an, je häufiger ein Zufallsexperiment durchgeführt wird.</a:t>
             </a:r>
-            <a:endParaRPr lang="en-US" sz="1400" dirty="0">
+            <a:endParaRPr lang="en-US" dirty="0">
               <a:latin typeface="+mn-lt"/>
             </a:endParaRPr>
           </a:p>
@@ -12273,7 +12524,7 @@
           <a:p>
             <a:fld id="{3FF77DFC-33DC-4457-974A-3F8ABA01093A}" type="datetime1">
               <a:rPr lang="de-DE" noProof="0" smtClean="0"/>
-              <a:t>02.11.2022</a:t>
+              <a:t>03.11.2022</a:t>
             </a:fld>
             <a:endParaRPr lang="de-DE" noProof="0" dirty="0"/>
           </a:p>
@@ -12354,20 +12605,20 @@
           <p:nvPr>
             <p:extLst>
               <p:ext uri="{D42A27DB-BD31-4B8C-83A1-F6EECF244321}">
-                <p14:modId xmlns:p14="http://schemas.microsoft.com/office/powerpoint/2010/main" val="939052954"/>
+                <p14:modId xmlns:p14="http://schemas.microsoft.com/office/powerpoint/2010/main" val="2106751412"/>
               </p:ext>
             </p:extLst>
           </p:nvPr>
         </p:nvGraphicFramePr>
         <p:xfrm>
-          <a:off x="711843" y="3802553"/>
+          <a:off x="916309" y="3652933"/>
           <a:ext cx="4021138" cy="611188"/>
         </p:xfrm>
         <a:graphic>
           <a:graphicData uri="http://schemas.openxmlformats.org/presentationml/2006/ole">
             <mc:AlternateContent xmlns:mc="http://schemas.openxmlformats.org/markup-compatibility/2006">
               <mc:Choice xmlns:v="urn:schemas-microsoft-com:vml" Requires="v">
-                <p:oleObj spid="_x0000_s23571" name="Equation" r:id="rId4" imgW="2590560" imgH="393480" progId="Equation.DSMT4">
+                <p:oleObj spid="_x0000_s23595" name="Equation" r:id="rId4" imgW="2590560" imgH="393480" progId="Equation.DSMT4">
                   <p:embed/>
                 </p:oleObj>
               </mc:Choice>
@@ -12394,7 +12645,7 @@
                     </p:blipFill>
                     <p:spPr>
                       <a:xfrm>
-                        <a:off x="711843" y="3802553"/>
+                        <a:off x="916309" y="3652933"/>
                         <a:ext cx="4021138" cy="611188"/>
                       </a:xfrm>
                       <a:prstGeom prst="rect">
@@ -12546,8 +12797,8 @@
         </p:nvSpPr>
         <p:spPr>
           <a:xfrm>
-            <a:off x="479427" y="1753495"/>
-            <a:ext cx="5381624" cy="4089196"/>
+            <a:off x="479425" y="1592810"/>
+            <a:ext cx="5912042" cy="4486869"/>
           </a:xfrm>
         </p:spPr>
         <p:txBody>
@@ -12555,67 +12806,68 @@
           <a:lstStyle/>
           <a:p>
             <a:r>
-              <a:rPr lang="de-DE" dirty="0"/>
+              <a:rPr lang="de-DE" sz="1800" dirty="0"/>
               <a:t>Stationarität </a:t>
             </a:r>
           </a:p>
           <a:p>
             <a:pPr lvl="1"/>
             <a:r>
-              <a:rPr lang="de-DE" dirty="0"/>
-              <a:t>Stationarität beschreibt  Eigenschaften von Zeitreihen, die invariant über die Zeit hinweg gültig sind. Eine stationäre Zeitreihe hat zu allen Zeitpunkten den </a:t>
-            </a:r>
-            <a:r>
-              <a:rPr lang="de-DE" i="1" u="sng" dirty="0"/>
+              <a:rPr lang="de-DE" sz="1600" dirty="0"/>
+              <a:t>Stationarität beschreibt  Eigenschaften von Zeitreihen, </a:t>
+            </a:r>
+            <a:r>
+              <a:rPr lang="de-DE" sz="1600" b="1" dirty="0"/>
+              <a:t>die invariant über die Zeit hinweg gültig</a:t>
+            </a:r>
+            <a:r>
+              <a:rPr lang="de-DE" sz="1600" dirty="0"/>
+              <a:t> sind. Eine stationäre Zeitreihe hat zu allen Zeitpunkten den </a:t>
+            </a:r>
+            <a:r>
+              <a:rPr lang="de-DE" sz="1600" i="1" u="sng" dirty="0"/>
               <a:t>gleichen Erwartungswert</a:t>
             </a:r>
             <a:r>
-              <a:rPr lang="de-DE" b="1" dirty="0"/>
+              <a:rPr lang="de-DE" sz="1600" b="1" dirty="0"/>
               <a:t> </a:t>
             </a:r>
             <a:r>
-              <a:rPr lang="de-DE" dirty="0"/>
+              <a:rPr lang="de-DE" sz="1600" dirty="0"/>
               <a:t>und die </a:t>
             </a:r>
             <a:r>
-              <a:rPr lang="de-DE" i="1" u="sng" dirty="0"/>
+              <a:rPr lang="de-DE" sz="1600" i="1" u="sng" dirty="0"/>
               <a:t>gleiche Varianz</a:t>
             </a:r>
             <a:r>
-              <a:rPr lang="de-DE" dirty="0"/>
+              <a:rPr lang="de-DE" sz="1600" dirty="0"/>
               <a:t>.</a:t>
             </a:r>
           </a:p>
           <a:p>
             <a:pPr lvl="1"/>
             <a:r>
-              <a:rPr lang="de-DE" b="1" dirty="0"/>
+              <a:rPr lang="de-DE" sz="1600" b="1" dirty="0"/>
               <a:t>Numerische Differentiation</a:t>
             </a:r>
           </a:p>
           <a:p>
             <a:pPr lvl="1"/>
             <a:r>
-              <a:rPr lang="de-DE" dirty="0"/>
+              <a:rPr lang="de-DE" sz="1600" dirty="0"/>
               <a:t>Um von der  Zeitreihe f der stetig wachsenden aufsummierten positiven Testresultaten eine Zeitreihe f’ ohne ansteigenden Trend zu erhalten, wird die erste numerische Differentiation gebildet.</a:t>
             </a:r>
           </a:p>
           <a:p>
             <a:pPr lvl="1"/>
-            <a:endParaRPr lang="de-DE" dirty="0"/>
+            <a:endParaRPr lang="de-DE" sz="1600" dirty="0"/>
           </a:p>
           <a:p>
             <a:pPr lvl="1"/>
             <a:r>
-              <a:rPr lang="de-DE" dirty="0"/>
-              <a:t>Auf f’ kann nun der Test auf Stationarität erfolgen.</a:t>
-            </a:r>
-          </a:p>
-          <a:p>
-            <a:pPr lvl="1"/>
-            <a:r>
-              <a:rPr lang="de-DE" dirty="0"/>
-              <a:t>z.B. Dickey-Fuller-Test</a:t>
+              <a:rPr lang="de-DE" sz="1600" dirty="0"/>
+              <a:t>Auf f’ kann nun der Test auf Stationarität erfolgen. z.B. Dickey-Fuller-Test.</a:t>
             </a:r>
           </a:p>
         </p:txBody>
@@ -12643,7 +12895,7 @@
           <a:p>
             <a:fld id="{3FF77DFC-33DC-4457-974A-3F8ABA01093A}" type="datetime1">
               <a:rPr lang="de-DE" noProof="0" smtClean="0"/>
-              <a:t>02.11.2022</a:t>
+              <a:t>03.11.2022</a:t>
             </a:fld>
             <a:endParaRPr lang="de-DE" noProof="0" dirty="0"/>
           </a:p>
@@ -12724,20 +12976,20 @@
           <p:nvPr>
             <p:extLst>
               <p:ext uri="{D42A27DB-BD31-4B8C-83A1-F6EECF244321}">
-                <p14:modId xmlns:p14="http://schemas.microsoft.com/office/powerpoint/2010/main" val="131121802"/>
+                <p14:modId xmlns:p14="http://schemas.microsoft.com/office/powerpoint/2010/main" val="1307132063"/>
               </p:ext>
             </p:extLst>
           </p:nvPr>
         </p:nvGraphicFramePr>
         <p:xfrm>
-          <a:off x="1741947" y="4562470"/>
+          <a:off x="1629980" y="4976974"/>
           <a:ext cx="2126220" cy="318933"/>
         </p:xfrm>
         <a:graphic>
           <a:graphicData uri="http://schemas.openxmlformats.org/presentationml/2006/ole">
             <mc:AlternateContent xmlns:mc="http://schemas.openxmlformats.org/markup-compatibility/2006">
               <mc:Choice xmlns:v="urn:schemas-microsoft-com:vml" Requires="v">
-                <p:oleObj spid="_x0000_s24595" name="Equation" r:id="rId4" imgW="1333745" imgH="200189" progId="Equation.DSMT4">
+                <p:oleObj spid="_x0000_s24619" name="Equation" r:id="rId4" imgW="1333745" imgH="200189" progId="Equation.DSMT4">
                   <p:embed/>
                 </p:oleObj>
               </mc:Choice>
@@ -12764,7 +13016,7 @@
                     </p:blipFill>
                     <p:spPr>
                       <a:xfrm>
-                        <a:off x="1741947" y="4562470"/>
+                        <a:off x="1629980" y="4976974"/>
                         <a:ext cx="2126220" cy="318933"/>
                       </a:xfrm>
                       <a:prstGeom prst="rect">
@@ -12922,7 +13174,7 @@
         <p:spPr>
           <a:xfrm>
             <a:off x="478199" y="1703388"/>
-            <a:ext cx="2533197" cy="2166619"/>
+            <a:ext cx="2533197" cy="2401683"/>
           </a:xfrm>
         </p:spPr>
         <p:txBody>
@@ -12930,65 +13182,65 @@
           <a:lstStyle/>
           <a:p>
             <a:r>
-              <a:rPr lang="en-US" dirty="0" err="1"/>
+              <a:rPr lang="en-US" sz="1800" dirty="0" err="1"/>
               <a:t>Gleitender</a:t>
             </a:r>
             <a:r>
-              <a:rPr lang="en-US" dirty="0"/>
+              <a:rPr lang="en-US" sz="1800" dirty="0"/>
               <a:t> </a:t>
             </a:r>
             <a:r>
-              <a:rPr lang="en-US" dirty="0" err="1"/>
+              <a:rPr lang="en-US" sz="1800" dirty="0" err="1"/>
               <a:t>Mittelwert</a:t>
             </a:r>
-            <a:endParaRPr lang="en-US" dirty="0"/>
+            <a:endParaRPr lang="en-US" sz="1800" dirty="0"/>
           </a:p>
           <a:p>
             <a:pPr lvl="1"/>
             <a:r>
-              <a:rPr lang="en-US" dirty="0" err="1"/>
+              <a:rPr lang="en-US" sz="1600" u="sng" dirty="0" err="1"/>
               <a:t>Gegeben</a:t>
             </a:r>
             <a:r>
-              <a:rPr lang="en-US" dirty="0"/>
+              <a:rPr lang="en-US" sz="1600" dirty="0"/>
               <a:t>:</a:t>
             </a:r>
           </a:p>
           <a:p>
             <a:pPr lvl="3"/>
             <a:r>
-              <a:rPr lang="en-US" dirty="0" err="1"/>
+              <a:rPr lang="en-US" sz="1600" dirty="0" err="1"/>
               <a:t>Fensterlänge</a:t>
             </a:r>
             <a:r>
-              <a:rPr lang="en-US" dirty="0"/>
+              <a:rPr lang="en-US" sz="1600" dirty="0"/>
               <a:t> n</a:t>
             </a:r>
           </a:p>
           <a:p>
             <a:pPr lvl="3"/>
             <a:r>
-              <a:rPr lang="en-US" dirty="0" err="1"/>
+              <a:rPr lang="en-US" sz="1600" dirty="0" err="1"/>
               <a:t>Zeitreihe</a:t>
             </a:r>
             <a:r>
-              <a:rPr lang="en-US" dirty="0"/>
+              <a:rPr lang="en-US" sz="1600" dirty="0"/>
               <a:t> f’</a:t>
             </a:r>
           </a:p>
           <a:p>
             <a:pPr lvl="3"/>
-            <a:endParaRPr lang="en-US" dirty="0"/>
+            <a:endParaRPr lang="en-US" sz="1600" dirty="0"/>
           </a:p>
           <a:p>
             <a:pPr lvl="3"/>
-            <a:endParaRPr lang="en-US" dirty="0"/>
+            <a:endParaRPr lang="en-US" sz="1600" dirty="0"/>
           </a:p>
           <a:p>
             <a:pPr marL="0" lvl="3" indent="0">
               <a:buNone/>
             </a:pPr>
-            <a:endParaRPr lang="en-US" dirty="0"/>
+            <a:endParaRPr lang="en-US" sz="1600" dirty="0"/>
           </a:p>
         </p:txBody>
       </p:sp>
@@ -13015,7 +13267,7 @@
           <a:p>
             <a:fld id="{3FF77DFC-33DC-4457-974A-3F8ABA01093A}" type="datetime1">
               <a:rPr lang="de-DE" noProof="0" smtClean="0"/>
-              <a:t>02.11.2022</a:t>
+              <a:t>03.11.2022</a:t>
             </a:fld>
             <a:endParaRPr lang="de-DE" noProof="0" dirty="0"/>
           </a:p>
@@ -13126,20 +13378,20 @@
           <p:nvPr>
             <p:extLst>
               <p:ext uri="{D42A27DB-BD31-4B8C-83A1-F6EECF244321}">
-                <p14:modId xmlns:p14="http://schemas.microsoft.com/office/powerpoint/2010/main" val="1085508838"/>
+                <p14:modId xmlns:p14="http://schemas.microsoft.com/office/powerpoint/2010/main" val="1987603605"/>
               </p:ext>
             </p:extLst>
           </p:nvPr>
         </p:nvGraphicFramePr>
         <p:xfrm>
-          <a:off x="478199" y="3364149"/>
+          <a:off x="478199" y="3593789"/>
           <a:ext cx="2428875" cy="666750"/>
         </p:xfrm>
         <a:graphic>
           <a:graphicData uri="http://schemas.openxmlformats.org/presentationml/2006/ole">
             <mc:AlternateContent xmlns:mc="http://schemas.openxmlformats.org/markup-compatibility/2006">
               <mc:Choice xmlns:v="urn:schemas-microsoft-com:vml" Requires="v">
-                <p:oleObj spid="_x0000_s25619" name="Equation" r:id="rId5" imgW="2429476" imgH="666815" progId="Equation.DSMT4">
+                <p:oleObj spid="_x0000_s25643" name="Equation" r:id="rId5" imgW="2429476" imgH="666815" progId="Equation.DSMT4">
                   <p:embed/>
                 </p:oleObj>
               </mc:Choice>
@@ -13166,7 +13418,7 @@
                     </p:blipFill>
                     <p:spPr>
                       <a:xfrm>
-                        <a:off x="478199" y="3364149"/>
+                        <a:off x="478199" y="3593789"/>
                         <a:ext cx="2428875" cy="666750"/>
                       </a:xfrm>
                       <a:prstGeom prst="rect">
@@ -13318,7 +13570,7 @@
         <p:spPr>
           <a:xfrm>
             <a:off x="478199" y="1703388"/>
-            <a:ext cx="5437188" cy="2850396"/>
+            <a:ext cx="5437188" cy="3153171"/>
           </a:xfrm>
         </p:spPr>
         <p:txBody>
@@ -13327,83 +13579,91 @@
           <a:p>
             <a:pPr lvl="1"/>
             <a:r>
-              <a:rPr lang="de-DE" dirty="0"/>
+              <a:rPr lang="de-DE" sz="1600" dirty="0"/>
               <a:t>Eine </a:t>
             </a:r>
             <a:r>
-              <a:rPr lang="de-DE" dirty="0" err="1"/>
+              <a:rPr lang="de-DE" sz="1600" dirty="0" err="1"/>
               <a:t>Red</a:t>
             </a:r>
             <a:r>
-              <a:rPr lang="de-DE" dirty="0"/>
+              <a:rPr lang="de-DE" sz="1600" dirty="0"/>
               <a:t> </a:t>
             </a:r>
             <a:r>
-              <a:rPr lang="de-DE" dirty="0" err="1"/>
+              <a:rPr lang="de-DE" sz="1600" dirty="0" err="1"/>
               <a:t>Flag</a:t>
             </a:r>
             <a:r>
-              <a:rPr lang="de-DE" dirty="0"/>
-              <a:t> ist eine Reihe von Umständen, die ungewöhnlich sind oder von der normalen Aktivität abweichen. Es ist ein Signal, dass etwas ungewöhnlich ist und möglicherweise weiter untersucht werden muss.</a:t>
+              <a:rPr lang="de-DE" sz="1600" dirty="0"/>
+              <a:t> ist eine Reihe von Umständen, die ungewöhnlich sind oder von der normalen Aktivität abweichen. Es ist </a:t>
+            </a:r>
+            <a:r>
+              <a:rPr lang="de-DE" sz="1600" b="1" dirty="0"/>
+              <a:t>ein Signal, dass etwas ungewöhnlich ist </a:t>
+            </a:r>
+            <a:r>
+              <a:rPr lang="de-DE" sz="1600" dirty="0"/>
+              <a:t>und möglicherweise weiter untersucht werden muss.</a:t>
             </a:r>
           </a:p>
           <a:p>
             <a:pPr lvl="1"/>
             <a:r>
-              <a:rPr lang="de-DE" dirty="0" err="1"/>
+              <a:rPr lang="de-DE" sz="1600" dirty="0" err="1"/>
               <a:t>Red</a:t>
             </a:r>
             <a:r>
-              <a:rPr lang="de-DE" dirty="0"/>
+              <a:rPr lang="de-DE" sz="1600" dirty="0"/>
               <a:t> Flags zeigen weder Schuld oder Unschuld an, sondern stellen lediglich mögliche Warnsignale für Betrug dar. </a:t>
             </a:r>
           </a:p>
           <a:p>
             <a:pPr lvl="1"/>
             <a:r>
-              <a:rPr lang="de-DE" b="1" dirty="0"/>
-              <a:t>Regeln</a:t>
-            </a:r>
-            <a:r>
-              <a:rPr lang="de-DE" dirty="0"/>
+              <a:rPr lang="de-DE" sz="1600" b="1" dirty="0"/>
+              <a:t>Die zwei Regeln</a:t>
+            </a:r>
+            <a:r>
+              <a:rPr lang="de-DE" sz="1600" dirty="0"/>
               <a:t>:</a:t>
             </a:r>
           </a:p>
           <a:p>
             <a:pPr lvl="6"/>
             <a:r>
-              <a:rPr lang="de-DE" dirty="0"/>
+              <a:rPr lang="de-DE" sz="1600" dirty="0"/>
               <a:t>„Do not </a:t>
             </a:r>
             <a:r>
-              <a:rPr lang="de-DE" dirty="0" err="1"/>
+              <a:rPr lang="de-DE" sz="1600" dirty="0" err="1"/>
               <a:t>ignore</a:t>
             </a:r>
             <a:r>
-              <a:rPr lang="de-DE" dirty="0"/>
+              <a:rPr lang="de-DE" sz="1600" dirty="0"/>
               <a:t> a </a:t>
             </a:r>
             <a:r>
-              <a:rPr lang="de-DE" dirty="0" err="1"/>
+              <a:rPr lang="de-DE" sz="1600" dirty="0" err="1"/>
               <a:t>red</a:t>
             </a:r>
             <a:r>
-              <a:rPr lang="de-DE" dirty="0"/>
+              <a:rPr lang="de-DE" sz="1600" dirty="0"/>
               <a:t> </a:t>
             </a:r>
             <a:r>
-              <a:rPr lang="de-DE" dirty="0" err="1"/>
+              <a:rPr lang="de-DE" sz="1600" dirty="0" err="1"/>
               <a:t>flag</a:t>
             </a:r>
             <a:r>
-              <a:rPr lang="de-DE" dirty="0"/>
+              <a:rPr lang="de-DE" sz="1600" dirty="0"/>
               <a:t>“</a:t>
             </a:r>
           </a:p>
           <a:p>
             <a:pPr lvl="6"/>
             <a:r>
-              <a:rPr lang="en-US" dirty="0"/>
+              <a:rPr lang="en-US" sz="1600" dirty="0"/>
               <a:t>“Sometimes an error is just an error”</a:t>
             </a:r>
           </a:p>
@@ -13428,7 +13688,7 @@
         <p:spPr>
           <a:xfrm>
             <a:off x="6275388" y="1703388"/>
-            <a:ext cx="5437187" cy="3850478"/>
+            <a:ext cx="5437187" cy="4627229"/>
           </a:xfrm>
         </p:spPr>
         <p:txBody>
@@ -13436,79 +13696,79 @@
           <a:lstStyle/>
           <a:p>
             <a:r>
-              <a:rPr lang="de-DE" dirty="0" err="1"/>
+              <a:rPr lang="de-DE" sz="1800" dirty="0" err="1"/>
               <a:t>Red</a:t>
             </a:r>
             <a:r>
-              <a:rPr lang="de-DE" dirty="0"/>
+              <a:rPr lang="de-DE" sz="1800" dirty="0"/>
               <a:t> Flags:</a:t>
             </a:r>
           </a:p>
           <a:p>
             <a:pPr lvl="4"/>
             <a:r>
-              <a:rPr lang="de-DE" dirty="0"/>
+              <a:rPr lang="de-DE" sz="1600" dirty="0"/>
               <a:t>Anzahl in einer Serie aufeinander folgender negativer Testresultaten darf nicht zu groß werden.</a:t>
             </a:r>
           </a:p>
           <a:p>
             <a:pPr lvl="4"/>
-            <a:endParaRPr lang="de-DE" dirty="0"/>
+            <a:endParaRPr lang="de-DE" sz="1600" dirty="0"/>
           </a:p>
           <a:p>
             <a:pPr lvl="5"/>
             <a:r>
-              <a:rPr lang="de-DE" dirty="0"/>
+              <a:rPr lang="de-DE" sz="1600" dirty="0"/>
               <a:t>[0,0,0,0,1,0,0,0,0,0,0,0]</a:t>
             </a:r>
           </a:p>
           <a:p>
             <a:pPr lvl="5"/>
             <a:r>
-              <a:rPr lang="de-DE" dirty="0"/>
+              <a:rPr lang="de-DE" sz="1600" dirty="0"/>
               <a:t>[    4       ,       7            ]</a:t>
             </a:r>
           </a:p>
           <a:p>
             <a:pPr lvl="4"/>
-            <a:endParaRPr lang="de-DE" dirty="0"/>
+            <a:endParaRPr lang="de-DE" sz="1600" dirty="0"/>
           </a:p>
           <a:p>
             <a:pPr lvl="4"/>
             <a:r>
-              <a:rPr lang="de-DE" dirty="0"/>
+              <a:rPr lang="de-DE" sz="1600" dirty="0"/>
               <a:t>Anzahl Serien aufeinander folgender negativer Testresultaten darf in einem Zeitintervall nicht zu klein werden.</a:t>
             </a:r>
           </a:p>
           <a:p>
             <a:pPr lvl="4"/>
-            <a:endParaRPr lang="de-DE" dirty="0"/>
+            <a:endParaRPr lang="de-DE" sz="1600" dirty="0"/>
           </a:p>
           <a:p>
             <a:pPr lvl="5"/>
             <a:r>
-              <a:rPr lang="de-DE" dirty="0"/>
+              <a:rPr lang="de-DE" sz="1600" dirty="0"/>
               <a:t>[0,0,0,0,1,0,0,0,0,0,0,0,1,0,0]</a:t>
             </a:r>
           </a:p>
           <a:p>
             <a:pPr lvl="5"/>
             <a:r>
-              <a:rPr lang="de-DE" dirty="0"/>
+              <a:rPr lang="de-DE" sz="1600" dirty="0"/>
               <a:t>[1            ,2                     ,3   ]</a:t>
             </a:r>
           </a:p>
           <a:p>
             <a:pPr lvl="4"/>
-            <a:endParaRPr lang="de-DE" dirty="0"/>
+            <a:endParaRPr lang="de-DE" sz="1600" dirty="0"/>
           </a:p>
           <a:p>
             <a:pPr lvl="4"/>
-            <a:endParaRPr lang="de-DE" dirty="0"/>
-          </a:p>
-          <a:p>
-            <a:r>
-              <a:rPr lang="de-DE" dirty="0"/>
+            <a:endParaRPr lang="de-DE" sz="1600" dirty="0"/>
+          </a:p>
+          <a:p>
+            <a:r>
+              <a:rPr lang="de-DE" sz="1800" dirty="0"/>
               <a:t> </a:t>
             </a:r>
           </a:p>
@@ -13537,7 +13797,7 @@
           <a:p>
             <a:fld id="{3FF77DFC-33DC-4457-974A-3F8ABA01093A}" type="datetime1">
               <a:rPr lang="de-DE" noProof="0" smtClean="0"/>
-              <a:t>02.11.2022</a:t>
+              <a:t>03.11.2022</a:t>
             </a:fld>
             <a:endParaRPr lang="de-DE" noProof="0" dirty="0"/>
           </a:p>
@@ -13732,7 +13992,7 @@
         <p:spPr>
           <a:xfrm>
             <a:off x="463427" y="1703388"/>
-            <a:ext cx="5437188" cy="2943050"/>
+            <a:ext cx="5437188" cy="3616246"/>
           </a:xfrm>
         </p:spPr>
         <p:txBody>
@@ -13741,70 +14001,70 @@
           <a:p>
             <a:pPr lvl="3"/>
             <a:r>
-              <a:rPr lang="de-DE" dirty="0"/>
+              <a:rPr lang="de-DE" sz="1800" dirty="0"/>
               <a:t>Was zeichnet Betrug aus?</a:t>
             </a:r>
           </a:p>
           <a:p>
             <a:pPr lvl="4"/>
             <a:r>
-              <a:rPr lang="de-DE" dirty="0"/>
+              <a:rPr lang="de-DE" sz="1800" dirty="0"/>
               <a:t>Problemstellung</a:t>
             </a:r>
           </a:p>
           <a:p>
             <a:pPr lvl="4"/>
             <a:r>
-              <a:rPr lang="de-DE" dirty="0"/>
+              <a:rPr lang="de-DE" sz="1800" dirty="0"/>
               <a:t>Generelles Vorgehen</a:t>
             </a:r>
           </a:p>
           <a:p>
             <a:pPr lvl="3"/>
             <a:r>
-              <a:rPr lang="de-DE" dirty="0"/>
+              <a:rPr lang="de-DE" sz="1800" dirty="0"/>
               <a:t>Beispiel</a:t>
             </a:r>
           </a:p>
           <a:p>
             <a:pPr lvl="3"/>
             <a:r>
-              <a:rPr lang="de-DE" dirty="0"/>
+              <a:rPr lang="de-DE" sz="1800" dirty="0"/>
               <a:t>Wie erkennt man Betrug?</a:t>
             </a:r>
           </a:p>
           <a:p>
             <a:pPr lvl="4"/>
             <a:r>
-              <a:rPr lang="de-DE" dirty="0"/>
+              <a:rPr lang="de-DE" sz="1800" dirty="0"/>
               <a:t>Fraud </a:t>
             </a:r>
             <a:r>
-              <a:rPr lang="de-DE" dirty="0" err="1"/>
+              <a:rPr lang="de-DE" sz="1800" dirty="0" err="1"/>
               <a:t>Detection</a:t>
             </a:r>
-            <a:endParaRPr lang="de-DE" dirty="0"/>
+            <a:endParaRPr lang="de-DE" sz="1800" dirty="0"/>
           </a:p>
           <a:p>
             <a:pPr lvl="4"/>
             <a:r>
-              <a:rPr lang="de-DE" dirty="0"/>
+              <a:rPr lang="de-DE" sz="1800" dirty="0"/>
               <a:t>Fraud </a:t>
             </a:r>
             <a:r>
-              <a:rPr lang="de-DE" dirty="0" err="1"/>
+              <a:rPr lang="de-DE" sz="1800" dirty="0" err="1"/>
               <a:t>Prediction</a:t>
             </a:r>
-            <a:endParaRPr lang="de-DE" dirty="0"/>
-          </a:p>
-          <a:p>
-            <a:endParaRPr lang="en-US" dirty="0"/>
-          </a:p>
-          <a:p>
-            <a:endParaRPr lang="en-US" dirty="0"/>
-          </a:p>
-          <a:p>
-            <a:endParaRPr lang="en-US" dirty="0"/>
+            <a:endParaRPr lang="de-DE" sz="1800" dirty="0"/>
+          </a:p>
+          <a:p>
+            <a:endParaRPr lang="en-US" sz="2000" dirty="0"/>
+          </a:p>
+          <a:p>
+            <a:endParaRPr lang="en-US" sz="2000" dirty="0"/>
+          </a:p>
+          <a:p>
+            <a:endParaRPr lang="en-US" sz="2000" dirty="0"/>
           </a:p>
         </p:txBody>
       </p:sp>
@@ -13967,8 +14227,14 @@
           <a:lstStyle/>
           <a:p>
             <a:r>
+              <a:rPr lang="en-US" sz="1200" dirty="0">
+                <a:hlinkClick r:id="rId4"/>
+              </a:rPr>
+              <a:t>https://fraud-detection-handbook.github.io/fraud-detection-handbook/Chapter_2_Background/CreditCardFraud.html</a:t>
+            </a:r>
+            <a:r>
               <a:rPr lang="en-US" sz="1200" dirty="0"/>
-              <a:t>https://fraud-detection-handbook.github.io/fraud-detection-handbook/Chapter_2_Background/CreditCardFraud.html</a:t>
+              <a:t> </a:t>
             </a:r>
           </a:p>
         </p:txBody>
@@ -13988,7 +14254,7 @@
         <p:spPr>
           <a:xfrm>
             <a:off x="463427" y="3846146"/>
-            <a:ext cx="5263211" cy="984885"/>
+            <a:ext cx="6235953" cy="2062103"/>
           </a:xfrm>
           <a:prstGeom prst="rect">
             <a:avLst/>
@@ -14002,28 +14268,61 @@
           <a:lstStyle/>
           <a:p>
             <a:r>
-              <a:rPr lang="de-DE" sz="1600" dirty="0">
+              <a:rPr lang="de-DE" sz="2000" dirty="0">
                 <a:latin typeface="+mj-lt"/>
               </a:rPr>
               <a:t>Fakten</a:t>
             </a:r>
           </a:p>
           <a:p>
-            <a:r>
-              <a:rPr lang="de-DE" sz="1400" dirty="0"/>
-              <a:t>Durch Betrug verlieren durchschnittliche Firmen 5% ihres Ertrags.</a:t>
-            </a:r>
-          </a:p>
-          <a:p>
-            <a:r>
-              <a:rPr lang="de-DE" sz="1400" dirty="0"/>
-              <a:t>0.5% aller Kreditkartentransaktionen gelten als betrügerisch.</a:t>
-            </a:r>
-          </a:p>
-          <a:p>
-            <a:r>
-              <a:rPr lang="de-DE" sz="1400" dirty="0"/>
-              <a:t>Die US kostet Versicherungsbetrug 40 Mrd. $ pro Jahr</a:t>
+            <a:pPr marL="285750" indent="-285750">
+              <a:buFont typeface="Wingdings" panose="05000000000000000000" pitchFamily="2" charset="2"/>
+              <a:buChar char="§"/>
+            </a:pPr>
+            <a:r>
+              <a:rPr lang="de-DE" dirty="0"/>
+              <a:t>Durch Betrug verlieren durchschnittliche Firmen </a:t>
+            </a:r>
+            <a:br>
+              <a:rPr lang="de-DE" dirty="0"/>
+            </a:br>
+            <a:r>
+              <a:rPr lang="de-DE" dirty="0"/>
+              <a:t>5% ihres Ertrags.</a:t>
+            </a:r>
+          </a:p>
+          <a:p>
+            <a:pPr marL="285750" indent="-285750">
+              <a:buFont typeface="Wingdings" panose="05000000000000000000" pitchFamily="2" charset="2"/>
+              <a:buChar char="§"/>
+            </a:pPr>
+            <a:r>
+              <a:rPr lang="de-DE" dirty="0"/>
+              <a:t>0.5% aller Kreditkartentransaktionen </a:t>
+            </a:r>
+            <a:br>
+              <a:rPr lang="de-DE" dirty="0"/>
+            </a:br>
+            <a:r>
+              <a:rPr lang="de-DE" dirty="0"/>
+              <a:t>gelten als betrügerisch.</a:t>
+            </a:r>
+          </a:p>
+          <a:p>
+            <a:pPr marL="285750" indent="-285750">
+              <a:buFont typeface="Wingdings" panose="05000000000000000000" pitchFamily="2" charset="2"/>
+              <a:buChar char="§"/>
+            </a:pPr>
+            <a:r>
+              <a:rPr lang="de-DE" dirty="0"/>
+              <a:t>Die US kostet Versicherungsbetrug </a:t>
+            </a:r>
+            <a:br>
+              <a:rPr lang="de-DE" dirty="0"/>
+            </a:br>
+            <a:r>
+              <a:rPr lang="de-DE" dirty="0"/>
+              <a:t>40 Mrd. $ pro Jahr</a:t>
             </a:r>
           </a:p>
         </p:txBody>
@@ -14175,7 +14474,7 @@
           <a:p>
             <a:fld id="{3FF77DFC-33DC-4457-974A-3F8ABA01093A}" type="datetime1">
               <a:rPr lang="de-DE" noProof="0" smtClean="0"/>
-              <a:t>02.11.2022</a:t>
+              <a:t>03.11.2022</a:t>
             </a:fld>
             <a:endParaRPr lang="de-DE" noProof="0" dirty="0"/>
           </a:p>
@@ -14535,7 +14834,7 @@
         <p:spPr>
           <a:xfrm>
             <a:off x="478199" y="1703388"/>
-            <a:ext cx="5437188" cy="3527504"/>
+            <a:ext cx="5437188" cy="3897990"/>
           </a:xfrm>
         </p:spPr>
         <p:txBody>
@@ -14543,68 +14842,110 @@
           <a:lstStyle/>
           <a:p>
             <a:r>
-              <a:rPr lang="de-DE" dirty="0"/>
+              <a:rPr lang="de-DE" sz="1800" dirty="0">
+                <a:latin typeface="+mn-lt"/>
+              </a:rPr>
               <a:t>Das Ziel des </a:t>
             </a:r>
             <a:r>
-              <a:rPr lang="de-DE" dirty="0" err="1"/>
+              <a:rPr lang="de-DE" sz="1800" dirty="0" err="1">
+                <a:latin typeface="+mn-lt"/>
+              </a:rPr>
               <a:t>Clusterings</a:t>
             </a:r>
             <a:r>
-              <a:rPr lang="de-DE" dirty="0"/>
-              <a:t> ist es, Beobachtungen in Segmente aufzuteilen, so dass die Homogenität innerhalb des Segments maximiert (kohäsiv) und die Heterogenität zwischen den Segmenten maximiert (Kopplung) wird.</a:t>
+              <a:rPr lang="de-DE" sz="1800" dirty="0">
+                <a:latin typeface="+mn-lt"/>
+              </a:rPr>
+              <a:t> ist es, </a:t>
+            </a:r>
+            <a:r>
+              <a:rPr lang="de-DE" sz="1800" b="1" dirty="0">
+                <a:latin typeface="+mn-lt"/>
+              </a:rPr>
+              <a:t>Beobachtungen in Segmente aufzuteilen</a:t>
+            </a:r>
+            <a:r>
+              <a:rPr lang="de-DE" sz="1800" dirty="0">
+                <a:latin typeface="+mn-lt"/>
+              </a:rPr>
+              <a:t>, so dass die </a:t>
+            </a:r>
+            <a:r>
+              <a:rPr lang="de-DE" sz="1800" b="1" dirty="0">
+                <a:latin typeface="+mn-lt"/>
+              </a:rPr>
+              <a:t>Homogenität innerhalb des Segments maximiert</a:t>
+            </a:r>
+            <a:r>
+              <a:rPr lang="de-DE" sz="1800" dirty="0">
+                <a:latin typeface="+mn-lt"/>
+              </a:rPr>
+              <a:t> (kohäsiv) und die </a:t>
+            </a:r>
+            <a:r>
+              <a:rPr lang="de-DE" sz="1800" b="1" dirty="0">
+                <a:latin typeface="+mn-lt"/>
+              </a:rPr>
+              <a:t>Heterogenität zwischen den Segmenten maximiert</a:t>
+            </a:r>
+            <a:r>
+              <a:rPr lang="de-DE" sz="1800" dirty="0">
+                <a:latin typeface="+mn-lt"/>
+              </a:rPr>
+              <a:t> (Kopplung) wird.</a:t>
             </a:r>
           </a:p>
           <a:p>
             <a:pPr lvl="1"/>
             <a:r>
-              <a:rPr lang="de-DE" dirty="0"/>
+              <a:rPr lang="de-DE" sz="1600" dirty="0"/>
               <a:t>Ein mögliches Ziel des </a:t>
             </a:r>
             <a:r>
-              <a:rPr lang="de-DE" dirty="0" err="1"/>
+              <a:rPr lang="de-DE" sz="1600" dirty="0" err="1"/>
               <a:t>Clusterings</a:t>
             </a:r>
             <a:r>
-              <a:rPr lang="de-DE" dirty="0"/>
+              <a:rPr lang="de-DE" sz="1600" dirty="0"/>
               <a:t> in der Betrugserkennung ist es, Anomalien in kleine, spärliche Cluster zu gruppieren.</a:t>
             </a:r>
           </a:p>
           <a:p>
             <a:r>
-              <a:rPr lang="de-DE" dirty="0"/>
+              <a:rPr lang="de-DE" sz="1800" dirty="0"/>
               <a:t>Typische Verfahren:</a:t>
             </a:r>
           </a:p>
           <a:p>
             <a:pPr lvl="3"/>
             <a:r>
-              <a:rPr lang="de-DE" dirty="0"/>
+              <a:rPr lang="de-DE" sz="1600" dirty="0"/>
               <a:t>K-</a:t>
             </a:r>
             <a:r>
-              <a:rPr lang="de-DE" dirty="0" err="1"/>
+              <a:rPr lang="de-DE" sz="1600" dirty="0" err="1"/>
               <a:t>Means</a:t>
             </a:r>
             <a:r>
-              <a:rPr lang="de-DE" dirty="0"/>
+              <a:rPr lang="de-DE" sz="1600" dirty="0"/>
               <a:t> Clustering</a:t>
             </a:r>
           </a:p>
           <a:p>
             <a:pPr lvl="3"/>
             <a:r>
-              <a:rPr lang="de-DE" dirty="0"/>
+              <a:rPr lang="de-DE" sz="1600" dirty="0"/>
               <a:t>Hierarchisches Clustering</a:t>
             </a:r>
           </a:p>
           <a:p>
             <a:pPr lvl="3"/>
             <a:r>
-              <a:rPr lang="de-DE" dirty="0"/>
+              <a:rPr lang="de-DE" sz="1600" dirty="0"/>
               <a:t>DBSCAN</a:t>
             </a:r>
-            <a:endParaRPr lang="en-US" dirty="0"/>
+            <a:endParaRPr lang="en-US" sz="1600" dirty="0"/>
           </a:p>
         </p:txBody>
       </p:sp>
@@ -14631,7 +14972,7 @@
           <a:p>
             <a:fld id="{3FF77DFC-33DC-4457-974A-3F8ABA01093A}" type="datetime1">
               <a:rPr lang="de-DE" noProof="0" smtClean="0"/>
-              <a:t>02.11.2022</a:t>
+              <a:t>03.11.2022</a:t>
             </a:fld>
             <a:endParaRPr lang="de-DE" noProof="0" dirty="0"/>
           </a:p>
@@ -14973,7 +15314,7 @@
         <p:spPr>
           <a:xfrm>
             <a:off x="478197" y="1694819"/>
-            <a:ext cx="5694003" cy="3940438"/>
+            <a:ext cx="5694003" cy="4310924"/>
           </a:xfrm>
         </p:spPr>
         <p:txBody>
@@ -14981,73 +15322,79 @@
           <a:lstStyle/>
           <a:p>
             <a:r>
-              <a:rPr lang="de-DE" dirty="0"/>
+              <a:rPr lang="de-DE" sz="1800" dirty="0">
+                <a:latin typeface="+mn-lt"/>
+              </a:rPr>
               <a:t>Das </a:t>
             </a:r>
             <a:r>
-              <a:rPr lang="de-DE" dirty="0" err="1"/>
+              <a:rPr lang="de-DE" sz="1800" dirty="0" err="1">
+                <a:latin typeface="+mn-lt"/>
+              </a:rPr>
               <a:t>Benfordsche</a:t>
             </a:r>
             <a:r>
-              <a:rPr lang="de-DE" dirty="0"/>
-              <a:t> Gesetz beschreibt die Häufigkeitsverteilung der ersten Ziffer in Grundgesamtheiten mit logarithmischen Normalverteilungen</a:t>
+              <a:rPr lang="de-DE" sz="1800" dirty="0">
+                <a:latin typeface="+mn-lt"/>
+              </a:rPr>
+              <a:t> Gesetz beschreibt die Häufigkeits-verteilung der ersten Ziffer in Grundgesamtheiten mit logarithmischen Normalverteilungen</a:t>
             </a:r>
           </a:p>
           <a:p>
             <a:pPr lvl="1"/>
             <a:r>
-              <a:rPr lang="de-DE" dirty="0"/>
+              <a:rPr lang="de-DE" sz="1600" dirty="0"/>
               <a:t>Logarithmische Normalverteilungen treten typischerweise in mechanischen, medizinischen oder ökonomischen  Systemen mit exponentiellem Wachstums auf.
 </a:t>
             </a:r>
             <a:r>
-              <a:rPr lang="de-DE" b="1" dirty="0"/>
+              <a:rPr lang="de-DE" sz="1600" b="1" dirty="0"/>
               <a:t> </a:t>
             </a:r>
             <a:r>
-              <a:rPr lang="de-DE" b="1" dirty="0" err="1"/>
+              <a:rPr lang="de-DE" sz="1600" b="1" dirty="0" err="1"/>
               <a:t>Benfordsche</a:t>
             </a:r>
             <a:r>
-              <a:rPr lang="de-DE" b="1" dirty="0"/>
+              <a:rPr lang="de-DE" sz="1600" b="1" dirty="0"/>
               <a:t> Gesetz:</a:t>
             </a:r>
           </a:p>
           <a:p>
             <a:pPr lvl="1"/>
             <a:r>
-              <a:rPr lang="de-DE" dirty="0"/>
+              <a:rPr lang="de-DE" sz="1600" dirty="0"/>
               <a:t>Je niedriger der zahlenmäßige Wert einer Ziffernsequenz an einer bestimmten Stelle einer Zahl ist, desto wahrscheinlicher ist ihr Auftreten.</a:t>
             </a:r>
           </a:p>
           <a:p>
             <a:pPr lvl="1"/>
             <a:r>
-              <a:rPr lang="de-DE" dirty="0"/>
+              <a:rPr lang="de-DE" sz="1600" dirty="0"/>
               <a:t>Weichen die Ziffernverteilungen von z.B. Bilanzen von der </a:t>
             </a:r>
             <a:r>
-              <a:rPr lang="de-DE" dirty="0" err="1"/>
+              <a:rPr lang="de-DE" sz="1600" dirty="0" err="1"/>
               <a:t>Benford</a:t>
             </a:r>
             <a:r>
-              <a:rPr lang="de-DE" dirty="0"/>
+              <a:rPr lang="de-DE" sz="1600" dirty="0"/>
               <a:t>-Verteilung ab, kann dies als </a:t>
             </a:r>
             <a:r>
-              <a:rPr lang="de-DE" dirty="0" err="1"/>
+              <a:rPr lang="de-DE" sz="1600" dirty="0" err="1"/>
               <a:t>Red</a:t>
             </a:r>
             <a:r>
-              <a:rPr lang="de-DE" dirty="0"/>
+              <a:rPr lang="de-DE" sz="1600" dirty="0"/>
               <a:t> </a:t>
             </a:r>
             <a:r>
-              <a:rPr lang="de-DE" dirty="0" err="1"/>
+              <a:rPr lang="de-DE" sz="1600" dirty="0" err="1"/>
               <a:t>Flag</a:t>
             </a:r>
             <a:r>
-              <a:rPr lang="de-DE" dirty="0"/>
+              <a:rPr lang="de-DE" sz="1600" dirty="0"/>
               <a:t> definiert werden.</a:t>
             </a:r>
           </a:p>
@@ -15220,7 +15567,7 @@
           <a:p>
             <a:fld id="{3FF77DFC-33DC-4457-974A-3F8ABA01093A}" type="datetime1">
               <a:rPr lang="de-DE" noProof="0" smtClean="0"/>
-              <a:t>02.11.2022</a:t>
+              <a:t>03.11.2022</a:t>
             </a:fld>
             <a:endParaRPr lang="de-DE" noProof="0" dirty="0"/>
           </a:p>
@@ -15284,7 +15631,7 @@
           <a:graphicData uri="http://schemas.openxmlformats.org/presentationml/2006/ole">
             <mc:AlternateContent xmlns:mc="http://schemas.openxmlformats.org/markup-compatibility/2006">
               <mc:Choice xmlns:v="urn:schemas-microsoft-com:vml" Requires="v">
-                <p:oleObj spid="_x0000_s26643" name="Equation" r:id="rId3" imgW="1206360" imgH="393480" progId="Equation.DSMT4">
+                <p:oleObj spid="_x0000_s26667" name="Equation" r:id="rId3" imgW="1206360" imgH="393480" progId="Equation.DSMT4">
                   <p:embed/>
                 </p:oleObj>
               </mc:Choice>
@@ -15476,8 +15823,8 @@
         </p:nvSpPr>
         <p:spPr>
           <a:xfrm>
-            <a:off x="478199" y="1703388"/>
-            <a:ext cx="5437188" cy="4062522"/>
+            <a:off x="479425" y="1560759"/>
+            <a:ext cx="6761130" cy="4568366"/>
           </a:xfrm>
         </p:spPr>
         <p:txBody>
@@ -15485,53 +15832,61 @@
           <a:lstStyle/>
           <a:p>
             <a:r>
-              <a:rPr lang="de-DE" dirty="0"/>
+              <a:rPr lang="de-DE" sz="1800" dirty="0"/>
               <a:t>Deskriptive Analytik</a:t>
             </a:r>
           </a:p>
           <a:p>
             <a:pPr lvl="1"/>
             <a:r>
-              <a:rPr lang="de-DE" dirty="0"/>
-              <a:t>Findet anormale Verhaltensweisen in Beobachtungen , die vom normalen Verhalten der Grundgesamtheit abweichen.</a:t>
+              <a:rPr lang="de-DE" sz="1600" dirty="0"/>
+              <a:t>Findet </a:t>
+            </a:r>
+            <a:r>
+              <a:rPr lang="de-DE" sz="1600" b="1" dirty="0"/>
+              <a:t>anormale Verhaltensweisen </a:t>
+            </a:r>
+            <a:r>
+              <a:rPr lang="de-DE" sz="1600" dirty="0"/>
+              <a:t>in Beobachtungen , die vom normalen Verhalten der Grundgesamtheit abweichen.</a:t>
             </a:r>
           </a:p>
           <a:p>
             <a:pPr lvl="3"/>
             <a:r>
-              <a:rPr lang="de-DE" dirty="0"/>
+              <a:rPr lang="de-DE" sz="1600" dirty="0"/>
               <a:t>Erkennt bislang unbekannte Verdachtsmomente</a:t>
             </a:r>
           </a:p>
           <a:p>
             <a:pPr lvl="3"/>
             <a:r>
-              <a:rPr lang="de-DE" dirty="0"/>
+              <a:rPr lang="de-DE" sz="1600" dirty="0"/>
               <a:t>Anfällig für Täuschung</a:t>
             </a:r>
           </a:p>
           <a:p>
             <a:pPr lvl="3"/>
-            <a:endParaRPr lang="de-DE" dirty="0"/>
+            <a:endParaRPr lang="de-DE" sz="1600" dirty="0"/>
           </a:p>
           <a:p>
             <a:pPr marL="0" lvl="3" indent="0">
               <a:buNone/>
             </a:pPr>
             <a:r>
-              <a:rPr lang="de-DE" b="1" dirty="0" err="1"/>
+              <a:rPr lang="de-DE" sz="1600" b="1" dirty="0" err="1"/>
               <a:t>Anomalieerkennung</a:t>
             </a:r>
             <a:r>
-              <a:rPr lang="de-DE" dirty="0"/>
+              <a:rPr lang="de-DE" sz="1600" dirty="0"/>
               <a:t>:</a:t>
             </a:r>
           </a:p>
           <a:p>
             <a:pPr lvl="3"/>
             <a:r>
-              <a:rPr lang="de-DE" u="sng" dirty="0"/>
-              <a:t>Erkennung von statistischen Ausreißern</a:t>
+              <a:rPr lang="de-DE" sz="1600" u="sng" dirty="0"/>
+              <a:t>Erkennung von statistischen Ausreißern (diskret)</a:t>
             </a:r>
           </a:p>
           <a:p>
@@ -15539,15 +15894,23 @@
               <a:buNone/>
             </a:pPr>
             <a:r>
-              <a:rPr lang="de-DE" dirty="0"/>
-              <a:t>Eine „außen liegende“ Beobachtung oder Ausreißer ist eine, die deutlich von anderen Mitgliedern der Stichprobe abzuweichen scheint, in der sie auftritt.</a:t>
+              <a:rPr lang="de-DE" sz="1600" dirty="0"/>
+              <a:t>Eine „außen liegende“ Beobachtung oder Ausreißer ist eine, die deutlich </a:t>
+            </a:r>
+            <a:r>
+              <a:rPr lang="de-DE" sz="1600" b="1" dirty="0"/>
+              <a:t>von anderen Mitgliedern der Stichprobe abzuweichen </a:t>
+            </a:r>
+            <a:r>
+              <a:rPr lang="de-DE" sz="1600" dirty="0"/>
+              <a:t>scheint, in der sie auftritt.</a:t>
             </a:r>
           </a:p>
           <a:p>
             <a:pPr lvl="3"/>
             <a:r>
-              <a:rPr lang="de-DE" u="sng" dirty="0"/>
-              <a:t>Erkennung von Strukturbrüchen</a:t>
+              <a:rPr lang="de-DE" sz="1600" u="sng" dirty="0"/>
+              <a:t>Erkennung von Strukturbrüchen (kontinuierlich)</a:t>
             </a:r>
           </a:p>
           <a:p>
@@ -15555,8 +15918,16 @@
               <a:buNone/>
             </a:pPr>
             <a:r>
-              <a:rPr lang="de-DE" dirty="0"/>
-              <a:t>Strukturbrüche in Zeitreihen sind dadurch gekennzeichnet, dass sich das stationäre Verhalten über die Zeit durch eine Veränderung der Varianz oder des Mittelwertes ändert.</a:t>
+              <a:rPr lang="de-DE" sz="1600" dirty="0"/>
+              <a:t>Strukturbrüche in Zeitreihen sind dadurch gekennzeichnet, dass sich das stationäre Verhalten über die Zeit durch eine </a:t>
+            </a:r>
+            <a:r>
+              <a:rPr lang="de-DE" sz="1600" b="1" dirty="0"/>
+              <a:t>Veränderung der Varianz oder des Mittelwertes</a:t>
+            </a:r>
+            <a:r>
+              <a:rPr lang="de-DE" sz="1600" dirty="0"/>
+              <a:t> darstellt.</a:t>
             </a:r>
           </a:p>
         </p:txBody>
@@ -15579,8 +15950,8 @@
         </p:nvSpPr>
         <p:spPr>
           <a:xfrm>
-            <a:off x="6275388" y="1703388"/>
-            <a:ext cx="5437187" cy="3134833"/>
+            <a:off x="7623110" y="1560759"/>
+            <a:ext cx="4089465" cy="3541098"/>
           </a:xfrm>
         </p:spPr>
         <p:txBody>
@@ -15591,25 +15962,25 @@
               <a:buNone/>
             </a:pPr>
             <a:r>
-              <a:rPr lang="en-US" sz="1600" dirty="0" err="1">
+              <a:rPr lang="en-US" sz="1800" dirty="0" err="1">
                 <a:latin typeface="+mj-lt"/>
               </a:rPr>
               <a:t>Vorgestellte</a:t>
             </a:r>
             <a:r>
-              <a:rPr lang="en-US" sz="1600" dirty="0">
+              <a:rPr lang="en-US" sz="1800" dirty="0">
                 <a:latin typeface="+mj-lt"/>
               </a:rPr>
               <a:t> </a:t>
             </a:r>
             <a:r>
-              <a:rPr lang="en-US" sz="1600" dirty="0" err="1">
+              <a:rPr lang="en-US" sz="1800" dirty="0" err="1">
                 <a:latin typeface="+mj-lt"/>
               </a:rPr>
               <a:t>Methoden</a:t>
             </a:r>
             <a:r>
-              <a:rPr lang="en-US" sz="1600" dirty="0">
+              <a:rPr lang="en-US" sz="1800" dirty="0">
                 <a:latin typeface="+mj-lt"/>
               </a:rPr>
               <a:t>:</a:t>
@@ -15619,7 +15990,7 @@
             <a:pPr marL="0" lvl="3" indent="0">
               <a:buNone/>
             </a:pPr>
-            <a:endParaRPr lang="en-US" sz="1600" dirty="0">
+            <a:endParaRPr lang="en-US" sz="1800" dirty="0">
               <a:latin typeface="+mj-lt"/>
             </a:endParaRPr>
           </a:p>
@@ -15629,7 +16000,7 @@
               <a:buAutoNum type="arabicPeriod"/>
             </a:pPr>
             <a:r>
-              <a:rPr lang="en-US" dirty="0"/>
+              <a:rPr lang="en-US" sz="1600" dirty="0"/>
               <a:t>Z-Score</a:t>
             </a:r>
           </a:p>
@@ -15639,11 +16010,11 @@
               <a:buAutoNum type="arabicPeriod"/>
             </a:pPr>
             <a:r>
-              <a:rPr lang="en-US" dirty="0" err="1"/>
+              <a:rPr lang="en-US" sz="1600" dirty="0" err="1"/>
               <a:t>Statistische</a:t>
             </a:r>
             <a:r>
-              <a:rPr lang="en-US" dirty="0"/>
+              <a:rPr lang="en-US" sz="1600" dirty="0"/>
               <a:t> Tests</a:t>
             </a:r>
           </a:p>
@@ -15653,11 +16024,11 @@
               <a:buAutoNum type="arabicPeriod"/>
             </a:pPr>
             <a:r>
-              <a:rPr lang="de-DE" dirty="0" err="1"/>
+              <a:rPr lang="de-DE" sz="1600" dirty="0" err="1"/>
               <a:t>Binomial</a:t>
             </a:r>
             <a:r>
-              <a:rPr lang="de-DE" dirty="0"/>
+              <a:rPr lang="de-DE" sz="1600" dirty="0"/>
               <a:t> Proportion Tests</a:t>
             </a:r>
           </a:p>
@@ -15667,10 +16038,10 @@
               <a:buAutoNum type="arabicPeriod"/>
             </a:pPr>
             <a:r>
-              <a:rPr lang="en-US" dirty="0" err="1"/>
+              <a:rPr lang="en-US" sz="1600" dirty="0" err="1"/>
               <a:t>Strukturbruch-Analysen</a:t>
             </a:r>
-            <a:endParaRPr lang="en-US" dirty="0"/>
+            <a:endParaRPr lang="en-US" sz="1600" dirty="0"/>
           </a:p>
           <a:p>
             <a:pPr marL="342900" lvl="3" indent="-342900">
@@ -15678,7 +16049,7 @@
               <a:buAutoNum type="arabicPeriod"/>
             </a:pPr>
             <a:r>
-              <a:rPr lang="en-US" dirty="0"/>
+              <a:rPr lang="en-US" sz="1600" dirty="0"/>
               <a:t>Red Flags</a:t>
             </a:r>
           </a:p>
@@ -15687,26 +16058,26 @@
               <a:buFont typeface="+mj-lt"/>
               <a:buAutoNum type="arabicPeriod"/>
             </a:pPr>
-            <a:endParaRPr lang="en-US" dirty="0"/>
+            <a:endParaRPr lang="en-US" sz="1600" dirty="0"/>
           </a:p>
           <a:p>
             <a:pPr marL="0" lvl="3" indent="0">
               <a:buNone/>
             </a:pPr>
             <a:r>
-              <a:rPr lang="en-US" b="1" dirty="0" err="1"/>
+              <a:rPr lang="en-US" sz="1600" b="1" dirty="0" err="1"/>
               <a:t>Weitere</a:t>
             </a:r>
             <a:r>
-              <a:rPr lang="en-US" b="1" dirty="0"/>
+              <a:rPr lang="en-US" sz="1600" b="1" dirty="0"/>
               <a:t> </a:t>
             </a:r>
             <a:r>
-              <a:rPr lang="en-US" b="1" dirty="0" err="1"/>
+              <a:rPr lang="en-US" sz="1600" b="1" dirty="0" err="1"/>
               <a:t>Methoden</a:t>
             </a:r>
             <a:r>
-              <a:rPr lang="en-US" b="1" dirty="0"/>
+              <a:rPr lang="en-US" sz="1600" b="1" dirty="0"/>
               <a:t>:</a:t>
             </a:r>
           </a:p>
@@ -15714,7 +16085,7 @@
             <a:pPr marL="0" lvl="3" indent="0">
               <a:buNone/>
             </a:pPr>
-            <a:endParaRPr lang="en-US" b="1" dirty="0"/>
+            <a:endParaRPr lang="en-US" sz="1600" b="1" dirty="0"/>
           </a:p>
           <a:p>
             <a:pPr marL="342900" lvl="3" indent="-342900">
@@ -15722,14 +16093,14 @@
               <a:buAutoNum type="arabicPeriod"/>
             </a:pPr>
             <a:r>
-              <a:rPr lang="en-US" dirty="0"/>
+              <a:rPr lang="en-US" sz="1600" dirty="0"/>
               <a:t>Cluster-</a:t>
             </a:r>
             <a:r>
-              <a:rPr lang="en-US" dirty="0" err="1"/>
+              <a:rPr lang="en-US" sz="1600" dirty="0" err="1"/>
               <a:t>Analysen</a:t>
             </a:r>
-            <a:endParaRPr lang="en-US" dirty="0"/>
+            <a:endParaRPr lang="en-US" sz="1600" dirty="0"/>
           </a:p>
           <a:p>
             <a:pPr marL="342900" lvl="3" indent="-342900">
@@ -15737,11 +16108,11 @@
               <a:buAutoNum type="arabicPeriod"/>
             </a:pPr>
             <a:r>
-              <a:rPr lang="en-US" dirty="0" err="1"/>
+              <a:rPr lang="en-US" sz="1600" dirty="0" err="1"/>
               <a:t>Benfords</a:t>
             </a:r>
             <a:r>
-              <a:rPr lang="en-US" dirty="0"/>
+              <a:rPr lang="en-US" sz="1600" dirty="0"/>
               <a:t> Law</a:t>
             </a:r>
           </a:p>
@@ -15749,7 +16120,7 @@
             <a:pPr marL="0" lvl="3" indent="0">
               <a:buNone/>
             </a:pPr>
-            <a:endParaRPr lang="en-US" b="1" dirty="0"/>
+            <a:endParaRPr lang="en-US" sz="1600" b="1" dirty="0"/>
           </a:p>
         </p:txBody>
       </p:sp>
@@ -15776,7 +16147,7 @@
           <a:p>
             <a:fld id="{4BDB264A-4676-45A5-B387-60439B46227D}" type="datetime1">
               <a:rPr lang="de-DE" noProof="0" smtClean="0"/>
-              <a:t>02.11.2022</a:t>
+              <a:t>03.11.2022</a:t>
             </a:fld>
             <a:endParaRPr lang="de-DE" noProof="0" dirty="0"/>
           </a:p>
@@ -15815,7 +16186,7 @@
     </p:spTree>
     <p:extLst>
       <p:ext uri="{BB962C8B-B14F-4D97-AF65-F5344CB8AC3E}">
-        <p14:creationId xmlns:p14="http://schemas.microsoft.com/office/powerpoint/2010/main" val="197900804"/>
+        <p14:creationId xmlns:p14="http://schemas.microsoft.com/office/powerpoint/2010/main" val="4205960722"/>
       </p:ext>
     </p:extLst>
   </p:cSld>
@@ -15935,7 +16306,7 @@
         <p:spPr>
           <a:xfrm>
             <a:off x="478199" y="1703388"/>
-            <a:ext cx="5437188" cy="2877583"/>
+            <a:ext cx="5437188" cy="3214213"/>
           </a:xfrm>
         </p:spPr>
         <p:txBody>
@@ -15943,35 +16314,35 @@
           <a:lstStyle/>
           <a:p>
             <a:r>
-              <a:rPr lang="de-DE" dirty="0"/>
+              <a:rPr lang="de-DE" sz="1800" dirty="0"/>
               <a:t>Prädiktive Analytik</a:t>
             </a:r>
           </a:p>
           <a:p>
             <a:pPr lvl="1"/>
             <a:r>
-              <a:rPr lang="de-DE" dirty="0"/>
+              <a:rPr lang="de-DE" sz="1600" dirty="0"/>
               <a:t>Lernt aus den Beobachtungen historischer Betrugsmuster prädiktive Modelle, um zwischen normalen und betrügerischen Verhaltensweisen zu unterscheiden.</a:t>
             </a:r>
           </a:p>
           <a:p>
             <a:pPr lvl="3"/>
             <a:r>
-              <a:rPr lang="de-DE" dirty="0"/>
+              <a:rPr lang="de-DE" sz="1600" dirty="0"/>
               <a:t>Benötigt historische Beispiele</a:t>
             </a:r>
           </a:p>
           <a:p>
             <a:pPr lvl="3"/>
             <a:r>
-              <a:rPr lang="de-DE" dirty="0"/>
+              <a:rPr lang="de-DE" sz="1600" dirty="0"/>
               <a:t>Erkennt lediglich bekannte Betrugsmuster</a:t>
             </a:r>
           </a:p>
           <a:p>
             <a:pPr lvl="3"/>
             <a:r>
-              <a:rPr lang="de-DE" dirty="0"/>
+              <a:rPr lang="de-DE" sz="1600" dirty="0"/>
               <a:t>Robuster gegenüber Täuschung</a:t>
             </a:r>
           </a:p>
@@ -15979,19 +16350,19 @@
             <a:pPr marL="0" lvl="3" indent="0">
               <a:buNone/>
             </a:pPr>
-            <a:endParaRPr lang="de-DE" dirty="0"/>
+            <a:endParaRPr lang="de-DE" sz="1600" dirty="0"/>
           </a:p>
           <a:p>
             <a:pPr marL="0" lvl="3" indent="0">
               <a:buNone/>
             </a:pPr>
-            <a:endParaRPr lang="en-US" dirty="0"/>
+            <a:endParaRPr lang="en-US" sz="1600" dirty="0"/>
           </a:p>
           <a:p>
             <a:pPr marL="0" lvl="3" indent="0">
               <a:buNone/>
             </a:pPr>
-            <a:endParaRPr lang="de-DE" dirty="0"/>
+            <a:endParaRPr lang="de-DE" sz="1600" dirty="0"/>
           </a:p>
         </p:txBody>
       </p:sp>
@@ -16014,7 +16385,7 @@
         <p:spPr>
           <a:xfrm>
             <a:off x="6275388" y="1703388"/>
-            <a:ext cx="5437187" cy="1712905"/>
+            <a:ext cx="5437187" cy="1947906"/>
           </a:xfrm>
         </p:spPr>
         <p:txBody>
@@ -16025,25 +16396,25 @@
               <a:buNone/>
             </a:pPr>
             <a:r>
-              <a:rPr lang="en-US" sz="1600" dirty="0" err="1">
+              <a:rPr lang="en-US" sz="1800" dirty="0" err="1">
                 <a:latin typeface="+mj-lt"/>
               </a:rPr>
               <a:t>Vorgestellte</a:t>
             </a:r>
             <a:r>
-              <a:rPr lang="en-US" sz="1600" dirty="0">
+              <a:rPr lang="en-US" sz="1800" dirty="0">
                 <a:latin typeface="+mj-lt"/>
               </a:rPr>
               <a:t> </a:t>
             </a:r>
             <a:r>
-              <a:rPr lang="en-US" sz="1600" dirty="0" err="1">
+              <a:rPr lang="en-US" sz="1800" dirty="0" err="1">
                 <a:latin typeface="+mj-lt"/>
               </a:rPr>
               <a:t>Methoden</a:t>
             </a:r>
             <a:r>
-              <a:rPr lang="en-US" sz="1600" dirty="0">
+              <a:rPr lang="en-US" sz="1800" dirty="0">
                 <a:latin typeface="+mj-lt"/>
               </a:rPr>
               <a:t>:</a:t>
@@ -16053,7 +16424,7 @@
             <a:pPr marL="0" lvl="3" indent="0">
               <a:buNone/>
             </a:pPr>
-            <a:endParaRPr lang="en-US" sz="1600" dirty="0">
+            <a:endParaRPr lang="en-US" sz="1800" dirty="0">
               <a:latin typeface="+mj-lt"/>
             </a:endParaRPr>
           </a:p>
@@ -16063,10 +16434,10 @@
               <a:buAutoNum type="arabicPeriod"/>
             </a:pPr>
             <a:r>
-              <a:rPr lang="en-US" dirty="0" err="1"/>
+              <a:rPr lang="en-US" sz="1600" dirty="0" err="1"/>
               <a:t>Modellansatz</a:t>
             </a:r>
-            <a:endParaRPr lang="en-US" dirty="0"/>
+            <a:endParaRPr lang="en-US" sz="1600" dirty="0"/>
           </a:p>
           <a:p>
             <a:pPr marL="342900" lvl="3" indent="-342900">
@@ -16074,11 +16445,11 @@
               <a:buAutoNum type="arabicPeriod"/>
             </a:pPr>
             <a:r>
-              <a:rPr lang="en-US" dirty="0" err="1"/>
+              <a:rPr lang="en-US" sz="1600" dirty="0" err="1"/>
               <a:t>Lineare</a:t>
             </a:r>
             <a:r>
-              <a:rPr lang="en-US" dirty="0"/>
+              <a:rPr lang="en-US" sz="1600" dirty="0"/>
               <a:t> Regression</a:t>
             </a:r>
           </a:p>
@@ -16088,7 +16459,7 @@
               <a:buAutoNum type="arabicPeriod"/>
             </a:pPr>
             <a:r>
-              <a:rPr lang="de-DE" dirty="0"/>
+              <a:rPr lang="de-DE" sz="1600" dirty="0"/>
               <a:t>Log. Regression</a:t>
             </a:r>
           </a:p>
@@ -16097,13 +16468,13 @@
               <a:buFont typeface="+mj-lt"/>
               <a:buAutoNum type="arabicPeriod"/>
             </a:pPr>
-            <a:endParaRPr lang="en-US" dirty="0"/>
+            <a:endParaRPr lang="en-US" sz="1600" dirty="0"/>
           </a:p>
           <a:p>
             <a:pPr marL="0" lvl="3" indent="0">
               <a:buNone/>
             </a:pPr>
-            <a:endParaRPr lang="en-US" b="1" dirty="0"/>
+            <a:endParaRPr lang="en-US" sz="1600" b="1" dirty="0"/>
           </a:p>
         </p:txBody>
       </p:sp>
@@ -16130,7 +16501,7 @@
           <a:p>
             <a:fld id="{4BDB264A-4676-45A5-B387-60439B46227D}" type="datetime1">
               <a:rPr lang="de-DE" noProof="0" smtClean="0"/>
-              <a:t>02.11.2022</a:t>
+              <a:t>03.11.2022</a:t>
             </a:fld>
             <a:endParaRPr lang="de-DE" noProof="0" dirty="0"/>
           </a:p>
@@ -16285,7 +16656,7 @@
         <p:spPr>
           <a:xfrm>
             <a:off x="478198" y="1703388"/>
-            <a:ext cx="4675693" cy="4377096"/>
+            <a:ext cx="4675693" cy="4420184"/>
           </a:xfrm>
         </p:spPr>
         <p:txBody>
@@ -16302,8 +16673,20 @@
               <a:buNone/>
             </a:pPr>
             <a:r>
+              <a:rPr lang="de-DE" sz="1600" dirty="0"/>
+              <a:t>Formal ist ein Vorhersagemodell eine parametrische Funktion h, auch </a:t>
+            </a:r>
+            <a:r>
+              <a:rPr lang="de-DE" sz="1600" b="1" dirty="0"/>
+              <a:t>Hypothese</a:t>
+            </a:r>
+            <a:r>
+              <a:rPr lang="de-DE" sz="1600" dirty="0"/>
+              <a:t> genannt, die eine Eingabe aus einer Eingabedomäne X nimmt und eine Vorhersage y ausgibt.</a:t>
+            </a:r>
+            <a:r>
               <a:rPr lang="de-DE" dirty="0"/>
-              <a:t>Formal ist ein Vorhersagemodell eine parametrische Funktion h, auch Hypothese genannt, die eine Eingabe aus einer Eingabedomäne X nimmt und eine Vorhersage y ausgibt.
+              <a:t>
 </a:t>
             </a:r>
           </a:p>
@@ -16363,30 +16746,38 @@
             </a:r>
           </a:p>
           <a:p>
-            <a:pPr lvl="3">
-              <a:lnSpc>
-                <a:spcPct val="150000"/>
-              </a:lnSpc>
-            </a:pPr>
-            <a:endParaRPr lang="de-DE" sz="1600" dirty="0"/>
-          </a:p>
-          <a:p>
             <a:pPr marL="0" lvl="3" indent="0">
               <a:lnSpc>
-                <a:spcPct val="150000"/>
+                <a:spcPct val="100000"/>
               </a:lnSpc>
               <a:buNone/>
             </a:pPr>
             <a:r>
-              <a:rPr lang="de-DE" dirty="0"/>
+              <a:rPr lang="de-DE" sz="1600" dirty="0"/>
               <a:t>Nimmt die Zielvariable lediglich binäre Werte (0,1) an,</a:t>
             </a:r>
             <a:br>
-              <a:rPr lang="de-DE" dirty="0"/>
+              <a:rPr lang="de-DE" sz="1600" dirty="0"/>
             </a:br>
             <a:r>
-              <a:rPr lang="de-DE" dirty="0"/>
-              <a:t>spricht man von Klassifikation, sonst von Regression.</a:t>
+              <a:rPr lang="de-DE" sz="1600" dirty="0"/>
+              <a:t>spricht man von </a:t>
+            </a:r>
+            <a:r>
+              <a:rPr lang="de-DE" sz="1600" b="1" dirty="0"/>
+              <a:t>Klassifikation</a:t>
+            </a:r>
+            <a:r>
+              <a:rPr lang="de-DE" sz="1600" dirty="0"/>
+              <a:t>, sonst von </a:t>
+            </a:r>
+            <a:r>
+              <a:rPr lang="de-DE" sz="1600" b="1" dirty="0"/>
+              <a:t>Regression</a:t>
+            </a:r>
+            <a:r>
+              <a:rPr lang="de-DE" sz="1600" dirty="0"/>
+              <a:t>.</a:t>
             </a:r>
           </a:p>
         </p:txBody>
@@ -16414,7 +16805,7 @@
           <a:p>
             <a:fld id="{9DA7E581-D5A0-4DFE-A955-DF88D01DC1F0}" type="datetime1">
               <a:rPr lang="de-DE" noProof="0" smtClean="0"/>
-              <a:t>02.11.2022</a:t>
+              <a:t>03.11.2022</a:t>
             </a:fld>
             <a:endParaRPr lang="de-DE" noProof="0" dirty="0"/>
           </a:p>
@@ -16545,20 +16936,20 @@
           <p:nvPr>
             <p:extLst>
               <p:ext uri="{D42A27DB-BD31-4B8C-83A1-F6EECF244321}">
-                <p14:modId xmlns:p14="http://schemas.microsoft.com/office/powerpoint/2010/main" val="3968465340"/>
+                <p14:modId xmlns:p14="http://schemas.microsoft.com/office/powerpoint/2010/main" val="1751621045"/>
               </p:ext>
             </p:extLst>
           </p:nvPr>
         </p:nvGraphicFramePr>
         <p:xfrm>
-          <a:off x="2665744" y="3260936"/>
+          <a:off x="2665744" y="3578177"/>
           <a:ext cx="1484085" cy="1714623"/>
         </p:xfrm>
         <a:graphic>
           <a:graphicData uri="http://schemas.openxmlformats.org/presentationml/2006/ole">
             <mc:AlternateContent xmlns:mc="http://schemas.openxmlformats.org/markup-compatibility/2006">
               <mc:Choice xmlns:v="urn:schemas-microsoft-com:vml" Requires="v">
-                <p:oleObj spid="_x0000_s27667" name="Equation" r:id="rId4" imgW="981224" imgH="1133802" progId="Equation.DSMT4">
+                <p:oleObj spid="_x0000_s27691" name="Equation" r:id="rId4" imgW="981224" imgH="1133802" progId="Equation.DSMT4">
                   <p:embed/>
                 </p:oleObj>
               </mc:Choice>
@@ -16585,7 +16976,7 @@
                     </p:blipFill>
                     <p:spPr>
                       <a:xfrm>
-                        <a:off x="2665744" y="3260936"/>
+                        <a:off x="2665744" y="3578177"/>
                         <a:ext cx="1484085" cy="1714623"/>
                       </a:xfrm>
                       <a:prstGeom prst="rect">
@@ -16760,7 +17151,15 @@
             <a:pPr lvl="1"/>
             <a:r>
               <a:rPr lang="de-DE" dirty="0"/>
-              <a:t>Die Korrelation R (Korrelationskoeffizient von Pearson) beschreibt die lineare Abhängigkeit zwischen zwei Merkmalen    und     .</a:t>
+              <a:t>Die Korrelation R (Korrelationskoeffizient von Pearson) beschreibt die </a:t>
+            </a:r>
+            <a:r>
+              <a:rPr lang="de-DE" b="1" dirty="0"/>
+              <a:t>lineare Abhängigkeit </a:t>
+            </a:r>
+            <a:r>
+              <a:rPr lang="de-DE" dirty="0"/>
+              <a:t>zwischen zwei Merkmalen    und     .</a:t>
             </a:r>
           </a:p>
           <a:p>
@@ -16784,7 +17183,15 @@
             <a:pPr lvl="1"/>
             <a:r>
               <a:rPr lang="de-DE" dirty="0"/>
-              <a:t>Die Lineare Regression beschreibt die funktionale Beziehung zwischen zwei Merkmalen     und       über eine Geradengleichung.</a:t>
+              <a:t>Die Lineare Regression beschreibt die </a:t>
+            </a:r>
+            <a:r>
+              <a:rPr lang="de-DE" b="1" dirty="0"/>
+              <a:t>funktionale Beziehung </a:t>
+            </a:r>
+            <a:r>
+              <a:rPr lang="de-DE" dirty="0"/>
+              <a:t>zwischen zwei Merkmalen     und       über eine Geradengleichung.</a:t>
             </a:r>
             <a:br>
               <a:rPr lang="de-DE" dirty="0"/>
@@ -16849,7 +17256,7 @@
           <a:p>
             <a:fld id="{9DA7E581-D5A0-4DFE-A955-DF88D01DC1F0}" type="datetime1">
               <a:rPr lang="de-DE" noProof="0" smtClean="0"/>
-              <a:t>02.11.2022</a:t>
+              <a:t>03.11.2022</a:t>
             </a:fld>
             <a:endParaRPr lang="de-DE" noProof="0" dirty="0"/>
           </a:p>
@@ -16982,7 +17389,7 @@
           <a:graphicData uri="http://schemas.openxmlformats.org/presentationml/2006/ole">
             <mc:AlternateContent xmlns:mc="http://schemas.openxmlformats.org/markup-compatibility/2006">
               <mc:Choice xmlns:v="urn:schemas-microsoft-com:vml" Requires="v">
-                <p:oleObj spid="_x0000_s28844" name="Equation" r:id="rId4" imgW="736560" imgH="228600" progId="Equation.DSMT4">
+                <p:oleObj spid="_x0000_s29084" name="Equation" r:id="rId4" imgW="736560" imgH="228600" progId="Equation.DSMT4">
                   <p:embed/>
                 </p:oleObj>
               </mc:Choice>
@@ -17042,20 +17449,20 @@
           <p:nvPr>
             <p:extLst>
               <p:ext uri="{D42A27DB-BD31-4B8C-83A1-F6EECF244321}">
-                <p14:modId xmlns:p14="http://schemas.microsoft.com/office/powerpoint/2010/main" val="4021689224"/>
+                <p14:modId xmlns:p14="http://schemas.microsoft.com/office/powerpoint/2010/main" val="1362061472"/>
               </p:ext>
             </p:extLst>
           </p:nvPr>
         </p:nvGraphicFramePr>
         <p:xfrm>
-          <a:off x="4073503" y="2384818"/>
+          <a:off x="4264003" y="2384818"/>
           <a:ext cx="232596" cy="348894"/>
         </p:xfrm>
         <a:graphic>
           <a:graphicData uri="http://schemas.openxmlformats.org/presentationml/2006/ole">
             <mc:AlternateContent xmlns:mc="http://schemas.openxmlformats.org/markup-compatibility/2006">
               <mc:Choice xmlns:v="urn:schemas-microsoft-com:vml" Requires="v">
-                <p:oleObj spid="_x0000_s28845" name="Equation" r:id="rId6" imgW="152280" imgH="228600" progId="Equation.DSMT4">
+                <p:oleObj spid="_x0000_s29085" name="Equation" r:id="rId6" imgW="152280" imgH="228600" progId="Equation.DSMT4">
                   <p:embed/>
                 </p:oleObj>
               </mc:Choice>
@@ -17082,7 +17489,7 @@
                     </p:blipFill>
                     <p:spPr>
                       <a:xfrm>
-                        <a:off x="4073503" y="2384818"/>
+                        <a:off x="4264003" y="2384818"/>
                         <a:ext cx="232596" cy="348894"/>
                       </a:xfrm>
                       <a:prstGeom prst="rect">
@@ -17124,7 +17531,7 @@
           <a:graphicData uri="http://schemas.openxmlformats.org/presentationml/2006/ole">
             <mc:AlternateContent xmlns:mc="http://schemas.openxmlformats.org/markup-compatibility/2006">
               <mc:Choice xmlns:v="urn:schemas-microsoft-com:vml" Requires="v">
-                <p:oleObj spid="_x0000_s28846" name="Equation" r:id="rId8" imgW="126720" imgH="139680" progId="Equation.DSMT4">
+                <p:oleObj spid="_x0000_s29086" name="Equation" r:id="rId8" imgW="126720" imgH="139680" progId="Equation.DSMT4">
                   <p:embed/>
                 </p:oleObj>
               </mc:Choice>
@@ -17193,7 +17600,7 @@
           <a:graphicData uri="http://schemas.openxmlformats.org/presentationml/2006/ole">
             <mc:AlternateContent xmlns:mc="http://schemas.openxmlformats.org/markup-compatibility/2006">
               <mc:Choice xmlns:v="urn:schemas-microsoft-com:vml" Requires="v">
-                <p:oleObj spid="_x0000_s28847" name="Equation" r:id="rId10" imgW="139680" imgH="228600" progId="Equation.DSMT4">
+                <p:oleObj spid="_x0000_s29087" name="Equation" r:id="rId10" imgW="139680" imgH="228600" progId="Equation.DSMT4">
                   <p:embed/>
                 </p:oleObj>
               </mc:Choice>
@@ -17249,20 +17656,20 @@
           <p:nvPr>
             <p:extLst>
               <p:ext uri="{D42A27DB-BD31-4B8C-83A1-F6EECF244321}">
-                <p14:modId xmlns:p14="http://schemas.microsoft.com/office/powerpoint/2010/main" val="4193127336"/>
+                <p14:modId xmlns:p14="http://schemas.microsoft.com/office/powerpoint/2010/main" val="2156824169"/>
               </p:ext>
             </p:extLst>
           </p:nvPr>
         </p:nvGraphicFramePr>
         <p:xfrm>
-          <a:off x="4579496" y="2367767"/>
+          <a:off x="4769996" y="2367767"/>
           <a:ext cx="232595" cy="348893"/>
         </p:xfrm>
         <a:graphic>
           <a:graphicData uri="http://schemas.openxmlformats.org/presentationml/2006/ole">
             <mc:AlternateContent xmlns:mc="http://schemas.openxmlformats.org/markup-compatibility/2006">
               <mc:Choice xmlns:v="urn:schemas-microsoft-com:vml" Requires="v">
-                <p:oleObj spid="_x0000_s28848" name="Equation" r:id="rId12" imgW="152280" imgH="228600" progId="Equation.DSMT4">
+                <p:oleObj spid="_x0000_s29088" name="Equation" r:id="rId12" imgW="152280" imgH="228600" progId="Equation.DSMT4">
                   <p:embed/>
                 </p:oleObj>
               </mc:Choice>
@@ -17289,7 +17696,7 @@
                     </p:blipFill>
                     <p:spPr>
                       <a:xfrm>
-                        <a:off x="4579496" y="2367767"/>
+                        <a:off x="4769996" y="2367767"/>
                         <a:ext cx="232595" cy="348893"/>
                       </a:xfrm>
                       <a:prstGeom prst="rect">
@@ -17318,20 +17725,20 @@
           <p:nvPr>
             <p:extLst>
               <p:ext uri="{D42A27DB-BD31-4B8C-83A1-F6EECF244321}">
-                <p14:modId xmlns:p14="http://schemas.microsoft.com/office/powerpoint/2010/main" val="2414248716"/>
+                <p14:modId xmlns:p14="http://schemas.microsoft.com/office/powerpoint/2010/main" val="1037703238"/>
               </p:ext>
             </p:extLst>
           </p:nvPr>
         </p:nvGraphicFramePr>
         <p:xfrm>
-          <a:off x="1718969" y="4564213"/>
+          <a:off x="2500019" y="4564213"/>
           <a:ext cx="232596" cy="348894"/>
         </p:xfrm>
         <a:graphic>
           <a:graphicData uri="http://schemas.openxmlformats.org/presentationml/2006/ole">
             <mc:AlternateContent xmlns:mc="http://schemas.openxmlformats.org/markup-compatibility/2006">
               <mc:Choice xmlns:v="urn:schemas-microsoft-com:vml" Requires="v">
-                <p:oleObj spid="_x0000_s28849" name="Equation" r:id="rId14" imgW="152280" imgH="228600" progId="Equation.DSMT4">
+                <p:oleObj spid="_x0000_s29089" name="Equation" r:id="rId14" imgW="152280" imgH="228600" progId="Equation.DSMT4">
                   <p:embed/>
                 </p:oleObj>
               </mc:Choice>
@@ -17358,7 +17765,7 @@
                     </p:blipFill>
                     <p:spPr>
                       <a:xfrm>
-                        <a:off x="1718969" y="4564213"/>
+                        <a:off x="2500019" y="4564213"/>
                         <a:ext cx="232596" cy="348894"/>
                       </a:xfrm>
                       <a:prstGeom prst="rect">
@@ -17387,20 +17794,20 @@
           <p:nvPr>
             <p:extLst>
               <p:ext uri="{D42A27DB-BD31-4B8C-83A1-F6EECF244321}">
-                <p14:modId xmlns:p14="http://schemas.microsoft.com/office/powerpoint/2010/main" val="1818342606"/>
+                <p14:modId xmlns:p14="http://schemas.microsoft.com/office/powerpoint/2010/main" val="2444000060"/>
               </p:ext>
             </p:extLst>
           </p:nvPr>
         </p:nvGraphicFramePr>
         <p:xfrm>
-          <a:off x="2294646" y="4545437"/>
+          <a:off x="3075696" y="4545437"/>
           <a:ext cx="232595" cy="348893"/>
         </p:xfrm>
         <a:graphic>
           <a:graphicData uri="http://schemas.openxmlformats.org/presentationml/2006/ole">
             <mc:AlternateContent xmlns:mc="http://schemas.openxmlformats.org/markup-compatibility/2006">
               <mc:Choice xmlns:v="urn:schemas-microsoft-com:vml" Requires="v">
-                <p:oleObj spid="_x0000_s28850" name="Equation" r:id="rId15" imgW="152280" imgH="228600" progId="Equation.DSMT4">
+                <p:oleObj spid="_x0000_s29090" name="Equation" r:id="rId15" imgW="152280" imgH="228600" progId="Equation.DSMT4">
                   <p:embed/>
                 </p:oleObj>
               </mc:Choice>
@@ -17427,7 +17834,7 @@
                     </p:blipFill>
                     <p:spPr>
                       <a:xfrm>
-                        <a:off x="2294646" y="4545437"/>
+                        <a:off x="3075696" y="4545437"/>
                         <a:ext cx="232595" cy="348893"/>
                       </a:xfrm>
                       <a:prstGeom prst="rect">
@@ -17469,7 +17876,7 @@
           <a:graphicData uri="http://schemas.openxmlformats.org/presentationml/2006/ole">
             <mc:AlternateContent xmlns:mc="http://schemas.openxmlformats.org/markup-compatibility/2006">
               <mc:Choice xmlns:v="urn:schemas-microsoft-com:vml" Requires="v">
-                <p:oleObj spid="_x0000_s28851" name="Equation" r:id="rId16" imgW="2515175" imgH="914531" progId="Equation.DSMT4">
+                <p:oleObj spid="_x0000_s29091" name="Equation" r:id="rId16" imgW="2515175" imgH="914531" progId="Equation.DSMT4">
                   <p:embed/>
                 </p:oleObj>
               </mc:Choice>
@@ -17589,7 +17996,7 @@
           <a:graphicData uri="http://schemas.openxmlformats.org/presentationml/2006/ole">
             <mc:AlternateContent xmlns:mc="http://schemas.openxmlformats.org/markup-compatibility/2006">
               <mc:Choice xmlns:v="urn:schemas-microsoft-com:vml" Requires="v">
-                <p:oleObj spid="_x0000_s28852" name="Equation" r:id="rId18" imgW="152280" imgH="139680" progId="Equation.DSMT4">
+                <p:oleObj spid="_x0000_s29092" name="Equation" r:id="rId18" imgW="152280" imgH="139680" progId="Equation.DSMT4">
                   <p:embed/>
                 </p:oleObj>
               </mc:Choice>
@@ -17658,7 +18065,7 @@
           <a:graphicData uri="http://schemas.openxmlformats.org/presentationml/2006/ole">
             <mc:AlternateContent xmlns:mc="http://schemas.openxmlformats.org/markup-compatibility/2006">
               <mc:Choice xmlns:v="urn:schemas-microsoft-com:vml" Requires="v">
-                <p:oleObj spid="_x0000_s28853" name="Equation" r:id="rId20" imgW="1371914" imgH="457265" progId="Equation.DSMT4">
+                <p:oleObj spid="_x0000_s29093" name="Equation" r:id="rId20" imgW="1371914" imgH="457265" progId="Equation.DSMT4">
                   <p:embed/>
                 </p:oleObj>
               </mc:Choice>
@@ -17903,7 +18310,7 @@
           <a:p>
             <a:fld id="{9DA7E581-D5A0-4DFE-A955-DF88D01DC1F0}" type="datetime1">
               <a:rPr lang="de-DE" noProof="0" smtClean="0"/>
-              <a:t>02.11.2022</a:t>
+              <a:t>03.11.2022</a:t>
             </a:fld>
             <a:endParaRPr lang="de-DE" noProof="0" dirty="0"/>
           </a:p>
@@ -17967,7 +18374,7 @@
           <a:graphicData uri="http://schemas.openxmlformats.org/presentationml/2006/ole">
             <mc:AlternateContent xmlns:mc="http://schemas.openxmlformats.org/markup-compatibility/2006">
               <mc:Choice xmlns:v="urn:schemas-microsoft-com:vml" Requires="v">
-                <p:oleObj spid="_x0000_s29800" name="Equation" r:id="rId3" imgW="1473120" imgH="253800" progId="Equation.DSMT4">
+                <p:oleObj spid="_x0000_s29944" name="Equation" r:id="rId3" imgW="1473120" imgH="253800" progId="Equation.DSMT4">
                   <p:embed/>
                 </p:oleObj>
               </mc:Choice>
@@ -18040,7 +18447,7 @@
           <a:graphicData uri="http://schemas.openxmlformats.org/presentationml/2006/ole">
             <mc:AlternateContent xmlns:mc="http://schemas.openxmlformats.org/markup-compatibility/2006">
               <mc:Choice xmlns:v="urn:schemas-microsoft-com:vml" Requires="v">
-                <p:oleObj spid="_x0000_s29801" name="Equation" r:id="rId5" imgW="152280" imgH="228600" progId="Equation.DSMT4">
+                <p:oleObj spid="_x0000_s29945" name="Equation" r:id="rId5" imgW="152280" imgH="228600" progId="Equation.DSMT4">
                   <p:embed/>
                 </p:oleObj>
               </mc:Choice>
@@ -18109,7 +18516,7 @@
           <a:graphicData uri="http://schemas.openxmlformats.org/presentationml/2006/ole">
             <mc:AlternateContent xmlns:mc="http://schemas.openxmlformats.org/markup-compatibility/2006">
               <mc:Choice xmlns:v="urn:schemas-microsoft-com:vml" Requires="v">
-                <p:oleObj spid="_x0000_s29802" name="Equation" r:id="rId7" imgW="152280" imgH="228600" progId="Equation.DSMT4">
+                <p:oleObj spid="_x0000_s29946" name="Equation" r:id="rId7" imgW="152280" imgH="228600" progId="Equation.DSMT4">
                   <p:embed/>
                 </p:oleObj>
               </mc:Choice>
@@ -18178,7 +18585,7 @@
           <a:graphicData uri="http://schemas.openxmlformats.org/presentationml/2006/ole">
             <mc:AlternateContent xmlns:mc="http://schemas.openxmlformats.org/markup-compatibility/2006">
               <mc:Choice xmlns:v="urn:schemas-microsoft-com:vml" Requires="v">
-                <p:oleObj spid="_x0000_s29803" name="Equation" r:id="rId9" imgW="126720" imgH="139680" progId="Equation.DSMT4">
+                <p:oleObj spid="_x0000_s29947" name="Equation" r:id="rId9" imgW="126720" imgH="139680" progId="Equation.DSMT4">
                   <p:embed/>
                 </p:oleObj>
               </mc:Choice>
@@ -18247,7 +18654,7 @@
           <a:graphicData uri="http://schemas.openxmlformats.org/presentationml/2006/ole">
             <mc:AlternateContent xmlns:mc="http://schemas.openxmlformats.org/markup-compatibility/2006">
               <mc:Choice xmlns:v="urn:schemas-microsoft-com:vml" Requires="v">
-                <p:oleObj spid="_x0000_s29804" name="Equation" r:id="rId11" imgW="139680" imgH="228600" progId="Equation.DSMT4">
+                <p:oleObj spid="_x0000_s29948" name="Equation" r:id="rId11" imgW="139680" imgH="228600" progId="Equation.DSMT4">
                   <p:embed/>
                 </p:oleObj>
               </mc:Choice>
@@ -18346,7 +18753,7 @@
           <a:graphicData uri="http://schemas.openxmlformats.org/presentationml/2006/ole">
             <mc:AlternateContent xmlns:mc="http://schemas.openxmlformats.org/markup-compatibility/2006">
               <mc:Choice xmlns:v="urn:schemas-microsoft-com:vml" Requires="v">
-                <p:oleObj spid="_x0000_s29805" name="Equation" r:id="rId14" imgW="3238200" imgH="241200" progId="Equation.DSMT4">
+                <p:oleObj spid="_x0000_s29949" name="Equation" r:id="rId14" imgW="3238200" imgH="241200" progId="Equation.DSMT4">
                   <p:embed/>
                 </p:oleObj>
               </mc:Choice>
@@ -18783,7 +19190,7 @@
         <p:spPr>
           <a:xfrm>
             <a:off x="479425" y="1703388"/>
-            <a:ext cx="5437188" cy="3852208"/>
+            <a:ext cx="5437188" cy="3809761"/>
           </a:xfrm>
         </p:spPr>
         <p:txBody>
@@ -18798,20 +19205,32 @@
           <a:p>
             <a:pPr lvl="1"/>
             <a:r>
-              <a:rPr lang="de-DE" dirty="0"/>
+              <a:rPr lang="de-DE" sz="1600" dirty="0"/>
               <a:t>Wenn zu einer Beobachtung X eine </a:t>
             </a:r>
             <a:r>
-              <a:rPr lang="de-DE" sz="1400" dirty="0"/>
-              <a:t>Wahrscheinlichkeit P, dass X ein Betrugsfall ist und eine</a:t>
-            </a:r>
-            <a:r>
-              <a:rPr lang="de-DE" dirty="0"/>
-              <a:t> Verlust L durch den Betrug geschätzt werden kann, dann ist E der e</a:t>
-            </a:r>
-            <a:r>
-              <a:rPr lang="de-DE" sz="1400" dirty="0"/>
-              <a:t>rwarteter Verlust durch Betrug:</a:t>
+              <a:rPr lang="de-DE" sz="1600" b="1" dirty="0"/>
+              <a:t>Wahrscheinlichkeit P</a:t>
+            </a:r>
+            <a:r>
+              <a:rPr lang="de-DE" sz="1600" dirty="0"/>
+              <a:t>, dass X ein Betrugsfall ist und eine </a:t>
+            </a:r>
+            <a:r>
+              <a:rPr lang="de-DE" sz="1600" b="1" dirty="0"/>
+              <a:t>Verlust L</a:t>
+            </a:r>
+            <a:r>
+              <a:rPr lang="de-DE" sz="1600" dirty="0"/>
+              <a:t> durch den Betrug geschätzt werden kann, dann ist </a:t>
+            </a:r>
+            <a:r>
+              <a:rPr lang="de-DE" sz="1600" b="1" dirty="0"/>
+              <a:t>E der erwarteter Verlust durch Betrug</a:t>
+            </a:r>
+            <a:r>
+              <a:rPr lang="de-DE" sz="1600" dirty="0"/>
+              <a:t>:</a:t>
             </a:r>
           </a:p>
           <a:p>
@@ -18828,12 +19247,8 @@
           </a:p>
           <a:p>
             <a:pPr lvl="1"/>
-            <a:endParaRPr lang="de-DE" sz="1400" dirty="0"/>
-          </a:p>
-          <a:p>
-            <a:pPr lvl="1"/>
-            <a:r>
-              <a:rPr lang="de-DE" dirty="0"/>
+            <a:r>
+              <a:rPr lang="de-DE" sz="1600" dirty="0"/>
               <a:t>Schätzung der potentiellen Verlusts durch betrügerisches Potential in den Beobachtungen.</a:t>
             </a:r>
           </a:p>
@@ -18896,7 +19311,7 @@
           <a:p>
             <a:fld id="{9DA7E581-D5A0-4DFE-A955-DF88D01DC1F0}" type="datetime1">
               <a:rPr lang="de-DE" noProof="0" smtClean="0"/>
-              <a:t>02.11.2022</a:t>
+              <a:t>03.11.2022</a:t>
             </a:fld>
             <a:endParaRPr lang="de-DE" noProof="0" dirty="0"/>
           </a:p>
@@ -18960,7 +19375,7 @@
           <a:graphicData uri="http://schemas.openxmlformats.org/presentationml/2006/ole">
             <mc:AlternateContent xmlns:mc="http://schemas.openxmlformats.org/markup-compatibility/2006">
               <mc:Choice xmlns:v="urn:schemas-microsoft-com:vml" Requires="v">
-                <p:oleObj spid="_x0000_s30773" name="Equation" r:id="rId3" imgW="2298600" imgH="228600" progId="Equation.DSMT4">
+                <p:oleObj spid="_x0000_s30845" name="Equation" r:id="rId3" imgW="2298600" imgH="228600" progId="Equation.DSMT4">
                   <p:embed/>
                 </p:oleObj>
               </mc:Choice>
@@ -19029,7 +19444,7 @@
           <a:graphicData uri="http://schemas.openxmlformats.org/presentationml/2006/ole">
             <mc:AlternateContent xmlns:mc="http://schemas.openxmlformats.org/markup-compatibility/2006">
               <mc:Choice xmlns:v="urn:schemas-microsoft-com:vml" Requires="v">
-                <p:oleObj spid="_x0000_s30774" name="Equation" r:id="rId5" imgW="330120" imgH="203040" progId="Equation.DSMT4">
+                <p:oleObj spid="_x0000_s30846" name="Equation" r:id="rId5" imgW="330120" imgH="203040" progId="Equation.DSMT4">
                   <p:embed/>
                 </p:oleObj>
               </mc:Choice>
@@ -19098,7 +19513,7 @@
           <a:graphicData uri="http://schemas.openxmlformats.org/presentationml/2006/ole">
             <mc:AlternateContent xmlns:mc="http://schemas.openxmlformats.org/markup-compatibility/2006">
               <mc:Choice xmlns:v="urn:schemas-microsoft-com:vml" Requires="v">
-                <p:oleObj spid="_x0000_s30775" name="Equation" r:id="rId7" imgW="330120" imgH="203040" progId="Equation.DSMT4">
+                <p:oleObj spid="_x0000_s30847" name="Equation" r:id="rId7" imgW="330120" imgH="203040" progId="Equation.DSMT4">
                   <p:embed/>
                 </p:oleObj>
               </mc:Choice>
@@ -19531,7 +19946,7 @@
         <p:spPr>
           <a:xfrm>
             <a:off x="478199" y="1703388"/>
-            <a:ext cx="5437188" cy="3127908"/>
+            <a:ext cx="5437188" cy="3701526"/>
           </a:xfrm>
         </p:spPr>
         <p:txBody>
@@ -19539,50 +19954,57 @@
           <a:lstStyle/>
           <a:p>
             <a:r>
-              <a:rPr lang="de-DE" dirty="0"/>
+              <a:rPr lang="de-DE" sz="1800" dirty="0"/>
               <a:t>Weitere Trainingsdaten:</a:t>
             </a:r>
           </a:p>
           <a:p>
             <a:pPr lvl="2"/>
             <a:r>
-              <a:rPr lang="de-DE" dirty="0"/>
+              <a:rPr lang="de-DE" sz="1600" dirty="0"/>
               <a:t>100 ehrliche Teststationen</a:t>
             </a:r>
           </a:p>
           <a:p>
             <a:pPr lvl="1"/>
             <a:r>
-              <a:rPr lang="de-DE" dirty="0"/>
-              <a:t>Grundgesamtheit: 100000 Tests</a:t>
+              <a:rPr lang="de-DE" sz="1600" dirty="0"/>
+              <a:t>Grundgesamtheit: 10000 Tests</a:t>
             </a:r>
           </a:p>
           <a:p>
             <a:pPr lvl="2"/>
             <a:r>
-              <a:rPr lang="de-DE" dirty="0"/>
+              <a:rPr lang="de-DE" sz="1600" dirty="0"/>
               <a:t>10 bekannte betrügerische Teststationen</a:t>
             </a:r>
           </a:p>
           <a:p>
             <a:pPr lvl="1"/>
             <a:r>
-              <a:rPr lang="de-DE" dirty="0"/>
+              <a:rPr lang="de-DE" sz="1600" dirty="0"/>
               <a:t>Nach 1000 Tests werden 210-300 erfundene Tests mit negativen Ergebnissen dazu gemischt, danach werden wieder 700-790 Personen richtig getestet.</a:t>
             </a:r>
           </a:p>
           <a:p>
             <a:pPr lvl="1"/>
             <a:r>
-              <a:rPr lang="de-DE" dirty="0"/>
+              <a:rPr lang="de-DE" sz="1600" dirty="0"/>
               <a:t>Höhe des Verlusts über Anzahl erfundener Tests:</a:t>
             </a:r>
           </a:p>
           <a:p>
             <a:pPr lvl="1"/>
             <a:r>
-              <a:rPr lang="de-DE" dirty="0"/>
-              <a:t>L = [2100, 2200, 2300, 2400, 2500, 2600, 2700, 2800, 2900, 3000]</a:t>
+              <a:rPr lang="de-DE" sz="1600" dirty="0"/>
+              <a:t>L = [2100, 2200, 2300, 2400, 2500, 2600, </a:t>
+            </a:r>
+            <a:br>
+              <a:rPr lang="de-DE" sz="1600" dirty="0"/>
+            </a:br>
+            <a:r>
+              <a:rPr lang="de-DE" sz="1600" dirty="0"/>
+              <a:t>       2700, 2800, 2900, 3000]</a:t>
             </a:r>
           </a:p>
         </p:txBody>
@@ -19610,7 +20032,7 @@
           <a:p>
             <a:fld id="{9DA7E581-D5A0-4DFE-A955-DF88D01DC1F0}" type="datetime1">
               <a:rPr lang="de-DE" noProof="0" smtClean="0"/>
-              <a:t>02.11.2022</a:t>
+              <a:t>03.11.2022</a:t>
             </a:fld>
             <a:endParaRPr lang="de-DE" noProof="0" dirty="0"/>
           </a:p>
@@ -19782,7 +20204,7 @@
         <p:spPr>
           <a:xfrm>
             <a:off x="478199" y="1703388"/>
-            <a:ext cx="5437188" cy="4046429"/>
+            <a:ext cx="5437188" cy="4029373"/>
           </a:xfrm>
         </p:spPr>
         <p:txBody>
@@ -19790,130 +20212,194 @@
           <a:lstStyle/>
           <a:p>
             <a:r>
-              <a:rPr lang="de-DE" dirty="0"/>
+              <a:rPr lang="de-DE" sz="1800" dirty="0"/>
               <a:t>Betrug</a:t>
             </a:r>
           </a:p>
           <a:p>
             <a:pPr lvl="1"/>
             <a:r>
-              <a:rPr lang="de-DE" dirty="0"/>
-              <a:t>Betrug ist ein ungewöhnliches, gut durchdachtes, unmerklich verborgenes, sich mit der Zeit entwickelndes und oft sorgfältig organisiertes Verbrechen, das in den unterschiedlichsten Formen auftritt.</a:t>
-            </a:r>
-          </a:p>
-          <a:p>
-            <a:r>
-              <a:rPr lang="de-DE" dirty="0"/>
+              <a:rPr lang="de-DE" sz="1600" dirty="0"/>
+              <a:t>Betrug ist ein </a:t>
+            </a:r>
+            <a:r>
+              <a:rPr lang="de-DE" sz="1600" b="1" dirty="0"/>
+              <a:t>ungewöhnliches</a:t>
+            </a:r>
+            <a:r>
+              <a:rPr lang="de-DE" sz="1600" dirty="0"/>
+              <a:t>, gut </a:t>
+            </a:r>
+            <a:r>
+              <a:rPr lang="de-DE" sz="1600" b="1" dirty="0"/>
+              <a:t>durchdachtes</a:t>
+            </a:r>
+            <a:r>
+              <a:rPr lang="de-DE" sz="1600" dirty="0"/>
+              <a:t>, unmerklich </a:t>
+            </a:r>
+            <a:r>
+              <a:rPr lang="de-DE" sz="1600" b="1" dirty="0"/>
+              <a:t>verborgenes</a:t>
+            </a:r>
+            <a:r>
+              <a:rPr lang="de-DE" sz="1600" dirty="0"/>
+              <a:t>, sich mit der Zeit </a:t>
+            </a:r>
+            <a:r>
+              <a:rPr lang="de-DE" sz="1600" b="1" dirty="0"/>
+              <a:t>entwickelndes</a:t>
+            </a:r>
+            <a:r>
+              <a:rPr lang="de-DE" sz="1600" dirty="0"/>
+              <a:t> und oft sorgfältig </a:t>
+            </a:r>
+            <a:r>
+              <a:rPr lang="de-DE" sz="1600" b="1" dirty="0"/>
+              <a:t>organisiertes</a:t>
+            </a:r>
+            <a:r>
+              <a:rPr lang="de-DE" sz="1600" dirty="0"/>
+              <a:t> Verbrechen, das in den </a:t>
+            </a:r>
+            <a:r>
+              <a:rPr lang="de-DE" sz="1600" b="1" dirty="0"/>
+              <a:t>unterschiedlichsten Formen </a:t>
+            </a:r>
+            <a:r>
+              <a:rPr lang="de-DE" sz="1600" dirty="0"/>
+              <a:t>auftritt.</a:t>
+            </a:r>
+          </a:p>
+          <a:p>
+            <a:r>
+              <a:rPr lang="de-DE" sz="1800" dirty="0"/>
               <a:t>Betrüger</a:t>
             </a:r>
           </a:p>
           <a:p>
             <a:pPr lvl="1"/>
             <a:r>
-              <a:rPr lang="de-DE" dirty="0"/>
-              <a:t>… lernen bestehende Unternehmensregeln, z.B. über Trial &amp; Error. </a:t>
-            </a:r>
-          </a:p>
-          <a:p>
-            <a:pPr lvl="1"/>
-            <a:r>
-              <a:rPr lang="de-DE" dirty="0"/>
-              <a:t>… teilen ihr Wissen über erfolgreiche betrügerische Handlungen</a:t>
+              <a:rPr lang="de-DE" sz="1600" dirty="0"/>
+              <a:t>… </a:t>
+            </a:r>
+            <a:r>
+              <a:rPr lang="de-DE" sz="1600" b="1" dirty="0"/>
+              <a:t>lernen</a:t>
+            </a:r>
+            <a:r>
+              <a:rPr lang="de-DE" sz="1600" dirty="0"/>
+              <a:t> bestehende Unternehmensregeln</a:t>
+            </a:r>
+            <a:br>
+              <a:rPr lang="de-DE" sz="1600" dirty="0"/>
+            </a:br>
+            <a:r>
+              <a:rPr lang="de-DE" sz="1600" dirty="0"/>
+              <a:t>… </a:t>
+            </a:r>
+            <a:r>
+              <a:rPr lang="de-DE" sz="1600" b="1" dirty="0"/>
+              <a:t>teilen</a:t>
+            </a:r>
+            <a:r>
+              <a:rPr lang="de-DE" sz="1600" dirty="0"/>
+              <a:t> ihr Wissen</a:t>
             </a:r>
           </a:p>
           <a:p>
             <a:pPr lvl="3"/>
             <a:r>
-              <a:rPr lang="de-DE" sz="1000" dirty="0" err="1"/>
+              <a:rPr lang="de-DE" sz="1050" dirty="0" err="1"/>
               <a:t>Baesens</a:t>
             </a:r>
             <a:r>
-              <a:rPr lang="de-DE" sz="1000" dirty="0"/>
+              <a:rPr lang="de-DE" sz="1050" dirty="0"/>
               <a:t>, B., Van </a:t>
             </a:r>
             <a:r>
-              <a:rPr lang="de-DE" sz="1000" dirty="0" err="1"/>
+              <a:rPr lang="de-DE" sz="1050" dirty="0" err="1"/>
               <a:t>Vlasselaer</a:t>
             </a:r>
             <a:r>
-              <a:rPr lang="de-DE" sz="1000" dirty="0"/>
+              <a:rPr lang="de-DE" sz="1050" dirty="0"/>
               <a:t>, V., </a:t>
             </a:r>
             <a:r>
-              <a:rPr lang="de-DE" sz="1000" dirty="0" err="1"/>
+              <a:rPr lang="de-DE" sz="1050" dirty="0" err="1"/>
               <a:t>Verbeke</a:t>
             </a:r>
             <a:r>
-              <a:rPr lang="de-DE" sz="1000" dirty="0"/>
+              <a:rPr lang="de-DE" sz="1050" dirty="0"/>
               <a:t>, W. (2015). Fraud Analytics </a:t>
             </a:r>
             <a:r>
-              <a:rPr lang="de-DE" sz="1000" dirty="0" err="1"/>
+              <a:rPr lang="de-DE" sz="1050" dirty="0" err="1"/>
               <a:t>Using</a:t>
             </a:r>
             <a:r>
-              <a:rPr lang="de-DE" sz="1000" dirty="0"/>
+              <a:rPr lang="de-DE" sz="1050" dirty="0"/>
               <a:t> </a:t>
             </a:r>
             <a:r>
-              <a:rPr lang="de-DE" sz="1000" dirty="0" err="1"/>
+              <a:rPr lang="de-DE" sz="1050" dirty="0" err="1"/>
               <a:t>Descriptive</a:t>
             </a:r>
             <a:r>
-              <a:rPr lang="de-DE" sz="1000" dirty="0"/>
+              <a:rPr lang="de-DE" sz="1050" dirty="0"/>
               <a:t>, </a:t>
             </a:r>
             <a:r>
-              <a:rPr lang="de-DE" sz="1000" dirty="0" err="1"/>
+              <a:rPr lang="de-DE" sz="1050" dirty="0" err="1"/>
               <a:t>Predictive</a:t>
             </a:r>
             <a:r>
-              <a:rPr lang="de-DE" sz="1000" dirty="0"/>
+              <a:rPr lang="de-DE" sz="1050" dirty="0"/>
               <a:t>, and </a:t>
             </a:r>
             <a:r>
-              <a:rPr lang="de-DE" sz="1000" dirty="0" err="1"/>
+              <a:rPr lang="de-DE" sz="1050" dirty="0" err="1"/>
               <a:t>Social</a:t>
             </a:r>
             <a:r>
-              <a:rPr lang="de-DE" sz="1000" dirty="0"/>
+              <a:rPr lang="de-DE" sz="1050" dirty="0"/>
               <a:t> Network </a:t>
             </a:r>
             <a:r>
-              <a:rPr lang="de-DE" sz="1000" dirty="0" err="1"/>
+              <a:rPr lang="de-DE" sz="1050" dirty="0" err="1"/>
               <a:t>Techniques</a:t>
             </a:r>
             <a:r>
-              <a:rPr lang="de-DE" sz="1000" dirty="0"/>
+              <a:rPr lang="de-DE" sz="1050" dirty="0"/>
               <a:t>: A Guide </a:t>
             </a:r>
             <a:r>
-              <a:rPr lang="de-DE" sz="1000" dirty="0" err="1"/>
+              <a:rPr lang="de-DE" sz="1050" dirty="0" err="1"/>
               <a:t>to</a:t>
             </a:r>
             <a:r>
-              <a:rPr lang="de-DE" sz="1000" dirty="0"/>
+              <a:rPr lang="de-DE" sz="1050" dirty="0"/>
               <a:t> Data Science </a:t>
             </a:r>
             <a:r>
-              <a:rPr lang="de-DE" sz="1000" dirty="0" err="1"/>
+              <a:rPr lang="de-DE" sz="1050" dirty="0" err="1"/>
               <a:t>for</a:t>
             </a:r>
             <a:r>
-              <a:rPr lang="de-DE" sz="1000" dirty="0"/>
+              <a:rPr lang="de-DE" sz="1050" dirty="0"/>
               <a:t> Fraud </a:t>
             </a:r>
             <a:r>
-              <a:rPr lang="de-DE" sz="1000" dirty="0" err="1"/>
+              <a:rPr lang="de-DE" sz="1050" dirty="0" err="1"/>
               <a:t>Detection</a:t>
             </a:r>
             <a:r>
-              <a:rPr lang="de-DE" sz="1000" dirty="0"/>
+              <a:rPr lang="de-DE" sz="1050" dirty="0"/>
               <a:t>. Vereinigtes Königreich: Wiley.</a:t>
             </a:r>
           </a:p>
           <a:p>
-            <a:endParaRPr lang="de-DE" dirty="0"/>
+            <a:endParaRPr lang="de-DE" sz="1800" dirty="0"/>
           </a:p>
         </p:txBody>
       </p:sp>
@@ -19936,7 +20422,7 @@
         <p:spPr>
           <a:xfrm>
             <a:off x="6275388" y="1703388"/>
-            <a:ext cx="5437187" cy="2496261"/>
+            <a:ext cx="5437187" cy="2799036"/>
           </a:xfrm>
         </p:spPr>
         <p:txBody>
@@ -19947,7 +20433,7 @@
               <a:buNone/>
             </a:pPr>
             <a:r>
-              <a:rPr lang="de-DE" sz="1600" dirty="0">
+              <a:rPr lang="de-DE" sz="1800" dirty="0">
                 <a:latin typeface="+mj-lt"/>
               </a:rPr>
               <a:t>Einige Betrugskategorien</a:t>
@@ -19957,41 +20443,41 @@
             <a:pPr marL="0" lvl="3" indent="0">
               <a:buNone/>
             </a:pPr>
-            <a:endParaRPr lang="de-DE" sz="1600" dirty="0">
+            <a:endParaRPr lang="de-DE" sz="1800" dirty="0">
               <a:latin typeface="+mj-lt"/>
             </a:endParaRPr>
           </a:p>
           <a:p>
             <a:pPr lvl="3"/>
             <a:r>
-              <a:rPr lang="de-DE" sz="1400" dirty="0">
+              <a:rPr lang="de-DE" sz="1600" dirty="0">
                 <a:latin typeface="+mn-lt"/>
               </a:rPr>
-              <a:t>Kreditkartenbetrug:		z.B. Identitätsdiebstahl</a:t>
+              <a:t>Kreditkartenbetrug:	z.B. Identitätsdiebstahl</a:t>
             </a:r>
           </a:p>
           <a:p>
             <a:pPr lvl="3"/>
             <a:r>
-              <a:rPr lang="de-DE" sz="1400" dirty="0">
+              <a:rPr lang="de-DE" sz="1600" dirty="0">
                 <a:latin typeface="+mn-lt"/>
               </a:rPr>
-              <a:t>Versicherungsbetrug:		z.B. gefälschte Rezepte</a:t>
+              <a:t>Versicherungsbetrug:	z.B. gefälschte Rezepte</a:t>
             </a:r>
           </a:p>
           <a:p>
             <a:pPr lvl="3"/>
             <a:r>
-              <a:rPr lang="de-DE" sz="1400" dirty="0">
+              <a:rPr lang="de-DE" sz="1600" dirty="0">
                 <a:latin typeface="+mn-lt"/>
               </a:rPr>
-              <a:t>Steuerhinterziehung:		z.B. Cum-Ex</a:t>
+              <a:t>Steuerhinterziehung:	z.B. Cum-Ex</a:t>
             </a:r>
           </a:p>
           <a:p>
             <a:pPr lvl="3"/>
             <a:r>
-              <a:rPr lang="de-DE" sz="1400" dirty="0">
+              <a:rPr lang="de-DE" sz="1600" dirty="0">
                 <a:latin typeface="+mn-lt"/>
               </a:rPr>
               <a:t>Geldwäsche:		z.B. gefälschte Abrechnungen </a:t>
@@ -20000,17 +20486,17 @@
           <a:p>
             <a:pPr lvl="3"/>
             <a:r>
-              <a:rPr lang="de-DE" sz="1400" dirty="0">
+              <a:rPr lang="de-DE" sz="1600" dirty="0">
                 <a:latin typeface="+mn-lt"/>
               </a:rPr>
               <a:t>Bilanzfälschung:		z.B. Wirecard</a:t>
             </a:r>
           </a:p>
           <a:p>
-            <a:endParaRPr lang="de-DE" dirty="0"/>
-          </a:p>
-          <a:p>
-            <a:endParaRPr lang="en-US" dirty="0"/>
+            <a:endParaRPr lang="de-DE" sz="1800" dirty="0"/>
+          </a:p>
+          <a:p>
+            <a:endParaRPr lang="en-US" sz="1800" dirty="0"/>
           </a:p>
         </p:txBody>
       </p:sp>
@@ -20037,7 +20523,7 @@
           <a:p>
             <a:fld id="{F9967109-B16C-44BE-AAA6-3FD25DAD3A1B}" type="datetime1">
               <a:rPr lang="de-DE" noProof="0" smtClean="0"/>
-              <a:t>02.11.2022</a:t>
+              <a:t>03.11.2022</a:t>
             </a:fld>
             <a:endParaRPr lang="de-DE" noProof="0" dirty="0"/>
           </a:p>
@@ -20192,7 +20678,7 @@
         <p:spPr>
           <a:xfrm>
             <a:off x="478199" y="1703388"/>
-            <a:ext cx="5437188" cy="1652119"/>
+            <a:ext cx="5437188" cy="1853328"/>
           </a:xfrm>
         </p:spPr>
         <p:txBody>
@@ -20201,42 +20687,44 @@
           <a:p>
             <a:pPr lvl="1"/>
             <a:r>
-              <a:rPr lang="de-DE" dirty="0"/>
+              <a:rPr lang="de-DE" sz="1600" dirty="0"/>
               <a:t>Die Konstruktion der </a:t>
             </a:r>
             <a:r>
-              <a:rPr lang="de-DE" dirty="0" err="1"/>
+              <a:rPr lang="de-DE" sz="1600" dirty="0" err="1"/>
               <a:t>Red</a:t>
             </a:r>
             <a:r>
-              <a:rPr lang="de-DE" dirty="0"/>
+              <a:rPr lang="de-DE" sz="1600" dirty="0"/>
               <a:t> Flags zeigte zwei Merkmale mit hinreichend guter Beschreibung zur Erkennung von Betrügern.</a:t>
             </a:r>
           </a:p>
           <a:p>
             <a:pPr lvl="3"/>
             <a:r>
-              <a:rPr lang="de-DE" dirty="0"/>
+              <a:rPr lang="de-DE" sz="1600" b="1" dirty="0"/>
               <a:t>Anzahl der Serien mit negative Testergebnissen</a:t>
             </a:r>
           </a:p>
           <a:p>
             <a:pPr lvl="3"/>
             <a:r>
-              <a:rPr lang="de-DE" dirty="0"/>
+              <a:rPr lang="de-DE" sz="1600" b="1" dirty="0"/>
               <a:t>Mittlere Länge der negative Serien</a:t>
             </a:r>
-          </a:p>
-          <a:p>
-            <a:pPr lvl="3"/>
-            <a:endParaRPr lang="de-DE" dirty="0"/>
           </a:p>
           <a:p>
             <a:pPr marL="0" lvl="3" indent="0">
               <a:buNone/>
             </a:pPr>
-            <a:r>
-              <a:rPr lang="de-DE" dirty="0"/>
+            <a:endParaRPr lang="de-DE" sz="1600" dirty="0"/>
+          </a:p>
+          <a:p>
+            <a:pPr marL="0" lvl="3" indent="0">
+              <a:buNone/>
+            </a:pPr>
+            <a:r>
+              <a:rPr lang="de-DE" sz="1600" dirty="0"/>
               <a:t>Betrachtung der Abhängigkeitsstruktur</a:t>
             </a:r>
           </a:p>
@@ -20295,7 +20783,7 @@
           <a:p>
             <a:fld id="{9DA7E581-D5A0-4DFE-A955-DF88D01DC1F0}" type="datetime1">
               <a:rPr lang="de-DE" noProof="0" smtClean="0"/>
-              <a:t>02.11.2022</a:t>
+              <a:t>03.11.2022</a:t>
             </a:fld>
             <a:endParaRPr lang="de-DE" noProof="0" dirty="0"/>
           </a:p>
@@ -20346,13 +20834,13 @@
           <p:nvPr>
             <p:extLst>
               <p:ext uri="{D42A27DB-BD31-4B8C-83A1-F6EECF244321}">
-                <p14:modId xmlns:p14="http://schemas.microsoft.com/office/powerpoint/2010/main" val="2276785465"/>
+                <p14:modId xmlns:p14="http://schemas.microsoft.com/office/powerpoint/2010/main" val="3635330335"/>
               </p:ext>
             </p:extLst>
           </p:nvPr>
         </p:nvGraphicFramePr>
         <p:xfrm>
-          <a:off x="478199" y="3481712"/>
+          <a:off x="478199" y="3614452"/>
           <a:ext cx="4192316" cy="1219200"/>
         </p:xfrm>
         <a:graphic>
@@ -21398,7 +21886,7 @@
         <p:spPr>
           <a:xfrm>
             <a:off x="1209265" y="4925656"/>
-            <a:ext cx="4192316" cy="1169551"/>
+            <a:ext cx="4192316" cy="1077218"/>
           </a:xfrm>
           <a:prstGeom prst="rect">
             <a:avLst/>
@@ -21412,43 +21900,48 @@
           <a:lstStyle/>
           <a:p>
             <a:r>
-              <a:rPr lang="de-DE" sz="1400" dirty="0"/>
+              <a:rPr lang="de-DE" sz="1600" dirty="0"/>
               <a:t>Achtung! Die Merkmale „</a:t>
             </a:r>
             <a:r>
-              <a:rPr lang="de-DE" sz="1400" dirty="0" err="1"/>
+              <a:rPr lang="de-DE" sz="1600" dirty="0" err="1"/>
               <a:t>mean</a:t>
             </a:r>
             <a:r>
-              <a:rPr lang="de-DE" sz="1400" dirty="0"/>
+              <a:rPr lang="de-DE" sz="1600" dirty="0"/>
               <a:t> </a:t>
             </a:r>
             <a:r>
-              <a:rPr lang="de-DE" sz="1400" dirty="0" err="1"/>
+              <a:rPr lang="de-DE" sz="1600" dirty="0" err="1"/>
               <a:t>length</a:t>
             </a:r>
             <a:r>
-              <a:rPr lang="de-DE" sz="1400" dirty="0"/>
+              <a:rPr lang="de-DE" sz="1600" dirty="0"/>
               <a:t>“ und „</a:t>
             </a:r>
             <a:r>
-              <a:rPr lang="de-DE" sz="1400" dirty="0" err="1"/>
+              <a:rPr lang="de-DE" sz="1600" dirty="0" err="1"/>
               <a:t>count</a:t>
             </a:r>
             <a:r>
-              <a:rPr lang="de-DE" sz="1400" dirty="0"/>
+              <a:rPr lang="de-DE" sz="1600" dirty="0"/>
               <a:t>“ sind linear voneinander abhängig.</a:t>
             </a:r>
           </a:p>
           <a:p>
-            <a:endParaRPr lang="de-DE" sz="1400" dirty="0"/>
-          </a:p>
-          <a:p>
-            <a:r>
-              <a:rPr lang="de-DE" sz="1400" dirty="0"/>
-              <a:t>Es liegt eine Ko-Linearität vor. Beide Merkmale beeinflussen sich gegenseitig.</a:t>
-            </a:r>
-            <a:endParaRPr lang="en-US" sz="1400" dirty="0"/>
+            <a:r>
+              <a:rPr lang="de-DE" sz="1600" dirty="0"/>
+              <a:t>Es liegt eine </a:t>
+            </a:r>
+            <a:r>
+              <a:rPr lang="de-DE" sz="1600" b="1" dirty="0"/>
+              <a:t>Ko-Linearität</a:t>
+            </a:r>
+            <a:r>
+              <a:rPr lang="de-DE" sz="1600" dirty="0"/>
+              <a:t> vor. Beide Merkmale beeinflussen sich gegenseitig.</a:t>
+            </a:r>
+            <a:endParaRPr lang="en-US" sz="1600" dirty="0"/>
           </a:p>
         </p:txBody>
       </p:sp>
@@ -21571,7 +22064,7 @@
         <p:spPr>
           <a:xfrm>
             <a:off x="478199" y="1703388"/>
-            <a:ext cx="5437188" cy="4042004"/>
+            <a:ext cx="5437188" cy="4209357"/>
           </a:xfrm>
         </p:spPr>
         <p:txBody>
@@ -21580,83 +22073,79 @@
           <a:p>
             <a:pPr lvl="1"/>
             <a:r>
-              <a:rPr lang="de-DE" dirty="0"/>
+              <a:rPr lang="de-DE" sz="1600" dirty="0"/>
               <a:t>Die Konstruktion der </a:t>
             </a:r>
             <a:r>
-              <a:rPr lang="de-DE" dirty="0" err="1"/>
+              <a:rPr lang="de-DE" sz="1600" dirty="0" err="1"/>
               <a:t>Red</a:t>
             </a:r>
             <a:r>
-              <a:rPr lang="de-DE" dirty="0"/>
-              <a:t> Flags zeigte zwei Merkmale mit hinreichend guter Beschreibung Erkennung von Betrügern.</a:t>
+              <a:rPr lang="de-DE" sz="1600" dirty="0"/>
+              <a:t> Flags zeigte zwei Merkmale mit hinreichend guter Beschreibung zur Erkennung von Betrügern.</a:t>
             </a:r>
           </a:p>
           <a:p>
             <a:pPr lvl="3"/>
             <a:r>
-              <a:rPr lang="de-DE" b="1" dirty="0"/>
+              <a:rPr lang="de-DE" sz="1600" b="1" dirty="0"/>
               <a:t>Anzahl der Serien mit negative Testergebnissen</a:t>
             </a:r>
           </a:p>
           <a:p>
             <a:pPr lvl="3"/>
             <a:r>
-              <a:rPr lang="de-DE" b="1" dirty="0"/>
+              <a:rPr lang="de-DE" sz="1600" b="1" dirty="0"/>
               <a:t>Mittlere Länge der negative Serien</a:t>
             </a:r>
           </a:p>
           <a:p>
             <a:pPr lvl="3"/>
-            <a:endParaRPr lang="de-DE" dirty="0"/>
-          </a:p>
-          <a:p>
-            <a:pPr lvl="3"/>
-            <a:endParaRPr lang="de-DE" dirty="0"/>
+            <a:endParaRPr lang="de-DE" sz="1600" dirty="0"/>
           </a:p>
           <a:p>
             <a:pPr lvl="1"/>
             <a:r>
-              <a:rPr lang="de-DE" dirty="0"/>
+              <a:rPr lang="de-DE" sz="1600" dirty="0"/>
               <a:t>Modellierung des erwarteten Verlusts durch Betrugspotential:</a:t>
             </a:r>
           </a:p>
           <a:p>
             <a:pPr lvl="1"/>
-            <a:endParaRPr lang="de-DE" dirty="0"/>
+            <a:endParaRPr lang="de-DE" sz="1600" dirty="0"/>
           </a:p>
           <a:p>
             <a:pPr lvl="1"/>
             <a:r>
-              <a:rPr lang="de-DE" dirty="0"/>
+              <a:rPr lang="de-DE" sz="1600" dirty="0"/>
               <a:t>L:	Regression der Verlusthöhe durch x als </a:t>
             </a:r>
             <a:br>
-              <a:rPr lang="de-DE" dirty="0"/>
+              <a:rPr lang="de-DE" sz="1600" dirty="0"/>
             </a:br>
             <a:r>
-              <a:rPr lang="de-DE" dirty="0"/>
+              <a:rPr lang="de-DE" sz="1600" dirty="0"/>
               <a:t>	Mittlere Länge der negative Serien</a:t>
             </a:r>
           </a:p>
           <a:p>
             <a:pPr lvl="1"/>
             <a:r>
-              <a:rPr lang="de-DE" dirty="0"/>
+              <a:rPr lang="de-DE" sz="1600" dirty="0"/>
               <a:t>P	Klassifikation durch </a:t>
             </a:r>
             <a:br>
-              <a:rPr lang="de-DE" dirty="0"/>
+              <a:rPr lang="de-DE" sz="1600" dirty="0"/>
             </a:br>
             <a:r>
-              <a:rPr lang="de-DE" dirty="0"/>
+              <a:rPr lang="de-DE" sz="1600" dirty="0"/>
               <a:t>	x1: Mittlere Länge der negative Serien</a:t>
             </a:r>
             <a:br>
-              <a:rPr lang="de-DE" dirty="0"/>
+              <a:rPr lang="de-DE" sz="1600" dirty="0"/>
             </a:br>
             <a:r>
-              <a:rPr lang="de-DE" dirty="0"/>
+              <a:rPr lang="de-DE" sz="1600" dirty="0"/>
               <a:t>	x2: Anzahl der Serien mit negative Testergebnissen </a:t>
             </a:r>
           </a:p>
@@ -21715,7 +22204,7 @@
           <a:p>
             <a:fld id="{9DA7E581-D5A0-4DFE-A955-DF88D01DC1F0}" type="datetime1">
               <a:rPr lang="de-DE" noProof="0" smtClean="0"/>
-              <a:t>02.11.2022</a:t>
+              <a:t>03.11.2022</a:t>
             </a:fld>
             <a:endParaRPr lang="de-DE" noProof="0" dirty="0"/>
           </a:p>
@@ -21773,7 +22262,7 @@
           <a:graphicData uri="http://schemas.openxmlformats.org/presentationml/2006/ole">
             <mc:AlternateContent xmlns:mc="http://schemas.openxmlformats.org/markup-compatibility/2006">
               <mc:Choice xmlns:v="urn:schemas-microsoft-com:vml" Requires="v">
-                <p:oleObj spid="_x0000_s31763" name="Equation" r:id="rId4" imgW="4299441" imgH="428415" progId="Equation.DSMT4">
+                <p:oleObj spid="_x0000_s31787" name="Equation" r:id="rId4" imgW="4299441" imgH="428415" progId="Equation.DSMT4">
                   <p:embed/>
                 </p:oleObj>
               </mc:Choice>
@@ -21954,7 +22443,7 @@
         <p:spPr>
           <a:xfrm>
             <a:off x="478199" y="1703388"/>
-            <a:ext cx="5437188" cy="4048672"/>
+            <a:ext cx="5437188" cy="4042004"/>
           </a:xfrm>
         </p:spPr>
         <p:txBody>
@@ -21962,73 +22451,67 @@
           <a:lstStyle/>
           <a:p>
             <a:r>
-              <a:rPr lang="de-DE" sz="1400" dirty="0">
+              <a:rPr lang="de-DE" dirty="0">
                 <a:latin typeface="+mn-lt"/>
               </a:rPr>
               <a:t>Regressionsgleichung der Verlusthöhe L durch x als mittlere Länge der negative Serien:</a:t>
             </a:r>
           </a:p>
           <a:p>
-            <a:endParaRPr lang="de-DE" sz="1400" dirty="0">
+            <a:endParaRPr lang="de-DE" dirty="0">
               <a:latin typeface="+mn-lt"/>
             </a:endParaRPr>
           </a:p>
           <a:p>
-            <a:endParaRPr lang="de-DE" sz="1400" dirty="0">
-              <a:latin typeface="+mn-lt"/>
-            </a:endParaRPr>
-          </a:p>
-          <a:p>
-            <a:r>
-              <a:rPr lang="de-DE" sz="1400" dirty="0">
+            <a:br>
+              <a:rPr lang="de-DE" dirty="0">
+                <a:latin typeface="+mn-lt"/>
+              </a:rPr>
+            </a:br>
+            <a:r>
+              <a:rPr lang="de-DE" dirty="0">
                 <a:latin typeface="+mn-lt"/>
               </a:rPr>
               <a:t>Training (Schätzung der Parameter </a:t>
             </a:r>
             <a:r>
-              <a:rPr lang="de-DE" sz="1400" dirty="0" err="1">
+              <a:rPr lang="de-DE" dirty="0" err="1">
                 <a:latin typeface="+mn-lt"/>
               </a:rPr>
               <a:t>a,b</a:t>
             </a:r>
             <a:r>
-              <a:rPr lang="de-DE" sz="1400" dirty="0">
+              <a:rPr lang="de-DE" dirty="0">
                 <a:latin typeface="+mn-lt"/>
               </a:rPr>
               <a:t>) erfolgt mit der Methode der kleinsten Quadrate (</a:t>
             </a:r>
             <a:r>
-              <a:rPr lang="de-DE" sz="1400" dirty="0" err="1">
+              <a:rPr lang="de-DE" dirty="0" err="1">
                 <a:latin typeface="+mn-lt"/>
               </a:rPr>
               <a:t>ordinary</a:t>
             </a:r>
             <a:r>
-              <a:rPr lang="de-DE" sz="1400" dirty="0">
+              <a:rPr lang="de-DE" dirty="0">
                 <a:latin typeface="+mn-lt"/>
               </a:rPr>
               <a:t> least </a:t>
             </a:r>
             <a:r>
-              <a:rPr lang="de-DE" sz="1400" dirty="0" err="1">
+              <a:rPr lang="de-DE" dirty="0" err="1">
                 <a:latin typeface="+mn-lt"/>
               </a:rPr>
               <a:t>squares</a:t>
             </a:r>
             <a:r>
-              <a:rPr lang="de-DE" sz="1400" dirty="0">
+              <a:rPr lang="de-DE" dirty="0">
                 <a:latin typeface="+mn-lt"/>
               </a:rPr>
               <a:t>, OLS) über die Minimierung der Summe aller Fehlerquadrate.</a:t>
             </a:r>
           </a:p>
           <a:p>
-            <a:r>
-              <a:rPr lang="de-DE" sz="1400" dirty="0">
-                <a:latin typeface="+mn-lt"/>
-              </a:rPr>
-              <a:t>:</a:t>
-            </a:r>
             <a:br>
               <a:rPr lang="de-DE" sz="1400" dirty="0">
                 <a:latin typeface="+mn-lt"/>
@@ -22099,7 +22582,7 @@
           <a:p>
             <a:fld id="{9DA7E581-D5A0-4DFE-A955-DF88D01DC1F0}" type="datetime1">
               <a:rPr lang="de-DE" noProof="0" smtClean="0"/>
-              <a:t>02.11.2022</a:t>
+              <a:t>03.11.2022</a:t>
             </a:fld>
             <a:endParaRPr lang="de-DE" noProof="0" dirty="0"/>
           </a:p>
@@ -22163,7 +22646,7 @@
           <a:graphicData uri="http://schemas.openxmlformats.org/presentationml/2006/ole">
             <mc:AlternateContent xmlns:mc="http://schemas.openxmlformats.org/markup-compatibility/2006">
               <mc:Choice xmlns:v="urn:schemas-microsoft-com:vml" Requires="v">
-                <p:oleObj spid="_x0000_s2135" name="Equation" r:id="rId4" imgW="1244520" imgH="431640" progId="Equation.DSMT4">
+                <p:oleObj spid="_x0000_s2255" name="Equation" r:id="rId4" imgW="1244520" imgH="431640" progId="Equation.DSMT4">
                   <p:embed/>
                 </p:oleObj>
               </mc:Choice>
@@ -22232,7 +22715,7 @@
           <a:graphicData uri="http://schemas.openxmlformats.org/presentationml/2006/ole">
             <mc:AlternateContent xmlns:mc="http://schemas.openxmlformats.org/markup-compatibility/2006">
               <mc:Choice xmlns:v="urn:schemas-microsoft-com:vml" Requires="v">
-                <p:oleObj spid="_x0000_s2136" name="Equation" r:id="rId6" imgW="1854000" imgH="241200" progId="Equation.DSMT4">
+                <p:oleObj spid="_x0000_s2256" name="Equation" r:id="rId6" imgW="1854000" imgH="241200" progId="Equation.DSMT4">
                   <p:embed/>
                 </p:oleObj>
               </mc:Choice>
@@ -22433,7 +22916,7 @@
           <a:graphicData uri="http://schemas.openxmlformats.org/presentationml/2006/ole">
             <mc:AlternateContent xmlns:mc="http://schemas.openxmlformats.org/markup-compatibility/2006">
               <mc:Choice xmlns:v="urn:schemas-microsoft-com:vml" Requires="v">
-                <p:oleObj spid="_x0000_s2137" name="Equation" r:id="rId8" imgW="3124795" imgH="990862" progId="Equation.DSMT4">
+                <p:oleObj spid="_x0000_s2257" name="Equation" r:id="rId8" imgW="3124795" imgH="990862" progId="Equation.DSMT4">
                   <p:embed/>
                 </p:oleObj>
               </mc:Choice>
@@ -22496,7 +22979,7 @@
           <a:graphicData uri="http://schemas.openxmlformats.org/presentationml/2006/ole">
             <mc:AlternateContent xmlns:mc="http://schemas.openxmlformats.org/markup-compatibility/2006">
               <mc:Choice xmlns:v="urn:schemas-microsoft-com:vml" Requires="v">
-                <p:oleObj spid="_x0000_s2138" name="Equation" r:id="rId10" imgW="485751" imgH="228633" progId="Equation.DSMT4">
+                <p:oleObj spid="_x0000_s2258" name="Equation" r:id="rId10" imgW="485751" imgH="228633" progId="Equation.DSMT4">
                   <p:embed/>
                 </p:oleObj>
               </mc:Choice>
@@ -22559,7 +23042,7 @@
           <a:graphicData uri="http://schemas.openxmlformats.org/presentationml/2006/ole">
             <mc:AlternateContent xmlns:mc="http://schemas.openxmlformats.org/markup-compatibility/2006">
               <mc:Choice xmlns:v="urn:schemas-microsoft-com:vml" Requires="v">
-                <p:oleObj spid="_x0000_s2139" name="Equation" r:id="rId12" imgW="678291" imgH="320051" progId="Equation.DSMT4">
+                <p:oleObj spid="_x0000_s2259" name="Equation" r:id="rId12" imgW="678291" imgH="320051" progId="Equation.DSMT4">
                   <p:embed/>
                 </p:oleObj>
               </mc:Choice>
@@ -22886,7 +23369,7 @@
           <a:p>
             <a:fld id="{9DA7E581-D5A0-4DFE-A955-DF88D01DC1F0}" type="datetime1">
               <a:rPr lang="de-DE" noProof="0" smtClean="0"/>
-              <a:t>02.11.2022</a:t>
+              <a:t>03.11.2022</a:t>
             </a:fld>
             <a:endParaRPr lang="de-DE" noProof="0" dirty="0"/>
           </a:p>
@@ -22950,7 +23433,7 @@
           <a:graphicData uri="http://schemas.openxmlformats.org/presentationml/2006/ole">
             <mc:AlternateContent xmlns:mc="http://schemas.openxmlformats.org/markup-compatibility/2006">
               <mc:Choice xmlns:v="urn:schemas-microsoft-com:vml" Requires="v">
-                <p:oleObj spid="_x0000_s32804" name="Equation" r:id="rId3" imgW="1688760" imgH="253800" progId="Equation.DSMT4">
+                <p:oleObj spid="_x0000_s32852" name="Equation" r:id="rId3" imgW="1688760" imgH="253800" progId="Equation.DSMT4">
                   <p:embed/>
                 </p:oleObj>
               </mc:Choice>
@@ -23023,7 +23506,7 @@
           <a:graphicData uri="http://schemas.openxmlformats.org/presentationml/2006/ole">
             <mc:AlternateContent xmlns:mc="http://schemas.openxmlformats.org/markup-compatibility/2006">
               <mc:Choice xmlns:v="urn:schemas-microsoft-com:vml" Requires="v">
-                <p:oleObj spid="_x0000_s32805" name="Equation" r:id="rId5" imgW="1879560" imgH="672840" progId="Equation.DSMT4">
+                <p:oleObj spid="_x0000_s32853" name="Equation" r:id="rId5" imgW="1879560" imgH="672840" progId="Equation.DSMT4">
                   <p:embed/>
                 </p:oleObj>
               </mc:Choice>
@@ -23255,7 +23738,7 @@
         <p:spPr>
           <a:xfrm>
             <a:off x="478199" y="1703388"/>
-            <a:ext cx="5437188" cy="4479881"/>
+            <a:ext cx="5437188" cy="4572855"/>
           </a:xfrm>
         </p:spPr>
         <p:txBody>
@@ -23264,19 +23747,21 @@
           <a:p>
             <a:pPr lvl="1"/>
             <a:r>
-              <a:rPr lang="de-DE" dirty="0"/>
+              <a:rPr lang="de-DE" sz="1600" dirty="0"/>
               <a:t>Schätzung des erwarteten Verlusts durch Betrugspotential in beobachteten Teststationen:</a:t>
             </a:r>
           </a:p>
           <a:p>
-            <a:endParaRPr lang="de-DE" dirty="0"/>
-          </a:p>
-          <a:p>
-            <a:endParaRPr lang="de-DE" dirty="0"/>
-          </a:p>
-          <a:p>
-            <a:r>
-              <a:rPr lang="de-DE" sz="1400" b="1" dirty="0">
+            <a:endParaRPr lang="de-DE" sz="1800" dirty="0"/>
+          </a:p>
+          <a:p>
+            <a:br>
+              <a:rPr lang="de-DE" b="1" dirty="0">
+                <a:latin typeface="+mn-lt"/>
+              </a:rPr>
+            </a:br>
+            <a:r>
+              <a:rPr lang="de-DE" b="1" dirty="0">
                 <a:latin typeface="+mn-lt"/>
               </a:rPr>
               <a:t>Erkenntnisse eines Testlaufs:</a:t>
@@ -23285,27 +23770,27 @@
           <a:p>
             <a:pPr lvl="3"/>
             <a:r>
-              <a:rPr lang="de-DE" dirty="0"/>
+              <a:rPr lang="de-DE" sz="1600" dirty="0"/>
               <a:t>Nicht alle betrügerischen Stationen werden erkannt</a:t>
             </a:r>
           </a:p>
           <a:p>
             <a:pPr lvl="3"/>
             <a:r>
-              <a:rPr lang="de-DE" dirty="0"/>
+              <a:rPr lang="de-DE" sz="1600" dirty="0"/>
               <a:t>Nicht alle nicht betrügerischen Stationen werden erkannt</a:t>
             </a:r>
           </a:p>
           <a:p>
             <a:pPr lvl="3"/>
-            <a:endParaRPr lang="de-DE" dirty="0"/>
+            <a:endParaRPr lang="de-DE" sz="1600" dirty="0"/>
           </a:p>
           <a:p>
             <a:pPr marL="0" lvl="3" indent="0">
               <a:buNone/>
             </a:pPr>
             <a:r>
-              <a:rPr lang="de-DE" b="1" dirty="0"/>
+              <a:rPr lang="de-DE" sz="1600" b="1" dirty="0"/>
               <a:t>Nächste Schritte</a:t>
             </a:r>
           </a:p>
@@ -23313,31 +23798,31 @@
             <a:pPr marL="0" lvl="3" indent="0">
               <a:buNone/>
             </a:pPr>
-            <a:endParaRPr lang="de-DE" b="1" dirty="0"/>
+            <a:endParaRPr lang="de-DE" sz="1600" b="1" dirty="0"/>
           </a:p>
           <a:p>
             <a:pPr lvl="3"/>
             <a:r>
-              <a:rPr lang="de-DE" dirty="0"/>
+              <a:rPr lang="de-DE" sz="1600" dirty="0"/>
               <a:t>Hinzugabe weiterer Trainingsdaten</a:t>
             </a:r>
           </a:p>
           <a:p>
             <a:pPr lvl="3"/>
             <a:r>
-              <a:rPr lang="de-DE" dirty="0"/>
+              <a:rPr lang="de-DE" sz="1600" dirty="0"/>
               <a:t>Modellierung besserer Merkmale</a:t>
             </a:r>
           </a:p>
           <a:p>
             <a:pPr lvl="3"/>
             <a:r>
-              <a:rPr lang="de-DE" dirty="0"/>
+              <a:rPr lang="de-DE" sz="1600" dirty="0"/>
               <a:t>Evaluation komplexerer Modellklassen</a:t>
             </a:r>
           </a:p>
           <a:p>
-            <a:endParaRPr lang="de-DE" dirty="0"/>
+            <a:endParaRPr lang="de-DE" sz="1800" dirty="0"/>
           </a:p>
         </p:txBody>
       </p:sp>
@@ -23364,7 +23849,7 @@
           <a:p>
             <a:fld id="{9DA7E581-D5A0-4DFE-A955-DF88D01DC1F0}" type="datetime1">
               <a:rPr lang="de-DE" noProof="0" smtClean="0"/>
-              <a:t>02.11.2022</a:t>
+              <a:t>03.11.2022</a:t>
             </a:fld>
             <a:endParaRPr lang="de-DE" noProof="0" dirty="0"/>
           </a:p>
@@ -23428,7 +23913,7 @@
           <a:graphicData uri="http://schemas.openxmlformats.org/presentationml/2006/ole">
             <mc:AlternateContent xmlns:mc="http://schemas.openxmlformats.org/markup-compatibility/2006">
               <mc:Choice xmlns:v="urn:schemas-microsoft-com:vml" Requires="v">
-                <p:oleObj spid="_x0000_s33811" name="Equation" r:id="rId4" imgW="4299441" imgH="428415" progId="Equation.DSMT4">
+                <p:oleObj spid="_x0000_s33835" name="Equation" r:id="rId4" imgW="4299441" imgH="428415" progId="Equation.DSMT4">
                   <p:embed/>
                 </p:oleObj>
               </mc:Choice>
@@ -23633,7 +24118,7 @@
         <p:spPr>
           <a:xfrm>
             <a:off x="478199" y="1703388"/>
-            <a:ext cx="5437188" cy="2877583"/>
+            <a:ext cx="5437188" cy="3214213"/>
           </a:xfrm>
         </p:spPr>
         <p:txBody>
@@ -23641,35 +24126,35 @@
           <a:lstStyle/>
           <a:p>
             <a:r>
-              <a:rPr lang="de-DE" dirty="0"/>
+              <a:rPr lang="de-DE" sz="1800" dirty="0"/>
               <a:t>Prädiktive Analytik</a:t>
             </a:r>
           </a:p>
           <a:p>
             <a:pPr lvl="1"/>
             <a:r>
-              <a:rPr lang="de-DE" dirty="0"/>
+              <a:rPr lang="de-DE" sz="1600" dirty="0"/>
               <a:t>Lernt aus den Beobachtungen historischer Betrugsmuster prädiktive Modelle, um zwischen normalen und betrügerischen Verhaltensweisen zu unterscheiden.</a:t>
             </a:r>
           </a:p>
           <a:p>
             <a:pPr lvl="3"/>
             <a:r>
-              <a:rPr lang="de-DE" dirty="0"/>
+              <a:rPr lang="de-DE" sz="1600" dirty="0"/>
               <a:t>Benötigt historische Beispiele</a:t>
             </a:r>
           </a:p>
           <a:p>
             <a:pPr lvl="3"/>
             <a:r>
-              <a:rPr lang="de-DE" dirty="0"/>
+              <a:rPr lang="de-DE" sz="1600" dirty="0"/>
               <a:t>Erkennt lediglich bekannte Betrugsmuster</a:t>
             </a:r>
           </a:p>
           <a:p>
             <a:pPr lvl="3"/>
             <a:r>
-              <a:rPr lang="de-DE" dirty="0"/>
+              <a:rPr lang="de-DE" sz="1600" dirty="0"/>
               <a:t>Robuster gegenüber Täuschung</a:t>
             </a:r>
           </a:p>
@@ -23677,19 +24162,19 @@
             <a:pPr marL="0" lvl="3" indent="0">
               <a:buNone/>
             </a:pPr>
-            <a:endParaRPr lang="de-DE" dirty="0"/>
+            <a:endParaRPr lang="de-DE" sz="1600" dirty="0"/>
           </a:p>
           <a:p>
             <a:pPr marL="0" lvl="3" indent="0">
               <a:buNone/>
             </a:pPr>
-            <a:endParaRPr lang="en-US" dirty="0"/>
+            <a:endParaRPr lang="en-US" sz="1600" dirty="0"/>
           </a:p>
           <a:p>
             <a:pPr marL="0" lvl="3" indent="0">
               <a:buNone/>
             </a:pPr>
-            <a:endParaRPr lang="de-DE" dirty="0"/>
+            <a:endParaRPr lang="de-DE" sz="1600" dirty="0"/>
           </a:p>
         </p:txBody>
       </p:sp>
@@ -23712,7 +24197,7 @@
         <p:spPr>
           <a:xfrm>
             <a:off x="6275388" y="1703388"/>
-            <a:ext cx="5437187" cy="1712905"/>
+            <a:ext cx="5437187" cy="1947906"/>
           </a:xfrm>
         </p:spPr>
         <p:txBody>
@@ -23723,25 +24208,25 @@
               <a:buNone/>
             </a:pPr>
             <a:r>
-              <a:rPr lang="en-US" sz="1600" dirty="0" err="1">
+              <a:rPr lang="en-US" sz="1800" dirty="0" err="1">
                 <a:latin typeface="+mj-lt"/>
               </a:rPr>
               <a:t>Vorgestellte</a:t>
             </a:r>
             <a:r>
-              <a:rPr lang="en-US" sz="1600" dirty="0">
+              <a:rPr lang="en-US" sz="1800" dirty="0">
                 <a:latin typeface="+mj-lt"/>
               </a:rPr>
               <a:t> </a:t>
             </a:r>
             <a:r>
-              <a:rPr lang="en-US" sz="1600" dirty="0" err="1">
+              <a:rPr lang="en-US" sz="1800" dirty="0" err="1">
                 <a:latin typeface="+mj-lt"/>
               </a:rPr>
               <a:t>Methoden</a:t>
             </a:r>
             <a:r>
-              <a:rPr lang="en-US" sz="1600" dirty="0">
+              <a:rPr lang="en-US" sz="1800" dirty="0">
                 <a:latin typeface="+mj-lt"/>
               </a:rPr>
               <a:t>:</a:t>
@@ -23751,7 +24236,7 @@
             <a:pPr marL="0" lvl="3" indent="0">
               <a:buNone/>
             </a:pPr>
-            <a:endParaRPr lang="en-US" sz="1600" dirty="0">
+            <a:endParaRPr lang="en-US" sz="1800" dirty="0">
               <a:latin typeface="+mj-lt"/>
             </a:endParaRPr>
           </a:p>
@@ -23761,10 +24246,10 @@
               <a:buAutoNum type="arabicPeriod"/>
             </a:pPr>
             <a:r>
-              <a:rPr lang="en-US" dirty="0" err="1"/>
+              <a:rPr lang="en-US" sz="1600" dirty="0" err="1"/>
               <a:t>Modellansatz</a:t>
             </a:r>
-            <a:endParaRPr lang="en-US" dirty="0"/>
+            <a:endParaRPr lang="en-US" sz="1600" dirty="0"/>
           </a:p>
           <a:p>
             <a:pPr marL="342900" lvl="3" indent="-342900">
@@ -23772,11 +24257,11 @@
               <a:buAutoNum type="arabicPeriod"/>
             </a:pPr>
             <a:r>
-              <a:rPr lang="en-US" dirty="0" err="1"/>
+              <a:rPr lang="en-US" sz="1600" dirty="0" err="1"/>
               <a:t>Lineare</a:t>
             </a:r>
             <a:r>
-              <a:rPr lang="en-US" dirty="0"/>
+              <a:rPr lang="en-US" sz="1600" dirty="0"/>
               <a:t> Regression</a:t>
             </a:r>
           </a:p>
@@ -23786,7 +24271,7 @@
               <a:buAutoNum type="arabicPeriod"/>
             </a:pPr>
             <a:r>
-              <a:rPr lang="de-DE" dirty="0"/>
+              <a:rPr lang="de-DE" sz="1600" dirty="0"/>
               <a:t>Log. Regression</a:t>
             </a:r>
           </a:p>
@@ -23795,13 +24280,13 @@
               <a:buFont typeface="+mj-lt"/>
               <a:buAutoNum type="arabicPeriod"/>
             </a:pPr>
-            <a:endParaRPr lang="en-US" dirty="0"/>
+            <a:endParaRPr lang="en-US" sz="1600" dirty="0"/>
           </a:p>
           <a:p>
             <a:pPr marL="0" lvl="3" indent="0">
               <a:buNone/>
             </a:pPr>
-            <a:endParaRPr lang="en-US" b="1" dirty="0"/>
+            <a:endParaRPr lang="en-US" sz="1600" b="1" dirty="0"/>
           </a:p>
         </p:txBody>
       </p:sp>
@@ -23828,7 +24313,7 @@
           <a:p>
             <a:fld id="{4BDB264A-4676-45A5-B387-60439B46227D}" type="datetime1">
               <a:rPr lang="de-DE" noProof="0" smtClean="0"/>
-              <a:t>02.11.2022</a:t>
+              <a:t>03.11.2022</a:t>
             </a:fld>
             <a:endParaRPr lang="de-DE" noProof="0" dirty="0"/>
           </a:p>
@@ -24249,7 +24734,7 @@
           <a:p>
             <a:fld id="{9DA7E581-D5A0-4DFE-A955-DF88D01DC1F0}" type="datetime1">
               <a:rPr lang="de-DE" noProof="0" smtClean="0"/>
-              <a:t>02.11.2022</a:t>
+              <a:t>03.11.2022</a:t>
             </a:fld>
             <a:endParaRPr lang="de-DE" noProof="0" dirty="0"/>
           </a:p>
@@ -24376,7 +24861,7 @@
           <a:graphicData uri="http://schemas.openxmlformats.org/presentationml/2006/ole">
             <mc:AlternateContent xmlns:mc="http://schemas.openxmlformats.org/markup-compatibility/2006">
               <mc:Choice xmlns:v="urn:schemas-microsoft-com:vml" Requires="v">
-                <p:oleObj spid="_x0000_s34835" name="think-cell Folie" r:id="rId4" imgW="344" imgH="345" progId="TCLayout.ActiveDocument.1">
+                <p:oleObj spid="_x0000_s34859" name="think-cell Folie" r:id="rId4" imgW="344" imgH="345" progId="TCLayout.ActiveDocument.1">
                   <p:embed/>
                 </p:oleObj>
               </mc:Choice>
@@ -24717,7 +25202,7 @@
           <a:p>
             <a:fld id="{3FF77DFC-33DC-4457-974A-3F8ABA01093A}" type="datetime1">
               <a:rPr lang="de-DE" noProof="0" smtClean="0"/>
-              <a:t>02.11.2022</a:t>
+              <a:t>03.11.2022</a:t>
             </a:fld>
             <a:endParaRPr lang="de-DE" noProof="0" dirty="0"/>
           </a:p>
@@ -26021,7 +26506,7 @@
         <p:spPr>
           <a:xfrm>
             <a:off x="478199" y="1703388"/>
-            <a:ext cx="4556788" cy="2909194"/>
+            <a:ext cx="4556788" cy="3180038"/>
           </a:xfrm>
         </p:spPr>
         <p:txBody>
@@ -26038,7 +26523,31 @@
               <a:rPr lang="de-DE" dirty="0">
                 <a:latin typeface="+mn-lt"/>
               </a:rPr>
-              <a:t>[…] Demnach soll das RKI künftig die Abrechnungsdaten analysieren, "statistische Ausreißer" identifizieren, […] wie die Positivrate der Schnelltests. Entdecke das RKI Unregelmäßigkeiten, solle es die örtlichen Gesundheitsämter und die zuständige Kassenärztliche Vereinigung unterrichten, so der Plan des Ministeriums. </a:t>
+              <a:t>[…] Demnach soll das RKI künftig die Abrechnungsdaten analysieren, "</a:t>
+            </a:r>
+            <a:r>
+              <a:rPr lang="de-DE" b="1" dirty="0">
+                <a:latin typeface="+mn-lt"/>
+              </a:rPr>
+              <a:t>statistische Ausreißer</a:t>
+            </a:r>
+            <a:r>
+              <a:rPr lang="de-DE" dirty="0">
+                <a:latin typeface="+mn-lt"/>
+              </a:rPr>
+              <a:t>" identifizieren, […] wie die </a:t>
+            </a:r>
+            <a:r>
+              <a:rPr lang="de-DE" b="1" dirty="0">
+                <a:latin typeface="+mn-lt"/>
+              </a:rPr>
+              <a:t>Positivrate der Schnelltests</a:t>
+            </a:r>
+            <a:r>
+              <a:rPr lang="de-DE" dirty="0">
+                <a:latin typeface="+mn-lt"/>
+              </a:rPr>
+              <a:t>. Entdecke das RKI Unregelmäßigkeiten, solle es die örtlichen Gesundheitsämter und die zuständige Kassenärztliche Vereinigung unterrichten, so der Plan des Ministeriums. </a:t>
             </a:r>
           </a:p>
           <a:p>
@@ -26069,7 +26578,7 @@
           <a:p>
             <a:fld id="{3FF77DFC-33DC-4457-974A-3F8ABA01093A}" type="datetime1">
               <a:rPr lang="de-DE" noProof="0" smtClean="0"/>
-              <a:t>02.11.2022</a:t>
+              <a:t>03.11.2022</a:t>
             </a:fld>
             <a:endParaRPr lang="de-DE" noProof="0" dirty="0"/>
           </a:p>
@@ -26287,7 +26796,7 @@
         <p:spPr>
           <a:xfrm>
             <a:off x="478199" y="1703388"/>
-            <a:ext cx="5437188" cy="2204899"/>
+            <a:ext cx="5437188" cy="2543453"/>
           </a:xfrm>
         </p:spPr>
         <p:txBody>
@@ -26295,29 +26804,29 @@
           <a:lstStyle/>
           <a:p>
             <a:r>
-              <a:rPr lang="de-DE" dirty="0"/>
+              <a:rPr lang="de-DE" sz="2000" dirty="0"/>
               <a:t>Szenario:</a:t>
             </a:r>
           </a:p>
           <a:p>
             <a:pPr lvl="1"/>
             <a:r>
-              <a:rPr lang="de-DE" dirty="0"/>
+              <a:rPr lang="de-DE" sz="1800" dirty="0"/>
               <a:t>In einem Kreis wurde eine Inzidenz von </a:t>
             </a:r>
             <a:br>
-              <a:rPr lang="de-DE" dirty="0"/>
+              <a:rPr lang="de-DE" sz="1800" dirty="0"/>
             </a:br>
             <a:r>
-              <a:rPr lang="de-DE" dirty="0"/>
+              <a:rPr lang="de-DE" sz="1800" dirty="0"/>
               <a:t>990 (Infizierte pro 100.000 Einwohner) festgestellt. </a:t>
             </a:r>
           </a:p>
           <a:p>
             <a:pPr lvl="1"/>
             <a:r>
-              <a:rPr lang="de-DE" dirty="0"/>
-              <a:t>Von mehreren Schnelltest-stationen wurden in einem Zeitraum die Zahlen von 10.000 Testresultate gesichtet.</a:t>
+              <a:rPr lang="de-DE" sz="1800" dirty="0"/>
+              <a:t>Von mehreren Schnellteststationen wurden in einem Zeitraum die Zahlen von 10.000 Testresultate gesichtet.</a:t>
             </a:r>
           </a:p>
           <a:p>
@@ -26388,7 +26897,7 @@
           <a:p>
             <a:fld id="{F9967109-B16C-44BE-AAA6-3FD25DAD3A1B}" type="datetime1">
               <a:rPr lang="de-DE" noProof="0" smtClean="0"/>
-              <a:t>02.11.2022</a:t>
+              <a:t>03.11.2022</a:t>
             </a:fld>
             <a:endParaRPr lang="de-DE" noProof="0" dirty="0"/>
           </a:p>
@@ -26452,7 +26961,7 @@
           <a:graphicData uri="http://schemas.openxmlformats.org/presentationml/2006/ole">
             <mc:AlternateContent xmlns:mc="http://schemas.openxmlformats.org/markup-compatibility/2006">
               <mc:Choice xmlns:v="urn:schemas-microsoft-com:vml" Requires="v">
-                <p:oleObj spid="_x0000_s17427" name="Equation" r:id="rId3" imgW="1152624" imgH="942975" progId="Equation.DSMT4">
+                <p:oleObj spid="_x0000_s17451" name="Equation" r:id="rId3" imgW="1152624" imgH="942975" progId="Equation.DSMT4">
                   <p:embed/>
                 </p:oleObj>
               </mc:Choice>
@@ -26623,7 +27132,7 @@
         <p:spPr>
           <a:xfrm>
             <a:off x="3784922" y="1703388"/>
-            <a:ext cx="7927653" cy="3951531"/>
+            <a:ext cx="7927653" cy="5102615"/>
           </a:xfrm>
         </p:spPr>
         <p:txBody>
@@ -26631,32 +27140,64 @@
           <a:lstStyle/>
           <a:p>
             <a:r>
-              <a:rPr lang="de-DE" dirty="0"/>
+              <a:rPr lang="de-DE" sz="2000" dirty="0"/>
               <a:t>Definition: Bernoulli-Versuch </a:t>
             </a:r>
           </a:p>
           <a:p>
             <a:pPr lvl="1"/>
             <a:r>
-              <a:rPr lang="de-DE" dirty="0"/>
-              <a:t>Ein Bernoulli-Versuch (oder Binomialversuch) ist ein Zufallsexperiment mit genau zwei möglichen Ergebnissen, bei dem die Erfolgswahrscheinlichkeit bei jeder Durchführung des Experiments gleich ist.</a:t>
+              <a:rPr lang="de-DE" sz="1800" dirty="0"/>
+              <a:t>Ein Bernoulli-Versuch (oder Binomialversuch) ist ein Zufallsexperiment mit genau </a:t>
+            </a:r>
+            <a:r>
+              <a:rPr lang="de-DE" sz="1800" b="1" dirty="0"/>
+              <a:t>zwei möglichen Ergebnissen</a:t>
+            </a:r>
+            <a:r>
+              <a:rPr lang="de-DE" sz="1800" dirty="0"/>
+              <a:t>, bei dem die Erfolgswahrscheinlichkeit bei jeder Durchführung des Experiments gleich ist.</a:t>
             </a:r>
           </a:p>
           <a:p>
             <a:pPr lvl="1"/>
-            <a:endParaRPr lang="de-DE" dirty="0"/>
-          </a:p>
-          <a:p>
-            <a:r>
-              <a:rPr lang="de-DE" dirty="0"/>
+            <a:endParaRPr lang="de-DE" sz="1800" dirty="0"/>
+          </a:p>
+          <a:p>
+            <a:r>
+              <a:rPr lang="de-DE" sz="2000" dirty="0"/>
               <a:t>Definition: Binomialverteilung </a:t>
             </a:r>
           </a:p>
           <a:p>
             <a:pPr lvl="1"/>
             <a:r>
-              <a:rPr lang="de-DE" dirty="0"/>
-              <a:t>Die Binomialverteilung 𝐵(𝑛,𝑝)  ist eine diskrete Verteilung und beschreibt die Anzahl der Erfolge k in einer Serie  von gleichartigen und unabhängigen Zufallsexperimenten n mit Erfolgswahrscheinlichkeit p, die jeweils genau zwei mögliche Ergebnisse haben.</a:t>
+              <a:rPr lang="de-DE" sz="1800" dirty="0"/>
+              <a:t>Die Binomialverteilung 𝐵(𝑛,𝑝)  ist eine diskrete Verteilung und beschreibt die </a:t>
+            </a:r>
+            <a:r>
+              <a:rPr lang="de-DE" sz="1800" b="1" dirty="0"/>
+              <a:t>Anzahl der Erfolge k </a:t>
+            </a:r>
+            <a:r>
+              <a:rPr lang="de-DE" sz="1800" dirty="0"/>
+              <a:t>in einer Serie  von gleichartigen und </a:t>
+            </a:r>
+            <a:r>
+              <a:rPr lang="de-DE" sz="1800" b="1" dirty="0"/>
+              <a:t>unabhängigen Zufallsexperimenten n </a:t>
+            </a:r>
+            <a:r>
+              <a:rPr lang="de-DE" sz="1800" dirty="0"/>
+              <a:t>mit </a:t>
+            </a:r>
+            <a:r>
+              <a:rPr lang="de-DE" sz="1800" b="1" dirty="0"/>
+              <a:t>Erfolgswahrscheinlichkeit p</a:t>
+            </a:r>
+            <a:r>
+              <a:rPr lang="de-DE" sz="1800" dirty="0"/>
+              <a:t>, die jeweils genau zwei mögliche Ergebnisse haben.</a:t>
             </a:r>
           </a:p>
           <a:p>
@@ -26690,7 +27231,7 @@
           <a:p>
             <a:fld id="{F9967109-B16C-44BE-AAA6-3FD25DAD3A1B}" type="datetime1">
               <a:rPr lang="de-DE" noProof="0" smtClean="0"/>
-              <a:t>02.11.2022</a:t>
+              <a:t>03.11.2022</a:t>
             </a:fld>
             <a:endParaRPr lang="de-DE" noProof="0" dirty="0"/>
           </a:p>
@@ -26754,7 +27295,7 @@
           <a:graphicData uri="http://schemas.openxmlformats.org/presentationml/2006/ole">
             <mc:AlternateContent xmlns:mc="http://schemas.openxmlformats.org/markup-compatibility/2006">
               <mc:Choice xmlns:v="urn:schemas-microsoft-com:vml" Requires="v">
-                <p:oleObj spid="_x0000_s18451" name="Equation" r:id="rId3" imgW="1152624" imgH="942975" progId="Equation.DSMT4">
+                <p:oleObj spid="_x0000_s18475" name="Equation" r:id="rId3" imgW="1152624" imgH="942975" progId="Equation.DSMT4">
                   <p:embed/>
                 </p:oleObj>
               </mc:Choice>
@@ -27108,7 +27649,7 @@
             <a:fld id="{F9967109-B16C-44BE-AAA6-3FD25DAD3A1B}" type="datetime1">
               <a:rPr lang="de-DE" noProof="0" smtClean="0"/>
               <a:pPr/>
-              <a:t>02.11.2022</a:t>
+              <a:t>03.11.2022</a:t>
             </a:fld>
             <a:endParaRPr lang="de-DE" noProof="0" dirty="0"/>
           </a:p>
@@ -27166,7 +27707,7 @@
           <a:graphicData uri="http://schemas.openxmlformats.org/presentationml/2006/ole">
             <mc:AlternateContent xmlns:mc="http://schemas.openxmlformats.org/markup-compatibility/2006">
               <mc:Choice xmlns:v="urn:schemas-microsoft-com:vml" Requires="v">
-                <p:oleObj spid="_x0000_s19628" name="Equation" r:id="rId3" imgW="1152624" imgH="942975" progId="Equation.DSMT4">
+                <p:oleObj spid="_x0000_s19868" name="Equation" r:id="rId3" imgW="1152624" imgH="942975" progId="Equation.DSMT4">
                   <p:embed/>
                 </p:oleObj>
               </mc:Choice>
@@ -27235,7 +27776,7 @@
           <a:graphicData uri="http://schemas.openxmlformats.org/presentationml/2006/ole">
             <mc:AlternateContent xmlns:mc="http://schemas.openxmlformats.org/markup-compatibility/2006">
               <mc:Choice xmlns:v="urn:schemas-microsoft-com:vml" Requires="v">
-                <p:oleObj spid="_x0000_s19629" name="Equation" r:id="rId5" imgW="494870" imgH="203024" progId="Equation.DSMT4">
+                <p:oleObj spid="_x0000_s19869" name="Equation" r:id="rId5" imgW="494870" imgH="203024" progId="Equation.DSMT4">
                   <p:embed/>
                 </p:oleObj>
               </mc:Choice>
@@ -27314,7 +27855,7 @@
           <a:graphicData uri="http://schemas.openxmlformats.org/presentationml/2006/ole">
             <mc:AlternateContent xmlns:mc="http://schemas.openxmlformats.org/markup-compatibility/2006">
               <mc:Choice xmlns:v="urn:schemas-microsoft-com:vml" Requires="v">
-                <p:oleObj spid="_x0000_s19630" name="Equation" r:id="rId7" imgW="1739900" imgH="457200" progId="Equation.DSMT4">
+                <p:oleObj spid="_x0000_s19870" name="Equation" r:id="rId7" imgW="1739900" imgH="457200" progId="Equation.DSMT4">
                   <p:embed/>
                 </p:oleObj>
               </mc:Choice>
@@ -27393,7 +27934,7 @@
           <a:graphicData uri="http://schemas.openxmlformats.org/presentationml/2006/ole">
             <mc:AlternateContent xmlns:mc="http://schemas.openxmlformats.org/markup-compatibility/2006">
               <mc:Choice xmlns:v="urn:schemas-microsoft-com:vml" Requires="v">
-                <p:oleObj spid="_x0000_s19631" name="Equation" r:id="rId9" imgW="761669" imgH="203112" progId="Equation.DSMT4">
+                <p:oleObj spid="_x0000_s19871" name="Equation" r:id="rId9" imgW="761669" imgH="203112" progId="Equation.DSMT4">
                   <p:embed/>
                 </p:oleObj>
               </mc:Choice>
@@ -27472,7 +28013,7 @@
           <a:graphicData uri="http://schemas.openxmlformats.org/presentationml/2006/ole">
             <mc:AlternateContent xmlns:mc="http://schemas.openxmlformats.org/markup-compatibility/2006">
               <mc:Choice xmlns:v="urn:schemas-microsoft-com:vml" Requires="v">
-                <p:oleObj spid="_x0000_s19632" name="Equation" r:id="rId11" imgW="1562040" imgH="228600" progId="Equation.DSMT4">
+                <p:oleObj spid="_x0000_s19872" name="Equation" r:id="rId11" imgW="1562040" imgH="228600" progId="Equation.DSMT4">
                   <p:embed/>
                 </p:oleObj>
               </mc:Choice>
@@ -27545,7 +28086,7 @@
           <a:graphicData uri="http://schemas.openxmlformats.org/presentationml/2006/ole">
             <mc:AlternateContent xmlns:mc="http://schemas.openxmlformats.org/markup-compatibility/2006">
               <mc:Choice xmlns:v="urn:schemas-microsoft-com:vml" Requires="v">
-                <p:oleObj spid="_x0000_s19633" name="Equation" r:id="rId13" imgW="494870" imgH="177646" progId="Equation.DSMT4">
+                <p:oleObj spid="_x0000_s19873" name="Equation" r:id="rId13" imgW="494870" imgH="177646" progId="Equation.DSMT4">
                   <p:embed/>
                 </p:oleObj>
               </mc:Choice>
@@ -27782,7 +28323,7 @@
           <a:graphicData uri="http://schemas.openxmlformats.org/presentationml/2006/ole">
             <mc:AlternateContent xmlns:mc="http://schemas.openxmlformats.org/markup-compatibility/2006">
               <mc:Choice xmlns:v="urn:schemas-microsoft-com:vml" Requires="v">
-                <p:oleObj spid="_x0000_s19634" name="Equation" r:id="rId17" imgW="241200" imgH="152280" progId="Equation.DSMT4">
+                <p:oleObj spid="_x0000_s19874" name="Equation" r:id="rId17" imgW="241200" imgH="152280" progId="Equation.DSMT4">
                   <p:embed/>
                 </p:oleObj>
               </mc:Choice>
@@ -27851,7 +28392,7 @@
           <a:graphicData uri="http://schemas.openxmlformats.org/presentationml/2006/ole">
             <mc:AlternateContent xmlns:mc="http://schemas.openxmlformats.org/markup-compatibility/2006">
               <mc:Choice xmlns:v="urn:schemas-microsoft-com:vml" Requires="v">
-                <p:oleObj spid="_x0000_s19635" name="Equation" r:id="rId19" imgW="152315" imgH="171385" progId="Equation.DSMT4">
+                <p:oleObj spid="_x0000_s19875" name="Equation" r:id="rId19" imgW="152315" imgH="171385" progId="Equation.DSMT4">
                   <p:embed/>
                 </p:oleObj>
               </mc:Choice>
@@ -27920,7 +28461,7 @@
           <a:graphicData uri="http://schemas.openxmlformats.org/presentationml/2006/ole">
             <mc:AlternateContent xmlns:mc="http://schemas.openxmlformats.org/markup-compatibility/2006">
               <mc:Choice xmlns:v="urn:schemas-microsoft-com:vml" Requires="v">
-                <p:oleObj spid="_x0000_s19636" name="Equation" r:id="rId21" imgW="241200" imgH="139680" progId="Equation.DSMT4">
+                <p:oleObj spid="_x0000_s19876" name="Equation" r:id="rId21" imgW="241200" imgH="139680" progId="Equation.DSMT4">
                   <p:embed/>
                 </p:oleObj>
               </mc:Choice>
@@ -27983,7 +28524,7 @@
           <a:graphicData uri="http://schemas.openxmlformats.org/presentationml/2006/ole">
             <mc:AlternateContent xmlns:mc="http://schemas.openxmlformats.org/markup-compatibility/2006">
               <mc:Choice xmlns:v="urn:schemas-microsoft-com:vml" Requires="v">
-                <p:oleObj spid="_x0000_s19637" name="Equation" r:id="rId23" imgW="192254" imgH="214928" progId="Equation.DSMT4">
+                <p:oleObj spid="_x0000_s19877" name="Equation" r:id="rId23" imgW="192254" imgH="214928" progId="Equation.DSMT4">
                   <p:embed/>
                 </p:oleObj>
               </mc:Choice>
@@ -28124,8 +28665,8 @@
         </p:nvSpPr>
         <p:spPr>
           <a:xfrm>
-            <a:off x="478199" y="1703388"/>
-            <a:ext cx="5381625" cy="4425507"/>
+            <a:off x="478199" y="1703389"/>
+            <a:ext cx="5381625" cy="5617115"/>
           </a:xfrm>
         </p:spPr>
         <p:txBody>
@@ -28134,27 +28675,27 @@
           <a:p>
             <a:pPr lvl="1"/>
             <a:r>
-              <a:rPr lang="de-DE" dirty="0"/>
+              <a:rPr lang="de-DE" sz="1600" dirty="0"/>
               <a:t>Aufsummierte Ergebnisse der Bernoulli Zufallsexperimente innerhalb eines Bernoulli-Prozesses (</a:t>
             </a:r>
             <a:r>
-              <a:rPr lang="de-DE" dirty="0" err="1"/>
+              <a:rPr lang="de-DE" sz="1600" dirty="0" err="1"/>
               <a:t>random</a:t>
             </a:r>
             <a:r>
-              <a:rPr lang="de-DE" dirty="0"/>
+              <a:rPr lang="de-DE" sz="1600" dirty="0"/>
               <a:t> </a:t>
             </a:r>
             <a:r>
-              <a:rPr lang="de-DE" dirty="0" err="1"/>
+              <a:rPr lang="de-DE" sz="1600" dirty="0" err="1"/>
               <a:t>walk</a:t>
             </a:r>
             <a:r>
-              <a:rPr lang="de-DE" dirty="0"/>
+              <a:rPr lang="de-DE" sz="1600" dirty="0"/>
               <a:t>)</a:t>
             </a:r>
             <a:r>
-              <a:rPr lang="de-DE" dirty="0">
+              <a:rPr lang="de-DE" sz="1600" dirty="0">
                 <a:latin typeface="Cambria Math" panose="02040503050406030204" pitchFamily="18" charset="0"/>
               </a:rPr>
               <a:t>:</a:t>
@@ -28447,6 +28988,61 @@
           </a:p>
           <a:p>
             <a:pPr lvl="1"/>
+            <a:r>
+              <a:rPr lang="de-DE" sz="1400" dirty="0"/>
+              <a:t>Betrug ist ein </a:t>
+            </a:r>
+            <a:r>
+              <a:rPr lang="de-DE" sz="1400" b="1" dirty="0"/>
+              <a:t>ungewöhnliches</a:t>
+            </a:r>
+            <a:r>
+              <a:rPr lang="de-DE" sz="1400" dirty="0"/>
+              <a:t>, gut </a:t>
+            </a:r>
+            <a:r>
+              <a:rPr lang="de-DE" sz="1400" b="1" dirty="0"/>
+              <a:t>durchdachtes</a:t>
+            </a:r>
+            <a:r>
+              <a:rPr lang="de-DE" sz="1400" dirty="0"/>
+              <a:t>, unmerklich </a:t>
+            </a:r>
+            <a:r>
+              <a:rPr lang="de-DE" sz="1400" b="1" dirty="0"/>
+              <a:t>verborgenes</a:t>
+            </a:r>
+            <a:r>
+              <a:rPr lang="de-DE" sz="1400" dirty="0"/>
+              <a:t>, sich mit der Zeit </a:t>
+            </a:r>
+            <a:r>
+              <a:rPr lang="de-DE" sz="1400" b="1" dirty="0"/>
+              <a:t>entwickelndes</a:t>
+            </a:r>
+            <a:r>
+              <a:rPr lang="de-DE" sz="1400" dirty="0"/>
+              <a:t> und oft sorgfältig </a:t>
+            </a:r>
+            <a:r>
+              <a:rPr lang="de-DE" sz="1400" b="1" dirty="0"/>
+              <a:t>organisiertes</a:t>
+            </a:r>
+            <a:r>
+              <a:rPr lang="de-DE" sz="1400" dirty="0"/>
+              <a:t> Verbrechen, das in den </a:t>
+            </a:r>
+            <a:r>
+              <a:rPr lang="de-DE" sz="1400" b="1" dirty="0"/>
+              <a:t>unterschiedlichsten Formen </a:t>
+            </a:r>
+            <a:r>
+              <a:rPr lang="de-DE" sz="1400" dirty="0"/>
+              <a:t>auftritt.</a:t>
+            </a:r>
+          </a:p>
+          <a:p>
+            <a:pPr lvl="1"/>
             <a:endParaRPr lang="de-DE" dirty="0">
               <a:latin typeface="Cambria Math" panose="02040503050406030204" pitchFamily="18" charset="0"/>
             </a:endParaRPr>
@@ -28483,7 +29079,7 @@
           <a:p>
             <a:fld id="{3FF77DFC-33DC-4457-974A-3F8ABA01093A}" type="datetime1">
               <a:rPr lang="de-DE" noProof="0" smtClean="0"/>
-              <a:t>02.11.2022</a:t>
+              <a:t>03.11.2022</a:t>
             </a:fld>
             <a:endParaRPr lang="de-DE" noProof="0" dirty="0"/>
           </a:p>
@@ -29417,32 +30013,6 @@
 </file>
 
 <file path=customXml/item1.xml><?xml version="1.0" encoding="utf-8"?>
-<p:properties xmlns:p="http://schemas.microsoft.com/office/2006/metadata/properties" xmlns:xsi="http://www.w3.org/2001/XMLSchema-instance" xmlns:pc="http://schemas.microsoft.com/office/infopath/2007/PartnerControls">
-  <documentManagement>
-    <lcf76f155ced4ddcb4097134ff3c332f xmlns="021e6479-67b1-4ffe-9fba-60aa2db3380c">
-      <Terms xmlns="http://schemas.microsoft.com/office/infopath/2007/PartnerControls"/>
-    </lcf76f155ced4ddcb4097134ff3c332f>
-    <j3be57c0cc33447993dea9adf22e17aa xmlns="021e6479-67b1-4ffe-9fba-60aa2db3380c">
-      <Terms xmlns="http://schemas.microsoft.com/office/infopath/2007/PartnerControls"/>
-    </j3be57c0cc33447993dea9adf22e17aa>
-    <o90571e0c2504f6087062653c1feab14 xmlns="021e6479-67b1-4ffe-9fba-60aa2db3380c">
-      <Terms xmlns="http://schemas.microsoft.com/office/infopath/2007/PartnerControls"/>
-    </o90571e0c2504f6087062653c1feab14>
-    <TaxCatchAll xmlns="e14eabbf-085b-423c-adff-d7b7c479b5df" xsi:nil="true"/>
-  </documentManagement>
-</p:properties>
-</file>
-
-<file path=customXml/item2.xml><?xml version="1.0" encoding="utf-8"?>
-<?mso-contentType ?>
-<FormTemplates xmlns="http://schemas.microsoft.com/sharepoint/v3/contenttype/forms">
-  <Display>DocumentLibraryForm</Display>
-  <Edit>DocumentLibraryForm</Edit>
-  <New>DocumentLibraryForm</New>
-</FormTemplates>
-</file>
-
-<file path=customXml/item3.xml><?xml version="1.0" encoding="utf-8"?>
 <ct:contentTypeSchema xmlns:ct="http://schemas.microsoft.com/office/2006/metadata/contentType" xmlns:ma="http://schemas.microsoft.com/office/2006/metadata/properties/metaAttributes" ct:_="" ma:_="" ma:contentTypeName="Dokument" ma:contentTypeID="0x010100191A48BD27137F4AB839C0A4A641F230" ma:contentTypeVersion="20" ma:contentTypeDescription="Ein neues Dokument erstellen." ma:contentTypeScope="" ma:versionID="b7b89836d61c5c485c14f43c78cd7a2b">
   <xsd:schema xmlns:xsd="http://www.w3.org/2001/XMLSchema" xmlns:xs="http://www.w3.org/2001/XMLSchema" xmlns:p="http://schemas.microsoft.com/office/2006/metadata/properties" xmlns:ns2="021e6479-67b1-4ffe-9fba-60aa2db3380c" xmlns:ns3="e14eabbf-085b-423c-adff-d7b7c479b5df" targetNamespace="http://schemas.microsoft.com/office/2006/metadata/properties" ma:root="true" ma:fieldsID="063e5fbc2436fbd0a56f6f85e8d38b00" ns2:_="" ns3:_="">
     <xsd:import namespace="021e6479-67b1-4ffe-9fba-60aa2db3380c"/>
@@ -29689,7 +30259,52 @@
 </ct:contentTypeSchema>
 </file>
 
+<file path=customXml/item2.xml><?xml version="1.0" encoding="utf-8"?>
+<p:properties xmlns:p="http://schemas.microsoft.com/office/2006/metadata/properties" xmlns:xsi="http://www.w3.org/2001/XMLSchema-instance" xmlns:pc="http://schemas.microsoft.com/office/infopath/2007/PartnerControls">
+  <documentManagement>
+    <lcf76f155ced4ddcb4097134ff3c332f xmlns="021e6479-67b1-4ffe-9fba-60aa2db3380c">
+      <Terms xmlns="http://schemas.microsoft.com/office/infopath/2007/PartnerControls"/>
+    </lcf76f155ced4ddcb4097134ff3c332f>
+    <j3be57c0cc33447993dea9adf22e17aa xmlns="021e6479-67b1-4ffe-9fba-60aa2db3380c">
+      <Terms xmlns="http://schemas.microsoft.com/office/infopath/2007/PartnerControls"/>
+    </j3be57c0cc33447993dea9adf22e17aa>
+    <o90571e0c2504f6087062653c1feab14 xmlns="021e6479-67b1-4ffe-9fba-60aa2db3380c">
+      <Terms xmlns="http://schemas.microsoft.com/office/infopath/2007/PartnerControls"/>
+    </o90571e0c2504f6087062653c1feab14>
+    <TaxCatchAll xmlns="e14eabbf-085b-423c-adff-d7b7c479b5df" xsi:nil="true"/>
+  </documentManagement>
+</p:properties>
+</file>
+
+<file path=customXml/item3.xml><?xml version="1.0" encoding="utf-8"?>
+<?mso-contentType ?>
+<FormTemplates xmlns="http://schemas.microsoft.com/sharepoint/v3/contenttype/forms">
+  <Display>DocumentLibraryForm</Display>
+  <Edit>DocumentLibraryForm</Edit>
+  <New>DocumentLibraryForm</New>
+</FormTemplates>
+</file>
+
 <file path=customXml/itemProps1.xml><?xml version="1.0" encoding="utf-8"?>
+<ds:datastoreItem xmlns:ds="http://schemas.openxmlformats.org/officeDocument/2006/customXml" ds:itemID="{D5581F44-AA4C-4AE6-B92C-9E36A4EC23C1}">
+  <ds:schemaRefs>
+    <ds:schemaRef ds:uri="http://schemas.microsoft.com/office/2006/metadata/contentType"/>
+    <ds:schemaRef ds:uri="http://schemas.microsoft.com/office/2006/metadata/properties/metaAttributes"/>
+    <ds:schemaRef ds:uri="http://www.w3.org/2001/XMLSchema"/>
+    <ds:schemaRef ds:uri="http://schemas.microsoft.com/office/2006/metadata/properties"/>
+    <ds:schemaRef ds:uri="021e6479-67b1-4ffe-9fba-60aa2db3380c"/>
+    <ds:schemaRef ds:uri="e14eabbf-085b-423c-adff-d7b7c479b5df"/>
+    <ds:schemaRef ds:uri="http://schemas.microsoft.com/office/2006/documentManagement/types"/>
+    <ds:schemaRef ds:uri="http://schemas.microsoft.com/office/infopath/2007/PartnerControls"/>
+    <ds:schemaRef ds:uri="http://schemas.openxmlformats.org/package/2006/metadata/core-properties"/>
+    <ds:schemaRef ds:uri="http://purl.org/dc/elements/1.1/"/>
+    <ds:schemaRef ds:uri="http://purl.org/dc/terms/"/>
+    <ds:schemaRef ds:uri="http://schemas.microsoft.com/internal/obd"/>
+  </ds:schemaRefs>
+</ds:datastoreItem>
+</file>
+
+<file path=customXml/itemProps2.xml><?xml version="1.0" encoding="utf-8"?>
 <ds:datastoreItem xmlns:ds="http://schemas.openxmlformats.org/officeDocument/2006/customXml" ds:itemID="{EC2C50B6-1067-417A-81FE-D1A41986C17E}">
   <ds:schemaRefs>
     <ds:schemaRef ds:uri="http://www.w3.org/XML/1998/namespace"/>
@@ -29706,29 +30321,10 @@
 </ds:datastoreItem>
 </file>
 
-<file path=customXml/itemProps2.xml><?xml version="1.0" encoding="utf-8"?>
+<file path=customXml/itemProps3.xml><?xml version="1.0" encoding="utf-8"?>
 <ds:datastoreItem xmlns:ds="http://schemas.openxmlformats.org/officeDocument/2006/customXml" ds:itemID="{43EE7905-1AE4-483A-8087-5A84576BC5C8}">
   <ds:schemaRefs>
     <ds:schemaRef ds:uri="http://schemas.microsoft.com/sharepoint/v3/contenttype/forms"/>
   </ds:schemaRefs>
 </ds:datastoreItem>
-</file>
-
-<file path=customXml/itemProps3.xml><?xml version="1.0" encoding="utf-8"?>
-<ds:datastoreItem xmlns:ds="http://schemas.openxmlformats.org/officeDocument/2006/customXml" ds:itemID="{D5581F44-AA4C-4AE6-B92C-9E36A4EC23C1}">
-  <ds:schemaRefs>
-    <ds:schemaRef ds:uri="http://schemas.microsoft.com/office/2006/metadata/contentType"/>
-    <ds:schemaRef ds:uri="http://schemas.microsoft.com/office/2006/metadata/properties/metaAttributes"/>
-    <ds:schemaRef ds:uri="http://www.w3.org/2001/XMLSchema"/>
-    <ds:schemaRef ds:uri="http://schemas.microsoft.com/office/2006/metadata/properties"/>
-    <ds:schemaRef ds:uri="021e6479-67b1-4ffe-9fba-60aa2db3380c"/>
-    <ds:schemaRef ds:uri="e14eabbf-085b-423c-adff-d7b7c479b5df"/>
-    <ds:schemaRef ds:uri="http://schemas.microsoft.com/office/2006/documentManagement/types"/>
-    <ds:schemaRef ds:uri="http://schemas.microsoft.com/office/infopath/2007/PartnerControls"/>
-    <ds:schemaRef ds:uri="http://schemas.openxmlformats.org/package/2006/metadata/core-properties"/>
-    <ds:schemaRef ds:uri="http://purl.org/dc/elements/1.1/"/>
-    <ds:schemaRef ds:uri="http://purl.org/dc/terms/"/>
-    <ds:schemaRef ds:uri="http://schemas.microsoft.com/internal/obd"/>
-  </ds:schemaRefs>
-</ds:datastoreItem>
 </file>